--- a/tyler/meena/cs220/s21/materials/lec_32_S21.pptx
+++ b/tyler/meena/cs220/s21/materials/lec_32_S21.pptx
@@ -32,14 +32,14 @@
     <p:sldId id="277" r:id="rId23"/>
     <p:sldId id="278" r:id="rId24"/>
     <p:sldId id="279" r:id="rId25"/>
-    <p:sldId id="280" r:id="rId26"/>
-    <p:sldId id="281" r:id="rId27"/>
-    <p:sldId id="282" r:id="rId28"/>
-    <p:sldId id="283" r:id="rId29"/>
-    <p:sldId id="284" r:id="rId30"/>
-    <p:sldId id="285" r:id="rId31"/>
-    <p:sldId id="286" r:id="rId32"/>
-    <p:sldId id="287" r:id="rId33"/>
+    <p:sldId id="283" r:id="rId26"/>
+    <p:sldId id="284" r:id="rId27"/>
+    <p:sldId id="285" r:id="rId28"/>
+    <p:sldId id="286" r:id="rId29"/>
+    <p:sldId id="287" r:id="rId30"/>
+    <p:sldId id="282" r:id="rId31"/>
+    <p:sldId id="280" r:id="rId32"/>
+    <p:sldId id="281" r:id="rId33"/>
     <p:sldId id="288" r:id="rId34"/>
     <p:sldId id="289" r:id="rId35"/>
     <p:sldId id="290" r:id="rId36"/>
@@ -2197,7 +2197,7 @@
           </a:ln>
           <a:extLst>
             <a:ext uri="{C572A759-6A51-4108-AA02-DFA0A04FC94B}">
-              <ma14:wrappingTextBoxFlag xmlns:ma14="http://schemas.microsoft.com/office/mac/drawingml/2011/main" xmlns:a14="http://schemas.microsoft.com/office/drawing/2010/main" xmlns:m="http://schemas.openxmlformats.org/officeDocument/2006/math" xmlns="" val="1"/>
+              <ma14:wrappingTextBoxFlag xmlns="" xmlns:m="http://schemas.openxmlformats.org/officeDocument/2006/math" xmlns:a14="http://schemas.microsoft.com/office/drawing/2010/main" xmlns:ma14="http://schemas.microsoft.com/office/mac/drawingml/2011/main" val="1"/>
             </a:ext>
           </a:extLst>
         </p:spPr>
@@ -2236,7 +2236,7 @@
           </a:ln>
           <a:extLst>
             <a:ext uri="{C572A759-6A51-4108-AA02-DFA0A04FC94B}">
-              <ma14:wrappingTextBoxFlag xmlns:ma14="http://schemas.microsoft.com/office/mac/drawingml/2011/main" xmlns:a14="http://schemas.microsoft.com/office/drawing/2010/main" xmlns:m="http://schemas.openxmlformats.org/officeDocument/2006/math" xmlns="" val="1"/>
+              <ma14:wrappingTextBoxFlag xmlns="" xmlns:m="http://schemas.openxmlformats.org/officeDocument/2006/math" xmlns:a14="http://schemas.microsoft.com/office/drawing/2010/main" xmlns:ma14="http://schemas.microsoft.com/office/mac/drawingml/2011/main" val="1"/>
             </a:ext>
           </a:extLst>
         </p:spPr>
@@ -3446,7 +3446,7 @@
           </a:ln>
           <a:extLst>
             <a:ext uri="{C572A759-6A51-4108-AA02-DFA0A04FC94B}">
-              <ma14:wrappingTextBoxFlag xmlns:ma14="http://schemas.microsoft.com/office/mac/drawingml/2011/main" xmlns:a14="http://schemas.microsoft.com/office/drawing/2010/main" xmlns:m="http://schemas.openxmlformats.org/officeDocument/2006/math" xmlns="" val="1"/>
+              <ma14:wrappingTextBoxFlag xmlns="" xmlns:m="http://schemas.openxmlformats.org/officeDocument/2006/math" xmlns:a14="http://schemas.microsoft.com/office/drawing/2010/main" xmlns:ma14="http://schemas.microsoft.com/office/mac/drawingml/2011/main" val="1"/>
             </a:ext>
           </a:extLst>
         </p:spPr>
@@ -3481,7 +3481,7 @@
           </a:ln>
           <a:extLst>
             <a:ext uri="{C572A759-6A51-4108-AA02-DFA0A04FC94B}">
-              <ma14:wrappingTextBoxFlag xmlns:ma14="http://schemas.microsoft.com/office/mac/drawingml/2011/main" xmlns:a14="http://schemas.microsoft.com/office/drawing/2010/main" xmlns:m="http://schemas.openxmlformats.org/officeDocument/2006/math" xmlns="" val="1"/>
+              <ma14:wrappingTextBoxFlag xmlns="" xmlns:m="http://schemas.openxmlformats.org/officeDocument/2006/math" xmlns:a14="http://schemas.microsoft.com/office/drawing/2010/main" xmlns:ma14="http://schemas.microsoft.com/office/mac/drawingml/2011/main" val="1"/>
             </a:ext>
           </a:extLst>
         </p:spPr>
@@ -3599,7 +3599,7 @@
           </a:ln>
           <a:extLst>
             <a:ext uri="{C572A759-6A51-4108-AA02-DFA0A04FC94B}">
-              <ma14:wrappingTextBoxFlag xmlns:ma14="http://schemas.microsoft.com/office/mac/drawingml/2011/main" xmlns:a14="http://schemas.microsoft.com/office/drawing/2010/main" xmlns:m="http://schemas.openxmlformats.org/officeDocument/2006/math" xmlns="" val="1"/>
+              <ma14:wrappingTextBoxFlag xmlns="" xmlns:m="http://schemas.openxmlformats.org/officeDocument/2006/math" xmlns:a14="http://schemas.microsoft.com/office/drawing/2010/main" xmlns:ma14="http://schemas.microsoft.com/office/mac/drawingml/2011/main" val="1"/>
             </a:ext>
           </a:extLst>
         </p:spPr>
@@ -3645,7 +3645,7 @@
           </a:ln>
           <a:extLst>
             <a:ext uri="{C572A759-6A51-4108-AA02-DFA0A04FC94B}">
-              <ma14:wrappingTextBoxFlag xmlns:ma14="http://schemas.microsoft.com/office/mac/drawingml/2011/main" xmlns:a14="http://schemas.microsoft.com/office/drawing/2010/main" xmlns:m="http://schemas.openxmlformats.org/officeDocument/2006/math" xmlns="" val="1"/>
+              <ma14:wrappingTextBoxFlag xmlns="" xmlns:m="http://schemas.openxmlformats.org/officeDocument/2006/math" xmlns:a14="http://schemas.microsoft.com/office/drawing/2010/main" xmlns:ma14="http://schemas.microsoft.com/office/mac/drawingml/2011/main" val="1"/>
             </a:ext>
           </a:extLst>
         </p:spPr>
@@ -3680,7 +3680,7 @@
           </a:ln>
           <a:extLst>
             <a:ext uri="{C572A759-6A51-4108-AA02-DFA0A04FC94B}">
-              <ma14:wrappingTextBoxFlag xmlns:ma14="http://schemas.microsoft.com/office/mac/drawingml/2011/main" xmlns:a14="http://schemas.microsoft.com/office/drawing/2010/main" xmlns:m="http://schemas.openxmlformats.org/officeDocument/2006/math" xmlns="" val="1"/>
+              <ma14:wrappingTextBoxFlag xmlns="" xmlns:m="http://schemas.openxmlformats.org/officeDocument/2006/math" xmlns:a14="http://schemas.microsoft.com/office/drawing/2010/main" xmlns:ma14="http://schemas.microsoft.com/office/mac/drawingml/2011/main" val="1"/>
             </a:ext>
           </a:extLst>
         </p:spPr>
@@ -3763,7 +3763,7 @@
           </a:ln>
           <a:extLst>
             <a:ext uri="{C572A759-6A51-4108-AA02-DFA0A04FC94B}">
-              <ma14:wrappingTextBoxFlag xmlns:ma14="http://schemas.microsoft.com/office/mac/drawingml/2011/main" xmlns:a14="http://schemas.microsoft.com/office/drawing/2010/main" xmlns:m="http://schemas.openxmlformats.org/officeDocument/2006/math" xmlns="" val="1"/>
+              <ma14:wrappingTextBoxFlag xmlns="" xmlns:m="http://schemas.openxmlformats.org/officeDocument/2006/math" xmlns:a14="http://schemas.microsoft.com/office/drawing/2010/main" xmlns:ma14="http://schemas.microsoft.com/office/mac/drawingml/2011/main" val="1"/>
             </a:ext>
           </a:extLst>
         </p:spPr>
@@ -3933,7 +3933,7 @@
           </a:ln>
           <a:extLst>
             <a:ext uri="{C572A759-6A51-4108-AA02-DFA0A04FC94B}">
-              <ma14:wrappingTextBoxFlag xmlns:ma14="http://schemas.microsoft.com/office/mac/drawingml/2011/main" xmlns:a14="http://schemas.microsoft.com/office/drawing/2010/main" xmlns:m="http://schemas.openxmlformats.org/officeDocument/2006/math" xmlns="" val="1"/>
+              <ma14:wrappingTextBoxFlag xmlns="" xmlns:m="http://schemas.openxmlformats.org/officeDocument/2006/math" xmlns:a14="http://schemas.microsoft.com/office/drawing/2010/main" xmlns:ma14="http://schemas.microsoft.com/office/mac/drawingml/2011/main" val="1"/>
             </a:ext>
           </a:extLst>
         </p:spPr>
@@ -4015,7 +4015,7 @@
           </a:ln>
           <a:extLst>
             <a:ext uri="{C572A759-6A51-4108-AA02-DFA0A04FC94B}">
-              <ma14:wrappingTextBoxFlag xmlns:ma14="http://schemas.microsoft.com/office/mac/drawingml/2011/main" xmlns:a14="http://schemas.microsoft.com/office/drawing/2010/main" xmlns:m="http://schemas.openxmlformats.org/officeDocument/2006/math" xmlns="" val="1"/>
+              <ma14:wrappingTextBoxFlag xmlns="" xmlns:m="http://schemas.openxmlformats.org/officeDocument/2006/math" xmlns:a14="http://schemas.microsoft.com/office/drawing/2010/main" xmlns:ma14="http://schemas.microsoft.com/office/mac/drawingml/2011/main" val="1"/>
             </a:ext>
           </a:extLst>
         </p:spPr>
@@ -4368,7 +4368,7 @@
           </a:ln>
           <a:extLst>
             <a:ext uri="{C572A759-6A51-4108-AA02-DFA0A04FC94B}">
-              <ma14:wrappingTextBoxFlag xmlns:ma14="http://schemas.microsoft.com/office/mac/drawingml/2011/main" xmlns:a14="http://schemas.microsoft.com/office/drawing/2010/main" xmlns:m="http://schemas.openxmlformats.org/officeDocument/2006/math" xmlns="" val="1"/>
+              <ma14:wrappingTextBoxFlag xmlns="" xmlns:m="http://schemas.openxmlformats.org/officeDocument/2006/math" xmlns:a14="http://schemas.microsoft.com/office/drawing/2010/main" xmlns:ma14="http://schemas.microsoft.com/office/mac/drawingml/2011/main" val="1"/>
             </a:ext>
           </a:extLst>
         </p:spPr>
@@ -4403,7 +4403,7 @@
           </a:ln>
           <a:extLst>
             <a:ext uri="{C572A759-6A51-4108-AA02-DFA0A04FC94B}">
-              <ma14:wrappingTextBoxFlag xmlns:ma14="http://schemas.microsoft.com/office/mac/drawingml/2011/main" xmlns:a14="http://schemas.microsoft.com/office/drawing/2010/main" xmlns:m="http://schemas.openxmlformats.org/officeDocument/2006/math" xmlns="" val="1"/>
+              <ma14:wrappingTextBoxFlag xmlns="" xmlns:m="http://schemas.openxmlformats.org/officeDocument/2006/math" xmlns:a14="http://schemas.microsoft.com/office/drawing/2010/main" xmlns:ma14="http://schemas.microsoft.com/office/mac/drawingml/2011/main" val="1"/>
             </a:ext>
           </a:extLst>
         </p:spPr>
@@ -4521,7 +4521,7 @@
           </a:ln>
           <a:extLst>
             <a:ext uri="{C572A759-6A51-4108-AA02-DFA0A04FC94B}">
-              <ma14:wrappingTextBoxFlag xmlns:ma14="http://schemas.microsoft.com/office/mac/drawingml/2011/main" xmlns:a14="http://schemas.microsoft.com/office/drawing/2010/main" xmlns:m="http://schemas.openxmlformats.org/officeDocument/2006/math" xmlns="" val="1"/>
+              <ma14:wrappingTextBoxFlag xmlns="" xmlns:m="http://schemas.openxmlformats.org/officeDocument/2006/math" xmlns:a14="http://schemas.microsoft.com/office/drawing/2010/main" xmlns:ma14="http://schemas.microsoft.com/office/mac/drawingml/2011/main" val="1"/>
             </a:ext>
           </a:extLst>
         </p:spPr>
@@ -4567,7 +4567,7 @@
           </a:ln>
           <a:extLst>
             <a:ext uri="{C572A759-6A51-4108-AA02-DFA0A04FC94B}">
-              <ma14:wrappingTextBoxFlag xmlns:ma14="http://schemas.microsoft.com/office/mac/drawingml/2011/main" xmlns:a14="http://schemas.microsoft.com/office/drawing/2010/main" xmlns:m="http://schemas.openxmlformats.org/officeDocument/2006/math" xmlns="" val="1"/>
+              <ma14:wrappingTextBoxFlag xmlns="" xmlns:m="http://schemas.openxmlformats.org/officeDocument/2006/math" xmlns:a14="http://schemas.microsoft.com/office/drawing/2010/main" xmlns:ma14="http://schemas.microsoft.com/office/mac/drawingml/2011/main" val="1"/>
             </a:ext>
           </a:extLst>
         </p:spPr>
@@ -4602,7 +4602,7 @@
           </a:ln>
           <a:extLst>
             <a:ext uri="{C572A759-6A51-4108-AA02-DFA0A04FC94B}">
-              <ma14:wrappingTextBoxFlag xmlns:ma14="http://schemas.microsoft.com/office/mac/drawingml/2011/main" xmlns:a14="http://schemas.microsoft.com/office/drawing/2010/main" xmlns:m="http://schemas.openxmlformats.org/officeDocument/2006/math" xmlns="" val="1"/>
+              <ma14:wrappingTextBoxFlag xmlns="" xmlns:m="http://schemas.openxmlformats.org/officeDocument/2006/math" xmlns:a14="http://schemas.microsoft.com/office/drawing/2010/main" xmlns:ma14="http://schemas.microsoft.com/office/mac/drawingml/2011/main" val="1"/>
             </a:ext>
           </a:extLst>
         </p:spPr>
@@ -4685,7 +4685,7 @@
           </a:ln>
           <a:extLst>
             <a:ext uri="{C572A759-6A51-4108-AA02-DFA0A04FC94B}">
-              <ma14:wrappingTextBoxFlag xmlns:ma14="http://schemas.microsoft.com/office/mac/drawingml/2011/main" xmlns:a14="http://schemas.microsoft.com/office/drawing/2010/main" xmlns:m="http://schemas.openxmlformats.org/officeDocument/2006/math" xmlns="" val="1"/>
+              <ma14:wrappingTextBoxFlag xmlns="" xmlns:m="http://schemas.openxmlformats.org/officeDocument/2006/math" xmlns:a14="http://schemas.microsoft.com/office/drawing/2010/main" xmlns:ma14="http://schemas.microsoft.com/office/mac/drawingml/2011/main" val="1"/>
             </a:ext>
           </a:extLst>
         </p:spPr>
@@ -4855,7 +4855,7 @@
           </a:ln>
           <a:extLst>
             <a:ext uri="{C572A759-6A51-4108-AA02-DFA0A04FC94B}">
-              <ma14:wrappingTextBoxFlag xmlns:ma14="http://schemas.microsoft.com/office/mac/drawingml/2011/main" xmlns:a14="http://schemas.microsoft.com/office/drawing/2010/main" xmlns:m="http://schemas.openxmlformats.org/officeDocument/2006/math" xmlns="" val="1"/>
+              <ma14:wrappingTextBoxFlag xmlns="" xmlns:m="http://schemas.openxmlformats.org/officeDocument/2006/math" xmlns:a14="http://schemas.microsoft.com/office/drawing/2010/main" xmlns:ma14="http://schemas.microsoft.com/office/mac/drawingml/2011/main" val="1"/>
             </a:ext>
           </a:extLst>
         </p:spPr>
@@ -4937,7 +4937,7 @@
           </a:ln>
           <a:extLst>
             <a:ext uri="{C572A759-6A51-4108-AA02-DFA0A04FC94B}">
-              <ma14:wrappingTextBoxFlag xmlns:ma14="http://schemas.microsoft.com/office/mac/drawingml/2011/main" xmlns:a14="http://schemas.microsoft.com/office/drawing/2010/main" xmlns:m="http://schemas.openxmlformats.org/officeDocument/2006/math" xmlns="" val="1"/>
+              <ma14:wrappingTextBoxFlag xmlns="" xmlns:m="http://schemas.openxmlformats.org/officeDocument/2006/math" xmlns:a14="http://schemas.microsoft.com/office/drawing/2010/main" xmlns:ma14="http://schemas.microsoft.com/office/mac/drawingml/2011/main" val="1"/>
             </a:ext>
           </a:extLst>
         </p:spPr>
@@ -5294,7 +5294,7 @@
           </a:ln>
           <a:extLst>
             <a:ext uri="{C572A759-6A51-4108-AA02-DFA0A04FC94B}">
-              <ma14:wrappingTextBoxFlag xmlns:ma14="http://schemas.microsoft.com/office/mac/drawingml/2011/main" xmlns:a14="http://schemas.microsoft.com/office/drawing/2010/main" xmlns:m="http://schemas.openxmlformats.org/officeDocument/2006/math" xmlns="" val="1"/>
+              <ma14:wrappingTextBoxFlag xmlns="" xmlns:m="http://schemas.openxmlformats.org/officeDocument/2006/math" xmlns:a14="http://schemas.microsoft.com/office/drawing/2010/main" xmlns:ma14="http://schemas.microsoft.com/office/mac/drawingml/2011/main" val="1"/>
             </a:ext>
           </a:extLst>
         </p:spPr>
@@ -5329,7 +5329,7 @@
           </a:ln>
           <a:extLst>
             <a:ext uri="{C572A759-6A51-4108-AA02-DFA0A04FC94B}">
-              <ma14:wrappingTextBoxFlag xmlns:ma14="http://schemas.microsoft.com/office/mac/drawingml/2011/main" xmlns:a14="http://schemas.microsoft.com/office/drawing/2010/main" xmlns:m="http://schemas.openxmlformats.org/officeDocument/2006/math" xmlns="" val="1"/>
+              <ma14:wrappingTextBoxFlag xmlns="" xmlns:m="http://schemas.openxmlformats.org/officeDocument/2006/math" xmlns:a14="http://schemas.microsoft.com/office/drawing/2010/main" xmlns:ma14="http://schemas.microsoft.com/office/mac/drawingml/2011/main" val="1"/>
             </a:ext>
           </a:extLst>
         </p:spPr>
@@ -5447,7 +5447,7 @@
           </a:ln>
           <a:extLst>
             <a:ext uri="{C572A759-6A51-4108-AA02-DFA0A04FC94B}">
-              <ma14:wrappingTextBoxFlag xmlns:ma14="http://schemas.microsoft.com/office/mac/drawingml/2011/main" xmlns:a14="http://schemas.microsoft.com/office/drawing/2010/main" xmlns:m="http://schemas.openxmlformats.org/officeDocument/2006/math" xmlns="" val="1"/>
+              <ma14:wrappingTextBoxFlag xmlns="" xmlns:m="http://schemas.openxmlformats.org/officeDocument/2006/math" xmlns:a14="http://schemas.microsoft.com/office/drawing/2010/main" xmlns:ma14="http://schemas.microsoft.com/office/mac/drawingml/2011/main" val="1"/>
             </a:ext>
           </a:extLst>
         </p:spPr>
@@ -5493,7 +5493,7 @@
           </a:ln>
           <a:extLst>
             <a:ext uri="{C572A759-6A51-4108-AA02-DFA0A04FC94B}">
-              <ma14:wrappingTextBoxFlag xmlns:ma14="http://schemas.microsoft.com/office/mac/drawingml/2011/main" xmlns:a14="http://schemas.microsoft.com/office/drawing/2010/main" xmlns:m="http://schemas.openxmlformats.org/officeDocument/2006/math" xmlns="" val="1"/>
+              <ma14:wrappingTextBoxFlag xmlns="" xmlns:m="http://schemas.openxmlformats.org/officeDocument/2006/math" xmlns:a14="http://schemas.microsoft.com/office/drawing/2010/main" xmlns:ma14="http://schemas.microsoft.com/office/mac/drawingml/2011/main" val="1"/>
             </a:ext>
           </a:extLst>
         </p:spPr>
@@ -5528,7 +5528,7 @@
           </a:ln>
           <a:extLst>
             <a:ext uri="{C572A759-6A51-4108-AA02-DFA0A04FC94B}">
-              <ma14:wrappingTextBoxFlag xmlns:ma14="http://schemas.microsoft.com/office/mac/drawingml/2011/main" xmlns:a14="http://schemas.microsoft.com/office/drawing/2010/main" xmlns:m="http://schemas.openxmlformats.org/officeDocument/2006/math" xmlns="" val="1"/>
+              <ma14:wrappingTextBoxFlag xmlns="" xmlns:m="http://schemas.openxmlformats.org/officeDocument/2006/math" xmlns:a14="http://schemas.microsoft.com/office/drawing/2010/main" xmlns:ma14="http://schemas.microsoft.com/office/mac/drawingml/2011/main" val="1"/>
             </a:ext>
           </a:extLst>
         </p:spPr>
@@ -5611,7 +5611,7 @@
           </a:ln>
           <a:extLst>
             <a:ext uri="{C572A759-6A51-4108-AA02-DFA0A04FC94B}">
-              <ma14:wrappingTextBoxFlag xmlns:ma14="http://schemas.microsoft.com/office/mac/drawingml/2011/main" xmlns:a14="http://schemas.microsoft.com/office/drawing/2010/main" xmlns:m="http://schemas.openxmlformats.org/officeDocument/2006/math" xmlns="" val="1"/>
+              <ma14:wrappingTextBoxFlag xmlns="" xmlns:m="http://schemas.openxmlformats.org/officeDocument/2006/math" xmlns:a14="http://schemas.microsoft.com/office/drawing/2010/main" xmlns:ma14="http://schemas.microsoft.com/office/mac/drawingml/2011/main" val="1"/>
             </a:ext>
           </a:extLst>
         </p:spPr>
@@ -5781,7 +5781,7 @@
           </a:ln>
           <a:extLst>
             <a:ext uri="{C572A759-6A51-4108-AA02-DFA0A04FC94B}">
-              <ma14:wrappingTextBoxFlag xmlns:ma14="http://schemas.microsoft.com/office/mac/drawingml/2011/main" xmlns:a14="http://schemas.microsoft.com/office/drawing/2010/main" xmlns:m="http://schemas.openxmlformats.org/officeDocument/2006/math" xmlns="" val="1"/>
+              <ma14:wrappingTextBoxFlag xmlns="" xmlns:m="http://schemas.openxmlformats.org/officeDocument/2006/math" xmlns:a14="http://schemas.microsoft.com/office/drawing/2010/main" xmlns:ma14="http://schemas.microsoft.com/office/mac/drawingml/2011/main" val="1"/>
             </a:ext>
           </a:extLst>
         </p:spPr>
@@ -5863,7 +5863,7 @@
           </a:ln>
           <a:extLst>
             <a:ext uri="{C572A759-6A51-4108-AA02-DFA0A04FC94B}">
-              <ma14:wrappingTextBoxFlag xmlns:ma14="http://schemas.microsoft.com/office/mac/drawingml/2011/main" xmlns:a14="http://schemas.microsoft.com/office/drawing/2010/main" xmlns:m="http://schemas.openxmlformats.org/officeDocument/2006/math" xmlns="" val="1"/>
+              <ma14:wrappingTextBoxFlag xmlns="" xmlns:m="http://schemas.openxmlformats.org/officeDocument/2006/math" xmlns:a14="http://schemas.microsoft.com/office/drawing/2010/main" xmlns:ma14="http://schemas.microsoft.com/office/mac/drawingml/2011/main" val="1"/>
             </a:ext>
           </a:extLst>
         </p:spPr>
@@ -6024,7 +6024,7 @@
           </a:ln>
           <a:extLst>
             <a:ext uri="{C572A759-6A51-4108-AA02-DFA0A04FC94B}">
-              <ma14:wrappingTextBoxFlag xmlns:ma14="http://schemas.microsoft.com/office/mac/drawingml/2011/main" xmlns:a14="http://schemas.microsoft.com/office/drawing/2010/main" xmlns:m="http://schemas.openxmlformats.org/officeDocument/2006/math" xmlns="" val="1"/>
+              <ma14:wrappingTextBoxFlag xmlns="" xmlns:m="http://schemas.openxmlformats.org/officeDocument/2006/math" xmlns:a14="http://schemas.microsoft.com/office/drawing/2010/main" xmlns:ma14="http://schemas.microsoft.com/office/mac/drawingml/2011/main" val="1"/>
             </a:ext>
           </a:extLst>
         </p:spPr>
@@ -6147,7 +6147,7 @@
           </a:ln>
           <a:extLst>
             <a:ext uri="{C572A759-6A51-4108-AA02-DFA0A04FC94B}">
-              <ma14:wrappingTextBoxFlag xmlns:ma14="http://schemas.microsoft.com/office/mac/drawingml/2011/main" xmlns:a14="http://schemas.microsoft.com/office/drawing/2010/main" xmlns:m="http://schemas.openxmlformats.org/officeDocument/2006/math" xmlns="" val="1"/>
+              <ma14:wrappingTextBoxFlag xmlns="" xmlns:m="http://schemas.openxmlformats.org/officeDocument/2006/math" xmlns:a14="http://schemas.microsoft.com/office/drawing/2010/main" xmlns:ma14="http://schemas.microsoft.com/office/mac/drawingml/2011/main" val="1"/>
             </a:ext>
           </a:extLst>
         </p:spPr>
@@ -6206,7 +6206,7 @@
           </a:ln>
           <a:extLst>
             <a:ext uri="{C572A759-6A51-4108-AA02-DFA0A04FC94B}">
-              <ma14:wrappingTextBoxFlag xmlns:ma14="http://schemas.microsoft.com/office/mac/drawingml/2011/main" xmlns:a14="http://schemas.microsoft.com/office/drawing/2010/main" xmlns:m="http://schemas.openxmlformats.org/officeDocument/2006/math" xmlns="" val="1"/>
+              <ma14:wrappingTextBoxFlag xmlns="" xmlns:m="http://schemas.openxmlformats.org/officeDocument/2006/math" xmlns:a14="http://schemas.microsoft.com/office/drawing/2010/main" xmlns:ma14="http://schemas.microsoft.com/office/mac/drawingml/2011/main" val="1"/>
             </a:ext>
           </a:extLst>
         </p:spPr>
@@ -6263,7 +6263,7 @@
           </a:ln>
           <a:extLst>
             <a:ext uri="{C572A759-6A51-4108-AA02-DFA0A04FC94B}">
-              <ma14:wrappingTextBoxFlag xmlns:ma14="http://schemas.microsoft.com/office/mac/drawingml/2011/main" xmlns:a14="http://schemas.microsoft.com/office/drawing/2010/main" xmlns:m="http://schemas.openxmlformats.org/officeDocument/2006/math" xmlns="" val="1"/>
+              <ma14:wrappingTextBoxFlag xmlns="" xmlns:m="http://schemas.openxmlformats.org/officeDocument/2006/math" xmlns:a14="http://schemas.microsoft.com/office/drawing/2010/main" xmlns:ma14="http://schemas.microsoft.com/office/mac/drawingml/2011/main" val="1"/>
             </a:ext>
           </a:extLst>
         </p:spPr>
@@ -6302,7 +6302,7 @@
           </a:ln>
           <a:extLst>
             <a:ext uri="{C572A759-6A51-4108-AA02-DFA0A04FC94B}">
-              <ma14:wrappingTextBoxFlag xmlns:ma14="http://schemas.microsoft.com/office/mac/drawingml/2011/main" xmlns:a14="http://schemas.microsoft.com/office/drawing/2010/main" xmlns:m="http://schemas.openxmlformats.org/officeDocument/2006/math" xmlns="" val="1"/>
+              <ma14:wrappingTextBoxFlag xmlns="" xmlns:m="http://schemas.openxmlformats.org/officeDocument/2006/math" xmlns:a14="http://schemas.microsoft.com/office/drawing/2010/main" xmlns:ma14="http://schemas.microsoft.com/office/mac/drawingml/2011/main" val="1"/>
             </a:ext>
           </a:extLst>
         </p:spPr>
@@ -6579,7 +6579,7 @@
           </a:ln>
           <a:extLst>
             <a:ext uri="{C572A759-6A51-4108-AA02-DFA0A04FC94B}">
-              <ma14:wrappingTextBoxFlag xmlns:ma14="http://schemas.microsoft.com/office/mac/drawingml/2011/main" xmlns:a14="http://schemas.microsoft.com/office/drawing/2010/main" xmlns:m="http://schemas.openxmlformats.org/officeDocument/2006/math" xmlns="" val="1"/>
+              <ma14:wrappingTextBoxFlag xmlns="" xmlns:m="http://schemas.openxmlformats.org/officeDocument/2006/math" xmlns:a14="http://schemas.microsoft.com/office/drawing/2010/main" xmlns:ma14="http://schemas.microsoft.com/office/mac/drawingml/2011/main" val="1"/>
             </a:ext>
           </a:extLst>
         </p:spPr>
@@ -6630,7 +6630,7 @@
           </a:ln>
           <a:extLst>
             <a:ext uri="{C572A759-6A51-4108-AA02-DFA0A04FC94B}">
-              <ma14:wrappingTextBoxFlag xmlns:ma14="http://schemas.microsoft.com/office/mac/drawingml/2011/main" xmlns:a14="http://schemas.microsoft.com/office/drawing/2010/main" xmlns:m="http://schemas.openxmlformats.org/officeDocument/2006/math" xmlns="" val="1"/>
+              <ma14:wrappingTextBoxFlag xmlns="" xmlns:m="http://schemas.openxmlformats.org/officeDocument/2006/math" xmlns:a14="http://schemas.microsoft.com/office/drawing/2010/main" xmlns:ma14="http://schemas.microsoft.com/office/mac/drawingml/2011/main" val="1"/>
             </a:ext>
           </a:extLst>
         </p:spPr>
@@ -6761,7 +6761,7 @@
           </a:ln>
           <a:extLst>
             <a:ext uri="{C572A759-6A51-4108-AA02-DFA0A04FC94B}">
-              <ma14:wrappingTextBoxFlag xmlns:ma14="http://schemas.microsoft.com/office/mac/drawingml/2011/main" xmlns:a14="http://schemas.microsoft.com/office/drawing/2010/main" xmlns:m="http://schemas.openxmlformats.org/officeDocument/2006/math" xmlns="" val="1"/>
+              <ma14:wrappingTextBoxFlag xmlns="" xmlns:m="http://schemas.openxmlformats.org/officeDocument/2006/math" xmlns:a14="http://schemas.microsoft.com/office/drawing/2010/main" xmlns:ma14="http://schemas.microsoft.com/office/mac/drawingml/2011/main" val="1"/>
             </a:ext>
           </a:extLst>
         </p:spPr>
@@ -6867,7 +6867,7 @@
           </a:ln>
           <a:extLst>
             <a:ext uri="{C572A759-6A51-4108-AA02-DFA0A04FC94B}">
-              <ma14:wrappingTextBoxFlag xmlns:ma14="http://schemas.microsoft.com/office/mac/drawingml/2011/main" xmlns:a14="http://schemas.microsoft.com/office/drawing/2010/main" xmlns:m="http://schemas.openxmlformats.org/officeDocument/2006/math" xmlns="" val="1"/>
+              <ma14:wrappingTextBoxFlag xmlns="" xmlns:m="http://schemas.openxmlformats.org/officeDocument/2006/math" xmlns:a14="http://schemas.microsoft.com/office/drawing/2010/main" xmlns:ma14="http://schemas.microsoft.com/office/mac/drawingml/2011/main" val="1"/>
             </a:ext>
           </a:extLst>
         </p:spPr>
@@ -6981,7 +6981,7 @@
           </a:ln>
           <a:extLst>
             <a:ext uri="{C572A759-6A51-4108-AA02-DFA0A04FC94B}">
-              <ma14:wrappingTextBoxFlag xmlns:ma14="http://schemas.microsoft.com/office/mac/drawingml/2011/main" xmlns:a14="http://schemas.microsoft.com/office/drawing/2010/main" xmlns:m="http://schemas.openxmlformats.org/officeDocument/2006/math" xmlns="" val="1"/>
+              <ma14:wrappingTextBoxFlag xmlns="" xmlns:m="http://schemas.openxmlformats.org/officeDocument/2006/math" xmlns:a14="http://schemas.microsoft.com/office/drawing/2010/main" xmlns:ma14="http://schemas.microsoft.com/office/mac/drawingml/2011/main" val="1"/>
             </a:ext>
           </a:extLst>
         </p:spPr>
@@ -7020,7 +7020,7 @@
           </a:ln>
           <a:extLst>
             <a:ext uri="{C572A759-6A51-4108-AA02-DFA0A04FC94B}">
-              <ma14:wrappingTextBoxFlag xmlns:ma14="http://schemas.microsoft.com/office/mac/drawingml/2011/main" xmlns:a14="http://schemas.microsoft.com/office/drawing/2010/main" xmlns:m="http://schemas.openxmlformats.org/officeDocument/2006/math" xmlns="" val="1"/>
+              <ma14:wrappingTextBoxFlag xmlns="" xmlns:m="http://schemas.openxmlformats.org/officeDocument/2006/math" xmlns:a14="http://schemas.microsoft.com/office/drawing/2010/main" xmlns:ma14="http://schemas.microsoft.com/office/mac/drawingml/2011/main" val="1"/>
             </a:ext>
           </a:extLst>
         </p:spPr>
@@ -7259,7 +7259,7 @@
           </a:ln>
           <a:extLst>
             <a:ext uri="{C572A759-6A51-4108-AA02-DFA0A04FC94B}">
-              <ma14:wrappingTextBoxFlag xmlns:ma14="http://schemas.microsoft.com/office/mac/drawingml/2011/main" xmlns:a14="http://schemas.microsoft.com/office/drawing/2010/main" xmlns:m="http://schemas.openxmlformats.org/officeDocument/2006/math" xmlns="" val="1"/>
+              <ma14:wrappingTextBoxFlag xmlns="" xmlns:m="http://schemas.openxmlformats.org/officeDocument/2006/math" xmlns:a14="http://schemas.microsoft.com/office/drawing/2010/main" xmlns:ma14="http://schemas.microsoft.com/office/mac/drawingml/2011/main" val="1"/>
             </a:ext>
           </a:extLst>
         </p:spPr>
@@ -7304,7 +7304,7 @@
           </a:ln>
           <a:extLst>
             <a:ext uri="{C572A759-6A51-4108-AA02-DFA0A04FC94B}">
-              <ma14:wrappingTextBoxFlag xmlns:ma14="http://schemas.microsoft.com/office/mac/drawingml/2011/main" xmlns:a14="http://schemas.microsoft.com/office/drawing/2010/main" xmlns:m="http://schemas.openxmlformats.org/officeDocument/2006/math" xmlns="" val="1"/>
+              <ma14:wrappingTextBoxFlag xmlns="" xmlns:m="http://schemas.openxmlformats.org/officeDocument/2006/math" xmlns:a14="http://schemas.microsoft.com/office/drawing/2010/main" xmlns:ma14="http://schemas.microsoft.com/office/mac/drawingml/2011/main" val="1"/>
             </a:ext>
           </a:extLst>
         </p:spPr>
@@ -7341,7 +7341,7 @@
           </a:ln>
           <a:extLst>
             <a:ext uri="{C572A759-6A51-4108-AA02-DFA0A04FC94B}">
-              <ma14:wrappingTextBoxFlag xmlns:ma14="http://schemas.microsoft.com/office/mac/drawingml/2011/main" xmlns:a14="http://schemas.microsoft.com/office/drawing/2010/main" xmlns:m="http://schemas.openxmlformats.org/officeDocument/2006/math" xmlns="" val="1"/>
+              <ma14:wrappingTextBoxFlag xmlns="" xmlns:m="http://schemas.openxmlformats.org/officeDocument/2006/math" xmlns:a14="http://schemas.microsoft.com/office/drawing/2010/main" xmlns:ma14="http://schemas.microsoft.com/office/mac/drawingml/2011/main" val="1"/>
             </a:ext>
           </a:extLst>
         </p:spPr>
@@ -7578,7 +7578,7 @@
           </a:ln>
           <a:extLst>
             <a:ext uri="{C572A759-6A51-4108-AA02-DFA0A04FC94B}">
-              <ma14:wrappingTextBoxFlag xmlns:ma14="http://schemas.microsoft.com/office/mac/drawingml/2011/main" xmlns:a14="http://schemas.microsoft.com/office/drawing/2010/main" xmlns:m="http://schemas.openxmlformats.org/officeDocument/2006/math" xmlns="" val="1"/>
+              <ma14:wrappingTextBoxFlag xmlns="" xmlns:m="http://schemas.openxmlformats.org/officeDocument/2006/math" xmlns:a14="http://schemas.microsoft.com/office/drawing/2010/main" xmlns:ma14="http://schemas.microsoft.com/office/mac/drawingml/2011/main" val="1"/>
             </a:ext>
           </a:extLst>
         </p:spPr>
@@ -7629,7 +7629,7 @@
           </a:ln>
           <a:extLst>
             <a:ext uri="{C572A759-6A51-4108-AA02-DFA0A04FC94B}">
-              <ma14:wrappingTextBoxFlag xmlns:ma14="http://schemas.microsoft.com/office/mac/drawingml/2011/main" xmlns:a14="http://schemas.microsoft.com/office/drawing/2010/main" xmlns:m="http://schemas.openxmlformats.org/officeDocument/2006/math" xmlns="" val="1"/>
+              <ma14:wrappingTextBoxFlag xmlns="" xmlns:m="http://schemas.openxmlformats.org/officeDocument/2006/math" xmlns:a14="http://schemas.microsoft.com/office/drawing/2010/main" xmlns:ma14="http://schemas.microsoft.com/office/mac/drawingml/2011/main" val="1"/>
             </a:ext>
           </a:extLst>
         </p:spPr>
@@ -7695,7 +7695,7 @@
           </a:ln>
           <a:extLst>
             <a:ext uri="{C572A759-6A51-4108-AA02-DFA0A04FC94B}">
-              <ma14:wrappingTextBoxFlag xmlns:ma14="http://schemas.microsoft.com/office/mac/drawingml/2011/main" xmlns:a14="http://schemas.microsoft.com/office/drawing/2010/main" xmlns:m="http://schemas.openxmlformats.org/officeDocument/2006/math" xmlns="" val="1"/>
+              <ma14:wrappingTextBoxFlag xmlns="" xmlns:m="http://schemas.openxmlformats.org/officeDocument/2006/math" xmlns:a14="http://schemas.microsoft.com/office/drawing/2010/main" xmlns:ma14="http://schemas.microsoft.com/office/mac/drawingml/2011/main" val="1"/>
             </a:ext>
           </a:extLst>
         </p:spPr>
@@ -7732,7 +7732,7 @@
           </a:ln>
           <a:extLst>
             <a:ext uri="{C572A759-6A51-4108-AA02-DFA0A04FC94B}">
-              <ma14:wrappingTextBoxFlag xmlns:ma14="http://schemas.microsoft.com/office/mac/drawingml/2011/main" xmlns:a14="http://schemas.microsoft.com/office/drawing/2010/main" xmlns:m="http://schemas.openxmlformats.org/officeDocument/2006/math" xmlns="" val="1"/>
+              <ma14:wrappingTextBoxFlag xmlns="" xmlns:m="http://schemas.openxmlformats.org/officeDocument/2006/math" xmlns:a14="http://schemas.microsoft.com/office/drawing/2010/main" xmlns:ma14="http://schemas.microsoft.com/office/mac/drawingml/2011/main" val="1"/>
             </a:ext>
           </a:extLst>
         </p:spPr>
@@ -7971,7 +7971,7 @@
           </a:ln>
           <a:extLst>
             <a:ext uri="{C572A759-6A51-4108-AA02-DFA0A04FC94B}">
-              <ma14:wrappingTextBoxFlag xmlns:ma14="http://schemas.microsoft.com/office/mac/drawingml/2011/main" xmlns:a14="http://schemas.microsoft.com/office/drawing/2010/main" xmlns:m="http://schemas.openxmlformats.org/officeDocument/2006/math" xmlns="" val="1"/>
+              <ma14:wrappingTextBoxFlag xmlns="" xmlns:m="http://schemas.openxmlformats.org/officeDocument/2006/math" xmlns:a14="http://schemas.microsoft.com/office/drawing/2010/main" xmlns:ma14="http://schemas.microsoft.com/office/mac/drawingml/2011/main" val="1"/>
             </a:ext>
           </a:extLst>
         </p:spPr>
@@ -8026,7 +8026,7 @@
           </a:ln>
           <a:extLst>
             <a:ext uri="{C572A759-6A51-4108-AA02-DFA0A04FC94B}">
-              <ma14:wrappingTextBoxFlag xmlns:ma14="http://schemas.microsoft.com/office/mac/drawingml/2011/main" xmlns:a14="http://schemas.microsoft.com/office/drawing/2010/main" xmlns:m="http://schemas.openxmlformats.org/officeDocument/2006/math" xmlns="" val="1"/>
+              <ma14:wrappingTextBoxFlag xmlns="" xmlns:m="http://schemas.openxmlformats.org/officeDocument/2006/math" xmlns:a14="http://schemas.microsoft.com/office/drawing/2010/main" xmlns:ma14="http://schemas.microsoft.com/office/mac/drawingml/2011/main" val="1"/>
             </a:ext>
           </a:extLst>
         </p:spPr>
@@ -8107,7 +8107,7 @@
           </a:ln>
           <a:extLst>
             <a:ext uri="{C572A759-6A51-4108-AA02-DFA0A04FC94B}">
-              <ma14:wrappingTextBoxFlag xmlns:ma14="http://schemas.microsoft.com/office/mac/drawingml/2011/main" xmlns:a14="http://schemas.microsoft.com/office/drawing/2010/main" xmlns:m="http://schemas.openxmlformats.org/officeDocument/2006/math" xmlns="" val="1"/>
+              <ma14:wrappingTextBoxFlag xmlns="" xmlns:m="http://schemas.openxmlformats.org/officeDocument/2006/math" xmlns:a14="http://schemas.microsoft.com/office/drawing/2010/main" xmlns:ma14="http://schemas.microsoft.com/office/mac/drawingml/2011/main" val="1"/>
             </a:ext>
           </a:extLst>
         </p:spPr>
@@ -8144,7 +8144,7 @@
           </a:ln>
           <a:extLst>
             <a:ext uri="{C572A759-6A51-4108-AA02-DFA0A04FC94B}">
-              <ma14:wrappingTextBoxFlag xmlns:ma14="http://schemas.microsoft.com/office/mac/drawingml/2011/main" xmlns:a14="http://schemas.microsoft.com/office/drawing/2010/main" xmlns:m="http://schemas.openxmlformats.org/officeDocument/2006/math" xmlns="" val="1"/>
+              <ma14:wrappingTextBoxFlag xmlns="" xmlns:m="http://schemas.openxmlformats.org/officeDocument/2006/math" xmlns:a14="http://schemas.microsoft.com/office/drawing/2010/main" xmlns:ma14="http://schemas.microsoft.com/office/mac/drawingml/2011/main" val="1"/>
             </a:ext>
           </a:extLst>
         </p:spPr>
@@ -8383,7 +8383,7 @@
           </a:ln>
           <a:extLst>
             <a:ext uri="{C572A759-6A51-4108-AA02-DFA0A04FC94B}">
-              <ma14:wrappingTextBoxFlag xmlns:ma14="http://schemas.microsoft.com/office/mac/drawingml/2011/main" xmlns:a14="http://schemas.microsoft.com/office/drawing/2010/main" xmlns:m="http://schemas.openxmlformats.org/officeDocument/2006/math" xmlns="" val="1"/>
+              <ma14:wrappingTextBoxFlag xmlns="" xmlns:m="http://schemas.openxmlformats.org/officeDocument/2006/math" xmlns:a14="http://schemas.microsoft.com/office/drawing/2010/main" xmlns:ma14="http://schemas.microsoft.com/office/mac/drawingml/2011/main" val="1"/>
             </a:ext>
           </a:extLst>
         </p:spPr>
@@ -8431,7 +8431,7 @@
           </a:ln>
           <a:extLst>
             <a:ext uri="{C572A759-6A51-4108-AA02-DFA0A04FC94B}">
-              <ma14:wrappingTextBoxFlag xmlns:ma14="http://schemas.microsoft.com/office/mac/drawingml/2011/main" xmlns:a14="http://schemas.microsoft.com/office/drawing/2010/main" xmlns:m="http://schemas.openxmlformats.org/officeDocument/2006/math" xmlns="" val="1"/>
+              <ma14:wrappingTextBoxFlag xmlns="" xmlns:m="http://schemas.openxmlformats.org/officeDocument/2006/math" xmlns:a14="http://schemas.microsoft.com/office/drawing/2010/main" xmlns:ma14="http://schemas.microsoft.com/office/mac/drawingml/2011/main" val="1"/>
             </a:ext>
           </a:extLst>
         </p:spPr>
@@ -8512,7 +8512,7 @@
           </a:ln>
           <a:extLst>
             <a:ext uri="{C572A759-6A51-4108-AA02-DFA0A04FC94B}">
-              <ma14:wrappingTextBoxFlag xmlns:ma14="http://schemas.microsoft.com/office/mac/drawingml/2011/main" xmlns:a14="http://schemas.microsoft.com/office/drawing/2010/main" xmlns:m="http://schemas.openxmlformats.org/officeDocument/2006/math" xmlns="" val="1"/>
+              <ma14:wrappingTextBoxFlag xmlns="" xmlns:m="http://schemas.openxmlformats.org/officeDocument/2006/math" xmlns:a14="http://schemas.microsoft.com/office/drawing/2010/main" xmlns:ma14="http://schemas.microsoft.com/office/mac/drawingml/2011/main" val="1"/>
             </a:ext>
           </a:extLst>
         </p:spPr>
@@ -8549,7 +8549,7 @@
           </a:ln>
           <a:extLst>
             <a:ext uri="{C572A759-6A51-4108-AA02-DFA0A04FC94B}">
-              <ma14:wrappingTextBoxFlag xmlns:ma14="http://schemas.microsoft.com/office/mac/drawingml/2011/main" xmlns:a14="http://schemas.microsoft.com/office/drawing/2010/main" xmlns:m="http://schemas.openxmlformats.org/officeDocument/2006/math" xmlns="" val="1"/>
+              <ma14:wrappingTextBoxFlag xmlns="" xmlns:m="http://schemas.openxmlformats.org/officeDocument/2006/math" xmlns:a14="http://schemas.microsoft.com/office/drawing/2010/main" xmlns:ma14="http://schemas.microsoft.com/office/mac/drawingml/2011/main" val="1"/>
             </a:ext>
           </a:extLst>
         </p:spPr>
@@ -8953,7 +8953,7 @@
           </a:ln>
           <a:extLst>
             <a:ext uri="{C572A759-6A51-4108-AA02-DFA0A04FC94B}">
-              <ma14:wrappingTextBoxFlag xmlns:ma14="http://schemas.microsoft.com/office/mac/drawingml/2011/main" xmlns:a14="http://schemas.microsoft.com/office/drawing/2010/main" xmlns:m="http://schemas.openxmlformats.org/officeDocument/2006/math" xmlns="" val="1"/>
+              <ma14:wrappingTextBoxFlag xmlns="" xmlns:m="http://schemas.openxmlformats.org/officeDocument/2006/math" xmlns:a14="http://schemas.microsoft.com/office/drawing/2010/main" xmlns:ma14="http://schemas.microsoft.com/office/mac/drawingml/2011/main" val="1"/>
             </a:ext>
           </a:extLst>
         </p:spPr>
@@ -9005,7 +9005,7 @@
           </a:ln>
           <a:extLst>
             <a:ext uri="{C572A759-6A51-4108-AA02-DFA0A04FC94B}">
-              <ma14:wrappingTextBoxFlag xmlns:ma14="http://schemas.microsoft.com/office/mac/drawingml/2011/main" xmlns:a14="http://schemas.microsoft.com/office/drawing/2010/main" xmlns:m="http://schemas.openxmlformats.org/officeDocument/2006/math" xmlns="" val="1"/>
+              <ma14:wrappingTextBoxFlag xmlns="" xmlns:m="http://schemas.openxmlformats.org/officeDocument/2006/math" xmlns:a14="http://schemas.microsoft.com/office/drawing/2010/main" xmlns:ma14="http://schemas.microsoft.com/office/mac/drawingml/2011/main" val="1"/>
             </a:ext>
           </a:extLst>
         </p:spPr>
@@ -9113,7 +9113,7 @@
           </a:ln>
           <a:extLst>
             <a:ext uri="{C572A759-6A51-4108-AA02-DFA0A04FC94B}">
-              <ma14:wrappingTextBoxFlag xmlns:ma14="http://schemas.microsoft.com/office/mac/drawingml/2011/main" xmlns:a14="http://schemas.microsoft.com/office/drawing/2010/main" xmlns:m="http://schemas.openxmlformats.org/officeDocument/2006/math" xmlns="" val="1"/>
+              <ma14:wrappingTextBoxFlag xmlns="" xmlns:m="http://schemas.openxmlformats.org/officeDocument/2006/math" xmlns:a14="http://schemas.microsoft.com/office/drawing/2010/main" xmlns:ma14="http://schemas.microsoft.com/office/mac/drawingml/2011/main" val="1"/>
             </a:ext>
           </a:extLst>
         </p:spPr>
@@ -9150,7 +9150,7 @@
           </a:ln>
           <a:extLst>
             <a:ext uri="{C572A759-6A51-4108-AA02-DFA0A04FC94B}">
-              <ma14:wrappingTextBoxFlag xmlns:ma14="http://schemas.microsoft.com/office/mac/drawingml/2011/main" xmlns:a14="http://schemas.microsoft.com/office/drawing/2010/main" xmlns:m="http://schemas.openxmlformats.org/officeDocument/2006/math" xmlns="" val="1"/>
+              <ma14:wrappingTextBoxFlag xmlns="" xmlns:m="http://schemas.openxmlformats.org/officeDocument/2006/math" xmlns:a14="http://schemas.microsoft.com/office/drawing/2010/main" xmlns:ma14="http://schemas.microsoft.com/office/mac/drawingml/2011/main" val="1"/>
             </a:ext>
           </a:extLst>
         </p:spPr>
@@ -9389,7 +9389,7 @@
           </a:ln>
           <a:extLst>
             <a:ext uri="{C572A759-6A51-4108-AA02-DFA0A04FC94B}">
-              <ma14:wrappingTextBoxFlag xmlns:ma14="http://schemas.microsoft.com/office/mac/drawingml/2011/main" xmlns:a14="http://schemas.microsoft.com/office/drawing/2010/main" xmlns:m="http://schemas.openxmlformats.org/officeDocument/2006/math" xmlns="" val="1"/>
+              <ma14:wrappingTextBoxFlag xmlns="" xmlns:m="http://schemas.openxmlformats.org/officeDocument/2006/math" xmlns:a14="http://schemas.microsoft.com/office/drawing/2010/main" xmlns:ma14="http://schemas.microsoft.com/office/mac/drawingml/2011/main" val="1"/>
             </a:ext>
           </a:extLst>
         </p:spPr>
@@ -9441,7 +9441,7 @@
           </a:ln>
           <a:extLst>
             <a:ext uri="{C572A759-6A51-4108-AA02-DFA0A04FC94B}">
-              <ma14:wrappingTextBoxFlag xmlns:ma14="http://schemas.microsoft.com/office/mac/drawingml/2011/main" xmlns:a14="http://schemas.microsoft.com/office/drawing/2010/main" xmlns:m="http://schemas.openxmlformats.org/officeDocument/2006/math" xmlns="" val="1"/>
+              <ma14:wrappingTextBoxFlag xmlns="" xmlns:m="http://schemas.openxmlformats.org/officeDocument/2006/math" xmlns:a14="http://schemas.microsoft.com/office/drawing/2010/main" xmlns:ma14="http://schemas.microsoft.com/office/mac/drawingml/2011/main" val="1"/>
             </a:ext>
           </a:extLst>
         </p:spPr>
@@ -9549,7 +9549,7 @@
           </a:ln>
           <a:extLst>
             <a:ext uri="{C572A759-6A51-4108-AA02-DFA0A04FC94B}">
-              <ma14:wrappingTextBoxFlag xmlns:ma14="http://schemas.microsoft.com/office/mac/drawingml/2011/main" xmlns:a14="http://schemas.microsoft.com/office/drawing/2010/main" xmlns:m="http://schemas.openxmlformats.org/officeDocument/2006/math" xmlns="" val="1"/>
+              <ma14:wrappingTextBoxFlag xmlns="" xmlns:m="http://schemas.openxmlformats.org/officeDocument/2006/math" xmlns:a14="http://schemas.microsoft.com/office/drawing/2010/main" xmlns:ma14="http://schemas.microsoft.com/office/mac/drawingml/2011/main" val="1"/>
             </a:ext>
           </a:extLst>
         </p:spPr>
@@ -9586,7 +9586,7 @@
           </a:ln>
           <a:extLst>
             <a:ext uri="{C572A759-6A51-4108-AA02-DFA0A04FC94B}">
-              <ma14:wrappingTextBoxFlag xmlns:ma14="http://schemas.microsoft.com/office/mac/drawingml/2011/main" xmlns:a14="http://schemas.microsoft.com/office/drawing/2010/main" xmlns:m="http://schemas.openxmlformats.org/officeDocument/2006/math" xmlns="" val="1"/>
+              <ma14:wrappingTextBoxFlag xmlns="" xmlns:m="http://schemas.openxmlformats.org/officeDocument/2006/math" xmlns:a14="http://schemas.microsoft.com/office/drawing/2010/main" xmlns:ma14="http://schemas.microsoft.com/office/mac/drawingml/2011/main" val="1"/>
             </a:ext>
           </a:extLst>
         </p:spPr>
@@ -9825,7 +9825,7 @@
           </a:ln>
           <a:extLst>
             <a:ext uri="{C572A759-6A51-4108-AA02-DFA0A04FC94B}">
-              <ma14:wrappingTextBoxFlag xmlns:ma14="http://schemas.microsoft.com/office/mac/drawingml/2011/main" xmlns:a14="http://schemas.microsoft.com/office/drawing/2010/main" xmlns:m="http://schemas.openxmlformats.org/officeDocument/2006/math" xmlns="" val="1"/>
+              <ma14:wrappingTextBoxFlag xmlns="" xmlns:m="http://schemas.openxmlformats.org/officeDocument/2006/math" xmlns:a14="http://schemas.microsoft.com/office/drawing/2010/main" xmlns:ma14="http://schemas.microsoft.com/office/mac/drawingml/2011/main" val="1"/>
             </a:ext>
           </a:extLst>
         </p:spPr>
@@ -9870,7 +9870,7 @@
           </a:ln>
           <a:extLst>
             <a:ext uri="{C572A759-6A51-4108-AA02-DFA0A04FC94B}">
-              <ma14:wrappingTextBoxFlag xmlns:ma14="http://schemas.microsoft.com/office/mac/drawingml/2011/main" xmlns:a14="http://schemas.microsoft.com/office/drawing/2010/main" xmlns:m="http://schemas.openxmlformats.org/officeDocument/2006/math" xmlns="" val="1"/>
+              <ma14:wrappingTextBoxFlag xmlns="" xmlns:m="http://schemas.openxmlformats.org/officeDocument/2006/math" xmlns:a14="http://schemas.microsoft.com/office/drawing/2010/main" xmlns:ma14="http://schemas.microsoft.com/office/mac/drawingml/2011/main" val="1"/>
             </a:ext>
           </a:extLst>
         </p:spPr>
@@ -9920,7 +9920,7 @@
           </a:ln>
           <a:extLst>
             <a:ext uri="{C572A759-6A51-4108-AA02-DFA0A04FC94B}">
-              <ma14:wrappingTextBoxFlag xmlns:ma14="http://schemas.microsoft.com/office/mac/drawingml/2011/main" xmlns:a14="http://schemas.microsoft.com/office/drawing/2010/main" xmlns:m="http://schemas.openxmlformats.org/officeDocument/2006/math" xmlns="" val="1"/>
+              <ma14:wrappingTextBoxFlag xmlns="" xmlns:m="http://schemas.openxmlformats.org/officeDocument/2006/math" xmlns:a14="http://schemas.microsoft.com/office/drawing/2010/main" xmlns:ma14="http://schemas.microsoft.com/office/mac/drawingml/2011/main" val="1"/>
             </a:ext>
           </a:extLst>
         </p:spPr>
@@ -9957,7 +9957,7 @@
           </a:ln>
           <a:extLst>
             <a:ext uri="{C572A759-6A51-4108-AA02-DFA0A04FC94B}">
-              <ma14:wrappingTextBoxFlag xmlns:ma14="http://schemas.microsoft.com/office/mac/drawingml/2011/main" xmlns:a14="http://schemas.microsoft.com/office/drawing/2010/main" xmlns:m="http://schemas.openxmlformats.org/officeDocument/2006/math" xmlns="" val="1"/>
+              <ma14:wrappingTextBoxFlag xmlns="" xmlns:m="http://schemas.openxmlformats.org/officeDocument/2006/math" xmlns:a14="http://schemas.microsoft.com/office/drawing/2010/main" xmlns:ma14="http://schemas.microsoft.com/office/mac/drawingml/2011/main" val="1"/>
             </a:ext>
           </a:extLst>
         </p:spPr>
@@ -10250,7 +10250,7 @@
           </a:ln>
           <a:extLst>
             <a:ext uri="{C572A759-6A51-4108-AA02-DFA0A04FC94B}">
-              <ma14:wrappingTextBoxFlag xmlns:ma14="http://schemas.microsoft.com/office/mac/drawingml/2011/main" xmlns:a14="http://schemas.microsoft.com/office/drawing/2010/main" xmlns:m="http://schemas.openxmlformats.org/officeDocument/2006/math" xmlns="" val="1"/>
+              <ma14:wrappingTextBoxFlag xmlns="" xmlns:m="http://schemas.openxmlformats.org/officeDocument/2006/math" xmlns:a14="http://schemas.microsoft.com/office/drawing/2010/main" xmlns:ma14="http://schemas.microsoft.com/office/mac/drawingml/2011/main" val="1"/>
             </a:ext>
           </a:extLst>
         </p:spPr>
@@ -10308,7 +10308,7 @@
           </a:ln>
           <a:extLst>
             <a:ext uri="{C572A759-6A51-4108-AA02-DFA0A04FC94B}">
-              <ma14:wrappingTextBoxFlag xmlns:ma14="http://schemas.microsoft.com/office/mac/drawingml/2011/main" xmlns:a14="http://schemas.microsoft.com/office/drawing/2010/main" xmlns:m="http://schemas.openxmlformats.org/officeDocument/2006/math" xmlns="" val="1"/>
+              <ma14:wrappingTextBoxFlag xmlns="" xmlns:m="http://schemas.openxmlformats.org/officeDocument/2006/math" xmlns:a14="http://schemas.microsoft.com/office/drawing/2010/main" xmlns:ma14="http://schemas.microsoft.com/office/mac/drawingml/2011/main" val="1"/>
             </a:ext>
           </a:extLst>
         </p:spPr>
@@ -10414,7 +10414,7 @@
           </a:ln>
           <a:extLst>
             <a:ext uri="{C572A759-6A51-4108-AA02-DFA0A04FC94B}">
-              <ma14:wrappingTextBoxFlag xmlns:ma14="http://schemas.microsoft.com/office/mac/drawingml/2011/main" xmlns:a14="http://schemas.microsoft.com/office/drawing/2010/main" xmlns:m="http://schemas.openxmlformats.org/officeDocument/2006/math" xmlns="" val="1"/>
+              <ma14:wrappingTextBoxFlag xmlns="" xmlns:m="http://schemas.openxmlformats.org/officeDocument/2006/math" xmlns:a14="http://schemas.microsoft.com/office/drawing/2010/main" xmlns:ma14="http://schemas.microsoft.com/office/mac/drawingml/2011/main" val="1"/>
             </a:ext>
           </a:extLst>
         </p:spPr>
@@ -10451,7 +10451,7 @@
           </a:ln>
           <a:extLst>
             <a:ext uri="{C572A759-6A51-4108-AA02-DFA0A04FC94B}">
-              <ma14:wrappingTextBoxFlag xmlns:ma14="http://schemas.microsoft.com/office/mac/drawingml/2011/main" xmlns:a14="http://schemas.microsoft.com/office/drawing/2010/main" xmlns:m="http://schemas.openxmlformats.org/officeDocument/2006/math" xmlns="" val="1"/>
+              <ma14:wrappingTextBoxFlag xmlns="" xmlns:m="http://schemas.openxmlformats.org/officeDocument/2006/math" xmlns:a14="http://schemas.microsoft.com/office/drawing/2010/main" xmlns:ma14="http://schemas.microsoft.com/office/mac/drawingml/2011/main" val="1"/>
             </a:ext>
           </a:extLst>
         </p:spPr>
@@ -10690,7 +10690,7 @@
           </a:ln>
           <a:extLst>
             <a:ext uri="{C572A759-6A51-4108-AA02-DFA0A04FC94B}">
-              <ma14:wrappingTextBoxFlag xmlns:ma14="http://schemas.microsoft.com/office/mac/drawingml/2011/main" xmlns:a14="http://schemas.microsoft.com/office/drawing/2010/main" xmlns:m="http://schemas.openxmlformats.org/officeDocument/2006/math" xmlns="" val="1"/>
+              <ma14:wrappingTextBoxFlag xmlns="" xmlns:m="http://schemas.openxmlformats.org/officeDocument/2006/math" xmlns:a14="http://schemas.microsoft.com/office/drawing/2010/main" xmlns:ma14="http://schemas.microsoft.com/office/mac/drawingml/2011/main" val="1"/>
             </a:ext>
           </a:extLst>
         </p:spPr>
@@ -10762,7 +10762,7 @@
           </a:ln>
           <a:extLst>
             <a:ext uri="{C572A759-6A51-4108-AA02-DFA0A04FC94B}">
-              <ma14:wrappingTextBoxFlag xmlns:ma14="http://schemas.microsoft.com/office/mac/drawingml/2011/main" xmlns:a14="http://schemas.microsoft.com/office/drawing/2010/main" xmlns:m="http://schemas.openxmlformats.org/officeDocument/2006/math" xmlns="" val="1"/>
+              <ma14:wrappingTextBoxFlag xmlns="" xmlns:m="http://schemas.openxmlformats.org/officeDocument/2006/math" xmlns:a14="http://schemas.microsoft.com/office/drawing/2010/main" xmlns:ma14="http://schemas.microsoft.com/office/mac/drawingml/2011/main" val="1"/>
             </a:ext>
           </a:extLst>
         </p:spPr>
@@ -10858,7 +10858,7 @@
           </a:ln>
           <a:extLst>
             <a:ext uri="{C572A759-6A51-4108-AA02-DFA0A04FC94B}">
-              <ma14:wrappingTextBoxFlag xmlns:ma14="http://schemas.microsoft.com/office/mac/drawingml/2011/main" xmlns:a14="http://schemas.microsoft.com/office/drawing/2010/main" xmlns:m="http://schemas.openxmlformats.org/officeDocument/2006/math" xmlns="" val="1"/>
+              <ma14:wrappingTextBoxFlag xmlns="" xmlns:m="http://schemas.openxmlformats.org/officeDocument/2006/math" xmlns:a14="http://schemas.microsoft.com/office/drawing/2010/main" xmlns:ma14="http://schemas.microsoft.com/office/mac/drawingml/2011/main" val="1"/>
             </a:ext>
           </a:extLst>
         </p:spPr>
@@ -10895,7 +10895,7 @@
           </a:ln>
           <a:extLst>
             <a:ext uri="{C572A759-6A51-4108-AA02-DFA0A04FC94B}">
-              <ma14:wrappingTextBoxFlag xmlns:ma14="http://schemas.microsoft.com/office/mac/drawingml/2011/main" xmlns:a14="http://schemas.microsoft.com/office/drawing/2010/main" xmlns:m="http://schemas.openxmlformats.org/officeDocument/2006/math" xmlns="" val="1"/>
+              <ma14:wrappingTextBoxFlag xmlns="" xmlns:m="http://schemas.openxmlformats.org/officeDocument/2006/math" xmlns:a14="http://schemas.microsoft.com/office/drawing/2010/main" xmlns:ma14="http://schemas.microsoft.com/office/mac/drawingml/2011/main" val="1"/>
             </a:ext>
           </a:extLst>
         </p:spPr>
@@ -10943,7 +10943,7 @@
       </p:grpSpPr>
       <p:sp>
         <p:nvSpPr>
-          <p:cNvPr id="340" name="Vertical Space"/>
+          <p:cNvPr id="364" name="Vertical Space"/>
           <p:cNvSpPr txBox="1">
             <a:spLocks noGrp="1"/>
           </p:cNvSpPr>
@@ -10969,6 +10969,7 @@
           </a:lstStyle>
           <a:p>
             <a:r>
+              <a:rPr dirty="0"/>
               <a:t>Vertical Space</a:t>
             </a:r>
           </a:p>
@@ -10976,7 +10977,7 @@
       </p:sp>
       <p:sp>
         <p:nvSpPr>
-          <p:cNvPr id="341" name="Notebook"/>
+          <p:cNvPr id="365" name="Notebook"/>
           <p:cNvSpPr/>
           <p:nvPr/>
         </p:nvSpPr>
@@ -11117,14 +11118,14 @@
       </p:sp>
       <p:sp>
         <p:nvSpPr>
-          <p:cNvPr id="342" name="Welcome…"/>
+          <p:cNvPr id="366" name="This is a test page.…"/>
           <p:cNvSpPr txBox="1"/>
           <p:nvPr/>
         </p:nvSpPr>
         <p:spPr>
           <a:xfrm>
             <a:off x="3987800" y="5834278"/>
-            <a:ext cx="5137830" cy="2552701"/>
+            <a:ext cx="5137830" cy="1320801"/>
           </a:xfrm>
           <a:prstGeom prst="rect">
             <a:avLst/>
@@ -11134,7 +11135,7 @@
           </a:ln>
           <a:extLst>
             <a:ext uri="{C572A759-6A51-4108-AA02-DFA0A04FC94B}">
-              <ma14:wrappingTextBoxFlag xmlns:ma14="http://schemas.microsoft.com/office/mac/drawingml/2011/main" xmlns:a14="http://schemas.microsoft.com/office/drawing/2010/main" xmlns:m="http://schemas.openxmlformats.org/officeDocument/2006/math" xmlns="" val="1"/>
+              <ma14:wrappingTextBoxFlag xmlns="" xmlns:m="http://schemas.openxmlformats.org/officeDocument/2006/math" xmlns:a14="http://schemas.microsoft.com/office/drawing/2010/main" xmlns:ma14="http://schemas.microsoft.com/office/mac/drawingml/2011/main" val="1"/>
             </a:ext>
           </a:extLst>
         </p:spPr>
@@ -11145,10 +11146,10 @@
           <a:lstStyle/>
           <a:p>
             <a:pPr algn="l">
-              <a:defRPr sz="5000"/>
-            </a:pPr>
-            <a:r>
-              <a:t>Welcome</a:t>
+              <a:defRPr sz="2800" b="0"/>
+            </a:pPr>
+            <a:r>
+              <a:t>This is a test page.</a:t>
             </a:r>
           </a:p>
           <a:p>
@@ -11159,22 +11160,8 @@
           </a:p>
           <a:p>
             <a:pPr algn="l">
-              <a:defRPr sz="3400"/>
-            </a:pPr>
-            <a:r>
-              <a:t>This is a test page.</a:t>
-            </a:r>
-          </a:p>
-          <a:p>
-            <a:pPr algn="l">
               <a:defRPr sz="2800" b="0"/>
             </a:pPr>
-            <a:endParaRPr/>
-          </a:p>
-          <a:p>
-            <a:pPr algn="l">
-              <a:defRPr sz="2800" b="0"/>
-            </a:pPr>
             <a:r>
               <a:t>It is awesome.</a:t>
             </a:r>
@@ -11183,7 +11170,7 @@
       </p:sp>
       <p:sp>
         <p:nvSpPr>
-          <p:cNvPr id="343" name="&lt;h1&gt;Welcome&lt;/h1&gt;…"/>
+          <p:cNvPr id="367" name="This is a test page.…"/>
           <p:cNvSpPr/>
           <p:nvPr/>
         </p:nvSpPr>
@@ -11206,7 +11193,7 @@
           </a:ln>
           <a:extLst>
             <a:ext uri="{C572A759-6A51-4108-AA02-DFA0A04FC94B}">
-              <ma14:wrappingTextBoxFlag xmlns:ma14="http://schemas.microsoft.com/office/mac/drawingml/2011/main" xmlns:a14="http://schemas.microsoft.com/office/drawing/2010/main" xmlns:m="http://schemas.openxmlformats.org/officeDocument/2006/math" xmlns="" val="1"/>
+              <ma14:wrappingTextBoxFlag xmlns="" xmlns:m="http://schemas.openxmlformats.org/officeDocument/2006/math" xmlns:a14="http://schemas.microsoft.com/office/drawing/2010/main" xmlns:ma14="http://schemas.microsoft.com/office/mac/drawingml/2011/main" val="1"/>
             </a:ext>
           </a:extLst>
         </p:spPr>
@@ -11218,14 +11205,8 @@
               <a:defRPr sz="2600"/>
             </a:pPr>
             <a:r>
-              <a:t>&lt;h1&gt;Welcome&lt;/h1&gt;</a:t>
-            </a:r>
-          </a:p>
-          <a:p>
-            <a:pPr algn="l">
-              <a:defRPr sz="2600"/>
-            </a:pPr>
-            <a:endParaRPr/>
+              <a:t>This is a test page.</a:t>
+            </a:r>
           </a:p>
           <a:p>
             <a:pPr algn="l">
@@ -11241,51 +11222,22 @@
                   </a:schemeClr>
                 </a:solidFill>
               </a:rPr>
-              <a:t>&lt;h2&gt;</a:t>
-            </a:r>
-            <a:r>
-              <a:t>This is a test page.</a:t>
-            </a:r>
-            <a:r>
-              <a:rPr>
-                <a:solidFill>
-                  <a:schemeClr val="accent5">
-                    <a:hueOff val="-82419"/>
-                    <a:satOff val="-9513"/>
-                    <a:lumOff val="-16343"/>
-                  </a:schemeClr>
-                </a:solidFill>
-              </a:rPr>
-              <a:t>&lt;/h2&gt;</a:t>
+              <a:t>&lt;br&gt;&lt;br&gt;</a:t>
             </a:r>
           </a:p>
           <a:p>
             <a:pPr algn="l">
               <a:defRPr sz="2600"/>
             </a:pPr>
-            <a:endParaRPr>
-              <a:solidFill>
-                <a:schemeClr val="accent5">
-                  <a:hueOff val="-82419"/>
-                  <a:satOff val="-9513"/>
-                  <a:lumOff val="-16343"/>
-                </a:schemeClr>
-              </a:solidFill>
-            </a:endParaRPr>
-          </a:p>
-          <a:p>
-            <a:pPr algn="l">
-              <a:defRPr sz="2600"/>
-            </a:pPr>
-            <a:r>
-              <a:t>&lt;p&gt;It is awesome.&lt;/p&gt;</a:t>
-            </a:r>
-          </a:p>
-        </p:txBody>
-      </p:sp>
-      <p:sp>
-        <p:nvSpPr>
-          <p:cNvPr id="344" name="test.html"/>
+            <a:r>
+              <a:t>It is awesome.</a:t>
+            </a:r>
+          </a:p>
+        </p:txBody>
+      </p:sp>
+      <p:sp>
+        <p:nvSpPr>
+          <p:cNvPr id="368" name="test.html"/>
           <p:cNvSpPr txBox="1"/>
           <p:nvPr/>
         </p:nvSpPr>
@@ -11302,7 +11254,7 @@
           </a:ln>
           <a:extLst>
             <a:ext uri="{C572A759-6A51-4108-AA02-DFA0A04FC94B}">
-              <ma14:wrappingTextBoxFlag xmlns:ma14="http://schemas.microsoft.com/office/mac/drawingml/2011/main" xmlns:a14="http://schemas.microsoft.com/office/drawing/2010/main" xmlns:m="http://schemas.openxmlformats.org/officeDocument/2006/math" xmlns="" val="1"/>
+              <ma14:wrappingTextBoxFlag xmlns="" xmlns:m="http://schemas.openxmlformats.org/officeDocument/2006/math" xmlns:a14="http://schemas.microsoft.com/office/drawing/2010/main" xmlns:ma14="http://schemas.microsoft.com/office/mac/drawingml/2011/main" val="1"/>
             </a:ext>
           </a:extLst>
         </p:spPr>
@@ -11322,14 +11274,14 @@
       </p:sp>
       <p:sp>
         <p:nvSpPr>
-          <p:cNvPr id="345" name="h1: big header"/>
+          <p:cNvPr id="369" name="br: line break"/>
           <p:cNvSpPr txBox="1"/>
           <p:nvPr/>
         </p:nvSpPr>
         <p:spPr>
           <a:xfrm>
-            <a:off x="1019472" y="2349499"/>
-            <a:ext cx="2964856" cy="685801"/>
+            <a:off x="1101328" y="2349499"/>
+            <a:ext cx="2801144" cy="685801"/>
           </a:xfrm>
           <a:prstGeom prst="rect">
             <a:avLst/>
@@ -11339,7 +11291,7 @@
           </a:ln>
           <a:extLst>
             <a:ext uri="{C572A759-6A51-4108-AA02-DFA0A04FC94B}">
-              <ma14:wrappingTextBoxFlag xmlns:ma14="http://schemas.microsoft.com/office/mac/drawingml/2011/main" xmlns:a14="http://schemas.microsoft.com/office/drawing/2010/main" xmlns:m="http://schemas.openxmlformats.org/officeDocument/2006/math" xmlns="" val="1"/>
+              <ma14:wrappingTextBoxFlag xmlns="" xmlns:m="http://schemas.openxmlformats.org/officeDocument/2006/math" xmlns:a14="http://schemas.microsoft.com/office/drawing/2010/main" xmlns:ma14="http://schemas.microsoft.com/office/mac/drawingml/2011/main" val="1"/>
             </a:ext>
           </a:extLst>
         </p:spPr>
@@ -11354,46 +11306,7 @@
           </a:lstStyle>
           <a:p>
             <a:r>
-              <a:t>h1: big header</a:t>
-            </a:r>
-          </a:p>
-        </p:txBody>
-      </p:sp>
-      <p:sp>
-        <p:nvSpPr>
-          <p:cNvPr id="346" name="h2: smaller header"/>
-          <p:cNvSpPr txBox="1"/>
-          <p:nvPr/>
-        </p:nvSpPr>
-        <p:spPr>
-          <a:xfrm>
-            <a:off x="812037" y="3238499"/>
-            <a:ext cx="3853856" cy="685801"/>
-          </a:xfrm>
-          <a:prstGeom prst="rect">
-            <a:avLst/>
-          </a:prstGeom>
-          <a:ln w="12700">
-            <a:miter lim="400000"/>
-          </a:ln>
-          <a:extLst>
-            <a:ext uri="{C572A759-6A51-4108-AA02-DFA0A04FC94B}">
-              <ma14:wrappingTextBoxFlag xmlns:ma14="http://schemas.microsoft.com/office/mac/drawingml/2011/main" xmlns:a14="http://schemas.microsoft.com/office/drawing/2010/main" xmlns:m="http://schemas.openxmlformats.org/officeDocument/2006/math" xmlns="" val="1"/>
-            </a:ext>
-          </a:extLst>
-        </p:spPr>
-        <p:txBody>
-          <a:bodyPr wrap="none" lIns="50800" tIns="50800" rIns="50800" bIns="50800" anchor="ctr">
-            <a:spAutoFit/>
-          </a:bodyPr>
-          <a:lstStyle>
-            <a:lvl1pPr algn="l">
-              <a:defRPr sz="4000" b="0"/>
-            </a:lvl1pPr>
-          </a:lstStyle>
-          <a:p>
-            <a:r>
-              <a:t>h2: smaller header</a:t>
+              <a:t>br: line break</a:t>
             </a:r>
           </a:p>
         </p:txBody>
@@ -11426,7 +11339,7 @@
       </p:grpSpPr>
       <p:sp>
         <p:nvSpPr>
-          <p:cNvPr id="348" name="Vertical Space"/>
+          <p:cNvPr id="371" name="Vertical Space"/>
           <p:cNvSpPr txBox="1">
             <a:spLocks noGrp="1"/>
           </p:cNvSpPr>
@@ -11459,7 +11372,7 @@
       </p:sp>
       <p:sp>
         <p:nvSpPr>
-          <p:cNvPr id="349" name="Notebook"/>
+          <p:cNvPr id="372" name="Notebook"/>
           <p:cNvSpPr/>
           <p:nvPr/>
         </p:nvSpPr>
@@ -11600,14 +11513,14 @@
       </p:sp>
       <p:sp>
         <p:nvSpPr>
-          <p:cNvPr id="350" name="Welcome…"/>
+          <p:cNvPr id="373" name="This is a test page.…"/>
           <p:cNvSpPr txBox="1"/>
           <p:nvPr/>
         </p:nvSpPr>
         <p:spPr>
           <a:xfrm>
             <a:off x="3987800" y="5834278"/>
-            <a:ext cx="5137830" cy="2552701"/>
+            <a:ext cx="5137830" cy="1727201"/>
           </a:xfrm>
           <a:prstGeom prst="rect">
             <a:avLst/>
@@ -11617,7 +11530,7 @@
           </a:ln>
           <a:extLst>
             <a:ext uri="{C572A759-6A51-4108-AA02-DFA0A04FC94B}">
-              <ma14:wrappingTextBoxFlag xmlns:ma14="http://schemas.microsoft.com/office/mac/drawingml/2011/main" xmlns:a14="http://schemas.microsoft.com/office/drawing/2010/main" xmlns:m="http://schemas.openxmlformats.org/officeDocument/2006/math" xmlns="" val="1"/>
+              <ma14:wrappingTextBoxFlag xmlns="" xmlns:m="http://schemas.openxmlformats.org/officeDocument/2006/math" xmlns:a14="http://schemas.microsoft.com/office/drawing/2010/main" xmlns:ma14="http://schemas.microsoft.com/office/mac/drawingml/2011/main" val="1"/>
             </a:ext>
           </a:extLst>
         </p:spPr>
@@ -11628,10 +11541,10 @@
           <a:lstStyle/>
           <a:p>
             <a:pPr algn="l">
-              <a:defRPr sz="5000"/>
-            </a:pPr>
-            <a:r>
-              <a:t>Welcome</a:t>
+              <a:defRPr sz="2800" b="0"/>
+            </a:pPr>
+            <a:r>
+              <a:t>This is a test page.</a:t>
             </a:r>
           </a:p>
           <a:p>
@@ -11642,22 +11555,14 @@
           </a:p>
           <a:p>
             <a:pPr algn="l">
-              <a:defRPr sz="3400"/>
-            </a:pPr>
-            <a:r>
-              <a:t>This is a test page.</a:t>
-            </a:r>
+              <a:defRPr sz="2800" b="0"/>
+            </a:pPr>
+            <a:endParaRPr/>
           </a:p>
           <a:p>
             <a:pPr algn="l">
               <a:defRPr sz="2800" b="0"/>
             </a:pPr>
-            <a:endParaRPr/>
-          </a:p>
-          <a:p>
-            <a:pPr algn="l">
-              <a:defRPr sz="2800" b="0"/>
-            </a:pPr>
             <a:r>
               <a:t>It is awesome.</a:t>
             </a:r>
@@ -11666,7 +11571,7 @@
       </p:sp>
       <p:sp>
         <p:nvSpPr>
-          <p:cNvPr id="351" name="&lt;h1&gt;Welcome&lt;/h1&gt;…"/>
+          <p:cNvPr id="374" name="This is a test page.…"/>
           <p:cNvSpPr/>
           <p:nvPr/>
         </p:nvSpPr>
@@ -11689,7 +11594,7 @@
           </a:ln>
           <a:extLst>
             <a:ext uri="{C572A759-6A51-4108-AA02-DFA0A04FC94B}">
-              <ma14:wrappingTextBoxFlag xmlns:ma14="http://schemas.microsoft.com/office/mac/drawingml/2011/main" xmlns:a14="http://schemas.microsoft.com/office/drawing/2010/main" xmlns:m="http://schemas.openxmlformats.org/officeDocument/2006/math" xmlns="" val="1"/>
+              <ma14:wrappingTextBoxFlag xmlns="" xmlns:m="http://schemas.openxmlformats.org/officeDocument/2006/math" xmlns:a14="http://schemas.microsoft.com/office/drawing/2010/main" xmlns:ma14="http://schemas.microsoft.com/office/mac/drawingml/2011/main" val="1"/>
             </a:ext>
           </a:extLst>
         </p:spPr>
@@ -11701,14 +11606,8 @@
               <a:defRPr sz="2600"/>
             </a:pPr>
             <a:r>
-              <a:t>&lt;h1&gt;Welcome&lt;/h1&gt;</a:t>
-            </a:r>
-          </a:p>
-          <a:p>
-            <a:pPr algn="l">
-              <a:defRPr sz="2600"/>
-            </a:pPr>
-            <a:endParaRPr/>
+              <a:t>This is a test page.</a:t>
+            </a:r>
           </a:p>
           <a:p>
             <a:pPr algn="l">
@@ -11724,51 +11623,22 @@
                   </a:schemeClr>
                 </a:solidFill>
               </a:rPr>
-              <a:t>&lt;h2&gt;</a:t>
-            </a:r>
-            <a:r>
-              <a:t>This is a test page.</a:t>
-            </a:r>
-            <a:r>
-              <a:rPr>
-                <a:solidFill>
-                  <a:schemeClr val="accent5">
-                    <a:hueOff val="-82419"/>
-                    <a:satOff val="-9513"/>
-                    <a:lumOff val="-16343"/>
-                  </a:schemeClr>
-                </a:solidFill>
-              </a:rPr>
-              <a:t>&lt;/h2&gt;</a:t>
+              <a:t>&lt;br&gt;&lt;br&gt;&lt;br&gt;</a:t>
             </a:r>
           </a:p>
           <a:p>
             <a:pPr algn="l">
               <a:defRPr sz="2600"/>
             </a:pPr>
-            <a:endParaRPr>
-              <a:solidFill>
-                <a:schemeClr val="accent5">
-                  <a:hueOff val="-82419"/>
-                  <a:satOff val="-9513"/>
-                  <a:lumOff val="-16343"/>
-                </a:schemeClr>
-              </a:solidFill>
-            </a:endParaRPr>
-          </a:p>
-          <a:p>
-            <a:pPr algn="l">
-              <a:defRPr sz="2600"/>
-            </a:pPr>
-            <a:r>
-              <a:t>&lt;p&gt;It is awesome.&lt;/p&gt;</a:t>
-            </a:r>
-          </a:p>
-        </p:txBody>
-      </p:sp>
-      <p:sp>
-        <p:nvSpPr>
-          <p:cNvPr id="352" name="test.html"/>
+            <a:r>
+              <a:t>It is awesome.</a:t>
+            </a:r>
+          </a:p>
+        </p:txBody>
+      </p:sp>
+      <p:sp>
+        <p:nvSpPr>
+          <p:cNvPr id="375" name="test.html"/>
           <p:cNvSpPr txBox="1"/>
           <p:nvPr/>
         </p:nvSpPr>
@@ -11785,7 +11655,7 @@
           </a:ln>
           <a:extLst>
             <a:ext uri="{C572A759-6A51-4108-AA02-DFA0A04FC94B}">
-              <ma14:wrappingTextBoxFlag xmlns:ma14="http://schemas.microsoft.com/office/mac/drawingml/2011/main" xmlns:a14="http://schemas.microsoft.com/office/drawing/2010/main" xmlns:m="http://schemas.openxmlformats.org/officeDocument/2006/math" xmlns="" val="1"/>
+              <ma14:wrappingTextBoxFlag xmlns="" xmlns:m="http://schemas.openxmlformats.org/officeDocument/2006/math" xmlns:a14="http://schemas.microsoft.com/office/drawing/2010/main" xmlns:ma14="http://schemas.microsoft.com/office/mac/drawingml/2011/main" val="1"/>
             </a:ext>
           </a:extLst>
         </p:spPr>
@@ -11805,14 +11675,14 @@
       </p:sp>
       <p:sp>
         <p:nvSpPr>
-          <p:cNvPr id="353" name="h1: big header"/>
+          <p:cNvPr id="376" name="br: line break"/>
           <p:cNvSpPr txBox="1"/>
           <p:nvPr/>
         </p:nvSpPr>
         <p:spPr>
           <a:xfrm>
-            <a:off x="1019472" y="2349499"/>
-            <a:ext cx="2964856" cy="685801"/>
+            <a:off x="1101328" y="2349499"/>
+            <a:ext cx="2801144" cy="685801"/>
           </a:xfrm>
           <a:prstGeom prst="rect">
             <a:avLst/>
@@ -11822,7 +11692,7 @@
           </a:ln>
           <a:extLst>
             <a:ext uri="{C572A759-6A51-4108-AA02-DFA0A04FC94B}">
-              <ma14:wrappingTextBoxFlag xmlns:ma14="http://schemas.microsoft.com/office/mac/drawingml/2011/main" xmlns:a14="http://schemas.microsoft.com/office/drawing/2010/main" xmlns:m="http://schemas.openxmlformats.org/officeDocument/2006/math" xmlns="" val="1"/>
+              <ma14:wrappingTextBoxFlag xmlns="" xmlns:m="http://schemas.openxmlformats.org/officeDocument/2006/math" xmlns:a14="http://schemas.microsoft.com/office/drawing/2010/main" xmlns:ma14="http://schemas.microsoft.com/office/mac/drawingml/2011/main" val="1"/>
             </a:ext>
           </a:extLst>
         </p:spPr>
@@ -11837,85 +11707,7 @@
           </a:lstStyle>
           <a:p>
             <a:r>
-              <a:t>h1: big header</a:t>
-            </a:r>
-          </a:p>
-        </p:txBody>
-      </p:sp>
-      <p:sp>
-        <p:nvSpPr>
-          <p:cNvPr id="354" name="h2: smaller header"/>
-          <p:cNvSpPr txBox="1"/>
-          <p:nvPr/>
-        </p:nvSpPr>
-        <p:spPr>
-          <a:xfrm>
-            <a:off x="812037" y="3238499"/>
-            <a:ext cx="3853856" cy="685801"/>
-          </a:xfrm>
-          <a:prstGeom prst="rect">
-            <a:avLst/>
-          </a:prstGeom>
-          <a:ln w="12700">
-            <a:miter lim="400000"/>
-          </a:ln>
-          <a:extLst>
-            <a:ext uri="{C572A759-6A51-4108-AA02-DFA0A04FC94B}">
-              <ma14:wrappingTextBoxFlag xmlns:ma14="http://schemas.microsoft.com/office/mac/drawingml/2011/main" xmlns:a14="http://schemas.microsoft.com/office/drawing/2010/main" xmlns:m="http://schemas.openxmlformats.org/officeDocument/2006/math" xmlns="" val="1"/>
-            </a:ext>
-          </a:extLst>
-        </p:spPr>
-        <p:txBody>
-          <a:bodyPr wrap="none" lIns="50800" tIns="50800" rIns="50800" bIns="50800" anchor="ctr">
-            <a:spAutoFit/>
-          </a:bodyPr>
-          <a:lstStyle>
-            <a:lvl1pPr algn="l">
-              <a:defRPr sz="4000" b="0"/>
-            </a:lvl1pPr>
-          </a:lstStyle>
-          <a:p>
-            <a:r>
-              <a:t>h2: smaller header</a:t>
-            </a:r>
-          </a:p>
-        </p:txBody>
-      </p:sp>
-      <p:sp>
-        <p:nvSpPr>
-          <p:cNvPr id="355" name="hN: etc"/>
-          <p:cNvSpPr txBox="1"/>
-          <p:nvPr/>
-        </p:nvSpPr>
-        <p:spPr>
-          <a:xfrm>
-            <a:off x="812037" y="4254499"/>
-            <a:ext cx="1601591" cy="685801"/>
-          </a:xfrm>
-          <a:prstGeom prst="rect">
-            <a:avLst/>
-          </a:prstGeom>
-          <a:ln w="12700">
-            <a:miter lim="400000"/>
-          </a:ln>
-          <a:extLst>
-            <a:ext uri="{C572A759-6A51-4108-AA02-DFA0A04FC94B}">
-              <ma14:wrappingTextBoxFlag xmlns:ma14="http://schemas.microsoft.com/office/mac/drawingml/2011/main" xmlns:a14="http://schemas.microsoft.com/office/drawing/2010/main" xmlns:m="http://schemas.openxmlformats.org/officeDocument/2006/math" xmlns="" val="1"/>
-            </a:ext>
-          </a:extLst>
-        </p:spPr>
-        <p:txBody>
-          <a:bodyPr wrap="none" lIns="50800" tIns="50800" rIns="50800" bIns="50800" anchor="ctr">
-            <a:spAutoFit/>
-          </a:bodyPr>
-          <a:lstStyle>
-            <a:lvl1pPr algn="l">
-              <a:defRPr sz="4000" b="0"/>
-            </a:lvl1pPr>
-          </a:lstStyle>
-          <a:p>
-            <a:r>
-              <a:t>hN: etc</a:t>
+              <a:t>br: line break</a:t>
             </a:r>
           </a:p>
         </p:txBody>
@@ -11948,7 +11740,7 @@
       </p:grpSpPr>
       <p:sp>
         <p:nvSpPr>
-          <p:cNvPr id="357" name="Vertical Space"/>
+          <p:cNvPr id="378" name="Vertical Space"/>
           <p:cNvSpPr txBox="1">
             <a:spLocks noGrp="1"/>
           </p:cNvSpPr>
@@ -11981,7 +11773,7 @@
       </p:sp>
       <p:sp>
         <p:nvSpPr>
-          <p:cNvPr id="358" name="Notebook"/>
+          <p:cNvPr id="379" name="Notebook"/>
           <p:cNvSpPr/>
           <p:nvPr/>
         </p:nvSpPr>
@@ -12122,14 +11914,14 @@
       </p:sp>
       <p:sp>
         <p:nvSpPr>
-          <p:cNvPr id="359" name="This is a test page.…"/>
+          <p:cNvPr id="380" name="This is a test page.…"/>
           <p:cNvSpPr txBox="1"/>
           <p:nvPr/>
         </p:nvSpPr>
         <p:spPr>
           <a:xfrm>
             <a:off x="3987800" y="5834278"/>
-            <a:ext cx="5137830" cy="914401"/>
+            <a:ext cx="5137830" cy="2133601"/>
           </a:xfrm>
           <a:prstGeom prst="rect">
             <a:avLst/>
@@ -12139,7 +11931,7 @@
           </a:ln>
           <a:extLst>
             <a:ext uri="{C572A759-6A51-4108-AA02-DFA0A04FC94B}">
-              <ma14:wrappingTextBoxFlag xmlns:ma14="http://schemas.microsoft.com/office/mac/drawingml/2011/main" xmlns:a14="http://schemas.microsoft.com/office/drawing/2010/main" xmlns:m="http://schemas.openxmlformats.org/officeDocument/2006/math" xmlns="" val="1"/>
+              <ma14:wrappingTextBoxFlag xmlns="" xmlns:m="http://schemas.openxmlformats.org/officeDocument/2006/math" xmlns:a14="http://schemas.microsoft.com/office/drawing/2010/main" xmlns:ma14="http://schemas.microsoft.com/office/mac/drawingml/2011/main" val="1"/>
             </a:ext>
           </a:extLst>
         </p:spPr>
@@ -12160,6 +11952,24 @@
             <a:pPr algn="l">
               <a:defRPr sz="2800" b="0"/>
             </a:pPr>
+            <a:endParaRPr/>
+          </a:p>
+          <a:p>
+            <a:pPr algn="l">
+              <a:defRPr sz="2800" b="0"/>
+            </a:pPr>
+            <a:endParaRPr/>
+          </a:p>
+          <a:p>
+            <a:pPr algn="l">
+              <a:defRPr sz="2800" b="0"/>
+            </a:pPr>
+            <a:endParaRPr/>
+          </a:p>
+          <a:p>
+            <a:pPr algn="l">
+              <a:defRPr sz="2800" b="0"/>
+            </a:pPr>
             <a:r>
               <a:t>It is awesome.</a:t>
             </a:r>
@@ -12168,7 +11978,7 @@
       </p:sp>
       <p:sp>
         <p:nvSpPr>
-          <p:cNvPr id="360" name="This is a test page.…"/>
+          <p:cNvPr id="381" name="This is a test page.…"/>
           <p:cNvSpPr/>
           <p:nvPr/>
         </p:nvSpPr>
@@ -12191,7 +12001,7 @@
           </a:ln>
           <a:extLst>
             <a:ext uri="{C572A759-6A51-4108-AA02-DFA0A04FC94B}">
-              <ma14:wrappingTextBoxFlag xmlns:ma14="http://schemas.microsoft.com/office/mac/drawingml/2011/main" xmlns:a14="http://schemas.microsoft.com/office/drawing/2010/main" xmlns:m="http://schemas.openxmlformats.org/officeDocument/2006/math" xmlns="" val="1"/>
+              <ma14:wrappingTextBoxFlag xmlns="" xmlns:m="http://schemas.openxmlformats.org/officeDocument/2006/math" xmlns:a14="http://schemas.microsoft.com/office/drawing/2010/main" xmlns:ma14="http://schemas.microsoft.com/office/mac/drawingml/2011/main" val="1"/>
             </a:ext>
           </a:extLst>
         </p:spPr>
@@ -12220,7 +12030,7 @@
                   </a:schemeClr>
                 </a:solidFill>
               </a:rPr>
-              <a:t>&lt;br&gt;</a:t>
+              <a:t>&lt;br&gt;&lt;br&gt;&lt;br&gt;&lt;br&gt;</a:t>
             </a:r>
           </a:p>
           <a:p>
@@ -12235,7 +12045,7 @@
       </p:sp>
       <p:sp>
         <p:nvSpPr>
-          <p:cNvPr id="361" name="test.html"/>
+          <p:cNvPr id="382" name="test.html"/>
           <p:cNvSpPr txBox="1"/>
           <p:nvPr/>
         </p:nvSpPr>
@@ -12252,7 +12062,7 @@
           </a:ln>
           <a:extLst>
             <a:ext uri="{C572A759-6A51-4108-AA02-DFA0A04FC94B}">
-              <ma14:wrappingTextBoxFlag xmlns:ma14="http://schemas.microsoft.com/office/mac/drawingml/2011/main" xmlns:a14="http://schemas.microsoft.com/office/drawing/2010/main" xmlns:m="http://schemas.openxmlformats.org/officeDocument/2006/math" xmlns="" val="1"/>
+              <ma14:wrappingTextBoxFlag xmlns="" xmlns:m="http://schemas.openxmlformats.org/officeDocument/2006/math" xmlns:a14="http://schemas.microsoft.com/office/drawing/2010/main" xmlns:ma14="http://schemas.microsoft.com/office/mac/drawingml/2011/main" val="1"/>
             </a:ext>
           </a:extLst>
         </p:spPr>
@@ -12272,7 +12082,7 @@
       </p:sp>
       <p:sp>
         <p:nvSpPr>
-          <p:cNvPr id="362" name="br: line break"/>
+          <p:cNvPr id="383" name="br: line break"/>
           <p:cNvSpPr txBox="1"/>
           <p:nvPr/>
         </p:nvSpPr>
@@ -12289,7 +12099,7 @@
           </a:ln>
           <a:extLst>
             <a:ext uri="{C572A759-6A51-4108-AA02-DFA0A04FC94B}">
-              <ma14:wrappingTextBoxFlag xmlns:ma14="http://schemas.microsoft.com/office/mac/drawingml/2011/main" xmlns:a14="http://schemas.microsoft.com/office/drawing/2010/main" xmlns:m="http://schemas.openxmlformats.org/officeDocument/2006/math" xmlns="" val="1"/>
+              <ma14:wrappingTextBoxFlag xmlns="" xmlns:m="http://schemas.openxmlformats.org/officeDocument/2006/math" xmlns:a14="http://schemas.microsoft.com/office/drawing/2010/main" xmlns:ma14="http://schemas.microsoft.com/office/mac/drawingml/2011/main" val="1"/>
             </a:ext>
           </a:extLst>
         </p:spPr>
@@ -12337,7 +12147,7 @@
       </p:grpSpPr>
       <p:sp>
         <p:nvSpPr>
-          <p:cNvPr id="364" name="Vertical Space"/>
+          <p:cNvPr id="385" name="Vertical Space"/>
           <p:cNvSpPr txBox="1">
             <a:spLocks noGrp="1"/>
           </p:cNvSpPr>
@@ -12370,7 +12180,7 @@
       </p:sp>
       <p:sp>
         <p:nvSpPr>
-          <p:cNvPr id="365" name="Notebook"/>
+          <p:cNvPr id="386" name="Notebook"/>
           <p:cNvSpPr/>
           <p:nvPr/>
         </p:nvSpPr>
@@ -12511,14 +12321,14 @@
       </p:sp>
       <p:sp>
         <p:nvSpPr>
-          <p:cNvPr id="366" name="This is a test page.…"/>
+          <p:cNvPr id="387" name="This is a test page.…"/>
           <p:cNvSpPr txBox="1"/>
           <p:nvPr/>
         </p:nvSpPr>
         <p:spPr>
           <a:xfrm>
             <a:off x="3987800" y="5834278"/>
-            <a:ext cx="5137830" cy="1320801"/>
+            <a:ext cx="5137830" cy="2133601"/>
           </a:xfrm>
           <a:prstGeom prst="rect">
             <a:avLst/>
@@ -12528,7 +12338,7 @@
           </a:ln>
           <a:extLst>
             <a:ext uri="{C572A759-6A51-4108-AA02-DFA0A04FC94B}">
-              <ma14:wrappingTextBoxFlag xmlns:ma14="http://schemas.microsoft.com/office/mac/drawingml/2011/main" xmlns:a14="http://schemas.microsoft.com/office/drawing/2010/main" xmlns:m="http://schemas.openxmlformats.org/officeDocument/2006/math" xmlns="" val="1"/>
+              <ma14:wrappingTextBoxFlag xmlns="" xmlns:m="http://schemas.openxmlformats.org/officeDocument/2006/math" xmlns:a14="http://schemas.microsoft.com/office/drawing/2010/main" xmlns:ma14="http://schemas.microsoft.com/office/mac/drawingml/2011/main" val="1"/>
             </a:ext>
           </a:extLst>
         </p:spPr>
@@ -12555,6 +12365,18 @@
             <a:pPr algn="l">
               <a:defRPr sz="2800" b="0"/>
             </a:pPr>
+            <a:endParaRPr/>
+          </a:p>
+          <a:p>
+            <a:pPr algn="l">
+              <a:defRPr sz="2800" b="0"/>
+            </a:pPr>
+            <a:endParaRPr/>
+          </a:p>
+          <a:p>
+            <a:pPr algn="l">
+              <a:defRPr sz="2800" b="0"/>
+            </a:pPr>
             <a:r>
               <a:t>It is awesome.</a:t>
             </a:r>
@@ -12563,7 +12385,7 @@
       </p:sp>
       <p:sp>
         <p:nvSpPr>
-          <p:cNvPr id="367" name="This is a test page.…"/>
+          <p:cNvPr id="388" name="This is a test page.…"/>
           <p:cNvSpPr/>
           <p:nvPr/>
         </p:nvSpPr>
@@ -12586,961 +12408,7 @@
           </a:ln>
           <a:extLst>
             <a:ext uri="{C572A759-6A51-4108-AA02-DFA0A04FC94B}">
-              <ma14:wrappingTextBoxFlag xmlns:ma14="http://schemas.microsoft.com/office/mac/drawingml/2011/main" xmlns:a14="http://schemas.microsoft.com/office/drawing/2010/main" xmlns:m="http://schemas.openxmlformats.org/officeDocument/2006/math" xmlns="" val="1"/>
-            </a:ext>
-          </a:extLst>
-        </p:spPr>
-        <p:txBody>
-          <a:bodyPr lIns="50800" tIns="50800" rIns="50800" bIns="50800"/>
-          <a:lstStyle/>
-          <a:p>
-            <a:pPr algn="l">
-              <a:defRPr sz="2600"/>
-            </a:pPr>
-            <a:r>
-              <a:t>This is a test page.</a:t>
-            </a:r>
-          </a:p>
-          <a:p>
-            <a:pPr algn="l">
-              <a:defRPr sz="2600"/>
-            </a:pPr>
-            <a:r>
-              <a:rPr>
-                <a:solidFill>
-                  <a:schemeClr val="accent5">
-                    <a:hueOff val="-82419"/>
-                    <a:satOff val="-9513"/>
-                    <a:lumOff val="-16343"/>
-                  </a:schemeClr>
-                </a:solidFill>
-              </a:rPr>
-              <a:t>&lt;br&gt;&lt;br&gt;</a:t>
-            </a:r>
-          </a:p>
-          <a:p>
-            <a:pPr algn="l">
-              <a:defRPr sz="2600"/>
-            </a:pPr>
-            <a:r>
-              <a:t>It is awesome.</a:t>
-            </a:r>
-          </a:p>
-        </p:txBody>
-      </p:sp>
-      <p:sp>
-        <p:nvSpPr>
-          <p:cNvPr id="368" name="test.html"/>
-          <p:cNvSpPr txBox="1"/>
-          <p:nvPr/>
-        </p:nvSpPr>
-        <p:spPr>
-          <a:xfrm>
-            <a:off x="6391527" y="1487743"/>
-            <a:ext cx="1547218" cy="457201"/>
-          </a:xfrm>
-          <a:prstGeom prst="rect">
-            <a:avLst/>
-          </a:prstGeom>
-          <a:ln w="12700">
-            <a:miter lim="400000"/>
-          </a:ln>
-          <a:extLst>
-            <a:ext uri="{C572A759-6A51-4108-AA02-DFA0A04FC94B}">
-              <ma14:wrappingTextBoxFlag xmlns:ma14="http://schemas.microsoft.com/office/mac/drawingml/2011/main" xmlns:a14="http://schemas.microsoft.com/office/drawing/2010/main" xmlns:m="http://schemas.openxmlformats.org/officeDocument/2006/math" xmlns="" val="1"/>
-            </a:ext>
-          </a:extLst>
-        </p:spPr>
-        <p:txBody>
-          <a:bodyPr wrap="none" lIns="50800" tIns="50800" rIns="50800" bIns="50800" anchor="ctr">
-            <a:spAutoFit/>
-          </a:bodyPr>
-          <a:lstStyle>
-            <a:lvl1pPr algn="l"/>
-          </a:lstStyle>
-          <a:p>
-            <a:r>
-              <a:t>test.html</a:t>
-            </a:r>
-          </a:p>
-        </p:txBody>
-      </p:sp>
-      <p:sp>
-        <p:nvSpPr>
-          <p:cNvPr id="369" name="br: line break"/>
-          <p:cNvSpPr txBox="1"/>
-          <p:nvPr/>
-        </p:nvSpPr>
-        <p:spPr>
-          <a:xfrm>
-            <a:off x="1101328" y="2349499"/>
-            <a:ext cx="2801144" cy="685801"/>
-          </a:xfrm>
-          <a:prstGeom prst="rect">
-            <a:avLst/>
-          </a:prstGeom>
-          <a:ln w="12700">
-            <a:miter lim="400000"/>
-          </a:ln>
-          <a:extLst>
-            <a:ext uri="{C572A759-6A51-4108-AA02-DFA0A04FC94B}">
-              <ma14:wrappingTextBoxFlag xmlns:ma14="http://schemas.microsoft.com/office/mac/drawingml/2011/main" xmlns:a14="http://schemas.microsoft.com/office/drawing/2010/main" xmlns:m="http://schemas.openxmlformats.org/officeDocument/2006/math" xmlns="" val="1"/>
-            </a:ext>
-          </a:extLst>
-        </p:spPr>
-        <p:txBody>
-          <a:bodyPr wrap="none" lIns="50800" tIns="50800" rIns="50800" bIns="50800" anchor="ctr">
-            <a:spAutoFit/>
-          </a:bodyPr>
-          <a:lstStyle>
-            <a:lvl1pPr>
-              <a:defRPr sz="4000" b="0"/>
-            </a:lvl1pPr>
-          </a:lstStyle>
-          <a:p>
-            <a:r>
-              <a:t>br: line break</a:t>
-            </a:r>
-          </a:p>
-        </p:txBody>
-      </p:sp>
-    </p:spTree>
-  </p:cSld>
-  <p:clrMapOvr>
-    <a:masterClrMapping/>
-  </p:clrMapOvr>
-  <p:transition spd="med"/>
-</p:sld>
-</file>
-
-<file path=ppt/slides/slide29.xml><?xml version="1.0" encoding="utf-8"?>
-<p:sld xmlns:a="http://schemas.openxmlformats.org/drawingml/2006/main" xmlns:r="http://schemas.openxmlformats.org/officeDocument/2006/relationships" xmlns:p="http://schemas.openxmlformats.org/presentationml/2006/main">
-  <p:cSld>
-    <p:spTree>
-      <p:nvGrpSpPr>
-        <p:cNvPr id="1" name=""/>
-        <p:cNvGrpSpPr/>
-        <p:nvPr/>
-      </p:nvGrpSpPr>
-      <p:grpSpPr>
-        <a:xfrm>
-          <a:off x="0" y="0"/>
-          <a:ext cx="0" cy="0"/>
-          <a:chOff x="0" y="0"/>
-          <a:chExt cx="0" cy="0"/>
-        </a:xfrm>
-      </p:grpSpPr>
-      <p:sp>
-        <p:nvSpPr>
-          <p:cNvPr id="371" name="Vertical Space"/>
-          <p:cNvSpPr txBox="1">
-            <a:spLocks noGrp="1"/>
-          </p:cNvSpPr>
-          <p:nvPr>
-            <p:ph type="title"/>
-          </p:nvPr>
-        </p:nvSpPr>
-        <p:spPr>
-          <a:xfrm>
-            <a:off x="952500" y="254000"/>
-            <a:ext cx="11099800" cy="902345"/>
-          </a:xfrm>
-          <a:prstGeom prst="rect">
-            <a:avLst/>
-          </a:prstGeom>
-        </p:spPr>
-        <p:txBody>
-          <a:bodyPr/>
-          <a:lstStyle>
-            <a:lvl1pPr algn="l">
-              <a:defRPr sz="4800"/>
-            </a:lvl1pPr>
-          </a:lstStyle>
-          <a:p>
-            <a:r>
-              <a:t>Vertical Space</a:t>
-            </a:r>
-          </a:p>
-        </p:txBody>
-      </p:sp>
-      <p:sp>
-        <p:nvSpPr>
-          <p:cNvPr id="372" name="Notebook"/>
-          <p:cNvSpPr/>
-          <p:nvPr/>
-        </p:nvSpPr>
-        <p:spPr>
-          <a:xfrm>
-            <a:off x="2910067" y="5311211"/>
-            <a:ext cx="7184666" cy="4024588"/>
-          </a:xfrm>
-          <a:custGeom>
-            <a:avLst/>
-            <a:gdLst/>
-            <a:ahLst/>
-            <a:cxnLst>
-              <a:cxn ang="0">
-                <a:pos x="wd2" y="hd2"/>
-              </a:cxn>
-              <a:cxn ang="5400000">
-                <a:pos x="wd2" y="hd2"/>
-              </a:cxn>
-              <a:cxn ang="10800000">
-                <a:pos x="wd2" y="hd2"/>
-              </a:cxn>
-              <a:cxn ang="16200000">
-                <a:pos x="wd2" y="hd2"/>
-              </a:cxn>
-            </a:cxnLst>
-            <a:rect l="0" t="0" r="r" b="b"/>
-            <a:pathLst>
-              <a:path w="21600" h="21599" extrusionOk="0">
-                <a:moveTo>
-                  <a:pt x="1952" y="0"/>
-                </a:moveTo>
-                <a:cubicBezTo>
-                  <a:pt x="1421" y="0"/>
-                  <a:pt x="1439" y="771"/>
-                  <a:pt x="1439" y="1718"/>
-                </a:cubicBezTo>
-                <a:lnTo>
-                  <a:pt x="1439" y="19328"/>
-                </a:lnTo>
-                <a:lnTo>
-                  <a:pt x="0" y="19328"/>
-                </a:lnTo>
-                <a:cubicBezTo>
-                  <a:pt x="0" y="19328"/>
-                  <a:pt x="0" y="19890"/>
-                  <a:pt x="0" y="20529"/>
-                </a:cubicBezTo>
-                <a:cubicBezTo>
-                  <a:pt x="0" y="21600"/>
-                  <a:pt x="190" y="21599"/>
-                  <a:pt x="896" y="21599"/>
-                </a:cubicBezTo>
-                <a:lnTo>
-                  <a:pt x="10332" y="21599"/>
-                </a:lnTo>
-                <a:lnTo>
-                  <a:pt x="11268" y="21599"/>
-                </a:lnTo>
-                <a:lnTo>
-                  <a:pt x="20704" y="21599"/>
-                </a:lnTo>
-                <a:cubicBezTo>
-                  <a:pt x="21367" y="21599"/>
-                  <a:pt x="21600" y="21600"/>
-                  <a:pt x="21600" y="20529"/>
-                </a:cubicBezTo>
-                <a:cubicBezTo>
-                  <a:pt x="21600" y="19890"/>
-                  <a:pt x="21600" y="19328"/>
-                  <a:pt x="21600" y="19328"/>
-                </a:cubicBezTo>
-                <a:lnTo>
-                  <a:pt x="20161" y="19328"/>
-                </a:lnTo>
-                <a:lnTo>
-                  <a:pt x="20161" y="1718"/>
-                </a:lnTo>
-                <a:cubicBezTo>
-                  <a:pt x="20161" y="771"/>
-                  <a:pt x="20196" y="0"/>
-                  <a:pt x="19665" y="0"/>
-                </a:cubicBezTo>
-                <a:lnTo>
-                  <a:pt x="1952" y="0"/>
-                </a:lnTo>
-                <a:close/>
-                <a:moveTo>
-                  <a:pt x="2475" y="1849"/>
-                </a:moveTo>
-                <a:lnTo>
-                  <a:pt x="19125" y="1849"/>
-                </a:lnTo>
-                <a:lnTo>
-                  <a:pt x="19125" y="19328"/>
-                </a:lnTo>
-                <a:lnTo>
-                  <a:pt x="11268" y="19328"/>
-                </a:lnTo>
-                <a:lnTo>
-                  <a:pt x="10332" y="19328"/>
-                </a:lnTo>
-                <a:lnTo>
-                  <a:pt x="2475" y="19328"/>
-                </a:lnTo>
-                <a:lnTo>
-                  <a:pt x="2475" y="1849"/>
-                </a:lnTo>
-                <a:close/>
-              </a:path>
-            </a:pathLst>
-          </a:custGeom>
-          <a:solidFill>
-            <a:schemeClr val="accent1"/>
-          </a:solidFill>
-          <a:ln w="12700">
-            <a:miter lim="400000"/>
-          </a:ln>
-        </p:spPr>
-        <p:txBody>
-          <a:bodyPr lIns="50800" tIns="50800" rIns="50800" bIns="50800" anchor="ctr"/>
-          <a:lstStyle/>
-          <a:p>
-            <a:pPr>
-              <a:defRPr sz="2200" b="0">
-                <a:solidFill>
-                  <a:srgbClr val="FFFFFF"/>
-                </a:solidFill>
-                <a:latin typeface="+mn-lt"/>
-                <a:ea typeface="+mn-ea"/>
-                <a:cs typeface="+mn-cs"/>
-                <a:sym typeface="Gill Sans SemiBold"/>
-              </a:defRPr>
-            </a:pPr>
-            <a:endParaRPr/>
-          </a:p>
-        </p:txBody>
-      </p:sp>
-      <p:sp>
-        <p:nvSpPr>
-          <p:cNvPr id="373" name="This is a test page.…"/>
-          <p:cNvSpPr txBox="1"/>
-          <p:nvPr/>
-        </p:nvSpPr>
-        <p:spPr>
-          <a:xfrm>
-            <a:off x="3987800" y="5834278"/>
-            <a:ext cx="5137830" cy="1727201"/>
-          </a:xfrm>
-          <a:prstGeom prst="rect">
-            <a:avLst/>
-          </a:prstGeom>
-          <a:ln w="12700">
-            <a:miter lim="400000"/>
-          </a:ln>
-          <a:extLst>
-            <a:ext uri="{C572A759-6A51-4108-AA02-DFA0A04FC94B}">
-              <ma14:wrappingTextBoxFlag xmlns:ma14="http://schemas.microsoft.com/office/mac/drawingml/2011/main" xmlns:a14="http://schemas.microsoft.com/office/drawing/2010/main" xmlns:m="http://schemas.openxmlformats.org/officeDocument/2006/math" xmlns="" val="1"/>
-            </a:ext>
-          </a:extLst>
-        </p:spPr>
-        <p:txBody>
-          <a:bodyPr lIns="50800" tIns="50800" rIns="50800" bIns="50800">
-            <a:spAutoFit/>
-          </a:bodyPr>
-          <a:lstStyle/>
-          <a:p>
-            <a:pPr algn="l">
-              <a:defRPr sz="2800" b="0"/>
-            </a:pPr>
-            <a:r>
-              <a:t>This is a test page.</a:t>
-            </a:r>
-          </a:p>
-          <a:p>
-            <a:pPr algn="l">
-              <a:defRPr sz="2800" b="0"/>
-            </a:pPr>
-            <a:endParaRPr/>
-          </a:p>
-          <a:p>
-            <a:pPr algn="l">
-              <a:defRPr sz="2800" b="0"/>
-            </a:pPr>
-            <a:endParaRPr/>
-          </a:p>
-          <a:p>
-            <a:pPr algn="l">
-              <a:defRPr sz="2800" b="0"/>
-            </a:pPr>
-            <a:r>
-              <a:t>It is awesome.</a:t>
-            </a:r>
-          </a:p>
-        </p:txBody>
-      </p:sp>
-      <p:sp>
-        <p:nvSpPr>
-          <p:cNvPr id="374" name="This is a test page.…"/>
-          <p:cNvSpPr/>
-          <p:nvPr/>
-        </p:nvSpPr>
-        <p:spPr>
-          <a:xfrm>
-            <a:off x="6362700" y="2008443"/>
-            <a:ext cx="5736680" cy="2272870"/>
-          </a:xfrm>
-          <a:prstGeom prst="rect">
-            <a:avLst/>
-          </a:prstGeom>
-          <a:solidFill>
-            <a:srgbClr val="FFFFFF"/>
-          </a:solidFill>
-          <a:ln w="25400">
-            <a:solidFill>
-              <a:srgbClr val="000000"/>
-            </a:solidFill>
-            <a:miter lim="400000"/>
-          </a:ln>
-          <a:extLst>
-            <a:ext uri="{C572A759-6A51-4108-AA02-DFA0A04FC94B}">
-              <ma14:wrappingTextBoxFlag xmlns:ma14="http://schemas.microsoft.com/office/mac/drawingml/2011/main" xmlns:a14="http://schemas.microsoft.com/office/drawing/2010/main" xmlns:m="http://schemas.openxmlformats.org/officeDocument/2006/math" xmlns="" val="1"/>
-            </a:ext>
-          </a:extLst>
-        </p:spPr>
-        <p:txBody>
-          <a:bodyPr lIns="50800" tIns="50800" rIns="50800" bIns="50800"/>
-          <a:lstStyle/>
-          <a:p>
-            <a:pPr algn="l">
-              <a:defRPr sz="2600"/>
-            </a:pPr>
-            <a:r>
-              <a:t>This is a test page.</a:t>
-            </a:r>
-          </a:p>
-          <a:p>
-            <a:pPr algn="l">
-              <a:defRPr sz="2600"/>
-            </a:pPr>
-            <a:r>
-              <a:rPr>
-                <a:solidFill>
-                  <a:schemeClr val="accent5">
-                    <a:hueOff val="-82419"/>
-                    <a:satOff val="-9513"/>
-                    <a:lumOff val="-16343"/>
-                  </a:schemeClr>
-                </a:solidFill>
-              </a:rPr>
-              <a:t>&lt;br&gt;&lt;br&gt;&lt;br&gt;</a:t>
-            </a:r>
-          </a:p>
-          <a:p>
-            <a:pPr algn="l">
-              <a:defRPr sz="2600"/>
-            </a:pPr>
-            <a:r>
-              <a:t>It is awesome.</a:t>
-            </a:r>
-          </a:p>
-        </p:txBody>
-      </p:sp>
-      <p:sp>
-        <p:nvSpPr>
-          <p:cNvPr id="375" name="test.html"/>
-          <p:cNvSpPr txBox="1"/>
-          <p:nvPr/>
-        </p:nvSpPr>
-        <p:spPr>
-          <a:xfrm>
-            <a:off x="6391527" y="1487743"/>
-            <a:ext cx="1547218" cy="457201"/>
-          </a:xfrm>
-          <a:prstGeom prst="rect">
-            <a:avLst/>
-          </a:prstGeom>
-          <a:ln w="12700">
-            <a:miter lim="400000"/>
-          </a:ln>
-          <a:extLst>
-            <a:ext uri="{C572A759-6A51-4108-AA02-DFA0A04FC94B}">
-              <ma14:wrappingTextBoxFlag xmlns:ma14="http://schemas.microsoft.com/office/mac/drawingml/2011/main" xmlns:a14="http://schemas.microsoft.com/office/drawing/2010/main" xmlns:m="http://schemas.openxmlformats.org/officeDocument/2006/math" xmlns="" val="1"/>
-            </a:ext>
-          </a:extLst>
-        </p:spPr>
-        <p:txBody>
-          <a:bodyPr wrap="none" lIns="50800" tIns="50800" rIns="50800" bIns="50800" anchor="ctr">
-            <a:spAutoFit/>
-          </a:bodyPr>
-          <a:lstStyle>
-            <a:lvl1pPr algn="l"/>
-          </a:lstStyle>
-          <a:p>
-            <a:r>
-              <a:t>test.html</a:t>
-            </a:r>
-          </a:p>
-        </p:txBody>
-      </p:sp>
-      <p:sp>
-        <p:nvSpPr>
-          <p:cNvPr id="376" name="br: line break"/>
-          <p:cNvSpPr txBox="1"/>
-          <p:nvPr/>
-        </p:nvSpPr>
-        <p:spPr>
-          <a:xfrm>
-            <a:off x="1101328" y="2349499"/>
-            <a:ext cx="2801144" cy="685801"/>
-          </a:xfrm>
-          <a:prstGeom prst="rect">
-            <a:avLst/>
-          </a:prstGeom>
-          <a:ln w="12700">
-            <a:miter lim="400000"/>
-          </a:ln>
-          <a:extLst>
-            <a:ext uri="{C572A759-6A51-4108-AA02-DFA0A04FC94B}">
-              <ma14:wrappingTextBoxFlag xmlns:ma14="http://schemas.microsoft.com/office/mac/drawingml/2011/main" xmlns:a14="http://schemas.microsoft.com/office/drawing/2010/main" xmlns:m="http://schemas.openxmlformats.org/officeDocument/2006/math" xmlns="" val="1"/>
-            </a:ext>
-          </a:extLst>
-        </p:spPr>
-        <p:txBody>
-          <a:bodyPr wrap="none" lIns="50800" tIns="50800" rIns="50800" bIns="50800" anchor="ctr">
-            <a:spAutoFit/>
-          </a:bodyPr>
-          <a:lstStyle>
-            <a:lvl1pPr>
-              <a:defRPr sz="4000" b="0"/>
-            </a:lvl1pPr>
-          </a:lstStyle>
-          <a:p>
-            <a:r>
-              <a:t>br: line break</a:t>
-            </a:r>
-          </a:p>
-        </p:txBody>
-      </p:sp>
-    </p:spTree>
-  </p:cSld>
-  <p:clrMapOvr>
-    <a:masterClrMapping/>
-  </p:clrMapOvr>
-  <p:transition spd="med"/>
-</p:sld>
-</file>
-
-<file path=ppt/slides/slide3.xml><?xml version="1.0" encoding="utf-8"?>
-<p:sld xmlns:a="http://schemas.openxmlformats.org/drawingml/2006/main" xmlns:r="http://schemas.openxmlformats.org/officeDocument/2006/relationships" xmlns:p="http://schemas.openxmlformats.org/presentationml/2006/main">
-  <p:cSld>
-    <p:spTree>
-      <p:nvGrpSpPr>
-        <p:cNvPr id="1" name=""/>
-        <p:cNvGrpSpPr/>
-        <p:nvPr/>
-      </p:nvGrpSpPr>
-      <p:grpSpPr>
-        <a:xfrm>
-          <a:off x="0" y="0"/>
-          <a:ext cx="0" cy="0"/>
-          <a:chOff x="0" y="0"/>
-          <a:chExt cx="0" cy="0"/>
-        </a:xfrm>
-      </p:grpSpPr>
-      <p:sp>
-        <p:nvSpPr>
-          <p:cNvPr id="125" name="Outline"/>
-          <p:cNvSpPr txBox="1">
-            <a:spLocks noGrp="1"/>
-          </p:cNvSpPr>
-          <p:nvPr>
-            <p:ph type="title"/>
-          </p:nvPr>
-        </p:nvSpPr>
-        <p:spPr>
-          <a:xfrm>
-            <a:off x="952500" y="254000"/>
-            <a:ext cx="11099800" cy="902345"/>
-          </a:xfrm>
-          <a:prstGeom prst="rect">
-            <a:avLst/>
-          </a:prstGeom>
-        </p:spPr>
-        <p:txBody>
-          <a:bodyPr/>
-          <a:lstStyle>
-            <a:lvl1pPr algn="l">
-              <a:defRPr sz="4800"/>
-            </a:lvl1pPr>
-          </a:lstStyle>
-          <a:p>
-            <a:r>
-              <a:t>Outline</a:t>
-            </a:r>
-          </a:p>
-        </p:txBody>
-      </p:sp>
-      <p:sp>
-        <p:nvSpPr>
-          <p:cNvPr id="126" name="Hypertext…"/>
-          <p:cNvSpPr txBox="1">
-            <a:spLocks noGrp="1"/>
-          </p:cNvSpPr>
-          <p:nvPr>
-            <p:ph type="body" idx="1"/>
-          </p:nvPr>
-        </p:nvSpPr>
-        <p:spPr>
-          <a:xfrm>
-            <a:off x="952500" y="1587896"/>
-            <a:ext cx="11099800" cy="7726116"/>
-          </a:xfrm>
-          <a:prstGeom prst="rect">
-            <a:avLst/>
-          </a:prstGeom>
-        </p:spPr>
-        <p:txBody>
-          <a:bodyPr anchor="t"/>
-          <a:lstStyle/>
-          <a:p>
-            <a:pPr marL="0" indent="0">
-              <a:buSzTx/>
-              <a:buNone/>
-              <a:defRPr>
-                <a:solidFill>
-                  <a:schemeClr val="accent5">
-                    <a:hueOff val="-82419"/>
-                    <a:satOff val="-9513"/>
-                    <a:lumOff val="-16343"/>
-                  </a:schemeClr>
-                </a:solidFill>
-              </a:defRPr>
-            </a:pPr>
-            <a:r>
-              <a:t>Hypertext</a:t>
-            </a:r>
-          </a:p>
-          <a:p>
-            <a:pPr marL="0" indent="0">
-              <a:buSzTx/>
-              <a:buNone/>
-            </a:pPr>
-            <a:r>
-              <a:t>Tag Syntax</a:t>
-            </a:r>
-          </a:p>
-          <a:p>
-            <a:pPr marL="0" indent="0">
-              <a:buSzTx/>
-              <a:buNone/>
-            </a:pPr>
-            <a:r>
-              <a:t>Hyperlinks and Attributes</a:t>
-            </a:r>
-          </a:p>
-          <a:p>
-            <a:pPr marL="0" indent="0">
-              <a:buSzTx/>
-              <a:buNone/>
-            </a:pPr>
-            <a:r>
-              <a:t>Images</a:t>
-            </a:r>
-          </a:p>
-          <a:p>
-            <a:pPr marL="0" indent="0">
-              <a:buSzTx/>
-              <a:buNone/>
-            </a:pPr>
-            <a:r>
-              <a:t>Tables</a:t>
-            </a:r>
-          </a:p>
-          <a:p>
-            <a:pPr marL="0" indent="0">
-              <a:buSzTx/>
-              <a:buNone/>
-            </a:pPr>
-            <a:r>
-              <a:t>Self Learning</a:t>
-            </a:r>
-          </a:p>
-        </p:txBody>
-      </p:sp>
-    </p:spTree>
-  </p:cSld>
-  <p:clrMapOvr>
-    <a:masterClrMapping/>
-  </p:clrMapOvr>
-  <p:transition spd="med"/>
-</p:sld>
-</file>
-
-<file path=ppt/slides/slide30.xml><?xml version="1.0" encoding="utf-8"?>
-<p:sld xmlns:a="http://schemas.openxmlformats.org/drawingml/2006/main" xmlns:r="http://schemas.openxmlformats.org/officeDocument/2006/relationships" xmlns:p="http://schemas.openxmlformats.org/presentationml/2006/main">
-  <p:cSld>
-    <p:spTree>
-      <p:nvGrpSpPr>
-        <p:cNvPr id="1" name=""/>
-        <p:cNvGrpSpPr/>
-        <p:nvPr/>
-      </p:nvGrpSpPr>
-      <p:grpSpPr>
-        <a:xfrm>
-          <a:off x="0" y="0"/>
-          <a:ext cx="0" cy="0"/>
-          <a:chOff x="0" y="0"/>
-          <a:chExt cx="0" cy="0"/>
-        </a:xfrm>
-      </p:grpSpPr>
-      <p:sp>
-        <p:nvSpPr>
-          <p:cNvPr id="378" name="Vertical Space"/>
-          <p:cNvSpPr txBox="1">
-            <a:spLocks noGrp="1"/>
-          </p:cNvSpPr>
-          <p:nvPr>
-            <p:ph type="title"/>
-          </p:nvPr>
-        </p:nvSpPr>
-        <p:spPr>
-          <a:xfrm>
-            <a:off x="952500" y="254000"/>
-            <a:ext cx="11099800" cy="902345"/>
-          </a:xfrm>
-          <a:prstGeom prst="rect">
-            <a:avLst/>
-          </a:prstGeom>
-        </p:spPr>
-        <p:txBody>
-          <a:bodyPr/>
-          <a:lstStyle>
-            <a:lvl1pPr algn="l">
-              <a:defRPr sz="4800"/>
-            </a:lvl1pPr>
-          </a:lstStyle>
-          <a:p>
-            <a:r>
-              <a:t>Vertical Space</a:t>
-            </a:r>
-          </a:p>
-        </p:txBody>
-      </p:sp>
-      <p:sp>
-        <p:nvSpPr>
-          <p:cNvPr id="379" name="Notebook"/>
-          <p:cNvSpPr/>
-          <p:nvPr/>
-        </p:nvSpPr>
-        <p:spPr>
-          <a:xfrm>
-            <a:off x="2910067" y="5311211"/>
-            <a:ext cx="7184666" cy="4024588"/>
-          </a:xfrm>
-          <a:custGeom>
-            <a:avLst/>
-            <a:gdLst/>
-            <a:ahLst/>
-            <a:cxnLst>
-              <a:cxn ang="0">
-                <a:pos x="wd2" y="hd2"/>
-              </a:cxn>
-              <a:cxn ang="5400000">
-                <a:pos x="wd2" y="hd2"/>
-              </a:cxn>
-              <a:cxn ang="10800000">
-                <a:pos x="wd2" y="hd2"/>
-              </a:cxn>
-              <a:cxn ang="16200000">
-                <a:pos x="wd2" y="hd2"/>
-              </a:cxn>
-            </a:cxnLst>
-            <a:rect l="0" t="0" r="r" b="b"/>
-            <a:pathLst>
-              <a:path w="21600" h="21599" extrusionOk="0">
-                <a:moveTo>
-                  <a:pt x="1952" y="0"/>
-                </a:moveTo>
-                <a:cubicBezTo>
-                  <a:pt x="1421" y="0"/>
-                  <a:pt x="1439" y="771"/>
-                  <a:pt x="1439" y="1718"/>
-                </a:cubicBezTo>
-                <a:lnTo>
-                  <a:pt x="1439" y="19328"/>
-                </a:lnTo>
-                <a:lnTo>
-                  <a:pt x="0" y="19328"/>
-                </a:lnTo>
-                <a:cubicBezTo>
-                  <a:pt x="0" y="19328"/>
-                  <a:pt x="0" y="19890"/>
-                  <a:pt x="0" y="20529"/>
-                </a:cubicBezTo>
-                <a:cubicBezTo>
-                  <a:pt x="0" y="21600"/>
-                  <a:pt x="190" y="21599"/>
-                  <a:pt x="896" y="21599"/>
-                </a:cubicBezTo>
-                <a:lnTo>
-                  <a:pt x="10332" y="21599"/>
-                </a:lnTo>
-                <a:lnTo>
-                  <a:pt x="11268" y="21599"/>
-                </a:lnTo>
-                <a:lnTo>
-                  <a:pt x="20704" y="21599"/>
-                </a:lnTo>
-                <a:cubicBezTo>
-                  <a:pt x="21367" y="21599"/>
-                  <a:pt x="21600" y="21600"/>
-                  <a:pt x="21600" y="20529"/>
-                </a:cubicBezTo>
-                <a:cubicBezTo>
-                  <a:pt x="21600" y="19890"/>
-                  <a:pt x="21600" y="19328"/>
-                  <a:pt x="21600" y="19328"/>
-                </a:cubicBezTo>
-                <a:lnTo>
-                  <a:pt x="20161" y="19328"/>
-                </a:lnTo>
-                <a:lnTo>
-                  <a:pt x="20161" y="1718"/>
-                </a:lnTo>
-                <a:cubicBezTo>
-                  <a:pt x="20161" y="771"/>
-                  <a:pt x="20196" y="0"/>
-                  <a:pt x="19665" y="0"/>
-                </a:cubicBezTo>
-                <a:lnTo>
-                  <a:pt x="1952" y="0"/>
-                </a:lnTo>
-                <a:close/>
-                <a:moveTo>
-                  <a:pt x="2475" y="1849"/>
-                </a:moveTo>
-                <a:lnTo>
-                  <a:pt x="19125" y="1849"/>
-                </a:lnTo>
-                <a:lnTo>
-                  <a:pt x="19125" y="19328"/>
-                </a:lnTo>
-                <a:lnTo>
-                  <a:pt x="11268" y="19328"/>
-                </a:lnTo>
-                <a:lnTo>
-                  <a:pt x="10332" y="19328"/>
-                </a:lnTo>
-                <a:lnTo>
-                  <a:pt x="2475" y="19328"/>
-                </a:lnTo>
-                <a:lnTo>
-                  <a:pt x="2475" y="1849"/>
-                </a:lnTo>
-                <a:close/>
-              </a:path>
-            </a:pathLst>
-          </a:custGeom>
-          <a:solidFill>
-            <a:schemeClr val="accent1"/>
-          </a:solidFill>
-          <a:ln w="12700">
-            <a:miter lim="400000"/>
-          </a:ln>
-        </p:spPr>
-        <p:txBody>
-          <a:bodyPr lIns="50800" tIns="50800" rIns="50800" bIns="50800" anchor="ctr"/>
-          <a:lstStyle/>
-          <a:p>
-            <a:pPr>
-              <a:defRPr sz="2200" b="0">
-                <a:solidFill>
-                  <a:srgbClr val="FFFFFF"/>
-                </a:solidFill>
-                <a:latin typeface="+mn-lt"/>
-                <a:ea typeface="+mn-ea"/>
-                <a:cs typeface="+mn-cs"/>
-                <a:sym typeface="Gill Sans SemiBold"/>
-              </a:defRPr>
-            </a:pPr>
-            <a:endParaRPr/>
-          </a:p>
-        </p:txBody>
-      </p:sp>
-      <p:sp>
-        <p:nvSpPr>
-          <p:cNvPr id="380" name="This is a test page.…"/>
-          <p:cNvSpPr txBox="1"/>
-          <p:nvPr/>
-        </p:nvSpPr>
-        <p:spPr>
-          <a:xfrm>
-            <a:off x="3987800" y="5834278"/>
-            <a:ext cx="5137830" cy="2133601"/>
-          </a:xfrm>
-          <a:prstGeom prst="rect">
-            <a:avLst/>
-          </a:prstGeom>
-          <a:ln w="12700">
-            <a:miter lim="400000"/>
-          </a:ln>
-          <a:extLst>
-            <a:ext uri="{C572A759-6A51-4108-AA02-DFA0A04FC94B}">
-              <ma14:wrappingTextBoxFlag xmlns:ma14="http://schemas.microsoft.com/office/mac/drawingml/2011/main" xmlns:a14="http://schemas.microsoft.com/office/drawing/2010/main" xmlns:m="http://schemas.openxmlformats.org/officeDocument/2006/math" xmlns="" val="1"/>
-            </a:ext>
-          </a:extLst>
-        </p:spPr>
-        <p:txBody>
-          <a:bodyPr lIns="50800" tIns="50800" rIns="50800" bIns="50800">
-            <a:spAutoFit/>
-          </a:bodyPr>
-          <a:lstStyle/>
-          <a:p>
-            <a:pPr algn="l">
-              <a:defRPr sz="2800" b="0"/>
-            </a:pPr>
-            <a:r>
-              <a:t>This is a test page.</a:t>
-            </a:r>
-          </a:p>
-          <a:p>
-            <a:pPr algn="l">
-              <a:defRPr sz="2800" b="0"/>
-            </a:pPr>
-            <a:endParaRPr/>
-          </a:p>
-          <a:p>
-            <a:pPr algn="l">
-              <a:defRPr sz="2800" b="0"/>
-            </a:pPr>
-            <a:endParaRPr/>
-          </a:p>
-          <a:p>
-            <a:pPr algn="l">
-              <a:defRPr sz="2800" b="0"/>
-            </a:pPr>
-            <a:endParaRPr/>
-          </a:p>
-          <a:p>
-            <a:pPr algn="l">
-              <a:defRPr sz="2800" b="0"/>
-            </a:pPr>
-            <a:r>
-              <a:t>It is awesome.</a:t>
-            </a:r>
-          </a:p>
-        </p:txBody>
-      </p:sp>
-      <p:sp>
-        <p:nvSpPr>
-          <p:cNvPr id="381" name="This is a test page.…"/>
-          <p:cNvSpPr/>
-          <p:nvPr/>
-        </p:nvSpPr>
-        <p:spPr>
-          <a:xfrm>
-            <a:off x="6362700" y="2008443"/>
-            <a:ext cx="5736680" cy="2272870"/>
-          </a:xfrm>
-          <a:prstGeom prst="rect">
-            <a:avLst/>
-          </a:prstGeom>
-          <a:solidFill>
-            <a:srgbClr val="FFFFFF"/>
-          </a:solidFill>
-          <a:ln w="25400">
-            <a:solidFill>
-              <a:srgbClr val="000000"/>
-            </a:solidFill>
-            <a:miter lim="400000"/>
-          </a:ln>
-          <a:extLst>
-            <a:ext uri="{C572A759-6A51-4108-AA02-DFA0A04FC94B}">
-              <ma14:wrappingTextBoxFlag xmlns:ma14="http://schemas.microsoft.com/office/mac/drawingml/2011/main" xmlns:a14="http://schemas.microsoft.com/office/drawing/2010/main" xmlns:m="http://schemas.openxmlformats.org/officeDocument/2006/math" xmlns="" val="1"/>
+              <ma14:wrappingTextBoxFlag xmlns="" xmlns:m="http://schemas.openxmlformats.org/officeDocument/2006/math" xmlns:a14="http://schemas.microsoft.com/office/drawing/2010/main" xmlns:ma14="http://schemas.microsoft.com/office/mac/drawingml/2011/main" val="1"/>
             </a:ext>
           </a:extLst>
         </p:spPr>
@@ -13584,7 +12452,7 @@
       </p:sp>
       <p:sp>
         <p:nvSpPr>
-          <p:cNvPr id="382" name="test.html"/>
+          <p:cNvPr id="389" name="test.html"/>
           <p:cNvSpPr txBox="1"/>
           <p:nvPr/>
         </p:nvSpPr>
@@ -13601,7 +12469,7 @@
           </a:ln>
           <a:extLst>
             <a:ext uri="{C572A759-6A51-4108-AA02-DFA0A04FC94B}">
-              <ma14:wrappingTextBoxFlag xmlns:ma14="http://schemas.microsoft.com/office/mac/drawingml/2011/main" xmlns:a14="http://schemas.microsoft.com/office/drawing/2010/main" xmlns:m="http://schemas.openxmlformats.org/officeDocument/2006/math" xmlns="" val="1"/>
+              <ma14:wrappingTextBoxFlag xmlns="" xmlns:m="http://schemas.openxmlformats.org/officeDocument/2006/math" xmlns:a14="http://schemas.microsoft.com/office/drawing/2010/main" xmlns:ma14="http://schemas.microsoft.com/office/mac/drawingml/2011/main" val="1"/>
             </a:ext>
           </a:extLst>
         </p:spPr>
@@ -13621,7 +12489,7 @@
       </p:sp>
       <p:sp>
         <p:nvSpPr>
-          <p:cNvPr id="383" name="br: line break"/>
+          <p:cNvPr id="390" name="br: line break"/>
           <p:cNvSpPr txBox="1"/>
           <p:nvPr/>
         </p:nvSpPr>
@@ -13638,414 +12506,7 @@
           </a:ln>
           <a:extLst>
             <a:ext uri="{C572A759-6A51-4108-AA02-DFA0A04FC94B}">
-              <ma14:wrappingTextBoxFlag xmlns:ma14="http://schemas.microsoft.com/office/mac/drawingml/2011/main" xmlns:a14="http://schemas.microsoft.com/office/drawing/2010/main" xmlns:m="http://schemas.openxmlformats.org/officeDocument/2006/math" xmlns="" val="1"/>
-            </a:ext>
-          </a:extLst>
-        </p:spPr>
-        <p:txBody>
-          <a:bodyPr wrap="none" lIns="50800" tIns="50800" rIns="50800" bIns="50800" anchor="ctr">
-            <a:spAutoFit/>
-          </a:bodyPr>
-          <a:lstStyle>
-            <a:lvl1pPr>
-              <a:defRPr sz="4000" b="0"/>
-            </a:lvl1pPr>
-          </a:lstStyle>
-          <a:p>
-            <a:r>
-              <a:t>br: line break</a:t>
-            </a:r>
-          </a:p>
-        </p:txBody>
-      </p:sp>
-    </p:spTree>
-  </p:cSld>
-  <p:clrMapOvr>
-    <a:masterClrMapping/>
-  </p:clrMapOvr>
-  <p:transition spd="med"/>
-</p:sld>
-</file>
-
-<file path=ppt/slides/slide31.xml><?xml version="1.0" encoding="utf-8"?>
-<p:sld xmlns:a="http://schemas.openxmlformats.org/drawingml/2006/main" xmlns:r="http://schemas.openxmlformats.org/officeDocument/2006/relationships" xmlns:p="http://schemas.openxmlformats.org/presentationml/2006/main">
-  <p:cSld>
-    <p:spTree>
-      <p:nvGrpSpPr>
-        <p:cNvPr id="1" name=""/>
-        <p:cNvGrpSpPr/>
-        <p:nvPr/>
-      </p:nvGrpSpPr>
-      <p:grpSpPr>
-        <a:xfrm>
-          <a:off x="0" y="0"/>
-          <a:ext cx="0" cy="0"/>
-          <a:chOff x="0" y="0"/>
-          <a:chExt cx="0" cy="0"/>
-        </a:xfrm>
-      </p:grpSpPr>
-      <p:sp>
-        <p:nvSpPr>
-          <p:cNvPr id="385" name="Vertical Space"/>
-          <p:cNvSpPr txBox="1">
-            <a:spLocks noGrp="1"/>
-          </p:cNvSpPr>
-          <p:nvPr>
-            <p:ph type="title"/>
-          </p:nvPr>
-        </p:nvSpPr>
-        <p:spPr>
-          <a:xfrm>
-            <a:off x="952500" y="254000"/>
-            <a:ext cx="11099800" cy="902345"/>
-          </a:xfrm>
-          <a:prstGeom prst="rect">
-            <a:avLst/>
-          </a:prstGeom>
-        </p:spPr>
-        <p:txBody>
-          <a:bodyPr/>
-          <a:lstStyle>
-            <a:lvl1pPr algn="l">
-              <a:defRPr sz="4800"/>
-            </a:lvl1pPr>
-          </a:lstStyle>
-          <a:p>
-            <a:r>
-              <a:t>Vertical Space</a:t>
-            </a:r>
-          </a:p>
-        </p:txBody>
-      </p:sp>
-      <p:sp>
-        <p:nvSpPr>
-          <p:cNvPr id="386" name="Notebook"/>
-          <p:cNvSpPr/>
-          <p:nvPr/>
-        </p:nvSpPr>
-        <p:spPr>
-          <a:xfrm>
-            <a:off x="2910067" y="5311211"/>
-            <a:ext cx="7184666" cy="4024588"/>
-          </a:xfrm>
-          <a:custGeom>
-            <a:avLst/>
-            <a:gdLst/>
-            <a:ahLst/>
-            <a:cxnLst>
-              <a:cxn ang="0">
-                <a:pos x="wd2" y="hd2"/>
-              </a:cxn>
-              <a:cxn ang="5400000">
-                <a:pos x="wd2" y="hd2"/>
-              </a:cxn>
-              <a:cxn ang="10800000">
-                <a:pos x="wd2" y="hd2"/>
-              </a:cxn>
-              <a:cxn ang="16200000">
-                <a:pos x="wd2" y="hd2"/>
-              </a:cxn>
-            </a:cxnLst>
-            <a:rect l="0" t="0" r="r" b="b"/>
-            <a:pathLst>
-              <a:path w="21600" h="21599" extrusionOk="0">
-                <a:moveTo>
-                  <a:pt x="1952" y="0"/>
-                </a:moveTo>
-                <a:cubicBezTo>
-                  <a:pt x="1421" y="0"/>
-                  <a:pt x="1439" y="771"/>
-                  <a:pt x="1439" y="1718"/>
-                </a:cubicBezTo>
-                <a:lnTo>
-                  <a:pt x="1439" y="19328"/>
-                </a:lnTo>
-                <a:lnTo>
-                  <a:pt x="0" y="19328"/>
-                </a:lnTo>
-                <a:cubicBezTo>
-                  <a:pt x="0" y="19328"/>
-                  <a:pt x="0" y="19890"/>
-                  <a:pt x="0" y="20529"/>
-                </a:cubicBezTo>
-                <a:cubicBezTo>
-                  <a:pt x="0" y="21600"/>
-                  <a:pt x="190" y="21599"/>
-                  <a:pt x="896" y="21599"/>
-                </a:cubicBezTo>
-                <a:lnTo>
-                  <a:pt x="10332" y="21599"/>
-                </a:lnTo>
-                <a:lnTo>
-                  <a:pt x="11268" y="21599"/>
-                </a:lnTo>
-                <a:lnTo>
-                  <a:pt x="20704" y="21599"/>
-                </a:lnTo>
-                <a:cubicBezTo>
-                  <a:pt x="21367" y="21599"/>
-                  <a:pt x="21600" y="21600"/>
-                  <a:pt x="21600" y="20529"/>
-                </a:cubicBezTo>
-                <a:cubicBezTo>
-                  <a:pt x="21600" y="19890"/>
-                  <a:pt x="21600" y="19328"/>
-                  <a:pt x="21600" y="19328"/>
-                </a:cubicBezTo>
-                <a:lnTo>
-                  <a:pt x="20161" y="19328"/>
-                </a:lnTo>
-                <a:lnTo>
-                  <a:pt x="20161" y="1718"/>
-                </a:lnTo>
-                <a:cubicBezTo>
-                  <a:pt x="20161" y="771"/>
-                  <a:pt x="20196" y="0"/>
-                  <a:pt x="19665" y="0"/>
-                </a:cubicBezTo>
-                <a:lnTo>
-                  <a:pt x="1952" y="0"/>
-                </a:lnTo>
-                <a:close/>
-                <a:moveTo>
-                  <a:pt x="2475" y="1849"/>
-                </a:moveTo>
-                <a:lnTo>
-                  <a:pt x="19125" y="1849"/>
-                </a:lnTo>
-                <a:lnTo>
-                  <a:pt x="19125" y="19328"/>
-                </a:lnTo>
-                <a:lnTo>
-                  <a:pt x="11268" y="19328"/>
-                </a:lnTo>
-                <a:lnTo>
-                  <a:pt x="10332" y="19328"/>
-                </a:lnTo>
-                <a:lnTo>
-                  <a:pt x="2475" y="19328"/>
-                </a:lnTo>
-                <a:lnTo>
-                  <a:pt x="2475" y="1849"/>
-                </a:lnTo>
-                <a:close/>
-              </a:path>
-            </a:pathLst>
-          </a:custGeom>
-          <a:solidFill>
-            <a:schemeClr val="accent1"/>
-          </a:solidFill>
-          <a:ln w="12700">
-            <a:miter lim="400000"/>
-          </a:ln>
-        </p:spPr>
-        <p:txBody>
-          <a:bodyPr lIns="50800" tIns="50800" rIns="50800" bIns="50800" anchor="ctr"/>
-          <a:lstStyle/>
-          <a:p>
-            <a:pPr>
-              <a:defRPr sz="2200" b="0">
-                <a:solidFill>
-                  <a:srgbClr val="FFFFFF"/>
-                </a:solidFill>
-                <a:latin typeface="+mn-lt"/>
-                <a:ea typeface="+mn-ea"/>
-                <a:cs typeface="+mn-cs"/>
-                <a:sym typeface="Gill Sans SemiBold"/>
-              </a:defRPr>
-            </a:pPr>
-            <a:endParaRPr/>
-          </a:p>
-        </p:txBody>
-      </p:sp>
-      <p:sp>
-        <p:nvSpPr>
-          <p:cNvPr id="387" name="This is a test page.…"/>
-          <p:cNvSpPr txBox="1"/>
-          <p:nvPr/>
-        </p:nvSpPr>
-        <p:spPr>
-          <a:xfrm>
-            <a:off x="3987800" y="5834278"/>
-            <a:ext cx="5137830" cy="2133601"/>
-          </a:xfrm>
-          <a:prstGeom prst="rect">
-            <a:avLst/>
-          </a:prstGeom>
-          <a:ln w="12700">
-            <a:miter lim="400000"/>
-          </a:ln>
-          <a:extLst>
-            <a:ext uri="{C572A759-6A51-4108-AA02-DFA0A04FC94B}">
-              <ma14:wrappingTextBoxFlag xmlns:ma14="http://schemas.microsoft.com/office/mac/drawingml/2011/main" xmlns:a14="http://schemas.microsoft.com/office/drawing/2010/main" xmlns:m="http://schemas.openxmlformats.org/officeDocument/2006/math" xmlns="" val="1"/>
-            </a:ext>
-          </a:extLst>
-        </p:spPr>
-        <p:txBody>
-          <a:bodyPr lIns="50800" tIns="50800" rIns="50800" bIns="50800">
-            <a:spAutoFit/>
-          </a:bodyPr>
-          <a:lstStyle/>
-          <a:p>
-            <a:pPr algn="l">
-              <a:defRPr sz="2800" b="0"/>
-            </a:pPr>
-            <a:r>
-              <a:t>This is a test page.</a:t>
-            </a:r>
-          </a:p>
-          <a:p>
-            <a:pPr algn="l">
-              <a:defRPr sz="2800" b="0"/>
-            </a:pPr>
-            <a:endParaRPr/>
-          </a:p>
-          <a:p>
-            <a:pPr algn="l">
-              <a:defRPr sz="2800" b="0"/>
-            </a:pPr>
-            <a:endParaRPr/>
-          </a:p>
-          <a:p>
-            <a:pPr algn="l">
-              <a:defRPr sz="2800" b="0"/>
-            </a:pPr>
-            <a:endParaRPr/>
-          </a:p>
-          <a:p>
-            <a:pPr algn="l">
-              <a:defRPr sz="2800" b="0"/>
-            </a:pPr>
-            <a:r>
-              <a:t>It is awesome.</a:t>
-            </a:r>
-          </a:p>
-        </p:txBody>
-      </p:sp>
-      <p:sp>
-        <p:nvSpPr>
-          <p:cNvPr id="388" name="This is a test page.…"/>
-          <p:cNvSpPr/>
-          <p:nvPr/>
-        </p:nvSpPr>
-        <p:spPr>
-          <a:xfrm>
-            <a:off x="6362700" y="2008443"/>
-            <a:ext cx="5736680" cy="2272870"/>
-          </a:xfrm>
-          <a:prstGeom prst="rect">
-            <a:avLst/>
-          </a:prstGeom>
-          <a:solidFill>
-            <a:srgbClr val="FFFFFF"/>
-          </a:solidFill>
-          <a:ln w="25400">
-            <a:solidFill>
-              <a:srgbClr val="000000"/>
-            </a:solidFill>
-            <a:miter lim="400000"/>
-          </a:ln>
-          <a:extLst>
-            <a:ext uri="{C572A759-6A51-4108-AA02-DFA0A04FC94B}">
-              <ma14:wrappingTextBoxFlag xmlns:ma14="http://schemas.microsoft.com/office/mac/drawingml/2011/main" xmlns:a14="http://schemas.microsoft.com/office/drawing/2010/main" xmlns:m="http://schemas.openxmlformats.org/officeDocument/2006/math" xmlns="" val="1"/>
-            </a:ext>
-          </a:extLst>
-        </p:spPr>
-        <p:txBody>
-          <a:bodyPr lIns="50800" tIns="50800" rIns="50800" bIns="50800"/>
-          <a:lstStyle/>
-          <a:p>
-            <a:pPr algn="l">
-              <a:defRPr sz="2600"/>
-            </a:pPr>
-            <a:r>
-              <a:t>This is a test page.</a:t>
-            </a:r>
-          </a:p>
-          <a:p>
-            <a:pPr algn="l">
-              <a:defRPr sz="2600"/>
-            </a:pPr>
-            <a:r>
-              <a:rPr>
-                <a:solidFill>
-                  <a:schemeClr val="accent5">
-                    <a:hueOff val="-82419"/>
-                    <a:satOff val="-9513"/>
-                    <a:lumOff val="-16343"/>
-                  </a:schemeClr>
-                </a:solidFill>
-              </a:rPr>
-              <a:t>&lt;br&gt;&lt;br&gt;&lt;br&gt;&lt;br&gt;</a:t>
-            </a:r>
-          </a:p>
-          <a:p>
-            <a:pPr algn="l">
-              <a:defRPr sz="2600"/>
-            </a:pPr>
-            <a:r>
-              <a:t>It is awesome.</a:t>
-            </a:r>
-          </a:p>
-        </p:txBody>
-      </p:sp>
-      <p:sp>
-        <p:nvSpPr>
-          <p:cNvPr id="389" name="test.html"/>
-          <p:cNvSpPr txBox="1"/>
-          <p:nvPr/>
-        </p:nvSpPr>
-        <p:spPr>
-          <a:xfrm>
-            <a:off x="6391527" y="1487743"/>
-            <a:ext cx="1547218" cy="457201"/>
-          </a:xfrm>
-          <a:prstGeom prst="rect">
-            <a:avLst/>
-          </a:prstGeom>
-          <a:ln w="12700">
-            <a:miter lim="400000"/>
-          </a:ln>
-          <a:extLst>
-            <a:ext uri="{C572A759-6A51-4108-AA02-DFA0A04FC94B}">
-              <ma14:wrappingTextBoxFlag xmlns:ma14="http://schemas.microsoft.com/office/mac/drawingml/2011/main" xmlns:a14="http://schemas.microsoft.com/office/drawing/2010/main" xmlns:m="http://schemas.openxmlformats.org/officeDocument/2006/math" xmlns="" val="1"/>
-            </a:ext>
-          </a:extLst>
-        </p:spPr>
-        <p:txBody>
-          <a:bodyPr wrap="none" lIns="50800" tIns="50800" rIns="50800" bIns="50800" anchor="ctr">
-            <a:spAutoFit/>
-          </a:bodyPr>
-          <a:lstStyle>
-            <a:lvl1pPr algn="l"/>
-          </a:lstStyle>
-          <a:p>
-            <a:r>
-              <a:t>test.html</a:t>
-            </a:r>
-          </a:p>
-        </p:txBody>
-      </p:sp>
-      <p:sp>
-        <p:nvSpPr>
-          <p:cNvPr id="390" name="br: line break"/>
-          <p:cNvSpPr txBox="1"/>
-          <p:nvPr/>
-        </p:nvSpPr>
-        <p:spPr>
-          <a:xfrm>
-            <a:off x="1101328" y="2349499"/>
-            <a:ext cx="2801144" cy="685801"/>
-          </a:xfrm>
-          <a:prstGeom prst="rect">
-            <a:avLst/>
-          </a:prstGeom>
-          <a:ln w="12700">
-            <a:miter lim="400000"/>
-          </a:ln>
-          <a:extLst>
-            <a:ext uri="{C572A759-6A51-4108-AA02-DFA0A04FC94B}">
-              <ma14:wrappingTextBoxFlag xmlns:ma14="http://schemas.microsoft.com/office/mac/drawingml/2011/main" xmlns:a14="http://schemas.microsoft.com/office/drawing/2010/main" xmlns:m="http://schemas.openxmlformats.org/officeDocument/2006/math" xmlns="" val="1"/>
+              <ma14:wrappingTextBoxFlag xmlns="" xmlns:m="http://schemas.openxmlformats.org/officeDocument/2006/math" xmlns:a14="http://schemas.microsoft.com/office/drawing/2010/main" xmlns:ma14="http://schemas.microsoft.com/office/mac/drawingml/2011/main" val="1"/>
             </a:ext>
           </a:extLst>
         </p:spPr>
@@ -14147,7 +12608,7 @@
           </a:ln>
           <a:extLst>
             <a:ext uri="{C572A759-6A51-4108-AA02-DFA0A04FC94B}">
-              <ma14:wrappingTextBoxFlag xmlns:ma14="http://schemas.microsoft.com/office/mac/drawingml/2011/main" xmlns:a14="http://schemas.microsoft.com/office/drawing/2010/main" xmlns:m="http://schemas.openxmlformats.org/officeDocument/2006/math" xmlns="" val="1"/>
+              <ma14:wrappingTextBoxFlag xmlns="" xmlns:m="http://schemas.openxmlformats.org/officeDocument/2006/math" xmlns:a14="http://schemas.microsoft.com/office/drawing/2010/main" xmlns:ma14="http://schemas.microsoft.com/office/mac/drawingml/2011/main" val="1"/>
             </a:ext>
           </a:extLst>
         </p:spPr>
@@ -14199,7 +12660,7 @@
 </p:sld>
 </file>
 
-<file path=ppt/slides/slide32.xml><?xml version="1.0" encoding="utf-8"?>
+<file path=ppt/slides/slide29.xml><?xml version="1.0" encoding="utf-8"?>
 <p:sld xmlns:a="http://schemas.openxmlformats.org/drawingml/2006/main" xmlns:r="http://schemas.openxmlformats.org/officeDocument/2006/relationships" xmlns:p="http://schemas.openxmlformats.org/presentationml/2006/main">
   <p:cSld>
     <p:spTree>
@@ -14409,7 +12870,7 @@
           </a:ln>
           <a:extLst>
             <a:ext uri="{C572A759-6A51-4108-AA02-DFA0A04FC94B}">
-              <ma14:wrappingTextBoxFlag xmlns:ma14="http://schemas.microsoft.com/office/mac/drawingml/2011/main" xmlns:a14="http://schemas.microsoft.com/office/drawing/2010/main" xmlns:m="http://schemas.openxmlformats.org/officeDocument/2006/math" xmlns="" val="1"/>
+              <ma14:wrappingTextBoxFlag xmlns="" xmlns:m="http://schemas.openxmlformats.org/officeDocument/2006/math" xmlns:a14="http://schemas.microsoft.com/office/drawing/2010/main" xmlns:ma14="http://schemas.microsoft.com/office/mac/drawingml/2011/main" val="1"/>
             </a:ext>
           </a:extLst>
         </p:spPr>
@@ -14479,7 +12940,7 @@
           </a:ln>
           <a:extLst>
             <a:ext uri="{C572A759-6A51-4108-AA02-DFA0A04FC94B}">
-              <ma14:wrappingTextBoxFlag xmlns:ma14="http://schemas.microsoft.com/office/mac/drawingml/2011/main" xmlns:a14="http://schemas.microsoft.com/office/drawing/2010/main" xmlns:m="http://schemas.openxmlformats.org/officeDocument/2006/math" xmlns="" val="1"/>
+              <ma14:wrappingTextBoxFlag xmlns="" xmlns:m="http://schemas.openxmlformats.org/officeDocument/2006/math" xmlns:a14="http://schemas.microsoft.com/office/drawing/2010/main" xmlns:ma14="http://schemas.microsoft.com/office/mac/drawingml/2011/main" val="1"/>
             </a:ext>
           </a:extLst>
         </p:spPr>
@@ -14540,7 +13001,7 @@
           </a:ln>
           <a:extLst>
             <a:ext uri="{C572A759-6A51-4108-AA02-DFA0A04FC94B}">
-              <ma14:wrappingTextBoxFlag xmlns:ma14="http://schemas.microsoft.com/office/mac/drawingml/2011/main" xmlns:a14="http://schemas.microsoft.com/office/drawing/2010/main" xmlns:m="http://schemas.openxmlformats.org/officeDocument/2006/math" xmlns="" val="1"/>
+              <ma14:wrappingTextBoxFlag xmlns="" xmlns:m="http://schemas.openxmlformats.org/officeDocument/2006/math" xmlns:a14="http://schemas.microsoft.com/office/drawing/2010/main" xmlns:ma14="http://schemas.microsoft.com/office/mac/drawingml/2011/main" val="1"/>
             </a:ext>
           </a:extLst>
         </p:spPr>
@@ -14577,7 +13038,7 @@
           </a:ln>
           <a:extLst>
             <a:ext uri="{C572A759-6A51-4108-AA02-DFA0A04FC94B}">
-              <ma14:wrappingTextBoxFlag xmlns:ma14="http://schemas.microsoft.com/office/mac/drawingml/2011/main" xmlns:a14="http://schemas.microsoft.com/office/drawing/2010/main" xmlns:m="http://schemas.openxmlformats.org/officeDocument/2006/math" xmlns="" val="1"/>
+              <ma14:wrappingTextBoxFlag xmlns="" xmlns:m="http://schemas.openxmlformats.org/officeDocument/2006/math" xmlns:a14="http://schemas.microsoft.com/office/drawing/2010/main" xmlns:ma14="http://schemas.microsoft.com/office/mac/drawingml/2011/main" val="1"/>
             </a:ext>
           </a:extLst>
         </p:spPr>
@@ -14679,7 +13140,7 @@
           </a:ln>
           <a:extLst>
             <a:ext uri="{C572A759-6A51-4108-AA02-DFA0A04FC94B}">
-              <ma14:wrappingTextBoxFlag xmlns:ma14="http://schemas.microsoft.com/office/mac/drawingml/2011/main" xmlns:a14="http://schemas.microsoft.com/office/drawing/2010/main" xmlns:m="http://schemas.openxmlformats.org/officeDocument/2006/math" xmlns="" val="1"/>
+              <ma14:wrappingTextBoxFlag xmlns="" xmlns:m="http://schemas.openxmlformats.org/officeDocument/2006/math" xmlns:a14="http://schemas.microsoft.com/office/drawing/2010/main" xmlns:ma14="http://schemas.microsoft.com/office/mac/drawingml/2011/main" val="1"/>
             </a:ext>
           </a:extLst>
         </p:spPr>
@@ -14716,7 +13177,7 @@
 </p:sld>
 </file>
 
-<file path=ppt/slides/slide33.xml><?xml version="1.0" encoding="utf-8"?>
+<file path=ppt/slides/slide3.xml><?xml version="1.0" encoding="utf-8"?>
 <p:sld xmlns:a="http://schemas.openxmlformats.org/drawingml/2006/main" xmlns:r="http://schemas.openxmlformats.org/officeDocument/2006/relationships" xmlns:p="http://schemas.openxmlformats.org/presentationml/2006/main">
   <p:cSld>
     <p:spTree>
@@ -14735,7 +13196,7 @@
       </p:grpSpPr>
       <p:sp>
         <p:nvSpPr>
-          <p:cNvPr id="405" name="Lists"/>
+          <p:cNvPr id="125" name="Outline"/>
           <p:cNvSpPr txBox="1">
             <a:spLocks noGrp="1"/>
           </p:cNvSpPr>
@@ -14761,14 +13222,160 @@
           </a:lstStyle>
           <a:p>
             <a:r>
-              <a:t>Lists</a:t>
-            </a:r>
-          </a:p>
-        </p:txBody>
-      </p:sp>
-      <p:sp>
-        <p:nvSpPr>
-          <p:cNvPr id="406" name="Notebook"/>
+              <a:t>Outline</a:t>
+            </a:r>
+          </a:p>
+        </p:txBody>
+      </p:sp>
+      <p:sp>
+        <p:nvSpPr>
+          <p:cNvPr id="126" name="Hypertext…"/>
+          <p:cNvSpPr txBox="1">
+            <a:spLocks noGrp="1"/>
+          </p:cNvSpPr>
+          <p:nvPr>
+            <p:ph type="body" idx="1"/>
+          </p:nvPr>
+        </p:nvSpPr>
+        <p:spPr>
+          <a:xfrm>
+            <a:off x="952500" y="1587896"/>
+            <a:ext cx="11099800" cy="7726116"/>
+          </a:xfrm>
+          <a:prstGeom prst="rect">
+            <a:avLst/>
+          </a:prstGeom>
+        </p:spPr>
+        <p:txBody>
+          <a:bodyPr anchor="t"/>
+          <a:lstStyle/>
+          <a:p>
+            <a:pPr marL="0" indent="0">
+              <a:buSzTx/>
+              <a:buNone/>
+              <a:defRPr>
+                <a:solidFill>
+                  <a:schemeClr val="accent5">
+                    <a:hueOff val="-82419"/>
+                    <a:satOff val="-9513"/>
+                    <a:lumOff val="-16343"/>
+                  </a:schemeClr>
+                </a:solidFill>
+              </a:defRPr>
+            </a:pPr>
+            <a:r>
+              <a:t>Hypertext</a:t>
+            </a:r>
+          </a:p>
+          <a:p>
+            <a:pPr marL="0" indent="0">
+              <a:buSzTx/>
+              <a:buNone/>
+            </a:pPr>
+            <a:r>
+              <a:t>Tag Syntax</a:t>
+            </a:r>
+          </a:p>
+          <a:p>
+            <a:pPr marL="0" indent="0">
+              <a:buSzTx/>
+              <a:buNone/>
+            </a:pPr>
+            <a:r>
+              <a:t>Hyperlinks and Attributes</a:t>
+            </a:r>
+          </a:p>
+          <a:p>
+            <a:pPr marL="0" indent="0">
+              <a:buSzTx/>
+              <a:buNone/>
+            </a:pPr>
+            <a:r>
+              <a:t>Images</a:t>
+            </a:r>
+          </a:p>
+          <a:p>
+            <a:pPr marL="0" indent="0">
+              <a:buSzTx/>
+              <a:buNone/>
+            </a:pPr>
+            <a:r>
+              <a:t>Tables</a:t>
+            </a:r>
+          </a:p>
+          <a:p>
+            <a:pPr marL="0" indent="0">
+              <a:buSzTx/>
+              <a:buNone/>
+            </a:pPr>
+            <a:r>
+              <a:t>Self Learning</a:t>
+            </a:r>
+          </a:p>
+        </p:txBody>
+      </p:sp>
+    </p:spTree>
+  </p:cSld>
+  <p:clrMapOvr>
+    <a:masterClrMapping/>
+  </p:clrMapOvr>
+  <p:transition spd="med"/>
+</p:sld>
+</file>
+
+<file path=ppt/slides/slide30.xml><?xml version="1.0" encoding="utf-8"?>
+<p:sld xmlns:a="http://schemas.openxmlformats.org/drawingml/2006/main" xmlns:r="http://schemas.openxmlformats.org/officeDocument/2006/relationships" xmlns:p="http://schemas.openxmlformats.org/presentationml/2006/main">
+  <p:cSld>
+    <p:spTree>
+      <p:nvGrpSpPr>
+        <p:cNvPr id="1" name=""/>
+        <p:cNvGrpSpPr/>
+        <p:nvPr/>
+      </p:nvGrpSpPr>
+      <p:grpSpPr>
+        <a:xfrm>
+          <a:off x="0" y="0"/>
+          <a:ext cx="0" cy="0"/>
+          <a:chOff x="0" y="0"/>
+          <a:chExt cx="0" cy="0"/>
+        </a:xfrm>
+      </p:grpSpPr>
+      <p:sp>
+        <p:nvSpPr>
+          <p:cNvPr id="357" name="Vertical Space"/>
+          <p:cNvSpPr txBox="1">
+            <a:spLocks noGrp="1"/>
+          </p:cNvSpPr>
+          <p:nvPr>
+            <p:ph type="title"/>
+          </p:nvPr>
+        </p:nvSpPr>
+        <p:spPr>
+          <a:xfrm>
+            <a:off x="952500" y="254000"/>
+            <a:ext cx="11099800" cy="902345"/>
+          </a:xfrm>
+          <a:prstGeom prst="rect">
+            <a:avLst/>
+          </a:prstGeom>
+        </p:spPr>
+        <p:txBody>
+          <a:bodyPr/>
+          <a:lstStyle>
+            <a:lvl1pPr algn="l">
+              <a:defRPr sz="4800"/>
+            </a:lvl1pPr>
+          </a:lstStyle>
+          <a:p>
+            <a:r>
+              <a:t>Vertical Space</a:t>
+            </a:r>
+          </a:p>
+        </p:txBody>
+      </p:sp>
+      <p:sp>
+        <p:nvSpPr>
+          <p:cNvPr id="358" name="Notebook"/>
           <p:cNvSpPr/>
           <p:nvPr/>
         </p:nvSpPr>
@@ -14909,14 +13516,14 @@
       </p:sp>
       <p:sp>
         <p:nvSpPr>
-          <p:cNvPr id="407" name="Items:…"/>
+          <p:cNvPr id="359" name="This is a test page.…"/>
           <p:cNvSpPr txBox="1"/>
           <p:nvPr/>
         </p:nvSpPr>
         <p:spPr>
           <a:xfrm>
             <a:off x="3987800" y="5834278"/>
-            <a:ext cx="5137830" cy="1320801"/>
+            <a:ext cx="5137830" cy="914401"/>
           </a:xfrm>
           <a:prstGeom prst="rect">
             <a:avLst/>
@@ -14926,7 +13533,7 @@
           </a:ln>
           <a:extLst>
             <a:ext uri="{C572A759-6A51-4108-AA02-DFA0A04FC94B}">
-              <ma14:wrappingTextBoxFlag xmlns:ma14="http://schemas.microsoft.com/office/mac/drawingml/2011/main" xmlns:a14="http://schemas.microsoft.com/office/drawing/2010/main" xmlns:m="http://schemas.openxmlformats.org/officeDocument/2006/math" xmlns="" val="1"/>
+              <ma14:wrappingTextBoxFlag xmlns="" xmlns:m="http://schemas.openxmlformats.org/officeDocument/2006/math" xmlns:a14="http://schemas.microsoft.com/office/drawing/2010/main" xmlns:ma14="http://schemas.microsoft.com/office/mac/drawingml/2011/main" val="1"/>
             </a:ext>
           </a:extLst>
         </p:spPr>
@@ -14940,31 +13547,29 @@
               <a:defRPr sz="2800" b="0"/>
             </a:pPr>
             <a:r>
-              <a:t>Items:</a:t>
-            </a:r>
-          </a:p>
-          <a:p>
-            <a:pPr marL="635000" indent="-444500" algn="l">
-              <a:buSzPct val="145000"/>
-              <a:buChar char="•"/>
+              <a:t>This is a test page.</a:t>
+            </a:r>
+          </a:p>
+          <a:p>
+            <a:pPr algn="l">
               <a:defRPr sz="2800" b="0"/>
             </a:pPr>
             <a:r>
-              <a:t>Item X</a:t>
-            </a:r>
-          </a:p>
-        </p:txBody>
-      </p:sp>
-      <p:sp>
-        <p:nvSpPr>
-          <p:cNvPr id="408" name="Items:…"/>
+              <a:t>It is awesome.</a:t>
+            </a:r>
+          </a:p>
+        </p:txBody>
+      </p:sp>
+      <p:sp>
+        <p:nvSpPr>
+          <p:cNvPr id="360" name="This is a test page.…"/>
           <p:cNvSpPr/>
           <p:nvPr/>
         </p:nvSpPr>
         <p:spPr>
           <a:xfrm>
             <a:off x="6362700" y="2008443"/>
-            <a:ext cx="5736680" cy="2782557"/>
+            <a:ext cx="5736680" cy="2272870"/>
           </a:xfrm>
           <a:prstGeom prst="rect">
             <a:avLst/>
@@ -14980,7 +13585,7 @@
           </a:ln>
           <a:extLst>
             <a:ext uri="{C572A759-6A51-4108-AA02-DFA0A04FC94B}">
-              <ma14:wrappingTextBoxFlag xmlns:ma14="http://schemas.microsoft.com/office/mac/drawingml/2011/main" xmlns:a14="http://schemas.microsoft.com/office/drawing/2010/main" xmlns:m="http://schemas.openxmlformats.org/officeDocument/2006/math" xmlns="" val="1"/>
+              <ma14:wrappingTextBoxFlag xmlns="" xmlns:m="http://schemas.openxmlformats.org/officeDocument/2006/math" xmlns:a14="http://schemas.microsoft.com/office/drawing/2010/main" xmlns:ma14="http://schemas.microsoft.com/office/mac/drawingml/2011/main" val="1"/>
             </a:ext>
           </a:extLst>
         </p:spPr>
@@ -14992,7 +13597,7 @@
               <a:defRPr sz="2600"/>
             </a:pPr>
             <a:r>
-              <a:t>Items:</a:t>
+              <a:t>This is a test page.</a:t>
             </a:r>
           </a:p>
           <a:p>
@@ -15009,7 +13614,7 @@
                   </a:schemeClr>
                 </a:solidFill>
               </a:rPr>
-              <a:t>&lt;ul&gt;</a:t>
+              <a:t>&lt;br&gt;</a:t>
             </a:r>
           </a:p>
           <a:p>
@@ -15017,54 +13622,14 @@
               <a:defRPr sz="2600"/>
             </a:pPr>
             <a:r>
-              <a:rPr>
-                <a:solidFill>
-                  <a:schemeClr val="accent5">
-                    <a:hueOff val="-82419"/>
-                    <a:satOff val="-9513"/>
-                    <a:lumOff val="-16343"/>
-                  </a:schemeClr>
-                </a:solidFill>
-              </a:rPr>
-              <a:t>    &lt;li&gt;</a:t>
-            </a:r>
-            <a:r>
-              <a:t>Item X</a:t>
-            </a:r>
-            <a:r>
-              <a:rPr>
-                <a:solidFill>
-                  <a:schemeClr val="accent5">
-                    <a:hueOff val="-82419"/>
-                    <a:satOff val="-9513"/>
-                    <a:lumOff val="-16343"/>
-                  </a:schemeClr>
-                </a:solidFill>
-              </a:rPr>
-              <a:t>&lt;/li&gt;</a:t>
-            </a:r>
-          </a:p>
-          <a:p>
-            <a:pPr algn="l">
-              <a:defRPr sz="2600">
-                <a:solidFill>
-                  <a:schemeClr val="accent5">
-                    <a:hueOff val="-82419"/>
-                    <a:satOff val="-9513"/>
-                    <a:lumOff val="-16343"/>
-                  </a:schemeClr>
-                </a:solidFill>
-              </a:defRPr>
-            </a:pPr>
-            <a:r>
-              <a:t>&lt;/ul&gt;</a:t>
-            </a:r>
-          </a:p>
-        </p:txBody>
-      </p:sp>
-      <p:sp>
-        <p:nvSpPr>
-          <p:cNvPr id="409" name="test.html"/>
+              <a:t>It is awesome.</a:t>
+            </a:r>
+          </a:p>
+        </p:txBody>
+      </p:sp>
+      <p:sp>
+        <p:nvSpPr>
+          <p:cNvPr id="361" name="test.html"/>
           <p:cNvSpPr txBox="1"/>
           <p:nvPr/>
         </p:nvSpPr>
@@ -15081,7 +13646,7 @@
           </a:ln>
           <a:extLst>
             <a:ext uri="{C572A759-6A51-4108-AA02-DFA0A04FC94B}">
-              <ma14:wrappingTextBoxFlag xmlns:ma14="http://schemas.microsoft.com/office/mac/drawingml/2011/main" xmlns:a14="http://schemas.microsoft.com/office/drawing/2010/main" xmlns:m="http://schemas.openxmlformats.org/officeDocument/2006/math" xmlns="" val="1"/>
+              <ma14:wrappingTextBoxFlag xmlns="" xmlns:m="http://schemas.openxmlformats.org/officeDocument/2006/math" xmlns:a14="http://schemas.microsoft.com/office/drawing/2010/main" xmlns:ma14="http://schemas.microsoft.com/office/mac/drawingml/2011/main" val="1"/>
             </a:ext>
           </a:extLst>
         </p:spPr>
@@ -15101,14 +13666,14 @@
       </p:sp>
       <p:sp>
         <p:nvSpPr>
-          <p:cNvPr id="410" name="ul: unordered list…"/>
+          <p:cNvPr id="362" name="br: line break"/>
           <p:cNvSpPr txBox="1"/>
           <p:nvPr/>
         </p:nvSpPr>
         <p:spPr>
           <a:xfrm>
-            <a:off x="553212" y="2057400"/>
-            <a:ext cx="3728343" cy="1270000"/>
+            <a:off x="1101328" y="2349499"/>
+            <a:ext cx="2801144" cy="685801"/>
           </a:xfrm>
           <a:prstGeom prst="rect">
             <a:avLst/>
@@ -15118,7 +13683,7 @@
           </a:ln>
           <a:extLst>
             <a:ext uri="{C572A759-6A51-4108-AA02-DFA0A04FC94B}">
-              <ma14:wrappingTextBoxFlag xmlns:ma14="http://schemas.microsoft.com/office/mac/drawingml/2011/main" xmlns:a14="http://schemas.microsoft.com/office/drawing/2010/main" xmlns:m="http://schemas.openxmlformats.org/officeDocument/2006/math" xmlns="" val="1"/>
+              <ma14:wrappingTextBoxFlag xmlns="" xmlns:m="http://schemas.openxmlformats.org/officeDocument/2006/math" xmlns:a14="http://schemas.microsoft.com/office/drawing/2010/main" xmlns:ma14="http://schemas.microsoft.com/office/mac/drawingml/2011/main" val="1"/>
             </a:ext>
           </a:extLst>
         </p:spPr>
@@ -15126,21 +13691,14 @@
           <a:bodyPr wrap="none" lIns="50800" tIns="50800" rIns="50800" bIns="50800" anchor="ctr">
             <a:spAutoFit/>
           </a:bodyPr>
-          <a:lstStyle/>
-          <a:p>
-            <a:pPr algn="l">
+          <a:lstStyle>
+            <a:lvl1pPr>
               <a:defRPr sz="4000" b="0"/>
-            </a:pPr>
-            <a:r>
-              <a:t>ul: unordered list</a:t>
-            </a:r>
-          </a:p>
-          <a:p>
-            <a:pPr algn="l">
-              <a:defRPr sz="4000" b="0"/>
-            </a:pPr>
-            <a:r>
-              <a:t>li: list item</a:t>
+            </a:lvl1pPr>
+          </a:lstStyle>
+          <a:p>
+            <a:r>
+              <a:t>br: line break</a:t>
             </a:r>
           </a:p>
         </p:txBody>
@@ -15154,7 +13712,7 @@
 </p:sld>
 </file>
 
-<file path=ppt/slides/slide34.xml><?xml version="1.0" encoding="utf-8"?>
+<file path=ppt/slides/slide31.xml><?xml version="1.0" encoding="utf-8"?>
 <p:sld xmlns:a="http://schemas.openxmlformats.org/drawingml/2006/main" xmlns:r="http://schemas.openxmlformats.org/officeDocument/2006/relationships" xmlns:p="http://schemas.openxmlformats.org/presentationml/2006/main">
   <p:cSld>
     <p:spTree>
@@ -15173,7 +13731,7 @@
       </p:grpSpPr>
       <p:sp>
         <p:nvSpPr>
-          <p:cNvPr id="412" name="Lists"/>
+          <p:cNvPr id="340" name="Vertical Space"/>
           <p:cNvSpPr txBox="1">
             <a:spLocks noGrp="1"/>
           </p:cNvSpPr>
@@ -15199,14 +13757,16 @@
           </a:lstStyle>
           <a:p>
             <a:r>
-              <a:t>Lists</a:t>
-            </a:r>
-          </a:p>
-        </p:txBody>
-      </p:sp>
-      <p:sp>
-        <p:nvSpPr>
-          <p:cNvPr id="413" name="Notebook"/>
+              <a:rPr lang="en-US" dirty="0"/>
+              <a:t>Headers</a:t>
+            </a:r>
+            <a:endParaRPr dirty="0"/>
+          </a:p>
+        </p:txBody>
+      </p:sp>
+      <p:sp>
+        <p:nvSpPr>
+          <p:cNvPr id="341" name="Notebook"/>
           <p:cNvSpPr/>
           <p:nvPr/>
         </p:nvSpPr>
@@ -15347,14 +13907,14 @@
       </p:sp>
       <p:sp>
         <p:nvSpPr>
-          <p:cNvPr id="414" name="Items:…"/>
+          <p:cNvPr id="342" name="Welcome…"/>
           <p:cNvSpPr txBox="1"/>
           <p:nvPr/>
         </p:nvSpPr>
         <p:spPr>
           <a:xfrm>
             <a:off x="3987800" y="5834278"/>
-            <a:ext cx="5137830" cy="1727201"/>
+            <a:ext cx="5137830" cy="2552701"/>
           </a:xfrm>
           <a:prstGeom prst="rect">
             <a:avLst/>
@@ -15364,7 +13924,7 @@
           </a:ln>
           <a:extLst>
             <a:ext uri="{C572A759-6A51-4108-AA02-DFA0A04FC94B}">
-              <ma14:wrappingTextBoxFlag xmlns:ma14="http://schemas.microsoft.com/office/mac/drawingml/2011/main" xmlns:a14="http://schemas.microsoft.com/office/drawing/2010/main" xmlns:m="http://schemas.openxmlformats.org/officeDocument/2006/math" xmlns="" val="1"/>
+              <ma14:wrappingTextBoxFlag xmlns="" xmlns:m="http://schemas.openxmlformats.org/officeDocument/2006/math" xmlns:a14="http://schemas.microsoft.com/office/drawing/2010/main" xmlns:ma14="http://schemas.microsoft.com/office/mac/drawingml/2011/main" val="1"/>
             </a:ext>
           </a:extLst>
         </p:spPr>
@@ -15375,44 +13935,52 @@
           <a:lstStyle/>
           <a:p>
             <a:pPr algn="l">
+              <a:defRPr sz="5000"/>
+            </a:pPr>
+            <a:r>
+              <a:t>Welcome</a:t>
+            </a:r>
+          </a:p>
+          <a:p>
+            <a:pPr algn="l">
               <a:defRPr sz="2800" b="0"/>
             </a:pPr>
-            <a:r>
-              <a:t>Items:</a:t>
-            </a:r>
-          </a:p>
-          <a:p>
-            <a:pPr marL="635000" indent="-444500" algn="l">
-              <a:buSzPct val="145000"/>
-              <a:buChar char="•"/>
+            <a:endParaRPr/>
+          </a:p>
+          <a:p>
+            <a:pPr algn="l">
+              <a:defRPr sz="3400"/>
+            </a:pPr>
+            <a:r>
+              <a:t>This is a test page.</a:t>
+            </a:r>
+          </a:p>
+          <a:p>
+            <a:pPr algn="l">
               <a:defRPr sz="2800" b="0"/>
             </a:pPr>
-            <a:r>
-              <a:t>Item X</a:t>
-            </a:r>
-          </a:p>
-          <a:p>
-            <a:pPr marL="635000" indent="-444500" algn="l">
-              <a:buSzPct val="145000"/>
-              <a:buChar char="•"/>
+            <a:endParaRPr/>
+          </a:p>
+          <a:p>
+            <a:pPr algn="l">
               <a:defRPr sz="2800" b="0"/>
             </a:pPr>
             <a:r>
-              <a:t>Item Y</a:t>
-            </a:r>
-          </a:p>
-        </p:txBody>
-      </p:sp>
-      <p:sp>
-        <p:nvSpPr>
-          <p:cNvPr id="415" name="Items:…"/>
+              <a:t>It is awesome.</a:t>
+            </a:r>
+          </a:p>
+        </p:txBody>
+      </p:sp>
+      <p:sp>
+        <p:nvSpPr>
+          <p:cNvPr id="343" name="&lt;h1&gt;Welcome&lt;/h1&gt;…"/>
           <p:cNvSpPr/>
           <p:nvPr/>
         </p:nvSpPr>
         <p:spPr>
           <a:xfrm>
             <a:off x="6362700" y="2008443"/>
-            <a:ext cx="5736680" cy="2782557"/>
+            <a:ext cx="5736680" cy="2272870"/>
           </a:xfrm>
           <a:prstGeom prst="rect">
             <a:avLst/>
@@ -15428,7 +13996,7 @@
           </a:ln>
           <a:extLst>
             <a:ext uri="{C572A759-6A51-4108-AA02-DFA0A04FC94B}">
-              <ma14:wrappingTextBoxFlag xmlns:ma14="http://schemas.microsoft.com/office/mac/drawingml/2011/main" xmlns:a14="http://schemas.microsoft.com/office/drawing/2010/main" xmlns:m="http://schemas.openxmlformats.org/officeDocument/2006/math" xmlns="" val="1"/>
+              <ma14:wrappingTextBoxFlag xmlns="" xmlns:m="http://schemas.openxmlformats.org/officeDocument/2006/math" xmlns:a14="http://schemas.microsoft.com/office/drawing/2010/main" xmlns:ma14="http://schemas.microsoft.com/office/mac/drawingml/2011/main" val="1"/>
             </a:ext>
           </a:extLst>
         </p:spPr>
@@ -15440,8 +14008,14 @@
               <a:defRPr sz="2600"/>
             </a:pPr>
             <a:r>
-              <a:t>Items:</a:t>
-            </a:r>
+              <a:t>&lt;h1&gt;Welcome&lt;/h1&gt;</a:t>
+            </a:r>
+          </a:p>
+          <a:p>
+            <a:pPr algn="l">
+              <a:defRPr sz="2600"/>
+            </a:pPr>
+            <a:endParaRPr/>
           </a:p>
           <a:p>
             <a:pPr algn="l">
@@ -15457,13 +14031,11 @@
                   </a:schemeClr>
                 </a:solidFill>
               </a:rPr>
-              <a:t>&lt;ul&gt;</a:t>
-            </a:r>
-          </a:p>
-          <a:p>
-            <a:pPr algn="l">
-              <a:defRPr sz="2600"/>
-            </a:pPr>
+              <a:t>&lt;h2&gt;</a:t>
+            </a:r>
+            <a:r>
+              <a:t>This is a test page.</a:t>
+            </a:r>
             <a:r>
               <a:rPr>
                 <a:solidFill>
@@ -15474,77 +14046,36 @@
                   </a:schemeClr>
                 </a:solidFill>
               </a:rPr>
-              <a:t>    &lt;li&gt;</a:t>
-            </a:r>
-            <a:r>
-              <a:t>Item X</a:t>
-            </a:r>
-            <a:r>
-              <a:rPr>
-                <a:solidFill>
-                  <a:schemeClr val="accent5">
-                    <a:hueOff val="-82419"/>
-                    <a:satOff val="-9513"/>
-                    <a:lumOff val="-16343"/>
-                  </a:schemeClr>
-                </a:solidFill>
-              </a:rPr>
-              <a:t>&lt;/li&gt;</a:t>
+              <a:t>&lt;/h2&gt;</a:t>
             </a:r>
           </a:p>
           <a:p>
             <a:pPr algn="l">
               <a:defRPr sz="2600"/>
             </a:pPr>
-            <a:r>
-              <a:rPr>
-                <a:solidFill>
-                  <a:schemeClr val="accent5">
-                    <a:hueOff val="-82419"/>
-                    <a:satOff val="-9513"/>
-                    <a:lumOff val="-16343"/>
-                  </a:schemeClr>
-                </a:solidFill>
-              </a:rPr>
-              <a:t>    &lt;li&gt;</a:t>
-            </a:r>
-            <a:r>
-              <a:t>Item Y</a:t>
-            </a:r>
-            <a:r>
-              <a:rPr>
-                <a:solidFill>
-                  <a:schemeClr val="accent5">
-                    <a:hueOff val="-82419"/>
-                    <a:satOff val="-9513"/>
-                    <a:lumOff val="-16343"/>
-                  </a:schemeClr>
-                </a:solidFill>
-              </a:rPr>
-              <a:t>&lt;/li&gt;</a:t>
-            </a:r>
+            <a:endParaRPr>
+              <a:solidFill>
+                <a:schemeClr val="accent5">
+                  <a:hueOff val="-82419"/>
+                  <a:satOff val="-9513"/>
+                  <a:lumOff val="-16343"/>
+                </a:schemeClr>
+              </a:solidFill>
+            </a:endParaRPr>
           </a:p>
           <a:p>
             <a:pPr algn="l">
-              <a:defRPr sz="2600">
-                <a:solidFill>
-                  <a:schemeClr val="accent5">
-                    <a:hueOff val="-82419"/>
-                    <a:satOff val="-9513"/>
-                    <a:lumOff val="-16343"/>
-                  </a:schemeClr>
-                </a:solidFill>
-              </a:defRPr>
-            </a:pPr>
-            <a:r>
-              <a:t>&lt;/ul&gt;</a:t>
-            </a:r>
-          </a:p>
-        </p:txBody>
-      </p:sp>
-      <p:sp>
-        <p:nvSpPr>
-          <p:cNvPr id="416" name="test.html"/>
+              <a:defRPr sz="2600"/>
+            </a:pPr>
+            <a:r>
+              <a:t>&lt;p&gt;It is awesome.&lt;/p&gt;</a:t>
+            </a:r>
+          </a:p>
+        </p:txBody>
+      </p:sp>
+      <p:sp>
+        <p:nvSpPr>
+          <p:cNvPr id="344" name="test.html"/>
           <p:cNvSpPr txBox="1"/>
           <p:nvPr/>
         </p:nvSpPr>
@@ -15561,7 +14092,7 @@
           </a:ln>
           <a:extLst>
             <a:ext uri="{C572A759-6A51-4108-AA02-DFA0A04FC94B}">
-              <ma14:wrappingTextBoxFlag xmlns:ma14="http://schemas.microsoft.com/office/mac/drawingml/2011/main" xmlns:a14="http://schemas.microsoft.com/office/drawing/2010/main" xmlns:m="http://schemas.openxmlformats.org/officeDocument/2006/math" xmlns="" val="1"/>
+              <ma14:wrappingTextBoxFlag xmlns="" xmlns:m="http://schemas.openxmlformats.org/officeDocument/2006/math" xmlns:a14="http://schemas.microsoft.com/office/drawing/2010/main" xmlns:ma14="http://schemas.microsoft.com/office/mac/drawingml/2011/main" val="1"/>
             </a:ext>
           </a:extLst>
         </p:spPr>
@@ -15581,14 +14112,14 @@
       </p:sp>
       <p:sp>
         <p:nvSpPr>
-          <p:cNvPr id="417" name="ul: unordered list…"/>
+          <p:cNvPr id="345" name="h1: big header"/>
           <p:cNvSpPr txBox="1"/>
           <p:nvPr/>
         </p:nvSpPr>
         <p:spPr>
           <a:xfrm>
-            <a:off x="553212" y="2057400"/>
-            <a:ext cx="3728343" cy="1270000"/>
+            <a:off x="1019472" y="2349499"/>
+            <a:ext cx="2964856" cy="685801"/>
           </a:xfrm>
           <a:prstGeom prst="rect">
             <a:avLst/>
@@ -15598,7 +14129,7 @@
           </a:ln>
           <a:extLst>
             <a:ext uri="{C572A759-6A51-4108-AA02-DFA0A04FC94B}">
-              <ma14:wrappingTextBoxFlag xmlns:ma14="http://schemas.microsoft.com/office/mac/drawingml/2011/main" xmlns:a14="http://schemas.microsoft.com/office/drawing/2010/main" xmlns:m="http://schemas.openxmlformats.org/officeDocument/2006/math" xmlns="" val="1"/>
+              <ma14:wrappingTextBoxFlag xmlns="" xmlns:m="http://schemas.openxmlformats.org/officeDocument/2006/math" xmlns:a14="http://schemas.microsoft.com/office/drawing/2010/main" xmlns:ma14="http://schemas.microsoft.com/office/mac/drawingml/2011/main" val="1"/>
             </a:ext>
           </a:extLst>
         </p:spPr>
@@ -15606,21 +14137,53 @@
           <a:bodyPr wrap="none" lIns="50800" tIns="50800" rIns="50800" bIns="50800" anchor="ctr">
             <a:spAutoFit/>
           </a:bodyPr>
-          <a:lstStyle/>
-          <a:p>
-            <a:pPr algn="l">
+          <a:lstStyle>
+            <a:lvl1pPr>
               <a:defRPr sz="4000" b="0"/>
-            </a:pPr>
-            <a:r>
-              <a:t>ul: unordered list</a:t>
-            </a:r>
-          </a:p>
-          <a:p>
-            <a:pPr algn="l">
+            </a:lvl1pPr>
+          </a:lstStyle>
+          <a:p>
+            <a:r>
+              <a:t>h1: big header</a:t>
+            </a:r>
+          </a:p>
+        </p:txBody>
+      </p:sp>
+      <p:sp>
+        <p:nvSpPr>
+          <p:cNvPr id="346" name="h2: smaller header"/>
+          <p:cNvSpPr txBox="1"/>
+          <p:nvPr/>
+        </p:nvSpPr>
+        <p:spPr>
+          <a:xfrm>
+            <a:off x="812037" y="3238499"/>
+            <a:ext cx="3853856" cy="685801"/>
+          </a:xfrm>
+          <a:prstGeom prst="rect">
+            <a:avLst/>
+          </a:prstGeom>
+          <a:ln w="12700">
+            <a:miter lim="400000"/>
+          </a:ln>
+          <a:extLst>
+            <a:ext uri="{C572A759-6A51-4108-AA02-DFA0A04FC94B}">
+              <ma14:wrappingTextBoxFlag xmlns="" xmlns:m="http://schemas.openxmlformats.org/officeDocument/2006/math" xmlns:a14="http://schemas.microsoft.com/office/drawing/2010/main" xmlns:ma14="http://schemas.microsoft.com/office/mac/drawingml/2011/main" val="1"/>
+            </a:ext>
+          </a:extLst>
+        </p:spPr>
+        <p:txBody>
+          <a:bodyPr wrap="none" lIns="50800" tIns="50800" rIns="50800" bIns="50800" anchor="ctr">
+            <a:spAutoFit/>
+          </a:bodyPr>
+          <a:lstStyle>
+            <a:lvl1pPr algn="l">
               <a:defRPr sz="4000" b="0"/>
-            </a:pPr>
-            <a:r>
-              <a:t>li: list item</a:t>
+            </a:lvl1pPr>
+          </a:lstStyle>
+          <a:p>
+            <a:r>
+              <a:t>h2: smaller header</a:t>
             </a:r>
           </a:p>
         </p:txBody>
@@ -15634,7 +14197,7 @@
 </p:sld>
 </file>
 
-<file path=ppt/slides/slide35.xml><?xml version="1.0" encoding="utf-8"?>
+<file path=ppt/slides/slide32.xml><?xml version="1.0" encoding="utf-8"?>
 <p:sld xmlns:a="http://schemas.openxmlformats.org/drawingml/2006/main" xmlns:r="http://schemas.openxmlformats.org/officeDocument/2006/relationships" xmlns:p="http://schemas.openxmlformats.org/presentationml/2006/main">
   <p:cSld>
     <p:spTree>
@@ -15653,7 +14216,7 @@
       </p:grpSpPr>
       <p:sp>
         <p:nvSpPr>
-          <p:cNvPr id="419" name="Lists"/>
+          <p:cNvPr id="348" name="Vertical Space"/>
           <p:cNvSpPr txBox="1">
             <a:spLocks noGrp="1"/>
           </p:cNvSpPr>
@@ -15679,14 +14242,16 @@
           </a:lstStyle>
           <a:p>
             <a:r>
-              <a:t>Lists</a:t>
-            </a:r>
-          </a:p>
-        </p:txBody>
-      </p:sp>
-      <p:sp>
-        <p:nvSpPr>
-          <p:cNvPr id="420" name="Notebook"/>
+              <a:rPr lang="en-US" dirty="0"/>
+              <a:t>Headers</a:t>
+            </a:r>
+            <a:endParaRPr dirty="0"/>
+          </a:p>
+        </p:txBody>
+      </p:sp>
+      <p:sp>
+        <p:nvSpPr>
+          <p:cNvPr id="349" name="Notebook"/>
           <p:cNvSpPr/>
           <p:nvPr/>
         </p:nvSpPr>
@@ -15827,14 +14392,14 @@
       </p:sp>
       <p:sp>
         <p:nvSpPr>
-          <p:cNvPr id="421" name="Items:…"/>
+          <p:cNvPr id="350" name="Welcome…"/>
           <p:cNvSpPr txBox="1"/>
           <p:nvPr/>
         </p:nvSpPr>
         <p:spPr>
           <a:xfrm>
             <a:off x="3987800" y="5834278"/>
-            <a:ext cx="5137830" cy="1727201"/>
+            <a:ext cx="5137830" cy="2552701"/>
           </a:xfrm>
           <a:prstGeom prst="rect">
             <a:avLst/>
@@ -15844,7 +14409,7 @@
           </a:ln>
           <a:extLst>
             <a:ext uri="{C572A759-6A51-4108-AA02-DFA0A04FC94B}">
-              <ma14:wrappingTextBoxFlag xmlns:ma14="http://schemas.microsoft.com/office/mac/drawingml/2011/main" xmlns:a14="http://schemas.microsoft.com/office/drawing/2010/main" xmlns:m="http://schemas.openxmlformats.org/officeDocument/2006/math" xmlns="" val="1"/>
+              <ma14:wrappingTextBoxFlag xmlns="" xmlns:m="http://schemas.openxmlformats.org/officeDocument/2006/math" xmlns:a14="http://schemas.microsoft.com/office/drawing/2010/main" xmlns:ma14="http://schemas.microsoft.com/office/mac/drawingml/2011/main" val="1"/>
             </a:ext>
           </a:extLst>
         </p:spPr>
@@ -15855,54 +14420,52 @@
           <a:lstStyle/>
           <a:p>
             <a:pPr algn="l">
+              <a:defRPr sz="5000"/>
+            </a:pPr>
+            <a:r>
+              <a:t>Welcome</a:t>
+            </a:r>
+          </a:p>
+          <a:p>
+            <a:pPr algn="l">
               <a:defRPr sz="2800" b="0"/>
             </a:pPr>
-            <a:r>
-              <a:t>Items:</a:t>
-            </a:r>
-          </a:p>
-          <a:p>
-            <a:pPr marL="635000" indent="-444500" algn="l">
-              <a:buSzPct val="145000"/>
-              <a:buChar char="•"/>
+            <a:endParaRPr/>
+          </a:p>
+          <a:p>
+            <a:pPr algn="l">
+              <a:defRPr sz="3400"/>
+            </a:pPr>
+            <a:r>
+              <a:t>This is a test page.</a:t>
+            </a:r>
+          </a:p>
+          <a:p>
+            <a:pPr algn="l">
               <a:defRPr sz="2800" b="0"/>
             </a:pPr>
-            <a:r>
-              <a:t>Item X</a:t>
-            </a:r>
-          </a:p>
-          <a:p>
-            <a:pPr marL="635000" indent="-444500" algn="l">
-              <a:buSzPct val="145000"/>
-              <a:buChar char="•"/>
+            <a:endParaRPr/>
+          </a:p>
+          <a:p>
+            <a:pPr algn="l">
               <a:defRPr sz="2800" b="0"/>
             </a:pPr>
             <a:r>
-              <a:t>Item Y</a:t>
-            </a:r>
-          </a:p>
-          <a:p>
-            <a:pPr marL="635000" indent="-444500" algn="l">
-              <a:buSzPct val="145000"/>
-              <a:buChar char="•"/>
-              <a:defRPr sz="2800" b="0"/>
-            </a:pPr>
-            <a:r>
-              <a:t>Item Z</a:t>
-            </a:r>
-          </a:p>
-        </p:txBody>
-      </p:sp>
-      <p:sp>
-        <p:nvSpPr>
-          <p:cNvPr id="422" name="Items:…"/>
+              <a:t>It is awesome.</a:t>
+            </a:r>
+          </a:p>
+        </p:txBody>
+      </p:sp>
+      <p:sp>
+        <p:nvSpPr>
+          <p:cNvPr id="351" name="&lt;h1&gt;Welcome&lt;/h1&gt;…"/>
           <p:cNvSpPr/>
           <p:nvPr/>
         </p:nvSpPr>
         <p:spPr>
           <a:xfrm>
             <a:off x="6362700" y="2008443"/>
-            <a:ext cx="5736680" cy="2782557"/>
+            <a:ext cx="5736680" cy="2272870"/>
           </a:xfrm>
           <a:prstGeom prst="rect">
             <a:avLst/>
@@ -15918,7 +14481,7 @@
           </a:ln>
           <a:extLst>
             <a:ext uri="{C572A759-6A51-4108-AA02-DFA0A04FC94B}">
-              <ma14:wrappingTextBoxFlag xmlns:ma14="http://schemas.microsoft.com/office/mac/drawingml/2011/main" xmlns:a14="http://schemas.microsoft.com/office/drawing/2010/main" xmlns:m="http://schemas.openxmlformats.org/officeDocument/2006/math" xmlns="" val="1"/>
+              <ma14:wrappingTextBoxFlag xmlns="" xmlns:m="http://schemas.openxmlformats.org/officeDocument/2006/math" xmlns:a14="http://schemas.microsoft.com/office/drawing/2010/main" xmlns:ma14="http://schemas.microsoft.com/office/mac/drawingml/2011/main" val="1"/>
             </a:ext>
           </a:extLst>
         </p:spPr>
@@ -15930,8 +14493,14 @@
               <a:defRPr sz="2600"/>
             </a:pPr>
             <a:r>
-              <a:t>Items:</a:t>
-            </a:r>
+              <a:t>&lt;h1&gt;Welcome&lt;/h1&gt;</a:t>
+            </a:r>
+          </a:p>
+          <a:p>
+            <a:pPr algn="l">
+              <a:defRPr sz="2600"/>
+            </a:pPr>
+            <a:endParaRPr/>
           </a:p>
           <a:p>
             <a:pPr algn="l">
@@ -15947,13 +14516,11 @@
                   </a:schemeClr>
                 </a:solidFill>
               </a:rPr>
-              <a:t>&lt;ul&gt;</a:t>
-            </a:r>
-          </a:p>
-          <a:p>
-            <a:pPr algn="l">
-              <a:defRPr sz="2600"/>
-            </a:pPr>
+              <a:t>&lt;h2&gt;</a:t>
+            </a:r>
+            <a:r>
+              <a:t>This is a test page.</a:t>
+            </a:r>
             <a:r>
               <a:rPr>
                 <a:solidFill>
@@ -15964,109 +14531,36 @@
                   </a:schemeClr>
                 </a:solidFill>
               </a:rPr>
-              <a:t>    &lt;li&gt;</a:t>
-            </a:r>
-            <a:r>
-              <a:t>Item X</a:t>
-            </a:r>
-            <a:r>
-              <a:rPr>
-                <a:solidFill>
-                  <a:schemeClr val="accent5">
-                    <a:hueOff val="-82419"/>
-                    <a:satOff val="-9513"/>
-                    <a:lumOff val="-16343"/>
-                  </a:schemeClr>
-                </a:solidFill>
-              </a:rPr>
-              <a:t>&lt;/li&gt;</a:t>
+              <a:t>&lt;/h2&gt;</a:t>
             </a:r>
           </a:p>
           <a:p>
             <a:pPr algn="l">
               <a:defRPr sz="2600"/>
             </a:pPr>
-            <a:r>
-              <a:rPr>
-                <a:solidFill>
-                  <a:schemeClr val="accent5">
-                    <a:hueOff val="-82419"/>
-                    <a:satOff val="-9513"/>
-                    <a:lumOff val="-16343"/>
-                  </a:schemeClr>
-                </a:solidFill>
-              </a:rPr>
-              <a:t>    &lt;li&gt;</a:t>
-            </a:r>
-            <a:r>
-              <a:t>Item Y</a:t>
-            </a:r>
-            <a:r>
-              <a:rPr>
-                <a:solidFill>
-                  <a:schemeClr val="accent5">
-                    <a:hueOff val="-82419"/>
-                    <a:satOff val="-9513"/>
-                    <a:lumOff val="-16343"/>
-                  </a:schemeClr>
-                </a:solidFill>
-              </a:rPr>
-              <a:t>&lt;/li&gt;</a:t>
-            </a:r>
+            <a:endParaRPr>
+              <a:solidFill>
+                <a:schemeClr val="accent5">
+                  <a:hueOff val="-82419"/>
+                  <a:satOff val="-9513"/>
+                  <a:lumOff val="-16343"/>
+                </a:schemeClr>
+              </a:solidFill>
+            </a:endParaRPr>
           </a:p>
           <a:p>
             <a:pPr algn="l">
               <a:defRPr sz="2600"/>
             </a:pPr>
             <a:r>
-              <a:rPr>
-                <a:solidFill>
-                  <a:schemeClr val="accent5">
-                    <a:hueOff val="-82419"/>
-                    <a:satOff val="-9513"/>
-                    <a:lumOff val="-16343"/>
-                  </a:schemeClr>
-                </a:solidFill>
-              </a:rPr>
-              <a:t>    &lt;li&gt;</a:t>
-            </a:r>
-            <a:r>
-              <a:t>Item Z</a:t>
-            </a:r>
-            <a:r>
-              <a:rPr>
-                <a:solidFill>
-                  <a:schemeClr val="accent5">
-                    <a:hueOff val="-82419"/>
-                    <a:satOff val="-9513"/>
-                    <a:lumOff val="-16343"/>
-                  </a:schemeClr>
-                </a:solidFill>
-              </a:rPr>
-              <a:t>&lt;/li&gt;</a:t>
-            </a:r>
-          </a:p>
-          <a:p>
-            <a:pPr algn="l">
-              <a:defRPr sz="2600">
-                <a:solidFill>
-                  <a:schemeClr val="accent5">
-                    <a:hueOff val="-82419"/>
-                    <a:satOff val="-9513"/>
-                    <a:lumOff val="-16343"/>
-                  </a:schemeClr>
-                </a:solidFill>
-              </a:defRPr>
-            </a:pPr>
-            <a:r>
-              <a:t>&lt;/ul&gt;</a:t>
-            </a:r>
-          </a:p>
-        </p:txBody>
-      </p:sp>
-      <p:sp>
-        <p:nvSpPr>
-          <p:cNvPr id="423" name="test.html"/>
+              <a:t>&lt;p&gt;It is awesome.&lt;/p&gt;</a:t>
+            </a:r>
+          </a:p>
+        </p:txBody>
+      </p:sp>
+      <p:sp>
+        <p:nvSpPr>
+          <p:cNvPr id="352" name="test.html"/>
           <p:cNvSpPr txBox="1"/>
           <p:nvPr/>
         </p:nvSpPr>
@@ -16083,7 +14577,7 @@
           </a:ln>
           <a:extLst>
             <a:ext uri="{C572A759-6A51-4108-AA02-DFA0A04FC94B}">
-              <ma14:wrappingTextBoxFlag xmlns:ma14="http://schemas.microsoft.com/office/mac/drawingml/2011/main" xmlns:a14="http://schemas.microsoft.com/office/drawing/2010/main" xmlns:m="http://schemas.openxmlformats.org/officeDocument/2006/math" xmlns="" val="1"/>
+              <ma14:wrappingTextBoxFlag xmlns="" xmlns:m="http://schemas.openxmlformats.org/officeDocument/2006/math" xmlns:a14="http://schemas.microsoft.com/office/drawing/2010/main" xmlns:ma14="http://schemas.microsoft.com/office/mac/drawingml/2011/main" val="1"/>
             </a:ext>
           </a:extLst>
         </p:spPr>
@@ -16103,14 +14597,14 @@
       </p:sp>
       <p:sp>
         <p:nvSpPr>
-          <p:cNvPr id="424" name="ul: unordered list…"/>
+          <p:cNvPr id="353" name="h1: big header"/>
           <p:cNvSpPr txBox="1"/>
           <p:nvPr/>
         </p:nvSpPr>
         <p:spPr>
           <a:xfrm>
-            <a:off x="553212" y="2057400"/>
-            <a:ext cx="3728343" cy="1270000"/>
+            <a:off x="1019472" y="2349499"/>
+            <a:ext cx="2964856" cy="685801"/>
           </a:xfrm>
           <a:prstGeom prst="rect">
             <a:avLst/>
@@ -16120,7 +14614,7 @@
           </a:ln>
           <a:extLst>
             <a:ext uri="{C572A759-6A51-4108-AA02-DFA0A04FC94B}">
-              <ma14:wrappingTextBoxFlag xmlns:ma14="http://schemas.microsoft.com/office/mac/drawingml/2011/main" xmlns:a14="http://schemas.microsoft.com/office/drawing/2010/main" xmlns:m="http://schemas.openxmlformats.org/officeDocument/2006/math" xmlns="" val="1"/>
+              <ma14:wrappingTextBoxFlag xmlns="" xmlns:m="http://schemas.openxmlformats.org/officeDocument/2006/math" xmlns:a14="http://schemas.microsoft.com/office/drawing/2010/main" xmlns:ma14="http://schemas.microsoft.com/office/mac/drawingml/2011/main" val="1"/>
             </a:ext>
           </a:extLst>
         </p:spPr>
@@ -16128,21 +14622,92 @@
           <a:bodyPr wrap="none" lIns="50800" tIns="50800" rIns="50800" bIns="50800" anchor="ctr">
             <a:spAutoFit/>
           </a:bodyPr>
-          <a:lstStyle/>
-          <a:p>
-            <a:pPr algn="l">
+          <a:lstStyle>
+            <a:lvl1pPr>
               <a:defRPr sz="4000" b="0"/>
-            </a:pPr>
-            <a:r>
-              <a:t>ul: unordered list</a:t>
-            </a:r>
-          </a:p>
-          <a:p>
-            <a:pPr algn="l">
+            </a:lvl1pPr>
+          </a:lstStyle>
+          <a:p>
+            <a:r>
+              <a:t>h1: big header</a:t>
+            </a:r>
+          </a:p>
+        </p:txBody>
+      </p:sp>
+      <p:sp>
+        <p:nvSpPr>
+          <p:cNvPr id="354" name="h2: smaller header"/>
+          <p:cNvSpPr txBox="1"/>
+          <p:nvPr/>
+        </p:nvSpPr>
+        <p:spPr>
+          <a:xfrm>
+            <a:off x="812037" y="3238499"/>
+            <a:ext cx="3853856" cy="685801"/>
+          </a:xfrm>
+          <a:prstGeom prst="rect">
+            <a:avLst/>
+          </a:prstGeom>
+          <a:ln w="12700">
+            <a:miter lim="400000"/>
+          </a:ln>
+          <a:extLst>
+            <a:ext uri="{C572A759-6A51-4108-AA02-DFA0A04FC94B}">
+              <ma14:wrappingTextBoxFlag xmlns="" xmlns:m="http://schemas.openxmlformats.org/officeDocument/2006/math" xmlns:a14="http://schemas.microsoft.com/office/drawing/2010/main" xmlns:ma14="http://schemas.microsoft.com/office/mac/drawingml/2011/main" val="1"/>
+            </a:ext>
+          </a:extLst>
+        </p:spPr>
+        <p:txBody>
+          <a:bodyPr wrap="none" lIns="50800" tIns="50800" rIns="50800" bIns="50800" anchor="ctr">
+            <a:spAutoFit/>
+          </a:bodyPr>
+          <a:lstStyle>
+            <a:lvl1pPr algn="l">
               <a:defRPr sz="4000" b="0"/>
-            </a:pPr>
-            <a:r>
-              <a:t>li: list item</a:t>
+            </a:lvl1pPr>
+          </a:lstStyle>
+          <a:p>
+            <a:r>
+              <a:t>h2: smaller header</a:t>
+            </a:r>
+          </a:p>
+        </p:txBody>
+      </p:sp>
+      <p:sp>
+        <p:nvSpPr>
+          <p:cNvPr id="355" name="hN: etc"/>
+          <p:cNvSpPr txBox="1"/>
+          <p:nvPr/>
+        </p:nvSpPr>
+        <p:spPr>
+          <a:xfrm>
+            <a:off x="812037" y="4254499"/>
+            <a:ext cx="1601591" cy="685801"/>
+          </a:xfrm>
+          <a:prstGeom prst="rect">
+            <a:avLst/>
+          </a:prstGeom>
+          <a:ln w="12700">
+            <a:miter lim="400000"/>
+          </a:ln>
+          <a:extLst>
+            <a:ext uri="{C572A759-6A51-4108-AA02-DFA0A04FC94B}">
+              <ma14:wrappingTextBoxFlag xmlns="" xmlns:m="http://schemas.openxmlformats.org/officeDocument/2006/math" xmlns:a14="http://schemas.microsoft.com/office/drawing/2010/main" xmlns:ma14="http://schemas.microsoft.com/office/mac/drawingml/2011/main" val="1"/>
+            </a:ext>
+          </a:extLst>
+        </p:spPr>
+        <p:txBody>
+          <a:bodyPr wrap="none" lIns="50800" tIns="50800" rIns="50800" bIns="50800" anchor="ctr">
+            <a:spAutoFit/>
+          </a:bodyPr>
+          <a:lstStyle>
+            <a:lvl1pPr algn="l">
+              <a:defRPr sz="4000" b="0"/>
+            </a:lvl1pPr>
+          </a:lstStyle>
+          <a:p>
+            <a:r>
+              <a:t>hN: etc</a:t>
             </a:r>
           </a:p>
         </p:txBody>
@@ -16156,7 +14721,7 @@
 </p:sld>
 </file>
 
-<file path=ppt/slides/slide36.xml><?xml version="1.0" encoding="utf-8"?>
+<file path=ppt/slides/slide33.xml><?xml version="1.0" encoding="utf-8"?>
 <p:sld xmlns:a="http://schemas.openxmlformats.org/drawingml/2006/main" xmlns:r="http://schemas.openxmlformats.org/officeDocument/2006/relationships" xmlns:p="http://schemas.openxmlformats.org/presentationml/2006/main">
   <p:cSld>
     <p:spTree>
@@ -16175,7 +14740,7 @@
       </p:grpSpPr>
       <p:sp>
         <p:nvSpPr>
-          <p:cNvPr id="426" name="Lists"/>
+          <p:cNvPr id="405" name="Lists"/>
           <p:cNvSpPr txBox="1">
             <a:spLocks noGrp="1"/>
           </p:cNvSpPr>
@@ -16208,7 +14773,7 @@
       </p:sp>
       <p:sp>
         <p:nvSpPr>
-          <p:cNvPr id="427" name="Notebook"/>
+          <p:cNvPr id="406" name="Notebook"/>
           <p:cNvSpPr/>
           <p:nvPr/>
         </p:nvSpPr>
@@ -16349,14 +14914,14 @@
       </p:sp>
       <p:sp>
         <p:nvSpPr>
-          <p:cNvPr id="428" name="Items:…"/>
+          <p:cNvPr id="407" name="Items:…"/>
           <p:cNvSpPr txBox="1"/>
           <p:nvPr/>
         </p:nvSpPr>
         <p:spPr>
           <a:xfrm>
             <a:off x="3987800" y="5834278"/>
-            <a:ext cx="5137830" cy="1727201"/>
+            <a:ext cx="5137830" cy="1320801"/>
           </a:xfrm>
           <a:prstGeom prst="rect">
             <a:avLst/>
@@ -16366,7 +14931,7 @@
           </a:ln>
           <a:extLst>
             <a:ext uri="{C572A759-6A51-4108-AA02-DFA0A04FC94B}">
-              <ma14:wrappingTextBoxFlag xmlns:ma14="http://schemas.microsoft.com/office/mac/drawingml/2011/main" xmlns:a14="http://schemas.microsoft.com/office/drawing/2010/main" xmlns:m="http://schemas.openxmlformats.org/officeDocument/2006/math" xmlns="" val="1"/>
+              <ma14:wrappingTextBoxFlag xmlns="" xmlns:m="http://schemas.openxmlformats.org/officeDocument/2006/math" xmlns:a14="http://schemas.microsoft.com/office/drawing/2010/main" xmlns:ma14="http://schemas.microsoft.com/office/mac/drawingml/2011/main" val="1"/>
             </a:ext>
           </a:extLst>
         </p:spPr>
@@ -16393,31 +14958,11 @@
               <a:t>Item X</a:t>
             </a:r>
           </a:p>
-          <a:p>
-            <a:pPr marL="635000" indent="-444500" algn="l">
-              <a:buSzPct val="145000"/>
-              <a:buChar char="•"/>
-              <a:defRPr sz="2800" b="0"/>
-            </a:pPr>
-            <a:r>
-              <a:t>Item Y</a:t>
-            </a:r>
-          </a:p>
-          <a:p>
-            <a:pPr marL="635000" indent="-444500" algn="l">
-              <a:buSzPct val="145000"/>
-              <a:buChar char="•"/>
-              <a:defRPr sz="2800" b="0"/>
-            </a:pPr>
-            <a:r>
-              <a:t>Item Z</a:t>
-            </a:r>
-          </a:p>
-        </p:txBody>
-      </p:sp>
-      <p:sp>
-        <p:nvSpPr>
-          <p:cNvPr id="429" name="Items:…"/>
+        </p:txBody>
+      </p:sp>
+      <p:sp>
+        <p:nvSpPr>
+          <p:cNvPr id="408" name="Items:…"/>
           <p:cNvSpPr/>
           <p:nvPr/>
         </p:nvSpPr>
@@ -16440,7 +14985,7 @@
           </a:ln>
           <a:extLst>
             <a:ext uri="{C572A759-6A51-4108-AA02-DFA0A04FC94B}">
-              <ma14:wrappingTextBoxFlag xmlns:ma14="http://schemas.microsoft.com/office/mac/drawingml/2011/main" xmlns:a14="http://schemas.microsoft.com/office/drawing/2010/main" xmlns:m="http://schemas.openxmlformats.org/officeDocument/2006/math" xmlns="" val="1"/>
+              <ma14:wrappingTextBoxFlag xmlns="" xmlns:m="http://schemas.openxmlformats.org/officeDocument/2006/math" xmlns:a14="http://schemas.microsoft.com/office/drawing/2010/main" xmlns:ma14="http://schemas.microsoft.com/office/mac/drawingml/2011/main" val="1"/>
             </a:ext>
           </a:extLst>
         </p:spPr>
@@ -16491,20 +15036,6 @@
             <a:r>
               <a:t>Item X</a:t>
             </a:r>
-            <a:endParaRPr>
-              <a:solidFill>
-                <a:schemeClr val="accent5">
-                  <a:hueOff val="-82419"/>
-                  <a:satOff val="-9513"/>
-                  <a:lumOff val="-16343"/>
-                </a:schemeClr>
-              </a:solidFill>
-            </a:endParaRPr>
-          </a:p>
-          <a:p>
-            <a:pPr algn="l">
-              <a:defRPr sz="2600"/>
-            </a:pPr>
             <a:r>
               <a:rPr>
                 <a:solidFill>
@@ -16515,49 +15046,8 @@
                   </a:schemeClr>
                 </a:solidFill>
               </a:rPr>
-              <a:t>    &lt;li&gt;</a:t>
-            </a:r>
-            <a:r>
-              <a:t>Item Y</a:t>
-            </a:r>
-            <a:endParaRPr>
-              <a:solidFill>
-                <a:schemeClr val="accent5">
-                  <a:hueOff val="-82419"/>
-                  <a:satOff val="-9513"/>
-                  <a:lumOff val="-16343"/>
-                </a:schemeClr>
-              </a:solidFill>
-            </a:endParaRPr>
-          </a:p>
-          <a:p>
-            <a:pPr algn="l">
-              <a:defRPr sz="2600"/>
-            </a:pPr>
-            <a:r>
-              <a:rPr>
-                <a:solidFill>
-                  <a:schemeClr val="accent5">
-                    <a:hueOff val="-82419"/>
-                    <a:satOff val="-9513"/>
-                    <a:lumOff val="-16343"/>
-                  </a:schemeClr>
-                </a:solidFill>
-              </a:rPr>
-              <a:t>    &lt;li&gt;</a:t>
-            </a:r>
-            <a:r>
-              <a:t>Item Z</a:t>
-            </a:r>
-            <a:endParaRPr>
-              <a:solidFill>
-                <a:schemeClr val="accent5">
-                  <a:hueOff val="-82419"/>
-                  <a:satOff val="-9513"/>
-                  <a:lumOff val="-16343"/>
-                </a:schemeClr>
-              </a:solidFill>
-            </a:endParaRPr>
+              <a:t>&lt;/li&gt;</a:t>
+            </a:r>
           </a:p>
           <a:p>
             <a:pPr algn="l">
@@ -16579,7 +15069,7 @@
       </p:sp>
       <p:sp>
         <p:nvSpPr>
-          <p:cNvPr id="430" name="test.html"/>
+          <p:cNvPr id="409" name="test.html"/>
           <p:cNvSpPr txBox="1"/>
           <p:nvPr/>
         </p:nvSpPr>
@@ -16596,7 +15086,7 @@
           </a:ln>
           <a:extLst>
             <a:ext uri="{C572A759-6A51-4108-AA02-DFA0A04FC94B}">
-              <ma14:wrappingTextBoxFlag xmlns:ma14="http://schemas.microsoft.com/office/mac/drawingml/2011/main" xmlns:a14="http://schemas.microsoft.com/office/drawing/2010/main" xmlns:m="http://schemas.openxmlformats.org/officeDocument/2006/math" xmlns="" val="1"/>
+              <ma14:wrappingTextBoxFlag xmlns="" xmlns:m="http://schemas.openxmlformats.org/officeDocument/2006/math" xmlns:a14="http://schemas.microsoft.com/office/drawing/2010/main" xmlns:ma14="http://schemas.microsoft.com/office/mac/drawingml/2011/main" val="1"/>
             </a:ext>
           </a:extLst>
         </p:spPr>
@@ -16616,7 +15106,7 @@
       </p:sp>
       <p:sp>
         <p:nvSpPr>
-          <p:cNvPr id="431" name="ul: unordered list…"/>
+          <p:cNvPr id="410" name="ul: unordered list…"/>
           <p:cNvSpPr txBox="1"/>
           <p:nvPr/>
         </p:nvSpPr>
@@ -16633,7 +15123,7 @@
           </a:ln>
           <a:extLst>
             <a:ext uri="{C572A759-6A51-4108-AA02-DFA0A04FC94B}">
-              <ma14:wrappingTextBoxFlag xmlns:ma14="http://schemas.microsoft.com/office/mac/drawingml/2011/main" xmlns:a14="http://schemas.microsoft.com/office/drawing/2010/main" xmlns:m="http://schemas.openxmlformats.org/officeDocument/2006/math" xmlns="" val="1"/>
+              <ma14:wrappingTextBoxFlag xmlns="" xmlns:m="http://schemas.openxmlformats.org/officeDocument/2006/math" xmlns:a14="http://schemas.microsoft.com/office/drawing/2010/main" xmlns:ma14="http://schemas.microsoft.com/office/mac/drawingml/2011/main" val="1"/>
             </a:ext>
           </a:extLst>
         </p:spPr>
@@ -16656,81 +15146,6 @@
             </a:pPr>
             <a:r>
               <a:t>li: list item</a:t>
-            </a:r>
-          </a:p>
-        </p:txBody>
-      </p:sp>
-      <p:sp>
-        <p:nvSpPr>
-          <p:cNvPr id="432" name="closing tags…"/>
-          <p:cNvSpPr txBox="1"/>
-          <p:nvPr/>
-        </p:nvSpPr>
-        <p:spPr>
-          <a:xfrm>
-            <a:off x="9687941" y="2815521"/>
-            <a:ext cx="1680717" cy="1168401"/>
-          </a:xfrm>
-          <a:prstGeom prst="rect">
-            <a:avLst/>
-          </a:prstGeom>
-          <a:ln w="12700">
-            <a:miter lim="400000"/>
-          </a:ln>
-          <a:extLst>
-            <a:ext uri="{C572A759-6A51-4108-AA02-DFA0A04FC94B}">
-              <ma14:wrappingTextBoxFlag xmlns:ma14="http://schemas.microsoft.com/office/mac/drawingml/2011/main" xmlns:a14="http://schemas.microsoft.com/office/drawing/2010/main" xmlns:m="http://schemas.openxmlformats.org/officeDocument/2006/math" xmlns="" val="1"/>
-            </a:ext>
-          </a:extLst>
-        </p:spPr>
-        <p:txBody>
-          <a:bodyPr wrap="none" lIns="50800" tIns="50800" rIns="50800" bIns="50800" anchor="ctr">
-            <a:spAutoFit/>
-          </a:bodyPr>
-          <a:lstStyle/>
-          <a:p>
-            <a:pPr>
-              <a:defRPr b="0">
-                <a:solidFill>
-                  <a:schemeClr val="accent6">
-                    <a:satOff val="-15808"/>
-                    <a:lumOff val="-17557"/>
-                  </a:schemeClr>
-                </a:solidFill>
-              </a:defRPr>
-            </a:pPr>
-            <a:r>
-              <a:t>closing tags</a:t>
-            </a:r>
-          </a:p>
-          <a:p>
-            <a:pPr>
-              <a:defRPr b="0">
-                <a:solidFill>
-                  <a:schemeClr val="accent6">
-                    <a:satOff val="-15808"/>
-                    <a:lumOff val="-17557"/>
-                  </a:schemeClr>
-                </a:solidFill>
-              </a:defRPr>
-            </a:pPr>
-            <a:r>
-              <a:t>are optional</a:t>
-            </a:r>
-          </a:p>
-          <a:p>
-            <a:pPr>
-              <a:defRPr b="0">
-                <a:solidFill>
-                  <a:schemeClr val="accent6">
-                    <a:satOff val="-15808"/>
-                    <a:lumOff val="-17557"/>
-                  </a:schemeClr>
-                </a:solidFill>
-              </a:defRPr>
-            </a:pPr>
-            <a:r>
-              <a:t>for list items</a:t>
             </a:r>
           </a:p>
         </p:txBody>
@@ -16744,7 +15159,7 @@
 </p:sld>
 </file>
 
-<file path=ppt/slides/slide37.xml><?xml version="1.0" encoding="utf-8"?>
+<file path=ppt/slides/slide34.xml><?xml version="1.0" encoding="utf-8"?>
 <p:sld xmlns:a="http://schemas.openxmlformats.org/drawingml/2006/main" xmlns:r="http://schemas.openxmlformats.org/officeDocument/2006/relationships" xmlns:p="http://schemas.openxmlformats.org/presentationml/2006/main">
   <p:cSld>
     <p:spTree>
@@ -16763,7 +15178,7 @@
       </p:grpSpPr>
       <p:sp>
         <p:nvSpPr>
-          <p:cNvPr id="434" name="Demo 1: List Visualization"/>
+          <p:cNvPr id="412" name="Lists"/>
           <p:cNvSpPr txBox="1">
             <a:spLocks noGrp="1"/>
           </p:cNvSpPr>
@@ -16789,337 +15204,21 @@
           </a:lstStyle>
           <a:p>
             <a:r>
-              <a:t>Demo 1: List Visualization</a:t>
-            </a:r>
-          </a:p>
-        </p:txBody>
-      </p:sp>
-      <p:sp>
-        <p:nvSpPr>
-          <p:cNvPr id="435" name="Goal: convert Python list to bulleted list in HTML…"/>
-          <p:cNvSpPr txBox="1">
-            <a:spLocks noGrp="1"/>
-          </p:cNvSpPr>
-          <p:nvPr>
-            <p:ph type="body" idx="1"/>
-          </p:nvPr>
-        </p:nvSpPr>
-        <p:spPr>
-          <a:xfrm>
-            <a:off x="952500" y="1587896"/>
-            <a:ext cx="11540877" cy="7684494"/>
-          </a:xfrm>
-          <a:prstGeom prst="rect">
-            <a:avLst/>
-          </a:prstGeom>
-        </p:spPr>
-        <p:txBody>
-          <a:bodyPr anchor="t"/>
-          <a:lstStyle/>
-          <a:p>
-            <a:pPr marL="0" lvl="5" indent="0">
-              <a:buSzTx/>
-              <a:buNone/>
-              <a:defRPr>
-                <a:solidFill>
-                  <a:schemeClr val="accent5">
-                    <a:hueOff val="-82419"/>
-                    <a:satOff val="-9513"/>
-                    <a:lumOff val="-16343"/>
-                  </a:schemeClr>
-                </a:solidFill>
-              </a:defRPr>
-            </a:pPr>
-            <a:r>
-              <a:t>Goal: convert Python list to bulleted list in HTML</a:t>
-            </a:r>
-          </a:p>
-          <a:p>
-            <a:pPr marL="0" lvl="5" indent="0">
-              <a:buSzTx/>
-              <a:buNone/>
-            </a:pPr>
-            <a:r>
-              <a:rPr b="1"/>
-              <a:t>Input</a:t>
-            </a:r>
-            <a:r>
-              <a:t>:</a:t>
-            </a:r>
-          </a:p>
-          <a:p>
-            <a:pPr marL="635000" indent="-444500">
-              <a:spcBef>
-                <a:spcPts val="0"/>
-              </a:spcBef>
-              <a:defRPr sz="2800"/>
-            </a:pPr>
-            <a:r>
-              <a:t>arguments on command line</a:t>
-            </a:r>
-          </a:p>
-          <a:p>
-            <a:pPr marL="0" lvl="5" indent="0">
-              <a:buSzTx/>
-              <a:buNone/>
-            </a:pPr>
-            <a:r>
-              <a:rPr b="1"/>
-              <a:t>Output</a:t>
-            </a:r>
-            <a:r>
-              <a:t>:</a:t>
-            </a:r>
-          </a:p>
-          <a:p>
-            <a:pPr marL="635000" indent="-444500">
-              <a:spcBef>
-                <a:spcPts val="0"/>
-              </a:spcBef>
-              <a:defRPr sz="2800"/>
-            </a:pPr>
-            <a:r>
-              <a:t>HTML file with bulleted list</a:t>
-            </a:r>
-          </a:p>
-          <a:p>
-            <a:pPr marL="0" lvl="5" indent="0">
-              <a:buSzTx/>
-              <a:buNone/>
-            </a:pPr>
-            <a:r>
-              <a:rPr b="1"/>
-              <a:t>Example</a:t>
-            </a:r>
-            <a:r>
-              <a:t>:</a:t>
-            </a:r>
-          </a:p>
-        </p:txBody>
-      </p:sp>
-      <p:sp>
-        <p:nvSpPr>
-          <p:cNvPr id="436" name="python bullets.py apple broccoli cabbage"/>
-          <p:cNvSpPr txBox="1"/>
-          <p:nvPr/>
-        </p:nvSpPr>
-        <p:spPr>
-          <a:xfrm>
-            <a:off x="3777059" y="6349999"/>
-            <a:ext cx="5069682" cy="457201"/>
-          </a:xfrm>
-          <a:prstGeom prst="rect">
-            <a:avLst/>
-          </a:prstGeom>
-          <a:ln w="12700">
-            <a:miter lim="400000"/>
-          </a:ln>
-          <a:extLst>
-            <a:ext uri="{C572A759-6A51-4108-AA02-DFA0A04FC94B}">
-              <ma14:wrappingTextBoxFlag xmlns:ma14="http://schemas.microsoft.com/office/mac/drawingml/2011/main" xmlns:a14="http://schemas.microsoft.com/office/drawing/2010/main" xmlns:m="http://schemas.openxmlformats.org/officeDocument/2006/math" xmlns="" val="1"/>
-            </a:ext>
-          </a:extLst>
-        </p:spPr>
-        <p:txBody>
-          <a:bodyPr wrap="none" lIns="50800" tIns="50800" rIns="50800" bIns="50800" anchor="ctr">
-            <a:spAutoFit/>
-          </a:bodyPr>
-          <a:lstStyle>
-            <a:lvl1pPr>
-              <a:defRPr b="0"/>
-            </a:lvl1pPr>
-          </a:lstStyle>
-          <a:p>
-            <a:r>
-              <a:t>python bullets.py apple broccoli cabbage</a:t>
-            </a:r>
-          </a:p>
-        </p:txBody>
-      </p:sp>
-      <p:sp>
-        <p:nvSpPr>
-          <p:cNvPr id="437" name="Items:…"/>
-          <p:cNvSpPr txBox="1"/>
-          <p:nvPr/>
-        </p:nvSpPr>
-        <p:spPr>
-          <a:xfrm>
-            <a:off x="4521200" y="7739277"/>
-            <a:ext cx="5137830" cy="1727201"/>
-          </a:xfrm>
-          <a:prstGeom prst="rect">
-            <a:avLst/>
-          </a:prstGeom>
-          <a:ln w="12700">
-            <a:miter lim="400000"/>
-          </a:ln>
-          <a:extLst>
-            <a:ext uri="{C572A759-6A51-4108-AA02-DFA0A04FC94B}">
-              <ma14:wrappingTextBoxFlag xmlns:ma14="http://schemas.microsoft.com/office/mac/drawingml/2011/main" xmlns:a14="http://schemas.microsoft.com/office/drawing/2010/main" xmlns:m="http://schemas.openxmlformats.org/officeDocument/2006/math" xmlns="" val="1"/>
-            </a:ext>
-          </a:extLst>
-        </p:spPr>
-        <p:txBody>
-          <a:bodyPr lIns="50800" tIns="50800" rIns="50800" bIns="50800">
-            <a:spAutoFit/>
-          </a:bodyPr>
-          <a:lstStyle/>
-          <a:p>
-            <a:pPr algn="l">
-              <a:defRPr sz="2800" b="0"/>
-            </a:pPr>
-            <a:r>
-              <a:t>Items:</a:t>
-            </a:r>
-          </a:p>
-          <a:p>
-            <a:pPr marL="635000" indent="-444500" algn="l">
-              <a:buSzPct val="145000"/>
-              <a:buChar char="•"/>
-              <a:defRPr sz="2800" b="0"/>
-            </a:pPr>
-            <a:r>
-              <a:t>apple</a:t>
-            </a:r>
-          </a:p>
-          <a:p>
-            <a:pPr marL="635000" indent="-444500" algn="l">
-              <a:buSzPct val="145000"/>
-              <a:buChar char="•"/>
-              <a:defRPr sz="2800" b="0"/>
-            </a:pPr>
-            <a:r>
-              <a:t>broccoli</a:t>
-            </a:r>
-          </a:p>
-          <a:p>
-            <a:pPr marL="635000" indent="-444500" algn="l">
-              <a:buSzPct val="145000"/>
-              <a:buChar char="•"/>
-              <a:defRPr sz="2800" b="0"/>
-            </a:pPr>
-            <a:r>
-              <a:t>cabbage</a:t>
-            </a:r>
-          </a:p>
-        </p:txBody>
-      </p:sp>
-      <p:sp>
-        <p:nvSpPr>
-          <p:cNvPr id="438" name="Arrow"/>
+              <a:t>Lists</a:t>
+            </a:r>
+          </a:p>
+        </p:txBody>
+      </p:sp>
+      <p:sp>
+        <p:nvSpPr>
+          <p:cNvPr id="413" name="Notebook"/>
           <p:cNvSpPr/>
           <p:nvPr/>
         </p:nvSpPr>
         <p:spPr>
-          <a:xfrm rot="5400000">
-            <a:off x="5001046" y="6690146"/>
-            <a:ext cx="996108" cy="1270001"/>
-          </a:xfrm>
-          <a:prstGeom prst="rightArrow">
-            <a:avLst>
-              <a:gd name="adj1" fmla="val 28828"/>
-              <a:gd name="adj2" fmla="val 51656"/>
-            </a:avLst>
-          </a:prstGeom>
-          <a:solidFill>
-            <a:schemeClr val="accent5">
-              <a:hueOff val="-82419"/>
-              <a:satOff val="-9513"/>
-              <a:lumOff val="-16343"/>
-            </a:schemeClr>
-          </a:solidFill>
-          <a:ln w="12700">
-            <a:miter lim="400000"/>
-          </a:ln>
-        </p:spPr>
-        <p:txBody>
-          <a:bodyPr lIns="50800" tIns="50800" rIns="50800" bIns="50800" anchor="ctr"/>
-          <a:lstStyle/>
-          <a:p>
-            <a:pPr>
-              <a:defRPr sz="2200" b="0">
-                <a:solidFill>
-                  <a:srgbClr val="FFFFFF"/>
-                </a:solidFill>
-                <a:latin typeface="+mn-lt"/>
-                <a:ea typeface="+mn-ea"/>
-                <a:cs typeface="+mn-cs"/>
-                <a:sym typeface="Gill Sans SemiBold"/>
-              </a:defRPr>
-            </a:pPr>
-            <a:endParaRPr/>
-          </a:p>
-        </p:txBody>
-      </p:sp>
-    </p:spTree>
-  </p:cSld>
-  <p:clrMapOvr>
-    <a:masterClrMapping/>
-  </p:clrMapOvr>
-  <p:transition spd="med"/>
-</p:sld>
-</file>
-
-<file path=ppt/slides/slide38.xml><?xml version="1.0" encoding="utf-8"?>
-<p:sld xmlns:a="http://schemas.openxmlformats.org/drawingml/2006/main" xmlns:r="http://schemas.openxmlformats.org/officeDocument/2006/relationships" xmlns:p="http://schemas.openxmlformats.org/presentationml/2006/main">
-  <p:cSld>
-    <p:spTree>
-      <p:nvGrpSpPr>
-        <p:cNvPr id="1" name=""/>
-        <p:cNvGrpSpPr/>
-        <p:nvPr/>
-      </p:nvGrpSpPr>
-      <p:grpSpPr>
-        <a:xfrm>
-          <a:off x="0" y="0"/>
-          <a:ext cx="0" cy="0"/>
-          <a:chOff x="0" y="0"/>
-          <a:chExt cx="0" cy="0"/>
-        </a:xfrm>
-      </p:grpSpPr>
-      <p:sp>
-        <p:nvSpPr>
-          <p:cNvPr id="440" name="Complete Web Page"/>
-          <p:cNvSpPr txBox="1">
-            <a:spLocks noGrp="1"/>
-          </p:cNvSpPr>
-          <p:nvPr>
-            <p:ph type="title"/>
-          </p:nvPr>
-        </p:nvSpPr>
-        <p:spPr>
-          <a:xfrm>
-            <a:off x="952500" y="254000"/>
-            <a:ext cx="11099800" cy="902345"/>
-          </a:xfrm>
-          <a:prstGeom prst="rect">
-            <a:avLst/>
-          </a:prstGeom>
-        </p:spPr>
-        <p:txBody>
-          <a:bodyPr/>
-          <a:lstStyle>
-            <a:lvl1pPr algn="l">
-              <a:defRPr sz="4800"/>
-            </a:lvl1pPr>
-          </a:lstStyle>
-          <a:p>
-            <a:r>
-              <a:t>Complete Web Page</a:t>
-            </a:r>
-          </a:p>
-        </p:txBody>
-      </p:sp>
-      <p:sp>
-        <p:nvSpPr>
-          <p:cNvPr id="441" name="Notebook"/>
-          <p:cNvSpPr/>
-          <p:nvPr/>
-        </p:nvSpPr>
-        <p:spPr>
-          <a:xfrm>
-            <a:off x="3589517" y="6072417"/>
-            <a:ext cx="5825766" cy="3263382"/>
+          <a:xfrm>
+            <a:off x="2910067" y="5311211"/>
+            <a:ext cx="7184666" cy="4024588"/>
           </a:xfrm>
           <a:custGeom>
             <a:avLst/>
@@ -17253,14 +15352,14 @@
       </p:sp>
       <p:sp>
         <p:nvSpPr>
-          <p:cNvPr id="442" name="This is a test page"/>
+          <p:cNvPr id="414" name="Items:…"/>
           <p:cNvSpPr txBox="1"/>
           <p:nvPr/>
         </p:nvSpPr>
         <p:spPr>
           <a:xfrm>
-            <a:off x="4368800" y="6432550"/>
-            <a:ext cx="2852837" cy="520701"/>
+            <a:off x="3987800" y="5834278"/>
+            <a:ext cx="5137830" cy="1727201"/>
           </a:xfrm>
           <a:prstGeom prst="rect">
             <a:avLst/>
@@ -17270,12 +15369,12 @@
           </a:ln>
           <a:extLst>
             <a:ext uri="{C572A759-6A51-4108-AA02-DFA0A04FC94B}">
-              <ma14:wrappingTextBoxFlag xmlns:ma14="http://schemas.microsoft.com/office/mac/drawingml/2011/main" xmlns:a14="http://schemas.microsoft.com/office/drawing/2010/main" xmlns:m="http://schemas.openxmlformats.org/officeDocument/2006/math" xmlns="" val="1"/>
+              <ma14:wrappingTextBoxFlag xmlns="" xmlns:m="http://schemas.openxmlformats.org/officeDocument/2006/math" xmlns:a14="http://schemas.microsoft.com/office/drawing/2010/main" xmlns:ma14="http://schemas.microsoft.com/office/mac/drawingml/2011/main" val="1"/>
             </a:ext>
           </a:extLst>
         </p:spPr>
         <p:txBody>
-          <a:bodyPr wrap="none" lIns="50800" tIns="50800" rIns="50800" bIns="50800" anchor="ctr">
+          <a:bodyPr lIns="50800" tIns="50800" rIns="50800" bIns="50800">
             <a:spAutoFit/>
           </a:bodyPr>
           <a:lstStyle/>
@@ -17284,28 +15383,41 @@
               <a:defRPr sz="2800" b="0"/>
             </a:pPr>
             <a:r>
-              <a:t>This is a </a:t>
-            </a:r>
-            <a:r>
-              <a:rPr b="1"/>
-              <a:t>test</a:t>
-            </a:r>
-            <a:r>
-              <a:t> page</a:t>
-            </a:r>
-          </a:p>
-        </p:txBody>
-      </p:sp>
-      <p:sp>
-        <p:nvSpPr>
-          <p:cNvPr id="443" name="This is a &lt;b&gt;test&lt;/b&gt; page"/>
+              <a:t>Items:</a:t>
+            </a:r>
+          </a:p>
+          <a:p>
+            <a:pPr marL="635000" indent="-444500" algn="l">
+              <a:buSzPct val="145000"/>
+              <a:buChar char="•"/>
+              <a:defRPr sz="2800" b="0"/>
+            </a:pPr>
+            <a:r>
+              <a:t>Item X</a:t>
+            </a:r>
+          </a:p>
+          <a:p>
+            <a:pPr marL="635000" indent="-444500" algn="l">
+              <a:buSzPct val="145000"/>
+              <a:buChar char="•"/>
+              <a:defRPr sz="2800" b="0"/>
+            </a:pPr>
+            <a:r>
+              <a:t>Item Y</a:t>
+            </a:r>
+          </a:p>
+        </p:txBody>
+      </p:sp>
+      <p:sp>
+        <p:nvSpPr>
+          <p:cNvPr id="415" name="Items:…"/>
           <p:cNvSpPr/>
           <p:nvPr/>
         </p:nvSpPr>
         <p:spPr>
           <a:xfrm>
-            <a:off x="3811860" y="2110043"/>
-            <a:ext cx="5736680" cy="2272870"/>
+            <a:off x="6362700" y="2008443"/>
+            <a:ext cx="5736680" cy="2782557"/>
           </a:xfrm>
           <a:prstGeom prst="rect">
             <a:avLst/>
@@ -17321,14 +15433,104 @@
           </a:ln>
           <a:extLst>
             <a:ext uri="{C572A759-6A51-4108-AA02-DFA0A04FC94B}">
-              <ma14:wrappingTextBoxFlag xmlns:ma14="http://schemas.microsoft.com/office/mac/drawingml/2011/main" xmlns:a14="http://schemas.microsoft.com/office/drawing/2010/main" xmlns:m="http://schemas.openxmlformats.org/officeDocument/2006/math" xmlns="" val="1"/>
+              <ma14:wrappingTextBoxFlag xmlns="" xmlns:m="http://schemas.openxmlformats.org/officeDocument/2006/math" xmlns:a14="http://schemas.microsoft.com/office/drawing/2010/main" xmlns:ma14="http://schemas.microsoft.com/office/mac/drawingml/2011/main" val="1"/>
             </a:ext>
           </a:extLst>
         </p:spPr>
         <p:txBody>
           <a:bodyPr lIns="50800" tIns="50800" rIns="50800" bIns="50800"/>
-          <a:lstStyle>
-            <a:lvl1pPr algn="l">
+          <a:lstStyle/>
+          <a:p>
+            <a:pPr algn="l">
+              <a:defRPr sz="2600"/>
+            </a:pPr>
+            <a:r>
+              <a:t>Items:</a:t>
+            </a:r>
+          </a:p>
+          <a:p>
+            <a:pPr algn="l">
+              <a:defRPr sz="2600"/>
+            </a:pPr>
+            <a:r>
+              <a:rPr>
+                <a:solidFill>
+                  <a:schemeClr val="accent5">
+                    <a:hueOff val="-82419"/>
+                    <a:satOff val="-9513"/>
+                    <a:lumOff val="-16343"/>
+                  </a:schemeClr>
+                </a:solidFill>
+              </a:rPr>
+              <a:t>&lt;ul&gt;</a:t>
+            </a:r>
+          </a:p>
+          <a:p>
+            <a:pPr algn="l">
+              <a:defRPr sz="2600"/>
+            </a:pPr>
+            <a:r>
+              <a:rPr>
+                <a:solidFill>
+                  <a:schemeClr val="accent5">
+                    <a:hueOff val="-82419"/>
+                    <a:satOff val="-9513"/>
+                    <a:lumOff val="-16343"/>
+                  </a:schemeClr>
+                </a:solidFill>
+              </a:rPr>
+              <a:t>    &lt;li&gt;</a:t>
+            </a:r>
+            <a:r>
+              <a:t>Item X</a:t>
+            </a:r>
+            <a:r>
+              <a:rPr>
+                <a:solidFill>
+                  <a:schemeClr val="accent5">
+                    <a:hueOff val="-82419"/>
+                    <a:satOff val="-9513"/>
+                    <a:lumOff val="-16343"/>
+                  </a:schemeClr>
+                </a:solidFill>
+              </a:rPr>
+              <a:t>&lt;/li&gt;</a:t>
+            </a:r>
+          </a:p>
+          <a:p>
+            <a:pPr algn="l">
+              <a:defRPr sz="2600"/>
+            </a:pPr>
+            <a:r>
+              <a:rPr>
+                <a:solidFill>
+                  <a:schemeClr val="accent5">
+                    <a:hueOff val="-82419"/>
+                    <a:satOff val="-9513"/>
+                    <a:lumOff val="-16343"/>
+                  </a:schemeClr>
+                </a:solidFill>
+              </a:rPr>
+              <a:t>    &lt;li&gt;</a:t>
+            </a:r>
+            <a:r>
+              <a:t>Item Y</a:t>
+            </a:r>
+            <a:r>
+              <a:rPr>
+                <a:solidFill>
+                  <a:schemeClr val="accent5">
+                    <a:hueOff val="-82419"/>
+                    <a:satOff val="-9513"/>
+                    <a:lumOff val="-16343"/>
+                  </a:schemeClr>
+                </a:solidFill>
+              </a:rPr>
+              <a:t>&lt;/li&gt;</a:t>
+            </a:r>
+          </a:p>
+          <a:p>
+            <a:pPr algn="l">
               <a:defRPr sz="2600">
                 <a:solidFill>
                   <a:schemeClr val="accent5">
@@ -17338,24 +15540,22 @@
                   </a:schemeClr>
                 </a:solidFill>
               </a:defRPr>
-            </a:lvl1pPr>
-          </a:lstStyle>
-          <a:p>
-            <a:r>
-              <a:t>This is a &lt;b&gt;test&lt;/b&gt; page</a:t>
-            </a:r>
-          </a:p>
-        </p:txBody>
-      </p:sp>
-      <p:sp>
-        <p:nvSpPr>
-          <p:cNvPr id="444" name="test.html"/>
+            </a:pPr>
+            <a:r>
+              <a:t>&lt;/ul&gt;</a:t>
+            </a:r>
+          </a:p>
+        </p:txBody>
+      </p:sp>
+      <p:sp>
+        <p:nvSpPr>
+          <p:cNvPr id="416" name="test.html"/>
           <p:cNvSpPr txBox="1"/>
           <p:nvPr/>
         </p:nvSpPr>
         <p:spPr>
           <a:xfrm>
-            <a:off x="3840688" y="1589343"/>
+            <a:off x="6391527" y="1487743"/>
             <a:ext cx="1547218" cy="457201"/>
           </a:xfrm>
           <a:prstGeom prst="rect">
@@ -17366,7 +15566,7 @@
           </a:ln>
           <a:extLst>
             <a:ext uri="{C572A759-6A51-4108-AA02-DFA0A04FC94B}">
-              <ma14:wrappingTextBoxFlag xmlns:ma14="http://schemas.microsoft.com/office/mac/drawingml/2011/main" xmlns:a14="http://schemas.microsoft.com/office/drawing/2010/main" xmlns:m="http://schemas.openxmlformats.org/officeDocument/2006/math" xmlns="" val="1"/>
+              <ma14:wrappingTextBoxFlag xmlns="" xmlns:m="http://schemas.openxmlformats.org/officeDocument/2006/math" xmlns:a14="http://schemas.microsoft.com/office/drawing/2010/main" xmlns:ma14="http://schemas.microsoft.com/office/mac/drawingml/2011/main" val="1"/>
             </a:ext>
           </a:extLst>
         </p:spPr>
@@ -17386,14 +15586,14 @@
       </p:sp>
       <p:sp>
         <p:nvSpPr>
-          <p:cNvPr id="445" name="whole page is usually…"/>
+          <p:cNvPr id="417" name="ul: unordered list…"/>
           <p:cNvSpPr txBox="1"/>
           <p:nvPr/>
         </p:nvSpPr>
         <p:spPr>
           <a:xfrm>
-            <a:off x="408384" y="2514600"/>
-            <a:ext cx="2764632" cy="812801"/>
+            <a:off x="553212" y="2057400"/>
+            <a:ext cx="3728343" cy="1270000"/>
           </a:xfrm>
           <a:prstGeom prst="rect">
             <a:avLst/>
@@ -17403,7 +15603,7 @@
           </a:ln>
           <a:extLst>
             <a:ext uri="{C572A759-6A51-4108-AA02-DFA0A04FC94B}">
-              <ma14:wrappingTextBoxFlag xmlns:ma14="http://schemas.microsoft.com/office/mac/drawingml/2011/main" xmlns:a14="http://schemas.microsoft.com/office/drawing/2010/main" xmlns:m="http://schemas.openxmlformats.org/officeDocument/2006/math" xmlns="" val="1"/>
+              <ma14:wrappingTextBoxFlag xmlns="" xmlns:m="http://schemas.openxmlformats.org/officeDocument/2006/math" xmlns:a14="http://schemas.microsoft.com/office/drawing/2010/main" xmlns:ma14="http://schemas.microsoft.com/office/mac/drawingml/2011/main" val="1"/>
             </a:ext>
           </a:extLst>
         </p:spPr>
@@ -17413,19 +15613,19 @@
           </a:bodyPr>
           <a:lstStyle/>
           <a:p>
-            <a:pPr>
-              <a:defRPr b="0"/>
-            </a:pPr>
-            <a:r>
-              <a:t>whole page is usually</a:t>
-            </a:r>
-          </a:p>
-          <a:p>
-            <a:pPr>
-              <a:defRPr b="0"/>
-            </a:pPr>
-            <a:r>
-              <a:t>in html and body tags</a:t>
+            <a:pPr algn="l">
+              <a:defRPr sz="4000" b="0"/>
+            </a:pPr>
+            <a:r>
+              <a:t>ul: unordered list</a:t>
+            </a:r>
+          </a:p>
+          <a:p>
+            <a:pPr algn="l">
+              <a:defRPr sz="4000" b="0"/>
+            </a:pPr>
+            <a:r>
+              <a:t>li: list item</a:t>
             </a:r>
           </a:p>
         </p:txBody>
@@ -17439,7 +15639,7 @@
 </p:sld>
 </file>
 
-<file path=ppt/slides/slide39.xml><?xml version="1.0" encoding="utf-8"?>
+<file path=ppt/slides/slide35.xml><?xml version="1.0" encoding="utf-8"?>
 <p:sld xmlns:a="http://schemas.openxmlformats.org/drawingml/2006/main" xmlns:r="http://schemas.openxmlformats.org/officeDocument/2006/relationships" xmlns:p="http://schemas.openxmlformats.org/presentationml/2006/main">
   <p:cSld>
     <p:spTree>
@@ -17458,7 +15658,7 @@
       </p:grpSpPr>
       <p:sp>
         <p:nvSpPr>
-          <p:cNvPr id="447" name="Complete Web Page"/>
+          <p:cNvPr id="419" name="Lists"/>
           <p:cNvSpPr txBox="1">
             <a:spLocks noGrp="1"/>
           </p:cNvSpPr>
@@ -17484,21 +15684,21 @@
           </a:lstStyle>
           <a:p>
             <a:r>
-              <a:t>Complete Web Page</a:t>
-            </a:r>
-          </a:p>
-        </p:txBody>
-      </p:sp>
-      <p:sp>
-        <p:nvSpPr>
-          <p:cNvPr id="448" name="Notebook"/>
+              <a:t>Lists</a:t>
+            </a:r>
+          </a:p>
+        </p:txBody>
+      </p:sp>
+      <p:sp>
+        <p:nvSpPr>
+          <p:cNvPr id="420" name="Notebook"/>
           <p:cNvSpPr/>
           <p:nvPr/>
         </p:nvSpPr>
         <p:spPr>
           <a:xfrm>
-            <a:off x="3589517" y="6072417"/>
-            <a:ext cx="5825766" cy="3263382"/>
+            <a:off x="2910067" y="5311211"/>
+            <a:ext cx="7184666" cy="4024588"/>
           </a:xfrm>
           <a:custGeom>
             <a:avLst/>
@@ -17632,14 +15832,14 @@
       </p:sp>
       <p:sp>
         <p:nvSpPr>
-          <p:cNvPr id="449" name="This is a test page"/>
+          <p:cNvPr id="421" name="Items:…"/>
           <p:cNvSpPr txBox="1"/>
           <p:nvPr/>
         </p:nvSpPr>
         <p:spPr>
           <a:xfrm>
-            <a:off x="4368800" y="6432550"/>
-            <a:ext cx="2852837" cy="520701"/>
+            <a:off x="3987800" y="5834278"/>
+            <a:ext cx="5137830" cy="1727201"/>
           </a:xfrm>
           <a:prstGeom prst="rect">
             <a:avLst/>
@@ -17649,12 +15849,12 @@
           </a:ln>
           <a:extLst>
             <a:ext uri="{C572A759-6A51-4108-AA02-DFA0A04FC94B}">
-              <ma14:wrappingTextBoxFlag xmlns:ma14="http://schemas.microsoft.com/office/mac/drawingml/2011/main" xmlns:a14="http://schemas.microsoft.com/office/drawing/2010/main" xmlns:m="http://schemas.openxmlformats.org/officeDocument/2006/math" xmlns="" val="1"/>
+              <ma14:wrappingTextBoxFlag xmlns="" xmlns:m="http://schemas.openxmlformats.org/officeDocument/2006/math" xmlns:a14="http://schemas.microsoft.com/office/drawing/2010/main" xmlns:ma14="http://schemas.microsoft.com/office/mac/drawingml/2011/main" val="1"/>
             </a:ext>
           </a:extLst>
         </p:spPr>
         <p:txBody>
-          <a:bodyPr wrap="none" lIns="50800" tIns="50800" rIns="50800" bIns="50800" anchor="ctr">
+          <a:bodyPr lIns="50800" tIns="50800" rIns="50800" bIns="50800">
             <a:spAutoFit/>
           </a:bodyPr>
           <a:lstStyle/>
@@ -17663,28 +15863,51 @@
               <a:defRPr sz="2800" b="0"/>
             </a:pPr>
             <a:r>
-              <a:t>This is a </a:t>
-            </a:r>
-            <a:r>
-              <a:rPr b="1"/>
-              <a:t>test</a:t>
-            </a:r>
-            <a:r>
-              <a:t> page</a:t>
-            </a:r>
-          </a:p>
-        </p:txBody>
-      </p:sp>
-      <p:sp>
-        <p:nvSpPr>
-          <p:cNvPr id="450" name="&lt;html&gt;…"/>
+              <a:t>Items:</a:t>
+            </a:r>
+          </a:p>
+          <a:p>
+            <a:pPr marL="635000" indent="-444500" algn="l">
+              <a:buSzPct val="145000"/>
+              <a:buChar char="•"/>
+              <a:defRPr sz="2800" b="0"/>
+            </a:pPr>
+            <a:r>
+              <a:t>Item X</a:t>
+            </a:r>
+          </a:p>
+          <a:p>
+            <a:pPr marL="635000" indent="-444500" algn="l">
+              <a:buSzPct val="145000"/>
+              <a:buChar char="•"/>
+              <a:defRPr sz="2800" b="0"/>
+            </a:pPr>
+            <a:r>
+              <a:t>Item Y</a:t>
+            </a:r>
+          </a:p>
+          <a:p>
+            <a:pPr marL="635000" indent="-444500" algn="l">
+              <a:buSzPct val="145000"/>
+              <a:buChar char="•"/>
+              <a:defRPr sz="2800" b="0"/>
+            </a:pPr>
+            <a:r>
+              <a:t>Item Z</a:t>
+            </a:r>
+          </a:p>
+        </p:txBody>
+      </p:sp>
+      <p:sp>
+        <p:nvSpPr>
+          <p:cNvPr id="422" name="Items:…"/>
           <p:cNvSpPr/>
           <p:nvPr/>
         </p:nvSpPr>
         <p:spPr>
           <a:xfrm>
-            <a:off x="3811860" y="2110043"/>
-            <a:ext cx="5736680" cy="2272870"/>
+            <a:off x="6362700" y="2008443"/>
+            <a:ext cx="5736680" cy="2782557"/>
           </a:xfrm>
           <a:prstGeom prst="rect">
             <a:avLst/>
@@ -17700,7 +15923,7 @@
           </a:ln>
           <a:extLst>
             <a:ext uri="{C572A759-6A51-4108-AA02-DFA0A04FC94B}">
-              <ma14:wrappingTextBoxFlag xmlns:ma14="http://schemas.microsoft.com/office/mac/drawingml/2011/main" xmlns:a14="http://schemas.microsoft.com/office/drawing/2010/main" xmlns:m="http://schemas.openxmlformats.org/officeDocument/2006/math" xmlns="" val="1"/>
+              <ma14:wrappingTextBoxFlag xmlns="" xmlns:m="http://schemas.openxmlformats.org/officeDocument/2006/math" xmlns:a14="http://schemas.microsoft.com/office/drawing/2010/main" xmlns:ma14="http://schemas.microsoft.com/office/mac/drawingml/2011/main" val="1"/>
             </a:ext>
           </a:extLst>
         </p:spPr>
@@ -17712,7 +15935,7 @@
               <a:defRPr sz="2600"/>
             </a:pPr>
             <a:r>
-              <a:t>&lt;html&gt;</a:t>
+              <a:t>Items:</a:t>
             </a:r>
           </a:p>
           <a:p>
@@ -17720,7 +15943,112 @@
               <a:defRPr sz="2600"/>
             </a:pPr>
             <a:r>
-              <a:t>  &lt;body&gt;</a:t>
+              <a:rPr>
+                <a:solidFill>
+                  <a:schemeClr val="accent5">
+                    <a:hueOff val="-82419"/>
+                    <a:satOff val="-9513"/>
+                    <a:lumOff val="-16343"/>
+                  </a:schemeClr>
+                </a:solidFill>
+              </a:rPr>
+              <a:t>&lt;ul&gt;</a:t>
+            </a:r>
+          </a:p>
+          <a:p>
+            <a:pPr algn="l">
+              <a:defRPr sz="2600"/>
+            </a:pPr>
+            <a:r>
+              <a:rPr>
+                <a:solidFill>
+                  <a:schemeClr val="accent5">
+                    <a:hueOff val="-82419"/>
+                    <a:satOff val="-9513"/>
+                    <a:lumOff val="-16343"/>
+                  </a:schemeClr>
+                </a:solidFill>
+              </a:rPr>
+              <a:t>    &lt;li&gt;</a:t>
+            </a:r>
+            <a:r>
+              <a:t>Item X</a:t>
+            </a:r>
+            <a:r>
+              <a:rPr>
+                <a:solidFill>
+                  <a:schemeClr val="accent5">
+                    <a:hueOff val="-82419"/>
+                    <a:satOff val="-9513"/>
+                    <a:lumOff val="-16343"/>
+                  </a:schemeClr>
+                </a:solidFill>
+              </a:rPr>
+              <a:t>&lt;/li&gt;</a:t>
+            </a:r>
+          </a:p>
+          <a:p>
+            <a:pPr algn="l">
+              <a:defRPr sz="2600"/>
+            </a:pPr>
+            <a:r>
+              <a:rPr>
+                <a:solidFill>
+                  <a:schemeClr val="accent5">
+                    <a:hueOff val="-82419"/>
+                    <a:satOff val="-9513"/>
+                    <a:lumOff val="-16343"/>
+                  </a:schemeClr>
+                </a:solidFill>
+              </a:rPr>
+              <a:t>    &lt;li&gt;</a:t>
+            </a:r>
+            <a:r>
+              <a:t>Item Y</a:t>
+            </a:r>
+            <a:r>
+              <a:rPr>
+                <a:solidFill>
+                  <a:schemeClr val="accent5">
+                    <a:hueOff val="-82419"/>
+                    <a:satOff val="-9513"/>
+                    <a:lumOff val="-16343"/>
+                  </a:schemeClr>
+                </a:solidFill>
+              </a:rPr>
+              <a:t>&lt;/li&gt;</a:t>
+            </a:r>
+          </a:p>
+          <a:p>
+            <a:pPr algn="l">
+              <a:defRPr sz="2600"/>
+            </a:pPr>
+            <a:r>
+              <a:rPr>
+                <a:solidFill>
+                  <a:schemeClr val="accent5">
+                    <a:hueOff val="-82419"/>
+                    <a:satOff val="-9513"/>
+                    <a:lumOff val="-16343"/>
+                  </a:schemeClr>
+                </a:solidFill>
+              </a:rPr>
+              <a:t>    &lt;li&gt;</a:t>
+            </a:r>
+            <a:r>
+              <a:t>Item Z</a:t>
+            </a:r>
+            <a:r>
+              <a:rPr>
+                <a:solidFill>
+                  <a:schemeClr val="accent5">
+                    <a:hueOff val="-82419"/>
+                    <a:satOff val="-9513"/>
+                    <a:lumOff val="-16343"/>
+                  </a:schemeClr>
+                </a:solidFill>
+              </a:rPr>
+              <a:t>&lt;/li&gt;</a:t>
             </a:r>
           </a:p>
           <a:p>
@@ -17736,36 +16064,20 @@
               </a:defRPr>
             </a:pPr>
             <a:r>
-              <a:t>    This is a &lt;b&gt;test&lt;/b&gt; page</a:t>
-            </a:r>
-          </a:p>
-          <a:p>
-            <a:pPr algn="l">
-              <a:defRPr sz="2600"/>
-            </a:pPr>
-            <a:r>
-              <a:t>  &lt;/body&gt;</a:t>
-            </a:r>
-          </a:p>
-          <a:p>
-            <a:pPr algn="l">
-              <a:defRPr sz="2600"/>
-            </a:pPr>
-            <a:r>
-              <a:t>&lt;/html&gt;</a:t>
-            </a:r>
-          </a:p>
-        </p:txBody>
-      </p:sp>
-      <p:sp>
-        <p:nvSpPr>
-          <p:cNvPr id="451" name="test.html"/>
+              <a:t>&lt;/ul&gt;</a:t>
+            </a:r>
+          </a:p>
+        </p:txBody>
+      </p:sp>
+      <p:sp>
+        <p:nvSpPr>
+          <p:cNvPr id="423" name="test.html"/>
           <p:cNvSpPr txBox="1"/>
           <p:nvPr/>
         </p:nvSpPr>
         <p:spPr>
           <a:xfrm>
-            <a:off x="3840688" y="1589343"/>
+            <a:off x="6391527" y="1487743"/>
             <a:ext cx="1547218" cy="457201"/>
           </a:xfrm>
           <a:prstGeom prst="rect">
@@ -17776,7 +16088,7 @@
           </a:ln>
           <a:extLst>
             <a:ext uri="{C572A759-6A51-4108-AA02-DFA0A04FC94B}">
-              <ma14:wrappingTextBoxFlag xmlns:ma14="http://schemas.microsoft.com/office/mac/drawingml/2011/main" xmlns:a14="http://schemas.microsoft.com/office/drawing/2010/main" xmlns:m="http://schemas.openxmlformats.org/officeDocument/2006/math" xmlns="" val="1"/>
+              <ma14:wrappingTextBoxFlag xmlns="" xmlns:m="http://schemas.openxmlformats.org/officeDocument/2006/math" xmlns:a14="http://schemas.microsoft.com/office/drawing/2010/main" xmlns:ma14="http://schemas.microsoft.com/office/mac/drawingml/2011/main" val="1"/>
             </a:ext>
           </a:extLst>
         </p:spPr>
@@ -17796,6 +16108,1699 @@
       </p:sp>
       <p:sp>
         <p:nvSpPr>
+          <p:cNvPr id="424" name="ul: unordered list…"/>
+          <p:cNvSpPr txBox="1"/>
+          <p:nvPr/>
+        </p:nvSpPr>
+        <p:spPr>
+          <a:xfrm>
+            <a:off x="553212" y="2057400"/>
+            <a:ext cx="3728343" cy="1270000"/>
+          </a:xfrm>
+          <a:prstGeom prst="rect">
+            <a:avLst/>
+          </a:prstGeom>
+          <a:ln w="12700">
+            <a:miter lim="400000"/>
+          </a:ln>
+          <a:extLst>
+            <a:ext uri="{C572A759-6A51-4108-AA02-DFA0A04FC94B}">
+              <ma14:wrappingTextBoxFlag xmlns="" xmlns:m="http://schemas.openxmlformats.org/officeDocument/2006/math" xmlns:a14="http://schemas.microsoft.com/office/drawing/2010/main" xmlns:ma14="http://schemas.microsoft.com/office/mac/drawingml/2011/main" val="1"/>
+            </a:ext>
+          </a:extLst>
+        </p:spPr>
+        <p:txBody>
+          <a:bodyPr wrap="none" lIns="50800" tIns="50800" rIns="50800" bIns="50800" anchor="ctr">
+            <a:spAutoFit/>
+          </a:bodyPr>
+          <a:lstStyle/>
+          <a:p>
+            <a:pPr algn="l">
+              <a:defRPr sz="4000" b="0"/>
+            </a:pPr>
+            <a:r>
+              <a:t>ul: unordered list</a:t>
+            </a:r>
+          </a:p>
+          <a:p>
+            <a:pPr algn="l">
+              <a:defRPr sz="4000" b="0"/>
+            </a:pPr>
+            <a:r>
+              <a:t>li: list item</a:t>
+            </a:r>
+          </a:p>
+        </p:txBody>
+      </p:sp>
+    </p:spTree>
+  </p:cSld>
+  <p:clrMapOvr>
+    <a:masterClrMapping/>
+  </p:clrMapOvr>
+  <p:transition spd="med"/>
+</p:sld>
+</file>
+
+<file path=ppt/slides/slide36.xml><?xml version="1.0" encoding="utf-8"?>
+<p:sld xmlns:a="http://schemas.openxmlformats.org/drawingml/2006/main" xmlns:r="http://schemas.openxmlformats.org/officeDocument/2006/relationships" xmlns:p="http://schemas.openxmlformats.org/presentationml/2006/main">
+  <p:cSld>
+    <p:spTree>
+      <p:nvGrpSpPr>
+        <p:cNvPr id="1" name=""/>
+        <p:cNvGrpSpPr/>
+        <p:nvPr/>
+      </p:nvGrpSpPr>
+      <p:grpSpPr>
+        <a:xfrm>
+          <a:off x="0" y="0"/>
+          <a:ext cx="0" cy="0"/>
+          <a:chOff x="0" y="0"/>
+          <a:chExt cx="0" cy="0"/>
+        </a:xfrm>
+      </p:grpSpPr>
+      <p:sp>
+        <p:nvSpPr>
+          <p:cNvPr id="426" name="Lists"/>
+          <p:cNvSpPr txBox="1">
+            <a:spLocks noGrp="1"/>
+          </p:cNvSpPr>
+          <p:nvPr>
+            <p:ph type="title"/>
+          </p:nvPr>
+        </p:nvSpPr>
+        <p:spPr>
+          <a:xfrm>
+            <a:off x="952500" y="254000"/>
+            <a:ext cx="11099800" cy="902345"/>
+          </a:xfrm>
+          <a:prstGeom prst="rect">
+            <a:avLst/>
+          </a:prstGeom>
+        </p:spPr>
+        <p:txBody>
+          <a:bodyPr/>
+          <a:lstStyle>
+            <a:lvl1pPr algn="l">
+              <a:defRPr sz="4800"/>
+            </a:lvl1pPr>
+          </a:lstStyle>
+          <a:p>
+            <a:r>
+              <a:t>Lists</a:t>
+            </a:r>
+          </a:p>
+        </p:txBody>
+      </p:sp>
+      <p:sp>
+        <p:nvSpPr>
+          <p:cNvPr id="427" name="Notebook"/>
+          <p:cNvSpPr/>
+          <p:nvPr/>
+        </p:nvSpPr>
+        <p:spPr>
+          <a:xfrm>
+            <a:off x="2910067" y="5311211"/>
+            <a:ext cx="7184666" cy="4024588"/>
+          </a:xfrm>
+          <a:custGeom>
+            <a:avLst/>
+            <a:gdLst/>
+            <a:ahLst/>
+            <a:cxnLst>
+              <a:cxn ang="0">
+                <a:pos x="wd2" y="hd2"/>
+              </a:cxn>
+              <a:cxn ang="5400000">
+                <a:pos x="wd2" y="hd2"/>
+              </a:cxn>
+              <a:cxn ang="10800000">
+                <a:pos x="wd2" y="hd2"/>
+              </a:cxn>
+              <a:cxn ang="16200000">
+                <a:pos x="wd2" y="hd2"/>
+              </a:cxn>
+            </a:cxnLst>
+            <a:rect l="0" t="0" r="r" b="b"/>
+            <a:pathLst>
+              <a:path w="21600" h="21599" extrusionOk="0">
+                <a:moveTo>
+                  <a:pt x="1952" y="0"/>
+                </a:moveTo>
+                <a:cubicBezTo>
+                  <a:pt x="1421" y="0"/>
+                  <a:pt x="1439" y="771"/>
+                  <a:pt x="1439" y="1718"/>
+                </a:cubicBezTo>
+                <a:lnTo>
+                  <a:pt x="1439" y="19328"/>
+                </a:lnTo>
+                <a:lnTo>
+                  <a:pt x="0" y="19328"/>
+                </a:lnTo>
+                <a:cubicBezTo>
+                  <a:pt x="0" y="19328"/>
+                  <a:pt x="0" y="19890"/>
+                  <a:pt x="0" y="20529"/>
+                </a:cubicBezTo>
+                <a:cubicBezTo>
+                  <a:pt x="0" y="21600"/>
+                  <a:pt x="190" y="21599"/>
+                  <a:pt x="896" y="21599"/>
+                </a:cubicBezTo>
+                <a:lnTo>
+                  <a:pt x="10332" y="21599"/>
+                </a:lnTo>
+                <a:lnTo>
+                  <a:pt x="11268" y="21599"/>
+                </a:lnTo>
+                <a:lnTo>
+                  <a:pt x="20704" y="21599"/>
+                </a:lnTo>
+                <a:cubicBezTo>
+                  <a:pt x="21367" y="21599"/>
+                  <a:pt x="21600" y="21600"/>
+                  <a:pt x="21600" y="20529"/>
+                </a:cubicBezTo>
+                <a:cubicBezTo>
+                  <a:pt x="21600" y="19890"/>
+                  <a:pt x="21600" y="19328"/>
+                  <a:pt x="21600" y="19328"/>
+                </a:cubicBezTo>
+                <a:lnTo>
+                  <a:pt x="20161" y="19328"/>
+                </a:lnTo>
+                <a:lnTo>
+                  <a:pt x="20161" y="1718"/>
+                </a:lnTo>
+                <a:cubicBezTo>
+                  <a:pt x="20161" y="771"/>
+                  <a:pt x="20196" y="0"/>
+                  <a:pt x="19665" y="0"/>
+                </a:cubicBezTo>
+                <a:lnTo>
+                  <a:pt x="1952" y="0"/>
+                </a:lnTo>
+                <a:close/>
+                <a:moveTo>
+                  <a:pt x="2475" y="1849"/>
+                </a:moveTo>
+                <a:lnTo>
+                  <a:pt x="19125" y="1849"/>
+                </a:lnTo>
+                <a:lnTo>
+                  <a:pt x="19125" y="19328"/>
+                </a:lnTo>
+                <a:lnTo>
+                  <a:pt x="11268" y="19328"/>
+                </a:lnTo>
+                <a:lnTo>
+                  <a:pt x="10332" y="19328"/>
+                </a:lnTo>
+                <a:lnTo>
+                  <a:pt x="2475" y="19328"/>
+                </a:lnTo>
+                <a:lnTo>
+                  <a:pt x="2475" y="1849"/>
+                </a:lnTo>
+                <a:close/>
+              </a:path>
+            </a:pathLst>
+          </a:custGeom>
+          <a:solidFill>
+            <a:schemeClr val="accent1"/>
+          </a:solidFill>
+          <a:ln w="12700">
+            <a:miter lim="400000"/>
+          </a:ln>
+        </p:spPr>
+        <p:txBody>
+          <a:bodyPr lIns="50800" tIns="50800" rIns="50800" bIns="50800" anchor="ctr"/>
+          <a:lstStyle/>
+          <a:p>
+            <a:pPr>
+              <a:defRPr sz="2200" b="0">
+                <a:solidFill>
+                  <a:srgbClr val="FFFFFF"/>
+                </a:solidFill>
+                <a:latin typeface="+mn-lt"/>
+                <a:ea typeface="+mn-ea"/>
+                <a:cs typeface="+mn-cs"/>
+                <a:sym typeface="Gill Sans SemiBold"/>
+              </a:defRPr>
+            </a:pPr>
+            <a:endParaRPr/>
+          </a:p>
+        </p:txBody>
+      </p:sp>
+      <p:sp>
+        <p:nvSpPr>
+          <p:cNvPr id="428" name="Items:…"/>
+          <p:cNvSpPr txBox="1"/>
+          <p:nvPr/>
+        </p:nvSpPr>
+        <p:spPr>
+          <a:xfrm>
+            <a:off x="3987800" y="5834278"/>
+            <a:ext cx="5137830" cy="1727201"/>
+          </a:xfrm>
+          <a:prstGeom prst="rect">
+            <a:avLst/>
+          </a:prstGeom>
+          <a:ln w="12700">
+            <a:miter lim="400000"/>
+          </a:ln>
+          <a:extLst>
+            <a:ext uri="{C572A759-6A51-4108-AA02-DFA0A04FC94B}">
+              <ma14:wrappingTextBoxFlag xmlns="" xmlns:m="http://schemas.openxmlformats.org/officeDocument/2006/math" xmlns:a14="http://schemas.microsoft.com/office/drawing/2010/main" xmlns:ma14="http://schemas.microsoft.com/office/mac/drawingml/2011/main" val="1"/>
+            </a:ext>
+          </a:extLst>
+        </p:spPr>
+        <p:txBody>
+          <a:bodyPr lIns="50800" tIns="50800" rIns="50800" bIns="50800">
+            <a:spAutoFit/>
+          </a:bodyPr>
+          <a:lstStyle/>
+          <a:p>
+            <a:pPr algn="l">
+              <a:defRPr sz="2800" b="0"/>
+            </a:pPr>
+            <a:r>
+              <a:t>Items:</a:t>
+            </a:r>
+          </a:p>
+          <a:p>
+            <a:pPr marL="635000" indent="-444500" algn="l">
+              <a:buSzPct val="145000"/>
+              <a:buChar char="•"/>
+              <a:defRPr sz="2800" b="0"/>
+            </a:pPr>
+            <a:r>
+              <a:t>Item X</a:t>
+            </a:r>
+          </a:p>
+          <a:p>
+            <a:pPr marL="635000" indent="-444500" algn="l">
+              <a:buSzPct val="145000"/>
+              <a:buChar char="•"/>
+              <a:defRPr sz="2800" b="0"/>
+            </a:pPr>
+            <a:r>
+              <a:t>Item Y</a:t>
+            </a:r>
+          </a:p>
+          <a:p>
+            <a:pPr marL="635000" indent="-444500" algn="l">
+              <a:buSzPct val="145000"/>
+              <a:buChar char="•"/>
+              <a:defRPr sz="2800" b="0"/>
+            </a:pPr>
+            <a:r>
+              <a:t>Item Z</a:t>
+            </a:r>
+          </a:p>
+        </p:txBody>
+      </p:sp>
+      <p:sp>
+        <p:nvSpPr>
+          <p:cNvPr id="429" name="Items:…"/>
+          <p:cNvSpPr/>
+          <p:nvPr/>
+        </p:nvSpPr>
+        <p:spPr>
+          <a:xfrm>
+            <a:off x="6362700" y="2008443"/>
+            <a:ext cx="5736680" cy="2782557"/>
+          </a:xfrm>
+          <a:prstGeom prst="rect">
+            <a:avLst/>
+          </a:prstGeom>
+          <a:solidFill>
+            <a:srgbClr val="FFFFFF"/>
+          </a:solidFill>
+          <a:ln w="25400">
+            <a:solidFill>
+              <a:srgbClr val="000000"/>
+            </a:solidFill>
+            <a:miter lim="400000"/>
+          </a:ln>
+          <a:extLst>
+            <a:ext uri="{C572A759-6A51-4108-AA02-DFA0A04FC94B}">
+              <ma14:wrappingTextBoxFlag xmlns="" xmlns:m="http://schemas.openxmlformats.org/officeDocument/2006/math" xmlns:a14="http://schemas.microsoft.com/office/drawing/2010/main" xmlns:ma14="http://schemas.microsoft.com/office/mac/drawingml/2011/main" val="1"/>
+            </a:ext>
+          </a:extLst>
+        </p:spPr>
+        <p:txBody>
+          <a:bodyPr lIns="50800" tIns="50800" rIns="50800" bIns="50800"/>
+          <a:lstStyle/>
+          <a:p>
+            <a:pPr algn="l">
+              <a:defRPr sz="2600"/>
+            </a:pPr>
+            <a:r>
+              <a:t>Items:</a:t>
+            </a:r>
+          </a:p>
+          <a:p>
+            <a:pPr algn="l">
+              <a:defRPr sz="2600"/>
+            </a:pPr>
+            <a:r>
+              <a:rPr>
+                <a:solidFill>
+                  <a:schemeClr val="accent5">
+                    <a:hueOff val="-82419"/>
+                    <a:satOff val="-9513"/>
+                    <a:lumOff val="-16343"/>
+                  </a:schemeClr>
+                </a:solidFill>
+              </a:rPr>
+              <a:t>&lt;ul&gt;</a:t>
+            </a:r>
+          </a:p>
+          <a:p>
+            <a:pPr algn="l">
+              <a:defRPr sz="2600"/>
+            </a:pPr>
+            <a:r>
+              <a:rPr>
+                <a:solidFill>
+                  <a:schemeClr val="accent5">
+                    <a:hueOff val="-82419"/>
+                    <a:satOff val="-9513"/>
+                    <a:lumOff val="-16343"/>
+                  </a:schemeClr>
+                </a:solidFill>
+              </a:rPr>
+              <a:t>    &lt;li&gt;</a:t>
+            </a:r>
+            <a:r>
+              <a:t>Item X</a:t>
+            </a:r>
+            <a:endParaRPr>
+              <a:solidFill>
+                <a:schemeClr val="accent5">
+                  <a:hueOff val="-82419"/>
+                  <a:satOff val="-9513"/>
+                  <a:lumOff val="-16343"/>
+                </a:schemeClr>
+              </a:solidFill>
+            </a:endParaRPr>
+          </a:p>
+          <a:p>
+            <a:pPr algn="l">
+              <a:defRPr sz="2600"/>
+            </a:pPr>
+            <a:r>
+              <a:rPr>
+                <a:solidFill>
+                  <a:schemeClr val="accent5">
+                    <a:hueOff val="-82419"/>
+                    <a:satOff val="-9513"/>
+                    <a:lumOff val="-16343"/>
+                  </a:schemeClr>
+                </a:solidFill>
+              </a:rPr>
+              <a:t>    &lt;li&gt;</a:t>
+            </a:r>
+            <a:r>
+              <a:t>Item Y</a:t>
+            </a:r>
+            <a:endParaRPr>
+              <a:solidFill>
+                <a:schemeClr val="accent5">
+                  <a:hueOff val="-82419"/>
+                  <a:satOff val="-9513"/>
+                  <a:lumOff val="-16343"/>
+                </a:schemeClr>
+              </a:solidFill>
+            </a:endParaRPr>
+          </a:p>
+          <a:p>
+            <a:pPr algn="l">
+              <a:defRPr sz="2600"/>
+            </a:pPr>
+            <a:r>
+              <a:rPr>
+                <a:solidFill>
+                  <a:schemeClr val="accent5">
+                    <a:hueOff val="-82419"/>
+                    <a:satOff val="-9513"/>
+                    <a:lumOff val="-16343"/>
+                  </a:schemeClr>
+                </a:solidFill>
+              </a:rPr>
+              <a:t>    &lt;li&gt;</a:t>
+            </a:r>
+            <a:r>
+              <a:t>Item Z</a:t>
+            </a:r>
+            <a:endParaRPr>
+              <a:solidFill>
+                <a:schemeClr val="accent5">
+                  <a:hueOff val="-82419"/>
+                  <a:satOff val="-9513"/>
+                  <a:lumOff val="-16343"/>
+                </a:schemeClr>
+              </a:solidFill>
+            </a:endParaRPr>
+          </a:p>
+          <a:p>
+            <a:pPr algn="l">
+              <a:defRPr sz="2600">
+                <a:solidFill>
+                  <a:schemeClr val="accent5">
+                    <a:hueOff val="-82419"/>
+                    <a:satOff val="-9513"/>
+                    <a:lumOff val="-16343"/>
+                  </a:schemeClr>
+                </a:solidFill>
+              </a:defRPr>
+            </a:pPr>
+            <a:r>
+              <a:t>&lt;/ul&gt;</a:t>
+            </a:r>
+          </a:p>
+        </p:txBody>
+      </p:sp>
+      <p:sp>
+        <p:nvSpPr>
+          <p:cNvPr id="430" name="test.html"/>
+          <p:cNvSpPr txBox="1"/>
+          <p:nvPr/>
+        </p:nvSpPr>
+        <p:spPr>
+          <a:xfrm>
+            <a:off x="6391527" y="1487743"/>
+            <a:ext cx="1547218" cy="457201"/>
+          </a:xfrm>
+          <a:prstGeom prst="rect">
+            <a:avLst/>
+          </a:prstGeom>
+          <a:ln w="12700">
+            <a:miter lim="400000"/>
+          </a:ln>
+          <a:extLst>
+            <a:ext uri="{C572A759-6A51-4108-AA02-DFA0A04FC94B}">
+              <ma14:wrappingTextBoxFlag xmlns="" xmlns:m="http://schemas.openxmlformats.org/officeDocument/2006/math" xmlns:a14="http://schemas.microsoft.com/office/drawing/2010/main" xmlns:ma14="http://schemas.microsoft.com/office/mac/drawingml/2011/main" val="1"/>
+            </a:ext>
+          </a:extLst>
+        </p:spPr>
+        <p:txBody>
+          <a:bodyPr wrap="none" lIns="50800" tIns="50800" rIns="50800" bIns="50800" anchor="ctr">
+            <a:spAutoFit/>
+          </a:bodyPr>
+          <a:lstStyle>
+            <a:lvl1pPr algn="l"/>
+          </a:lstStyle>
+          <a:p>
+            <a:r>
+              <a:t>test.html</a:t>
+            </a:r>
+          </a:p>
+        </p:txBody>
+      </p:sp>
+      <p:sp>
+        <p:nvSpPr>
+          <p:cNvPr id="431" name="ul: unordered list…"/>
+          <p:cNvSpPr txBox="1"/>
+          <p:nvPr/>
+        </p:nvSpPr>
+        <p:spPr>
+          <a:xfrm>
+            <a:off x="553212" y="2057400"/>
+            <a:ext cx="3728343" cy="1270000"/>
+          </a:xfrm>
+          <a:prstGeom prst="rect">
+            <a:avLst/>
+          </a:prstGeom>
+          <a:ln w="12700">
+            <a:miter lim="400000"/>
+          </a:ln>
+          <a:extLst>
+            <a:ext uri="{C572A759-6A51-4108-AA02-DFA0A04FC94B}">
+              <ma14:wrappingTextBoxFlag xmlns="" xmlns:m="http://schemas.openxmlformats.org/officeDocument/2006/math" xmlns:a14="http://schemas.microsoft.com/office/drawing/2010/main" xmlns:ma14="http://schemas.microsoft.com/office/mac/drawingml/2011/main" val="1"/>
+            </a:ext>
+          </a:extLst>
+        </p:spPr>
+        <p:txBody>
+          <a:bodyPr wrap="none" lIns="50800" tIns="50800" rIns="50800" bIns="50800" anchor="ctr">
+            <a:spAutoFit/>
+          </a:bodyPr>
+          <a:lstStyle/>
+          <a:p>
+            <a:pPr algn="l">
+              <a:defRPr sz="4000" b="0"/>
+            </a:pPr>
+            <a:r>
+              <a:t>ul: unordered list</a:t>
+            </a:r>
+          </a:p>
+          <a:p>
+            <a:pPr algn="l">
+              <a:defRPr sz="4000" b="0"/>
+            </a:pPr>
+            <a:r>
+              <a:t>li: list item</a:t>
+            </a:r>
+          </a:p>
+        </p:txBody>
+      </p:sp>
+      <p:sp>
+        <p:nvSpPr>
+          <p:cNvPr id="432" name="closing tags…"/>
+          <p:cNvSpPr txBox="1"/>
+          <p:nvPr/>
+        </p:nvSpPr>
+        <p:spPr>
+          <a:xfrm>
+            <a:off x="9687941" y="2815521"/>
+            <a:ext cx="1680717" cy="1168401"/>
+          </a:xfrm>
+          <a:prstGeom prst="rect">
+            <a:avLst/>
+          </a:prstGeom>
+          <a:ln w="12700">
+            <a:miter lim="400000"/>
+          </a:ln>
+          <a:extLst>
+            <a:ext uri="{C572A759-6A51-4108-AA02-DFA0A04FC94B}">
+              <ma14:wrappingTextBoxFlag xmlns="" xmlns:m="http://schemas.openxmlformats.org/officeDocument/2006/math" xmlns:a14="http://schemas.microsoft.com/office/drawing/2010/main" xmlns:ma14="http://schemas.microsoft.com/office/mac/drawingml/2011/main" val="1"/>
+            </a:ext>
+          </a:extLst>
+        </p:spPr>
+        <p:txBody>
+          <a:bodyPr wrap="none" lIns="50800" tIns="50800" rIns="50800" bIns="50800" anchor="ctr">
+            <a:spAutoFit/>
+          </a:bodyPr>
+          <a:lstStyle/>
+          <a:p>
+            <a:pPr>
+              <a:defRPr b="0">
+                <a:solidFill>
+                  <a:schemeClr val="accent6">
+                    <a:satOff val="-15808"/>
+                    <a:lumOff val="-17557"/>
+                  </a:schemeClr>
+                </a:solidFill>
+              </a:defRPr>
+            </a:pPr>
+            <a:r>
+              <a:t>closing tags</a:t>
+            </a:r>
+          </a:p>
+          <a:p>
+            <a:pPr>
+              <a:defRPr b="0">
+                <a:solidFill>
+                  <a:schemeClr val="accent6">
+                    <a:satOff val="-15808"/>
+                    <a:lumOff val="-17557"/>
+                  </a:schemeClr>
+                </a:solidFill>
+              </a:defRPr>
+            </a:pPr>
+            <a:r>
+              <a:t>are optional</a:t>
+            </a:r>
+          </a:p>
+          <a:p>
+            <a:pPr>
+              <a:defRPr b="0">
+                <a:solidFill>
+                  <a:schemeClr val="accent6">
+                    <a:satOff val="-15808"/>
+                    <a:lumOff val="-17557"/>
+                  </a:schemeClr>
+                </a:solidFill>
+              </a:defRPr>
+            </a:pPr>
+            <a:r>
+              <a:t>for list items</a:t>
+            </a:r>
+          </a:p>
+        </p:txBody>
+      </p:sp>
+    </p:spTree>
+  </p:cSld>
+  <p:clrMapOvr>
+    <a:masterClrMapping/>
+  </p:clrMapOvr>
+  <p:transition spd="med"/>
+</p:sld>
+</file>
+
+<file path=ppt/slides/slide37.xml><?xml version="1.0" encoding="utf-8"?>
+<p:sld xmlns:a="http://schemas.openxmlformats.org/drawingml/2006/main" xmlns:r="http://schemas.openxmlformats.org/officeDocument/2006/relationships" xmlns:p="http://schemas.openxmlformats.org/presentationml/2006/main">
+  <p:cSld>
+    <p:spTree>
+      <p:nvGrpSpPr>
+        <p:cNvPr id="1" name=""/>
+        <p:cNvGrpSpPr/>
+        <p:nvPr/>
+      </p:nvGrpSpPr>
+      <p:grpSpPr>
+        <a:xfrm>
+          <a:off x="0" y="0"/>
+          <a:ext cx="0" cy="0"/>
+          <a:chOff x="0" y="0"/>
+          <a:chExt cx="0" cy="0"/>
+        </a:xfrm>
+      </p:grpSpPr>
+      <p:sp>
+        <p:nvSpPr>
+          <p:cNvPr id="434" name="Demo 1: List Visualization"/>
+          <p:cNvSpPr txBox="1">
+            <a:spLocks noGrp="1"/>
+          </p:cNvSpPr>
+          <p:nvPr>
+            <p:ph type="title"/>
+          </p:nvPr>
+        </p:nvSpPr>
+        <p:spPr>
+          <a:xfrm>
+            <a:off x="952500" y="254000"/>
+            <a:ext cx="11099800" cy="902345"/>
+          </a:xfrm>
+          <a:prstGeom prst="rect">
+            <a:avLst/>
+          </a:prstGeom>
+        </p:spPr>
+        <p:txBody>
+          <a:bodyPr/>
+          <a:lstStyle>
+            <a:lvl1pPr algn="l">
+              <a:defRPr sz="4800"/>
+            </a:lvl1pPr>
+          </a:lstStyle>
+          <a:p>
+            <a:r>
+              <a:t>Demo 1: List Visualization</a:t>
+            </a:r>
+          </a:p>
+        </p:txBody>
+      </p:sp>
+      <p:sp>
+        <p:nvSpPr>
+          <p:cNvPr id="435" name="Goal: convert Python list to bulleted list in HTML…"/>
+          <p:cNvSpPr txBox="1">
+            <a:spLocks noGrp="1"/>
+          </p:cNvSpPr>
+          <p:nvPr>
+            <p:ph type="body" idx="1"/>
+          </p:nvPr>
+        </p:nvSpPr>
+        <p:spPr>
+          <a:xfrm>
+            <a:off x="952500" y="1587896"/>
+            <a:ext cx="11540877" cy="7684494"/>
+          </a:xfrm>
+          <a:prstGeom prst="rect">
+            <a:avLst/>
+          </a:prstGeom>
+        </p:spPr>
+        <p:txBody>
+          <a:bodyPr anchor="t"/>
+          <a:lstStyle/>
+          <a:p>
+            <a:pPr marL="0" lvl="5" indent="0">
+              <a:buSzTx/>
+              <a:buNone/>
+              <a:defRPr>
+                <a:solidFill>
+                  <a:schemeClr val="accent5">
+                    <a:hueOff val="-82419"/>
+                    <a:satOff val="-9513"/>
+                    <a:lumOff val="-16343"/>
+                  </a:schemeClr>
+                </a:solidFill>
+              </a:defRPr>
+            </a:pPr>
+            <a:r>
+              <a:t>Goal: convert Python list to bulleted list in HTML</a:t>
+            </a:r>
+          </a:p>
+          <a:p>
+            <a:pPr marL="0" lvl="5" indent="0">
+              <a:buSzTx/>
+              <a:buNone/>
+            </a:pPr>
+            <a:r>
+              <a:rPr b="1"/>
+              <a:t>Input</a:t>
+            </a:r>
+            <a:r>
+              <a:t>:</a:t>
+            </a:r>
+          </a:p>
+          <a:p>
+            <a:pPr marL="635000" indent="-444500">
+              <a:spcBef>
+                <a:spcPts val="0"/>
+              </a:spcBef>
+              <a:defRPr sz="2800"/>
+            </a:pPr>
+            <a:r>
+              <a:t>arguments on command line</a:t>
+            </a:r>
+          </a:p>
+          <a:p>
+            <a:pPr marL="0" lvl="5" indent="0">
+              <a:buSzTx/>
+              <a:buNone/>
+            </a:pPr>
+            <a:r>
+              <a:rPr b="1"/>
+              <a:t>Output</a:t>
+            </a:r>
+            <a:r>
+              <a:t>:</a:t>
+            </a:r>
+          </a:p>
+          <a:p>
+            <a:pPr marL="635000" indent="-444500">
+              <a:spcBef>
+                <a:spcPts val="0"/>
+              </a:spcBef>
+              <a:defRPr sz="2800"/>
+            </a:pPr>
+            <a:r>
+              <a:t>HTML file with bulleted list</a:t>
+            </a:r>
+          </a:p>
+          <a:p>
+            <a:pPr marL="0" lvl="5" indent="0">
+              <a:buSzTx/>
+              <a:buNone/>
+            </a:pPr>
+            <a:r>
+              <a:rPr b="1"/>
+              <a:t>Example</a:t>
+            </a:r>
+            <a:r>
+              <a:t>:</a:t>
+            </a:r>
+          </a:p>
+        </p:txBody>
+      </p:sp>
+      <p:sp>
+        <p:nvSpPr>
+          <p:cNvPr id="436" name="python bullets.py apple broccoli cabbage"/>
+          <p:cNvSpPr txBox="1"/>
+          <p:nvPr/>
+        </p:nvSpPr>
+        <p:spPr>
+          <a:xfrm>
+            <a:off x="3777059" y="6349999"/>
+            <a:ext cx="5069682" cy="457201"/>
+          </a:xfrm>
+          <a:prstGeom prst="rect">
+            <a:avLst/>
+          </a:prstGeom>
+          <a:ln w="12700">
+            <a:miter lim="400000"/>
+          </a:ln>
+          <a:extLst>
+            <a:ext uri="{C572A759-6A51-4108-AA02-DFA0A04FC94B}">
+              <ma14:wrappingTextBoxFlag xmlns="" xmlns:m="http://schemas.openxmlformats.org/officeDocument/2006/math" xmlns:a14="http://schemas.microsoft.com/office/drawing/2010/main" xmlns:ma14="http://schemas.microsoft.com/office/mac/drawingml/2011/main" val="1"/>
+            </a:ext>
+          </a:extLst>
+        </p:spPr>
+        <p:txBody>
+          <a:bodyPr wrap="none" lIns="50800" tIns="50800" rIns="50800" bIns="50800" anchor="ctr">
+            <a:spAutoFit/>
+          </a:bodyPr>
+          <a:lstStyle>
+            <a:lvl1pPr>
+              <a:defRPr b="0"/>
+            </a:lvl1pPr>
+          </a:lstStyle>
+          <a:p>
+            <a:r>
+              <a:t>python bullets.py apple broccoli cabbage</a:t>
+            </a:r>
+          </a:p>
+        </p:txBody>
+      </p:sp>
+      <p:sp>
+        <p:nvSpPr>
+          <p:cNvPr id="437" name="Items:…"/>
+          <p:cNvSpPr txBox="1"/>
+          <p:nvPr/>
+        </p:nvSpPr>
+        <p:spPr>
+          <a:xfrm>
+            <a:off x="4521200" y="7739277"/>
+            <a:ext cx="5137830" cy="1727201"/>
+          </a:xfrm>
+          <a:prstGeom prst="rect">
+            <a:avLst/>
+          </a:prstGeom>
+          <a:ln w="12700">
+            <a:miter lim="400000"/>
+          </a:ln>
+          <a:extLst>
+            <a:ext uri="{C572A759-6A51-4108-AA02-DFA0A04FC94B}">
+              <ma14:wrappingTextBoxFlag xmlns="" xmlns:m="http://schemas.openxmlformats.org/officeDocument/2006/math" xmlns:a14="http://schemas.microsoft.com/office/drawing/2010/main" xmlns:ma14="http://schemas.microsoft.com/office/mac/drawingml/2011/main" val="1"/>
+            </a:ext>
+          </a:extLst>
+        </p:spPr>
+        <p:txBody>
+          <a:bodyPr lIns="50800" tIns="50800" rIns="50800" bIns="50800">
+            <a:spAutoFit/>
+          </a:bodyPr>
+          <a:lstStyle/>
+          <a:p>
+            <a:pPr algn="l">
+              <a:defRPr sz="2800" b="0"/>
+            </a:pPr>
+            <a:r>
+              <a:t>Items:</a:t>
+            </a:r>
+          </a:p>
+          <a:p>
+            <a:pPr marL="635000" indent="-444500" algn="l">
+              <a:buSzPct val="145000"/>
+              <a:buChar char="•"/>
+              <a:defRPr sz="2800" b="0"/>
+            </a:pPr>
+            <a:r>
+              <a:t>apple</a:t>
+            </a:r>
+          </a:p>
+          <a:p>
+            <a:pPr marL="635000" indent="-444500" algn="l">
+              <a:buSzPct val="145000"/>
+              <a:buChar char="•"/>
+              <a:defRPr sz="2800" b="0"/>
+            </a:pPr>
+            <a:r>
+              <a:t>broccoli</a:t>
+            </a:r>
+          </a:p>
+          <a:p>
+            <a:pPr marL="635000" indent="-444500" algn="l">
+              <a:buSzPct val="145000"/>
+              <a:buChar char="•"/>
+              <a:defRPr sz="2800" b="0"/>
+            </a:pPr>
+            <a:r>
+              <a:t>cabbage</a:t>
+            </a:r>
+          </a:p>
+        </p:txBody>
+      </p:sp>
+      <p:sp>
+        <p:nvSpPr>
+          <p:cNvPr id="438" name="Arrow"/>
+          <p:cNvSpPr/>
+          <p:nvPr/>
+        </p:nvSpPr>
+        <p:spPr>
+          <a:xfrm rot="5400000">
+            <a:off x="5001046" y="6690146"/>
+            <a:ext cx="996108" cy="1270001"/>
+          </a:xfrm>
+          <a:prstGeom prst="rightArrow">
+            <a:avLst>
+              <a:gd name="adj1" fmla="val 28828"/>
+              <a:gd name="adj2" fmla="val 51656"/>
+            </a:avLst>
+          </a:prstGeom>
+          <a:solidFill>
+            <a:schemeClr val="accent5">
+              <a:hueOff val="-82419"/>
+              <a:satOff val="-9513"/>
+              <a:lumOff val="-16343"/>
+            </a:schemeClr>
+          </a:solidFill>
+          <a:ln w="12700">
+            <a:miter lim="400000"/>
+          </a:ln>
+        </p:spPr>
+        <p:txBody>
+          <a:bodyPr lIns="50800" tIns="50800" rIns="50800" bIns="50800" anchor="ctr"/>
+          <a:lstStyle/>
+          <a:p>
+            <a:pPr>
+              <a:defRPr sz="2200" b="0">
+                <a:solidFill>
+                  <a:srgbClr val="FFFFFF"/>
+                </a:solidFill>
+                <a:latin typeface="+mn-lt"/>
+                <a:ea typeface="+mn-ea"/>
+                <a:cs typeface="+mn-cs"/>
+                <a:sym typeface="Gill Sans SemiBold"/>
+              </a:defRPr>
+            </a:pPr>
+            <a:endParaRPr/>
+          </a:p>
+        </p:txBody>
+      </p:sp>
+    </p:spTree>
+  </p:cSld>
+  <p:clrMapOvr>
+    <a:masterClrMapping/>
+  </p:clrMapOvr>
+  <p:transition spd="med"/>
+</p:sld>
+</file>
+
+<file path=ppt/slides/slide38.xml><?xml version="1.0" encoding="utf-8"?>
+<p:sld xmlns:a="http://schemas.openxmlformats.org/drawingml/2006/main" xmlns:r="http://schemas.openxmlformats.org/officeDocument/2006/relationships" xmlns:p="http://schemas.openxmlformats.org/presentationml/2006/main">
+  <p:cSld>
+    <p:spTree>
+      <p:nvGrpSpPr>
+        <p:cNvPr id="1" name=""/>
+        <p:cNvGrpSpPr/>
+        <p:nvPr/>
+      </p:nvGrpSpPr>
+      <p:grpSpPr>
+        <a:xfrm>
+          <a:off x="0" y="0"/>
+          <a:ext cx="0" cy="0"/>
+          <a:chOff x="0" y="0"/>
+          <a:chExt cx="0" cy="0"/>
+        </a:xfrm>
+      </p:grpSpPr>
+      <p:sp>
+        <p:nvSpPr>
+          <p:cNvPr id="440" name="Complete Web Page"/>
+          <p:cNvSpPr txBox="1">
+            <a:spLocks noGrp="1"/>
+          </p:cNvSpPr>
+          <p:nvPr>
+            <p:ph type="title"/>
+          </p:nvPr>
+        </p:nvSpPr>
+        <p:spPr>
+          <a:xfrm>
+            <a:off x="952500" y="254000"/>
+            <a:ext cx="11099800" cy="902345"/>
+          </a:xfrm>
+          <a:prstGeom prst="rect">
+            <a:avLst/>
+          </a:prstGeom>
+        </p:spPr>
+        <p:txBody>
+          <a:bodyPr/>
+          <a:lstStyle>
+            <a:lvl1pPr algn="l">
+              <a:defRPr sz="4800"/>
+            </a:lvl1pPr>
+          </a:lstStyle>
+          <a:p>
+            <a:r>
+              <a:t>Complete Web Page</a:t>
+            </a:r>
+          </a:p>
+        </p:txBody>
+      </p:sp>
+      <p:sp>
+        <p:nvSpPr>
+          <p:cNvPr id="441" name="Notebook"/>
+          <p:cNvSpPr/>
+          <p:nvPr/>
+        </p:nvSpPr>
+        <p:spPr>
+          <a:xfrm>
+            <a:off x="3589517" y="6072417"/>
+            <a:ext cx="5825766" cy="3263382"/>
+          </a:xfrm>
+          <a:custGeom>
+            <a:avLst/>
+            <a:gdLst/>
+            <a:ahLst/>
+            <a:cxnLst>
+              <a:cxn ang="0">
+                <a:pos x="wd2" y="hd2"/>
+              </a:cxn>
+              <a:cxn ang="5400000">
+                <a:pos x="wd2" y="hd2"/>
+              </a:cxn>
+              <a:cxn ang="10800000">
+                <a:pos x="wd2" y="hd2"/>
+              </a:cxn>
+              <a:cxn ang="16200000">
+                <a:pos x="wd2" y="hd2"/>
+              </a:cxn>
+            </a:cxnLst>
+            <a:rect l="0" t="0" r="r" b="b"/>
+            <a:pathLst>
+              <a:path w="21600" h="21599" extrusionOk="0">
+                <a:moveTo>
+                  <a:pt x="1952" y="0"/>
+                </a:moveTo>
+                <a:cubicBezTo>
+                  <a:pt x="1421" y="0"/>
+                  <a:pt x="1439" y="771"/>
+                  <a:pt x="1439" y="1718"/>
+                </a:cubicBezTo>
+                <a:lnTo>
+                  <a:pt x="1439" y="19328"/>
+                </a:lnTo>
+                <a:lnTo>
+                  <a:pt x="0" y="19328"/>
+                </a:lnTo>
+                <a:cubicBezTo>
+                  <a:pt x="0" y="19328"/>
+                  <a:pt x="0" y="19890"/>
+                  <a:pt x="0" y="20529"/>
+                </a:cubicBezTo>
+                <a:cubicBezTo>
+                  <a:pt x="0" y="21600"/>
+                  <a:pt x="190" y="21599"/>
+                  <a:pt x="896" y="21599"/>
+                </a:cubicBezTo>
+                <a:lnTo>
+                  <a:pt x="10332" y="21599"/>
+                </a:lnTo>
+                <a:lnTo>
+                  <a:pt x="11268" y="21599"/>
+                </a:lnTo>
+                <a:lnTo>
+                  <a:pt x="20704" y="21599"/>
+                </a:lnTo>
+                <a:cubicBezTo>
+                  <a:pt x="21367" y="21599"/>
+                  <a:pt x="21600" y="21600"/>
+                  <a:pt x="21600" y="20529"/>
+                </a:cubicBezTo>
+                <a:cubicBezTo>
+                  <a:pt x="21600" y="19890"/>
+                  <a:pt x="21600" y="19328"/>
+                  <a:pt x="21600" y="19328"/>
+                </a:cubicBezTo>
+                <a:lnTo>
+                  <a:pt x="20161" y="19328"/>
+                </a:lnTo>
+                <a:lnTo>
+                  <a:pt x="20161" y="1718"/>
+                </a:lnTo>
+                <a:cubicBezTo>
+                  <a:pt x="20161" y="771"/>
+                  <a:pt x="20196" y="0"/>
+                  <a:pt x="19665" y="0"/>
+                </a:cubicBezTo>
+                <a:lnTo>
+                  <a:pt x="1952" y="0"/>
+                </a:lnTo>
+                <a:close/>
+                <a:moveTo>
+                  <a:pt x="2475" y="1849"/>
+                </a:moveTo>
+                <a:lnTo>
+                  <a:pt x="19125" y="1849"/>
+                </a:lnTo>
+                <a:lnTo>
+                  <a:pt x="19125" y="19328"/>
+                </a:lnTo>
+                <a:lnTo>
+                  <a:pt x="11268" y="19328"/>
+                </a:lnTo>
+                <a:lnTo>
+                  <a:pt x="10332" y="19328"/>
+                </a:lnTo>
+                <a:lnTo>
+                  <a:pt x="2475" y="19328"/>
+                </a:lnTo>
+                <a:lnTo>
+                  <a:pt x="2475" y="1849"/>
+                </a:lnTo>
+                <a:close/>
+              </a:path>
+            </a:pathLst>
+          </a:custGeom>
+          <a:solidFill>
+            <a:schemeClr val="accent1"/>
+          </a:solidFill>
+          <a:ln w="12700">
+            <a:miter lim="400000"/>
+          </a:ln>
+        </p:spPr>
+        <p:txBody>
+          <a:bodyPr lIns="50800" tIns="50800" rIns="50800" bIns="50800" anchor="ctr"/>
+          <a:lstStyle/>
+          <a:p>
+            <a:pPr>
+              <a:defRPr sz="2200" b="0">
+                <a:solidFill>
+                  <a:srgbClr val="FFFFFF"/>
+                </a:solidFill>
+                <a:latin typeface="+mn-lt"/>
+                <a:ea typeface="+mn-ea"/>
+                <a:cs typeface="+mn-cs"/>
+                <a:sym typeface="Gill Sans SemiBold"/>
+              </a:defRPr>
+            </a:pPr>
+            <a:endParaRPr/>
+          </a:p>
+        </p:txBody>
+      </p:sp>
+      <p:sp>
+        <p:nvSpPr>
+          <p:cNvPr id="442" name="This is a test page"/>
+          <p:cNvSpPr txBox="1"/>
+          <p:nvPr/>
+        </p:nvSpPr>
+        <p:spPr>
+          <a:xfrm>
+            <a:off x="4368800" y="6432550"/>
+            <a:ext cx="2852837" cy="520701"/>
+          </a:xfrm>
+          <a:prstGeom prst="rect">
+            <a:avLst/>
+          </a:prstGeom>
+          <a:ln w="12700">
+            <a:miter lim="400000"/>
+          </a:ln>
+          <a:extLst>
+            <a:ext uri="{C572A759-6A51-4108-AA02-DFA0A04FC94B}">
+              <ma14:wrappingTextBoxFlag xmlns="" xmlns:m="http://schemas.openxmlformats.org/officeDocument/2006/math" xmlns:a14="http://schemas.microsoft.com/office/drawing/2010/main" xmlns:ma14="http://schemas.microsoft.com/office/mac/drawingml/2011/main" val="1"/>
+            </a:ext>
+          </a:extLst>
+        </p:spPr>
+        <p:txBody>
+          <a:bodyPr wrap="none" lIns="50800" tIns="50800" rIns="50800" bIns="50800" anchor="ctr">
+            <a:spAutoFit/>
+          </a:bodyPr>
+          <a:lstStyle/>
+          <a:p>
+            <a:pPr algn="l">
+              <a:defRPr sz="2800" b="0"/>
+            </a:pPr>
+            <a:r>
+              <a:t>This is a </a:t>
+            </a:r>
+            <a:r>
+              <a:rPr b="1"/>
+              <a:t>test</a:t>
+            </a:r>
+            <a:r>
+              <a:t> page</a:t>
+            </a:r>
+          </a:p>
+        </p:txBody>
+      </p:sp>
+      <p:sp>
+        <p:nvSpPr>
+          <p:cNvPr id="443" name="This is a &lt;b&gt;test&lt;/b&gt; page"/>
+          <p:cNvSpPr/>
+          <p:nvPr/>
+        </p:nvSpPr>
+        <p:spPr>
+          <a:xfrm>
+            <a:off x="3811860" y="2110043"/>
+            <a:ext cx="5736680" cy="2272870"/>
+          </a:xfrm>
+          <a:prstGeom prst="rect">
+            <a:avLst/>
+          </a:prstGeom>
+          <a:solidFill>
+            <a:srgbClr val="FFFFFF"/>
+          </a:solidFill>
+          <a:ln w="25400">
+            <a:solidFill>
+              <a:srgbClr val="000000"/>
+            </a:solidFill>
+            <a:miter lim="400000"/>
+          </a:ln>
+          <a:extLst>
+            <a:ext uri="{C572A759-6A51-4108-AA02-DFA0A04FC94B}">
+              <ma14:wrappingTextBoxFlag xmlns="" xmlns:m="http://schemas.openxmlformats.org/officeDocument/2006/math" xmlns:a14="http://schemas.microsoft.com/office/drawing/2010/main" xmlns:ma14="http://schemas.microsoft.com/office/mac/drawingml/2011/main" val="1"/>
+            </a:ext>
+          </a:extLst>
+        </p:spPr>
+        <p:txBody>
+          <a:bodyPr lIns="50800" tIns="50800" rIns="50800" bIns="50800"/>
+          <a:lstStyle>
+            <a:lvl1pPr algn="l">
+              <a:defRPr sz="2600">
+                <a:solidFill>
+                  <a:schemeClr val="accent5">
+                    <a:hueOff val="-82419"/>
+                    <a:satOff val="-9513"/>
+                    <a:lumOff val="-16343"/>
+                  </a:schemeClr>
+                </a:solidFill>
+              </a:defRPr>
+            </a:lvl1pPr>
+          </a:lstStyle>
+          <a:p>
+            <a:r>
+              <a:t>This is a &lt;b&gt;test&lt;/b&gt; page</a:t>
+            </a:r>
+          </a:p>
+        </p:txBody>
+      </p:sp>
+      <p:sp>
+        <p:nvSpPr>
+          <p:cNvPr id="444" name="test.html"/>
+          <p:cNvSpPr txBox="1"/>
+          <p:nvPr/>
+        </p:nvSpPr>
+        <p:spPr>
+          <a:xfrm>
+            <a:off x="3840688" y="1589343"/>
+            <a:ext cx="1547218" cy="457201"/>
+          </a:xfrm>
+          <a:prstGeom prst="rect">
+            <a:avLst/>
+          </a:prstGeom>
+          <a:ln w="12700">
+            <a:miter lim="400000"/>
+          </a:ln>
+          <a:extLst>
+            <a:ext uri="{C572A759-6A51-4108-AA02-DFA0A04FC94B}">
+              <ma14:wrappingTextBoxFlag xmlns="" xmlns:m="http://schemas.openxmlformats.org/officeDocument/2006/math" xmlns:a14="http://schemas.microsoft.com/office/drawing/2010/main" xmlns:ma14="http://schemas.microsoft.com/office/mac/drawingml/2011/main" val="1"/>
+            </a:ext>
+          </a:extLst>
+        </p:spPr>
+        <p:txBody>
+          <a:bodyPr wrap="none" lIns="50800" tIns="50800" rIns="50800" bIns="50800" anchor="ctr">
+            <a:spAutoFit/>
+          </a:bodyPr>
+          <a:lstStyle>
+            <a:lvl1pPr algn="l"/>
+          </a:lstStyle>
+          <a:p>
+            <a:r>
+              <a:t>test.html</a:t>
+            </a:r>
+          </a:p>
+        </p:txBody>
+      </p:sp>
+      <p:sp>
+        <p:nvSpPr>
+          <p:cNvPr id="445" name="whole page is usually…"/>
+          <p:cNvSpPr txBox="1"/>
+          <p:nvPr/>
+        </p:nvSpPr>
+        <p:spPr>
+          <a:xfrm>
+            <a:off x="408384" y="2514600"/>
+            <a:ext cx="2764632" cy="812801"/>
+          </a:xfrm>
+          <a:prstGeom prst="rect">
+            <a:avLst/>
+          </a:prstGeom>
+          <a:ln w="12700">
+            <a:miter lim="400000"/>
+          </a:ln>
+          <a:extLst>
+            <a:ext uri="{C572A759-6A51-4108-AA02-DFA0A04FC94B}">
+              <ma14:wrappingTextBoxFlag xmlns="" xmlns:m="http://schemas.openxmlformats.org/officeDocument/2006/math" xmlns:a14="http://schemas.microsoft.com/office/drawing/2010/main" xmlns:ma14="http://schemas.microsoft.com/office/mac/drawingml/2011/main" val="1"/>
+            </a:ext>
+          </a:extLst>
+        </p:spPr>
+        <p:txBody>
+          <a:bodyPr wrap="none" lIns="50800" tIns="50800" rIns="50800" bIns="50800" anchor="ctr">
+            <a:spAutoFit/>
+          </a:bodyPr>
+          <a:lstStyle/>
+          <a:p>
+            <a:pPr>
+              <a:defRPr b="0"/>
+            </a:pPr>
+            <a:r>
+              <a:t>whole page is usually</a:t>
+            </a:r>
+          </a:p>
+          <a:p>
+            <a:pPr>
+              <a:defRPr b="0"/>
+            </a:pPr>
+            <a:r>
+              <a:t>in html and body tags</a:t>
+            </a:r>
+          </a:p>
+        </p:txBody>
+      </p:sp>
+    </p:spTree>
+  </p:cSld>
+  <p:clrMapOvr>
+    <a:masterClrMapping/>
+  </p:clrMapOvr>
+  <p:transition spd="med"/>
+</p:sld>
+</file>
+
+<file path=ppt/slides/slide39.xml><?xml version="1.0" encoding="utf-8"?>
+<p:sld xmlns:a="http://schemas.openxmlformats.org/drawingml/2006/main" xmlns:r="http://schemas.openxmlformats.org/officeDocument/2006/relationships" xmlns:p="http://schemas.openxmlformats.org/presentationml/2006/main">
+  <p:cSld>
+    <p:spTree>
+      <p:nvGrpSpPr>
+        <p:cNvPr id="1" name=""/>
+        <p:cNvGrpSpPr/>
+        <p:nvPr/>
+      </p:nvGrpSpPr>
+      <p:grpSpPr>
+        <a:xfrm>
+          <a:off x="0" y="0"/>
+          <a:ext cx="0" cy="0"/>
+          <a:chOff x="0" y="0"/>
+          <a:chExt cx="0" cy="0"/>
+        </a:xfrm>
+      </p:grpSpPr>
+      <p:sp>
+        <p:nvSpPr>
+          <p:cNvPr id="447" name="Complete Web Page"/>
+          <p:cNvSpPr txBox="1">
+            <a:spLocks noGrp="1"/>
+          </p:cNvSpPr>
+          <p:nvPr>
+            <p:ph type="title"/>
+          </p:nvPr>
+        </p:nvSpPr>
+        <p:spPr>
+          <a:xfrm>
+            <a:off x="952500" y="254000"/>
+            <a:ext cx="11099800" cy="902345"/>
+          </a:xfrm>
+          <a:prstGeom prst="rect">
+            <a:avLst/>
+          </a:prstGeom>
+        </p:spPr>
+        <p:txBody>
+          <a:bodyPr/>
+          <a:lstStyle>
+            <a:lvl1pPr algn="l">
+              <a:defRPr sz="4800"/>
+            </a:lvl1pPr>
+          </a:lstStyle>
+          <a:p>
+            <a:r>
+              <a:t>Complete Web Page</a:t>
+            </a:r>
+          </a:p>
+        </p:txBody>
+      </p:sp>
+      <p:sp>
+        <p:nvSpPr>
+          <p:cNvPr id="448" name="Notebook"/>
+          <p:cNvSpPr/>
+          <p:nvPr/>
+        </p:nvSpPr>
+        <p:spPr>
+          <a:xfrm>
+            <a:off x="3589517" y="6072417"/>
+            <a:ext cx="5825766" cy="3263382"/>
+          </a:xfrm>
+          <a:custGeom>
+            <a:avLst/>
+            <a:gdLst/>
+            <a:ahLst/>
+            <a:cxnLst>
+              <a:cxn ang="0">
+                <a:pos x="wd2" y="hd2"/>
+              </a:cxn>
+              <a:cxn ang="5400000">
+                <a:pos x="wd2" y="hd2"/>
+              </a:cxn>
+              <a:cxn ang="10800000">
+                <a:pos x="wd2" y="hd2"/>
+              </a:cxn>
+              <a:cxn ang="16200000">
+                <a:pos x="wd2" y="hd2"/>
+              </a:cxn>
+            </a:cxnLst>
+            <a:rect l="0" t="0" r="r" b="b"/>
+            <a:pathLst>
+              <a:path w="21600" h="21599" extrusionOk="0">
+                <a:moveTo>
+                  <a:pt x="1952" y="0"/>
+                </a:moveTo>
+                <a:cubicBezTo>
+                  <a:pt x="1421" y="0"/>
+                  <a:pt x="1439" y="771"/>
+                  <a:pt x="1439" y="1718"/>
+                </a:cubicBezTo>
+                <a:lnTo>
+                  <a:pt x="1439" y="19328"/>
+                </a:lnTo>
+                <a:lnTo>
+                  <a:pt x="0" y="19328"/>
+                </a:lnTo>
+                <a:cubicBezTo>
+                  <a:pt x="0" y="19328"/>
+                  <a:pt x="0" y="19890"/>
+                  <a:pt x="0" y="20529"/>
+                </a:cubicBezTo>
+                <a:cubicBezTo>
+                  <a:pt x="0" y="21600"/>
+                  <a:pt x="190" y="21599"/>
+                  <a:pt x="896" y="21599"/>
+                </a:cubicBezTo>
+                <a:lnTo>
+                  <a:pt x="10332" y="21599"/>
+                </a:lnTo>
+                <a:lnTo>
+                  <a:pt x="11268" y="21599"/>
+                </a:lnTo>
+                <a:lnTo>
+                  <a:pt x="20704" y="21599"/>
+                </a:lnTo>
+                <a:cubicBezTo>
+                  <a:pt x="21367" y="21599"/>
+                  <a:pt x="21600" y="21600"/>
+                  <a:pt x="21600" y="20529"/>
+                </a:cubicBezTo>
+                <a:cubicBezTo>
+                  <a:pt x="21600" y="19890"/>
+                  <a:pt x="21600" y="19328"/>
+                  <a:pt x="21600" y="19328"/>
+                </a:cubicBezTo>
+                <a:lnTo>
+                  <a:pt x="20161" y="19328"/>
+                </a:lnTo>
+                <a:lnTo>
+                  <a:pt x="20161" y="1718"/>
+                </a:lnTo>
+                <a:cubicBezTo>
+                  <a:pt x="20161" y="771"/>
+                  <a:pt x="20196" y="0"/>
+                  <a:pt x="19665" y="0"/>
+                </a:cubicBezTo>
+                <a:lnTo>
+                  <a:pt x="1952" y="0"/>
+                </a:lnTo>
+                <a:close/>
+                <a:moveTo>
+                  <a:pt x="2475" y="1849"/>
+                </a:moveTo>
+                <a:lnTo>
+                  <a:pt x="19125" y="1849"/>
+                </a:lnTo>
+                <a:lnTo>
+                  <a:pt x="19125" y="19328"/>
+                </a:lnTo>
+                <a:lnTo>
+                  <a:pt x="11268" y="19328"/>
+                </a:lnTo>
+                <a:lnTo>
+                  <a:pt x="10332" y="19328"/>
+                </a:lnTo>
+                <a:lnTo>
+                  <a:pt x="2475" y="19328"/>
+                </a:lnTo>
+                <a:lnTo>
+                  <a:pt x="2475" y="1849"/>
+                </a:lnTo>
+                <a:close/>
+              </a:path>
+            </a:pathLst>
+          </a:custGeom>
+          <a:solidFill>
+            <a:schemeClr val="accent1"/>
+          </a:solidFill>
+          <a:ln w="12700">
+            <a:miter lim="400000"/>
+          </a:ln>
+        </p:spPr>
+        <p:txBody>
+          <a:bodyPr lIns="50800" tIns="50800" rIns="50800" bIns="50800" anchor="ctr"/>
+          <a:lstStyle/>
+          <a:p>
+            <a:pPr>
+              <a:defRPr sz="2200" b="0">
+                <a:solidFill>
+                  <a:srgbClr val="FFFFFF"/>
+                </a:solidFill>
+                <a:latin typeface="+mn-lt"/>
+                <a:ea typeface="+mn-ea"/>
+                <a:cs typeface="+mn-cs"/>
+                <a:sym typeface="Gill Sans SemiBold"/>
+              </a:defRPr>
+            </a:pPr>
+            <a:endParaRPr/>
+          </a:p>
+        </p:txBody>
+      </p:sp>
+      <p:sp>
+        <p:nvSpPr>
+          <p:cNvPr id="449" name="This is a test page"/>
+          <p:cNvSpPr txBox="1"/>
+          <p:nvPr/>
+        </p:nvSpPr>
+        <p:spPr>
+          <a:xfrm>
+            <a:off x="4368800" y="6432550"/>
+            <a:ext cx="2852837" cy="520701"/>
+          </a:xfrm>
+          <a:prstGeom prst="rect">
+            <a:avLst/>
+          </a:prstGeom>
+          <a:ln w="12700">
+            <a:miter lim="400000"/>
+          </a:ln>
+          <a:extLst>
+            <a:ext uri="{C572A759-6A51-4108-AA02-DFA0A04FC94B}">
+              <ma14:wrappingTextBoxFlag xmlns="" xmlns:m="http://schemas.openxmlformats.org/officeDocument/2006/math" xmlns:a14="http://schemas.microsoft.com/office/drawing/2010/main" xmlns:ma14="http://schemas.microsoft.com/office/mac/drawingml/2011/main" val="1"/>
+            </a:ext>
+          </a:extLst>
+        </p:spPr>
+        <p:txBody>
+          <a:bodyPr wrap="none" lIns="50800" tIns="50800" rIns="50800" bIns="50800" anchor="ctr">
+            <a:spAutoFit/>
+          </a:bodyPr>
+          <a:lstStyle/>
+          <a:p>
+            <a:pPr algn="l">
+              <a:defRPr sz="2800" b="0"/>
+            </a:pPr>
+            <a:r>
+              <a:t>This is a </a:t>
+            </a:r>
+            <a:r>
+              <a:rPr b="1"/>
+              <a:t>test</a:t>
+            </a:r>
+            <a:r>
+              <a:t> page</a:t>
+            </a:r>
+          </a:p>
+        </p:txBody>
+      </p:sp>
+      <p:sp>
+        <p:nvSpPr>
+          <p:cNvPr id="450" name="&lt;html&gt;…"/>
+          <p:cNvSpPr/>
+          <p:nvPr/>
+        </p:nvSpPr>
+        <p:spPr>
+          <a:xfrm>
+            <a:off x="3811860" y="2110043"/>
+            <a:ext cx="5736680" cy="2272870"/>
+          </a:xfrm>
+          <a:prstGeom prst="rect">
+            <a:avLst/>
+          </a:prstGeom>
+          <a:solidFill>
+            <a:srgbClr val="FFFFFF"/>
+          </a:solidFill>
+          <a:ln w="25400">
+            <a:solidFill>
+              <a:srgbClr val="000000"/>
+            </a:solidFill>
+            <a:miter lim="400000"/>
+          </a:ln>
+          <a:extLst>
+            <a:ext uri="{C572A759-6A51-4108-AA02-DFA0A04FC94B}">
+              <ma14:wrappingTextBoxFlag xmlns="" xmlns:m="http://schemas.openxmlformats.org/officeDocument/2006/math" xmlns:a14="http://schemas.microsoft.com/office/drawing/2010/main" xmlns:ma14="http://schemas.microsoft.com/office/mac/drawingml/2011/main" val="1"/>
+            </a:ext>
+          </a:extLst>
+        </p:spPr>
+        <p:txBody>
+          <a:bodyPr lIns="50800" tIns="50800" rIns="50800" bIns="50800"/>
+          <a:lstStyle/>
+          <a:p>
+            <a:pPr algn="l">
+              <a:defRPr sz="2600"/>
+            </a:pPr>
+            <a:r>
+              <a:t>&lt;html&gt;</a:t>
+            </a:r>
+          </a:p>
+          <a:p>
+            <a:pPr algn="l">
+              <a:defRPr sz="2600"/>
+            </a:pPr>
+            <a:r>
+              <a:t>  &lt;body&gt;</a:t>
+            </a:r>
+          </a:p>
+          <a:p>
+            <a:pPr algn="l">
+              <a:defRPr sz="2600">
+                <a:solidFill>
+                  <a:schemeClr val="accent5">
+                    <a:hueOff val="-82419"/>
+                    <a:satOff val="-9513"/>
+                    <a:lumOff val="-16343"/>
+                  </a:schemeClr>
+                </a:solidFill>
+              </a:defRPr>
+            </a:pPr>
+            <a:r>
+              <a:t>    This is a &lt;b&gt;test&lt;/b&gt; page</a:t>
+            </a:r>
+          </a:p>
+          <a:p>
+            <a:pPr algn="l">
+              <a:defRPr sz="2600"/>
+            </a:pPr>
+            <a:r>
+              <a:t>  &lt;/body&gt;</a:t>
+            </a:r>
+          </a:p>
+          <a:p>
+            <a:pPr algn="l">
+              <a:defRPr sz="2600"/>
+            </a:pPr>
+            <a:r>
+              <a:t>&lt;/html&gt;</a:t>
+            </a:r>
+          </a:p>
+        </p:txBody>
+      </p:sp>
+      <p:sp>
+        <p:nvSpPr>
+          <p:cNvPr id="451" name="test.html"/>
+          <p:cNvSpPr txBox="1"/>
+          <p:nvPr/>
+        </p:nvSpPr>
+        <p:spPr>
+          <a:xfrm>
+            <a:off x="3840688" y="1589343"/>
+            <a:ext cx="1547218" cy="457201"/>
+          </a:xfrm>
+          <a:prstGeom prst="rect">
+            <a:avLst/>
+          </a:prstGeom>
+          <a:ln w="12700">
+            <a:miter lim="400000"/>
+          </a:ln>
+          <a:extLst>
+            <a:ext uri="{C572A759-6A51-4108-AA02-DFA0A04FC94B}">
+              <ma14:wrappingTextBoxFlag xmlns="" xmlns:m="http://schemas.openxmlformats.org/officeDocument/2006/math" xmlns:a14="http://schemas.microsoft.com/office/drawing/2010/main" xmlns:ma14="http://schemas.microsoft.com/office/mac/drawingml/2011/main" val="1"/>
+            </a:ext>
+          </a:extLst>
+        </p:spPr>
+        <p:txBody>
+          <a:bodyPr wrap="none" lIns="50800" tIns="50800" rIns="50800" bIns="50800" anchor="ctr">
+            <a:spAutoFit/>
+          </a:bodyPr>
+          <a:lstStyle>
+            <a:lvl1pPr algn="l"/>
+          </a:lstStyle>
+          <a:p>
+            <a:r>
+              <a:t>test.html</a:t>
+            </a:r>
+          </a:p>
+        </p:txBody>
+      </p:sp>
+      <p:sp>
+        <p:nvSpPr>
           <p:cNvPr id="452" name="whole page is usually…"/>
           <p:cNvSpPr txBox="1"/>
           <p:nvPr/>
@@ -17813,7 +17818,7 @@
           </a:ln>
           <a:extLst>
             <a:ext uri="{C572A759-6A51-4108-AA02-DFA0A04FC94B}">
-              <ma14:wrappingTextBoxFlag xmlns:ma14="http://schemas.microsoft.com/office/mac/drawingml/2011/main" xmlns:a14="http://schemas.microsoft.com/office/drawing/2010/main" xmlns:m="http://schemas.openxmlformats.org/officeDocument/2006/math" xmlns="" val="1"/>
+              <ma14:wrappingTextBoxFlag xmlns="" xmlns:m="http://schemas.openxmlformats.org/officeDocument/2006/math" xmlns:a14="http://schemas.microsoft.com/office/drawing/2010/main" xmlns:ma14="http://schemas.microsoft.com/office/mac/drawingml/2011/main" val="1"/>
             </a:ext>
           </a:extLst>
         </p:spPr>
@@ -17924,7 +17929,7 @@
           </a:ln>
           <a:extLst>
             <a:ext uri="{C572A759-6A51-4108-AA02-DFA0A04FC94B}">
-              <ma14:wrappingTextBoxFlag xmlns:ma14="http://schemas.microsoft.com/office/mac/drawingml/2011/main" xmlns:a14="http://schemas.microsoft.com/office/drawing/2010/main" xmlns:m="http://schemas.openxmlformats.org/officeDocument/2006/math" xmlns="" val="1"/>
+              <ma14:wrappingTextBoxFlag xmlns="" xmlns:m="http://schemas.openxmlformats.org/officeDocument/2006/math" xmlns:a14="http://schemas.microsoft.com/office/drawing/2010/main" xmlns:ma14="http://schemas.microsoft.com/office/mac/drawingml/2011/main" val="1"/>
             </a:ext>
           </a:extLst>
         </p:spPr>
@@ -18035,7 +18040,7 @@
           </a:ln>
           <a:extLst>
             <a:ext uri="{C572A759-6A51-4108-AA02-DFA0A04FC94B}">
-              <ma14:wrappingTextBoxFlag xmlns:ma14="http://schemas.microsoft.com/office/mac/drawingml/2011/main" xmlns:a14="http://schemas.microsoft.com/office/drawing/2010/main" xmlns:m="http://schemas.openxmlformats.org/officeDocument/2006/math" xmlns="" val="1"/>
+              <ma14:wrappingTextBoxFlag xmlns="" xmlns:m="http://schemas.openxmlformats.org/officeDocument/2006/math" xmlns:a14="http://schemas.microsoft.com/office/drawing/2010/main" xmlns:ma14="http://schemas.microsoft.com/office/mac/drawingml/2011/main" val="1"/>
             </a:ext>
           </a:extLst>
         </p:spPr>
@@ -18150,7 +18155,7 @@
           </a:ln>
           <a:extLst>
             <a:ext uri="{C572A759-6A51-4108-AA02-DFA0A04FC94B}">
-              <ma14:wrappingTextBoxFlag xmlns:ma14="http://schemas.microsoft.com/office/mac/drawingml/2011/main" xmlns:a14="http://schemas.microsoft.com/office/drawing/2010/main" xmlns:m="http://schemas.openxmlformats.org/officeDocument/2006/math" xmlns="" val="1"/>
+              <ma14:wrappingTextBoxFlag xmlns="" xmlns:m="http://schemas.openxmlformats.org/officeDocument/2006/math" xmlns:a14="http://schemas.microsoft.com/office/drawing/2010/main" xmlns:ma14="http://schemas.microsoft.com/office/mac/drawingml/2011/main" val="1"/>
             </a:ext>
           </a:extLst>
         </p:spPr>
@@ -18189,7 +18194,7 @@
           </a:ln>
           <a:extLst>
             <a:ext uri="{C572A759-6A51-4108-AA02-DFA0A04FC94B}">
-              <ma14:wrappingTextBoxFlag xmlns:ma14="http://schemas.microsoft.com/office/mac/drawingml/2011/main" xmlns:a14="http://schemas.microsoft.com/office/drawing/2010/main" xmlns:m="http://schemas.openxmlformats.org/officeDocument/2006/math" xmlns="" val="1"/>
+              <ma14:wrappingTextBoxFlag xmlns="" xmlns:m="http://schemas.openxmlformats.org/officeDocument/2006/math" xmlns:a14="http://schemas.microsoft.com/office/drawing/2010/main" xmlns:ma14="http://schemas.microsoft.com/office/mac/drawingml/2011/main" val="1"/>
             </a:ext>
           </a:extLst>
         </p:spPr>
@@ -18228,7 +18233,7 @@
           </a:ln>
           <a:extLst>
             <a:ext uri="{C572A759-6A51-4108-AA02-DFA0A04FC94B}">
-              <ma14:wrappingTextBoxFlag xmlns:ma14="http://schemas.microsoft.com/office/mac/drawingml/2011/main" xmlns:a14="http://schemas.microsoft.com/office/drawing/2010/main" xmlns:m="http://schemas.openxmlformats.org/officeDocument/2006/math" xmlns="" val="1"/>
+              <ma14:wrappingTextBoxFlag xmlns="" xmlns:m="http://schemas.openxmlformats.org/officeDocument/2006/math" xmlns:a14="http://schemas.microsoft.com/office/drawing/2010/main" xmlns:ma14="http://schemas.microsoft.com/office/mac/drawingml/2011/main" val="1"/>
             </a:ext>
           </a:extLst>
         </p:spPr>
@@ -18358,7 +18363,7 @@
           </a:ln>
           <a:extLst>
             <a:ext uri="{C572A759-6A51-4108-AA02-DFA0A04FC94B}">
-              <ma14:wrappingTextBoxFlag xmlns:ma14="http://schemas.microsoft.com/office/mac/drawingml/2011/main" xmlns:a14="http://schemas.microsoft.com/office/drawing/2010/main" xmlns:m="http://schemas.openxmlformats.org/officeDocument/2006/math" xmlns="" val="1"/>
+              <ma14:wrappingTextBoxFlag xmlns="" xmlns:m="http://schemas.openxmlformats.org/officeDocument/2006/math" xmlns:a14="http://schemas.microsoft.com/office/drawing/2010/main" xmlns:ma14="http://schemas.microsoft.com/office/mac/drawingml/2011/main" val="1"/>
             </a:ext>
           </a:extLst>
         </p:spPr>
@@ -18646,7 +18651,7 @@
           </a:ln>
           <a:extLst>
             <a:ext uri="{C572A759-6A51-4108-AA02-DFA0A04FC94B}">
-              <ma14:wrappingTextBoxFlag xmlns:ma14="http://schemas.microsoft.com/office/mac/drawingml/2011/main" xmlns:a14="http://schemas.microsoft.com/office/drawing/2010/main" xmlns:m="http://schemas.openxmlformats.org/officeDocument/2006/math" xmlns="" val="1"/>
+              <ma14:wrappingTextBoxFlag xmlns="" xmlns:m="http://schemas.openxmlformats.org/officeDocument/2006/math" xmlns:a14="http://schemas.microsoft.com/office/drawing/2010/main" xmlns:ma14="http://schemas.microsoft.com/office/mac/drawingml/2011/main" val="1"/>
             </a:ext>
           </a:extLst>
         </p:spPr>
@@ -18697,7 +18702,7 @@
           </a:ln>
           <a:extLst>
             <a:ext uri="{C572A759-6A51-4108-AA02-DFA0A04FC94B}">
-              <ma14:wrappingTextBoxFlag xmlns:ma14="http://schemas.microsoft.com/office/mac/drawingml/2011/main" xmlns:a14="http://schemas.microsoft.com/office/drawing/2010/main" xmlns:m="http://schemas.openxmlformats.org/officeDocument/2006/math" xmlns="" val="1"/>
+              <ma14:wrappingTextBoxFlag xmlns="" xmlns:m="http://schemas.openxmlformats.org/officeDocument/2006/math" xmlns:a14="http://schemas.microsoft.com/office/drawing/2010/main" xmlns:ma14="http://schemas.microsoft.com/office/mac/drawingml/2011/main" val="1"/>
             </a:ext>
           </a:extLst>
         </p:spPr>
@@ -18795,7 +18800,7 @@
           </a:ln>
           <a:extLst>
             <a:ext uri="{C572A759-6A51-4108-AA02-DFA0A04FC94B}">
-              <ma14:wrappingTextBoxFlag xmlns:ma14="http://schemas.microsoft.com/office/mac/drawingml/2011/main" xmlns:a14="http://schemas.microsoft.com/office/drawing/2010/main" xmlns:m="http://schemas.openxmlformats.org/officeDocument/2006/math" xmlns="" val="1"/>
+              <ma14:wrappingTextBoxFlag xmlns="" xmlns:m="http://schemas.openxmlformats.org/officeDocument/2006/math" xmlns:a14="http://schemas.microsoft.com/office/drawing/2010/main" xmlns:ma14="http://schemas.microsoft.com/office/mac/drawingml/2011/main" val="1"/>
             </a:ext>
           </a:extLst>
         </p:spPr>
@@ -18832,7 +18837,7 @@
           </a:ln>
           <a:extLst>
             <a:ext uri="{C572A759-6A51-4108-AA02-DFA0A04FC94B}">
-              <ma14:wrappingTextBoxFlag xmlns:ma14="http://schemas.microsoft.com/office/mac/drawingml/2011/main" xmlns:a14="http://schemas.microsoft.com/office/drawing/2010/main" xmlns:m="http://schemas.openxmlformats.org/officeDocument/2006/math" xmlns="" val="1"/>
+              <ma14:wrappingTextBoxFlag xmlns="" xmlns:m="http://schemas.openxmlformats.org/officeDocument/2006/math" xmlns:a14="http://schemas.microsoft.com/office/drawing/2010/main" xmlns:ma14="http://schemas.microsoft.com/office/mac/drawingml/2011/main" val="1"/>
             </a:ext>
           </a:extLst>
         </p:spPr>
@@ -19109,7 +19114,7 @@
           </a:ln>
           <a:extLst>
             <a:ext uri="{C572A759-6A51-4108-AA02-DFA0A04FC94B}">
-              <ma14:wrappingTextBoxFlag xmlns:ma14="http://schemas.microsoft.com/office/mac/drawingml/2011/main" xmlns:a14="http://schemas.microsoft.com/office/drawing/2010/main" xmlns:m="http://schemas.openxmlformats.org/officeDocument/2006/math" xmlns="" val="1"/>
+              <ma14:wrappingTextBoxFlag xmlns="" xmlns:m="http://schemas.openxmlformats.org/officeDocument/2006/math" xmlns:a14="http://schemas.microsoft.com/office/drawing/2010/main" xmlns:ma14="http://schemas.microsoft.com/office/mac/drawingml/2011/main" val="1"/>
             </a:ext>
           </a:extLst>
         </p:spPr>
@@ -19160,7 +19165,7 @@
           </a:ln>
           <a:extLst>
             <a:ext uri="{C572A759-6A51-4108-AA02-DFA0A04FC94B}">
-              <ma14:wrappingTextBoxFlag xmlns:ma14="http://schemas.microsoft.com/office/mac/drawingml/2011/main" xmlns:a14="http://schemas.microsoft.com/office/drawing/2010/main" xmlns:m="http://schemas.openxmlformats.org/officeDocument/2006/math" xmlns="" val="1"/>
+              <ma14:wrappingTextBoxFlag xmlns="" xmlns:m="http://schemas.openxmlformats.org/officeDocument/2006/math" xmlns:a14="http://schemas.microsoft.com/office/drawing/2010/main" xmlns:ma14="http://schemas.microsoft.com/office/mac/drawingml/2011/main" val="1"/>
             </a:ext>
           </a:extLst>
         </p:spPr>
@@ -19260,7 +19265,7 @@
           </a:ln>
           <a:extLst>
             <a:ext uri="{C572A759-6A51-4108-AA02-DFA0A04FC94B}">
-              <ma14:wrappingTextBoxFlag xmlns:ma14="http://schemas.microsoft.com/office/mac/drawingml/2011/main" xmlns:a14="http://schemas.microsoft.com/office/drawing/2010/main" xmlns:m="http://schemas.openxmlformats.org/officeDocument/2006/math" xmlns="" val="1"/>
+              <ma14:wrappingTextBoxFlag xmlns="" xmlns:m="http://schemas.openxmlformats.org/officeDocument/2006/math" xmlns:a14="http://schemas.microsoft.com/office/drawing/2010/main" xmlns:ma14="http://schemas.microsoft.com/office/mac/drawingml/2011/main" val="1"/>
             </a:ext>
           </a:extLst>
         </p:spPr>
@@ -19297,7 +19302,7 @@
           </a:ln>
           <a:extLst>
             <a:ext uri="{C572A759-6A51-4108-AA02-DFA0A04FC94B}">
-              <ma14:wrappingTextBoxFlag xmlns:ma14="http://schemas.microsoft.com/office/mac/drawingml/2011/main" xmlns:a14="http://schemas.microsoft.com/office/drawing/2010/main" xmlns:m="http://schemas.openxmlformats.org/officeDocument/2006/math" xmlns="" val="1"/>
+              <ma14:wrappingTextBoxFlag xmlns="" xmlns:m="http://schemas.openxmlformats.org/officeDocument/2006/math" xmlns:a14="http://schemas.microsoft.com/office/drawing/2010/main" xmlns:ma14="http://schemas.microsoft.com/office/mac/drawingml/2011/main" val="1"/>
             </a:ext>
           </a:extLst>
         </p:spPr>
@@ -19821,7 +19826,7 @@
           </a:ln>
           <a:extLst>
             <a:ext uri="{C572A759-6A51-4108-AA02-DFA0A04FC94B}">
-              <ma14:wrappingTextBoxFlag xmlns:ma14="http://schemas.microsoft.com/office/mac/drawingml/2011/main" xmlns:a14="http://schemas.microsoft.com/office/drawing/2010/main" xmlns:m="http://schemas.openxmlformats.org/officeDocument/2006/math" xmlns="" val="1"/>
+              <ma14:wrappingTextBoxFlag xmlns="" xmlns:m="http://schemas.openxmlformats.org/officeDocument/2006/math" xmlns:a14="http://schemas.microsoft.com/office/drawing/2010/main" xmlns:ma14="http://schemas.microsoft.com/office/mac/drawingml/2011/main" val="1"/>
             </a:ext>
           </a:extLst>
         </p:spPr>
@@ -19873,7 +19878,7 @@
           </a:ln>
           <a:extLst>
             <a:ext uri="{C572A759-6A51-4108-AA02-DFA0A04FC94B}">
-              <ma14:wrappingTextBoxFlag xmlns:ma14="http://schemas.microsoft.com/office/mac/drawingml/2011/main" xmlns:a14="http://schemas.microsoft.com/office/drawing/2010/main" xmlns:m="http://schemas.openxmlformats.org/officeDocument/2006/math" xmlns="" val="1"/>
+              <ma14:wrappingTextBoxFlag xmlns="" xmlns:m="http://schemas.openxmlformats.org/officeDocument/2006/math" xmlns:a14="http://schemas.microsoft.com/office/drawing/2010/main" xmlns:ma14="http://schemas.microsoft.com/office/mac/drawingml/2011/main" val="1"/>
             </a:ext>
           </a:extLst>
         </p:spPr>
@@ -19917,7 +19922,7 @@
           </a:ln>
           <a:extLst>
             <a:ext uri="{C572A759-6A51-4108-AA02-DFA0A04FC94B}">
-              <ma14:wrappingTextBoxFlag xmlns:ma14="http://schemas.microsoft.com/office/mac/drawingml/2011/main" xmlns:a14="http://schemas.microsoft.com/office/drawing/2010/main" xmlns:m="http://schemas.openxmlformats.org/officeDocument/2006/math" xmlns="" val="1"/>
+              <ma14:wrappingTextBoxFlag xmlns="" xmlns:m="http://schemas.openxmlformats.org/officeDocument/2006/math" xmlns:a14="http://schemas.microsoft.com/office/drawing/2010/main" xmlns:ma14="http://schemas.microsoft.com/office/mac/drawingml/2011/main" val="1"/>
             </a:ext>
           </a:extLst>
         </p:spPr>
@@ -19960,7 +19965,7 @@
           </a:ln>
           <a:extLst>
             <a:ext uri="{C572A759-6A51-4108-AA02-DFA0A04FC94B}">
-              <ma14:wrappingTextBoxFlag xmlns:ma14="http://schemas.microsoft.com/office/mac/drawingml/2011/main" xmlns:a14="http://schemas.microsoft.com/office/drawing/2010/main" xmlns:m="http://schemas.openxmlformats.org/officeDocument/2006/math" xmlns="" val="1"/>
+              <ma14:wrappingTextBoxFlag xmlns="" xmlns:m="http://schemas.openxmlformats.org/officeDocument/2006/math" xmlns:a14="http://schemas.microsoft.com/office/drawing/2010/main" xmlns:ma14="http://schemas.microsoft.com/office/mac/drawingml/2011/main" val="1"/>
             </a:ext>
           </a:extLst>
         </p:spPr>
@@ -19997,7 +20002,7 @@
           </a:ln>
           <a:extLst>
             <a:ext uri="{C572A759-6A51-4108-AA02-DFA0A04FC94B}">
-              <ma14:wrappingTextBoxFlag xmlns:ma14="http://schemas.microsoft.com/office/mac/drawingml/2011/main" xmlns:a14="http://schemas.microsoft.com/office/drawing/2010/main" xmlns:m="http://schemas.openxmlformats.org/officeDocument/2006/math" xmlns="" val="1"/>
+              <ma14:wrappingTextBoxFlag xmlns="" xmlns:m="http://schemas.openxmlformats.org/officeDocument/2006/math" xmlns:a14="http://schemas.microsoft.com/office/drawing/2010/main" xmlns:ma14="http://schemas.microsoft.com/office/mac/drawingml/2011/main" val="1"/>
             </a:ext>
           </a:extLst>
         </p:spPr>
@@ -20234,7 +20239,7 @@
           </a:ln>
           <a:extLst>
             <a:ext uri="{C572A759-6A51-4108-AA02-DFA0A04FC94B}">
-              <ma14:wrappingTextBoxFlag xmlns:ma14="http://schemas.microsoft.com/office/mac/drawingml/2011/main" xmlns:a14="http://schemas.microsoft.com/office/drawing/2010/main" xmlns:m="http://schemas.openxmlformats.org/officeDocument/2006/math" xmlns="" val="1"/>
+              <ma14:wrappingTextBoxFlag xmlns="" xmlns:m="http://schemas.openxmlformats.org/officeDocument/2006/math" xmlns:a14="http://schemas.microsoft.com/office/drawing/2010/main" xmlns:ma14="http://schemas.microsoft.com/office/mac/drawingml/2011/main" val="1"/>
             </a:ext>
           </a:extLst>
         </p:spPr>
@@ -20286,7 +20291,7 @@
           </a:ln>
           <a:extLst>
             <a:ext uri="{C572A759-6A51-4108-AA02-DFA0A04FC94B}">
-              <ma14:wrappingTextBoxFlag xmlns:ma14="http://schemas.microsoft.com/office/mac/drawingml/2011/main" xmlns:a14="http://schemas.microsoft.com/office/drawing/2010/main" xmlns:m="http://schemas.openxmlformats.org/officeDocument/2006/math" xmlns="" val="1"/>
+              <ma14:wrappingTextBoxFlag xmlns="" xmlns:m="http://schemas.openxmlformats.org/officeDocument/2006/math" xmlns:a14="http://schemas.microsoft.com/office/drawing/2010/main" xmlns:ma14="http://schemas.microsoft.com/office/mac/drawingml/2011/main" val="1"/>
             </a:ext>
           </a:extLst>
         </p:spPr>
@@ -20357,7 +20362,7 @@
           </a:ln>
           <a:extLst>
             <a:ext uri="{C572A759-6A51-4108-AA02-DFA0A04FC94B}">
-              <ma14:wrappingTextBoxFlag xmlns:ma14="http://schemas.microsoft.com/office/mac/drawingml/2011/main" xmlns:a14="http://schemas.microsoft.com/office/drawing/2010/main" xmlns:m="http://schemas.openxmlformats.org/officeDocument/2006/math" xmlns="" val="1"/>
+              <ma14:wrappingTextBoxFlag xmlns="" xmlns:m="http://schemas.openxmlformats.org/officeDocument/2006/math" xmlns:a14="http://schemas.microsoft.com/office/drawing/2010/main" xmlns:ma14="http://schemas.microsoft.com/office/mac/drawingml/2011/main" val="1"/>
             </a:ext>
           </a:extLst>
         </p:spPr>
@@ -20400,7 +20405,7 @@
           </a:ln>
           <a:extLst>
             <a:ext uri="{C572A759-6A51-4108-AA02-DFA0A04FC94B}">
-              <ma14:wrappingTextBoxFlag xmlns:ma14="http://schemas.microsoft.com/office/mac/drawingml/2011/main" xmlns:a14="http://schemas.microsoft.com/office/drawing/2010/main" xmlns:m="http://schemas.openxmlformats.org/officeDocument/2006/math" xmlns="" val="1"/>
+              <ma14:wrappingTextBoxFlag xmlns="" xmlns:m="http://schemas.openxmlformats.org/officeDocument/2006/math" xmlns:a14="http://schemas.microsoft.com/office/drawing/2010/main" xmlns:ma14="http://schemas.microsoft.com/office/mac/drawingml/2011/main" val="1"/>
             </a:ext>
           </a:extLst>
         </p:spPr>
@@ -20437,7 +20442,7 @@
           </a:ln>
           <a:extLst>
             <a:ext uri="{C572A759-6A51-4108-AA02-DFA0A04FC94B}">
-              <ma14:wrappingTextBoxFlag xmlns:ma14="http://schemas.microsoft.com/office/mac/drawingml/2011/main" xmlns:a14="http://schemas.microsoft.com/office/drawing/2010/main" xmlns:m="http://schemas.openxmlformats.org/officeDocument/2006/math" xmlns="" val="1"/>
+              <ma14:wrappingTextBoxFlag xmlns="" xmlns:m="http://schemas.openxmlformats.org/officeDocument/2006/math" xmlns:a14="http://schemas.microsoft.com/office/drawing/2010/main" xmlns:ma14="http://schemas.microsoft.com/office/mac/drawingml/2011/main" val="1"/>
             </a:ext>
           </a:extLst>
         </p:spPr>
@@ -20516,7 +20521,7 @@
           </a:ln>
           <a:extLst>
             <a:ext uri="{C572A759-6A51-4108-AA02-DFA0A04FC94B}">
-              <ma14:wrappingTextBoxFlag xmlns:ma14="http://schemas.microsoft.com/office/mac/drawingml/2011/main" xmlns:a14="http://schemas.microsoft.com/office/drawing/2010/main" xmlns:m="http://schemas.openxmlformats.org/officeDocument/2006/math" xmlns="" val="1"/>
+              <ma14:wrappingTextBoxFlag xmlns="" xmlns:m="http://schemas.openxmlformats.org/officeDocument/2006/math" xmlns:a14="http://schemas.microsoft.com/office/drawing/2010/main" xmlns:ma14="http://schemas.microsoft.com/office/mac/drawingml/2011/main" val="1"/>
             </a:ext>
           </a:extLst>
         </p:spPr>
@@ -20762,7 +20767,7 @@
           </a:ln>
           <a:extLst>
             <a:ext uri="{C572A759-6A51-4108-AA02-DFA0A04FC94B}">
-              <ma14:wrappingTextBoxFlag xmlns:ma14="http://schemas.microsoft.com/office/mac/drawingml/2011/main" xmlns:a14="http://schemas.microsoft.com/office/drawing/2010/main" xmlns:m="http://schemas.openxmlformats.org/officeDocument/2006/math" xmlns="" val="1"/>
+              <ma14:wrappingTextBoxFlag xmlns="" xmlns:m="http://schemas.openxmlformats.org/officeDocument/2006/math" xmlns:a14="http://schemas.microsoft.com/office/drawing/2010/main" xmlns:ma14="http://schemas.microsoft.com/office/mac/drawingml/2011/main" val="1"/>
             </a:ext>
           </a:extLst>
         </p:spPr>
@@ -20814,7 +20819,7 @@
           </a:ln>
           <a:extLst>
             <a:ext uri="{C572A759-6A51-4108-AA02-DFA0A04FC94B}">
-              <ma14:wrappingTextBoxFlag xmlns:ma14="http://schemas.microsoft.com/office/mac/drawingml/2011/main" xmlns:a14="http://schemas.microsoft.com/office/drawing/2010/main" xmlns:m="http://schemas.openxmlformats.org/officeDocument/2006/math" xmlns="" val="1"/>
+              <ma14:wrappingTextBoxFlag xmlns="" xmlns:m="http://schemas.openxmlformats.org/officeDocument/2006/math" xmlns:a14="http://schemas.microsoft.com/office/drawing/2010/main" xmlns:ma14="http://schemas.microsoft.com/office/mac/drawingml/2011/main" val="1"/>
             </a:ext>
           </a:extLst>
         </p:spPr>
@@ -20885,7 +20890,7 @@
           </a:ln>
           <a:extLst>
             <a:ext uri="{C572A759-6A51-4108-AA02-DFA0A04FC94B}">
-              <ma14:wrappingTextBoxFlag xmlns:ma14="http://schemas.microsoft.com/office/mac/drawingml/2011/main" xmlns:a14="http://schemas.microsoft.com/office/drawing/2010/main" xmlns:m="http://schemas.openxmlformats.org/officeDocument/2006/math" xmlns="" val="1"/>
+              <ma14:wrappingTextBoxFlag xmlns="" xmlns:m="http://schemas.openxmlformats.org/officeDocument/2006/math" xmlns:a14="http://schemas.microsoft.com/office/drawing/2010/main" xmlns:ma14="http://schemas.microsoft.com/office/mac/drawingml/2011/main" val="1"/>
             </a:ext>
           </a:extLst>
         </p:spPr>
@@ -20928,7 +20933,7 @@
           </a:ln>
           <a:extLst>
             <a:ext uri="{C572A759-6A51-4108-AA02-DFA0A04FC94B}">
-              <ma14:wrappingTextBoxFlag xmlns:ma14="http://schemas.microsoft.com/office/mac/drawingml/2011/main" xmlns:a14="http://schemas.microsoft.com/office/drawing/2010/main" xmlns:m="http://schemas.openxmlformats.org/officeDocument/2006/math" xmlns="" val="1"/>
+              <ma14:wrappingTextBoxFlag xmlns="" xmlns:m="http://schemas.openxmlformats.org/officeDocument/2006/math" xmlns:a14="http://schemas.microsoft.com/office/drawing/2010/main" xmlns:ma14="http://schemas.microsoft.com/office/mac/drawingml/2011/main" val="1"/>
             </a:ext>
           </a:extLst>
         </p:spPr>
@@ -20965,7 +20970,7 @@
           </a:ln>
           <a:extLst>
             <a:ext uri="{C572A759-6A51-4108-AA02-DFA0A04FC94B}">
-              <ma14:wrappingTextBoxFlag xmlns:ma14="http://schemas.microsoft.com/office/mac/drawingml/2011/main" xmlns:a14="http://schemas.microsoft.com/office/drawing/2010/main" xmlns:m="http://schemas.openxmlformats.org/officeDocument/2006/math" xmlns="" val="1"/>
+              <ma14:wrappingTextBoxFlag xmlns="" xmlns:m="http://schemas.openxmlformats.org/officeDocument/2006/math" xmlns:a14="http://schemas.microsoft.com/office/drawing/2010/main" xmlns:ma14="http://schemas.microsoft.com/office/mac/drawingml/2011/main" val="1"/>
             </a:ext>
           </a:extLst>
         </p:spPr>
@@ -21044,7 +21049,7 @@
           </a:ln>
           <a:extLst>
             <a:ext uri="{C572A759-6A51-4108-AA02-DFA0A04FC94B}">
-              <ma14:wrappingTextBoxFlag xmlns:ma14="http://schemas.microsoft.com/office/mac/drawingml/2011/main" xmlns:a14="http://schemas.microsoft.com/office/drawing/2010/main" xmlns:m="http://schemas.openxmlformats.org/officeDocument/2006/math" xmlns="" val="1"/>
+              <ma14:wrappingTextBoxFlag xmlns="" xmlns:m="http://schemas.openxmlformats.org/officeDocument/2006/math" xmlns:a14="http://schemas.microsoft.com/office/drawing/2010/main" xmlns:ma14="http://schemas.microsoft.com/office/mac/drawingml/2011/main" val="1"/>
             </a:ext>
           </a:extLst>
         </p:spPr>
@@ -21090,7 +21095,7 @@
           </a:ln>
           <a:extLst>
             <a:ext uri="{C572A759-6A51-4108-AA02-DFA0A04FC94B}">
-              <ma14:wrappingTextBoxFlag xmlns:ma14="http://schemas.microsoft.com/office/mac/drawingml/2011/main" xmlns:a14="http://schemas.microsoft.com/office/drawing/2010/main" xmlns:m="http://schemas.openxmlformats.org/officeDocument/2006/math" xmlns="" val="1"/>
+              <ma14:wrappingTextBoxFlag xmlns="" xmlns:m="http://schemas.openxmlformats.org/officeDocument/2006/math" xmlns:a14="http://schemas.microsoft.com/office/drawing/2010/main" xmlns:ma14="http://schemas.microsoft.com/office/mac/drawingml/2011/main" val="1"/>
             </a:ext>
           </a:extLst>
         </p:spPr>
@@ -21336,7 +21341,7 @@
           </a:ln>
           <a:extLst>
             <a:ext uri="{C572A759-6A51-4108-AA02-DFA0A04FC94B}">
-              <ma14:wrappingTextBoxFlag xmlns:ma14="http://schemas.microsoft.com/office/mac/drawingml/2011/main" xmlns:a14="http://schemas.microsoft.com/office/drawing/2010/main" xmlns:m="http://schemas.openxmlformats.org/officeDocument/2006/math" xmlns="" val="1"/>
+              <ma14:wrappingTextBoxFlag xmlns="" xmlns:m="http://schemas.openxmlformats.org/officeDocument/2006/math" xmlns:a14="http://schemas.microsoft.com/office/drawing/2010/main" xmlns:ma14="http://schemas.microsoft.com/office/mac/drawingml/2011/main" val="1"/>
             </a:ext>
           </a:extLst>
         </p:spPr>
@@ -21396,7 +21401,7 @@
           </a:ln>
           <a:extLst>
             <a:ext uri="{C572A759-6A51-4108-AA02-DFA0A04FC94B}">
-              <ma14:wrappingTextBoxFlag xmlns:ma14="http://schemas.microsoft.com/office/mac/drawingml/2011/main" xmlns:a14="http://schemas.microsoft.com/office/drawing/2010/main" xmlns:m="http://schemas.openxmlformats.org/officeDocument/2006/math" xmlns="" val="1"/>
+              <ma14:wrappingTextBoxFlag xmlns="" xmlns:m="http://schemas.openxmlformats.org/officeDocument/2006/math" xmlns:a14="http://schemas.microsoft.com/office/drawing/2010/main" xmlns:ma14="http://schemas.microsoft.com/office/mac/drawingml/2011/main" val="1"/>
             </a:ext>
           </a:extLst>
         </p:spPr>
@@ -21468,7 +21473,7 @@
           </a:ln>
           <a:extLst>
             <a:ext uri="{C572A759-6A51-4108-AA02-DFA0A04FC94B}">
-              <ma14:wrappingTextBoxFlag xmlns:ma14="http://schemas.microsoft.com/office/mac/drawingml/2011/main" xmlns:a14="http://schemas.microsoft.com/office/drawing/2010/main" xmlns:m="http://schemas.openxmlformats.org/officeDocument/2006/math" xmlns="" val="1"/>
+              <ma14:wrappingTextBoxFlag xmlns="" xmlns:m="http://schemas.openxmlformats.org/officeDocument/2006/math" xmlns:a14="http://schemas.microsoft.com/office/drawing/2010/main" xmlns:ma14="http://schemas.microsoft.com/office/mac/drawingml/2011/main" val="1"/>
             </a:ext>
           </a:extLst>
         </p:spPr>
@@ -21511,7 +21516,7 @@
           </a:ln>
           <a:extLst>
             <a:ext uri="{C572A759-6A51-4108-AA02-DFA0A04FC94B}">
-              <ma14:wrappingTextBoxFlag xmlns:ma14="http://schemas.microsoft.com/office/mac/drawingml/2011/main" xmlns:a14="http://schemas.microsoft.com/office/drawing/2010/main" xmlns:m="http://schemas.openxmlformats.org/officeDocument/2006/math" xmlns="" val="1"/>
+              <ma14:wrappingTextBoxFlag xmlns="" xmlns:m="http://schemas.openxmlformats.org/officeDocument/2006/math" xmlns:a14="http://schemas.microsoft.com/office/drawing/2010/main" xmlns:ma14="http://schemas.microsoft.com/office/mac/drawingml/2011/main" val="1"/>
             </a:ext>
           </a:extLst>
         </p:spPr>
@@ -21548,7 +21553,7 @@
           </a:ln>
           <a:extLst>
             <a:ext uri="{C572A759-6A51-4108-AA02-DFA0A04FC94B}">
-              <ma14:wrappingTextBoxFlag xmlns:ma14="http://schemas.microsoft.com/office/mac/drawingml/2011/main" xmlns:a14="http://schemas.microsoft.com/office/drawing/2010/main" xmlns:m="http://schemas.openxmlformats.org/officeDocument/2006/math" xmlns="" val="1"/>
+              <ma14:wrappingTextBoxFlag xmlns="" xmlns:m="http://schemas.openxmlformats.org/officeDocument/2006/math" xmlns:a14="http://schemas.microsoft.com/office/drawing/2010/main" xmlns:ma14="http://schemas.microsoft.com/office/mac/drawingml/2011/main" val="1"/>
             </a:ext>
           </a:extLst>
         </p:spPr>
@@ -21585,7 +21590,7 @@
           </a:ln>
           <a:extLst>
             <a:ext uri="{C572A759-6A51-4108-AA02-DFA0A04FC94B}">
-              <ma14:wrappingTextBoxFlag xmlns:ma14="http://schemas.microsoft.com/office/mac/drawingml/2011/main" xmlns:a14="http://schemas.microsoft.com/office/drawing/2010/main" xmlns:m="http://schemas.openxmlformats.org/officeDocument/2006/math" xmlns="" val="1"/>
+              <ma14:wrappingTextBoxFlag xmlns="" xmlns:m="http://schemas.openxmlformats.org/officeDocument/2006/math" xmlns:a14="http://schemas.microsoft.com/office/drawing/2010/main" xmlns:ma14="http://schemas.microsoft.com/office/mac/drawingml/2011/main" val="1"/>
             </a:ext>
           </a:extLst>
         </p:spPr>
@@ -21641,7 +21646,7 @@
           </a:ln>
           <a:extLst>
             <a:ext uri="{C572A759-6A51-4108-AA02-DFA0A04FC94B}">
-              <ma14:wrappingTextBoxFlag xmlns:ma14="http://schemas.microsoft.com/office/mac/drawingml/2011/main" xmlns:a14="http://schemas.microsoft.com/office/drawing/2010/main" xmlns:m="http://schemas.openxmlformats.org/officeDocument/2006/math" xmlns="" val="1"/>
+              <ma14:wrappingTextBoxFlag xmlns="" xmlns:m="http://schemas.openxmlformats.org/officeDocument/2006/math" xmlns:a14="http://schemas.microsoft.com/office/drawing/2010/main" xmlns:ma14="http://schemas.microsoft.com/office/mac/drawingml/2011/main" val="1"/>
             </a:ext>
           </a:extLst>
         </p:spPr>
@@ -21907,7 +21912,7 @@
           </a:ln>
           <a:extLst>
             <a:ext uri="{C572A759-6A51-4108-AA02-DFA0A04FC94B}">
-              <ma14:wrappingTextBoxFlag xmlns:ma14="http://schemas.microsoft.com/office/mac/drawingml/2011/main" xmlns:a14="http://schemas.microsoft.com/office/drawing/2010/main" xmlns:m="http://schemas.openxmlformats.org/officeDocument/2006/math" xmlns="" val="1"/>
+              <ma14:wrappingTextBoxFlag xmlns="" xmlns:m="http://schemas.openxmlformats.org/officeDocument/2006/math" xmlns:a14="http://schemas.microsoft.com/office/drawing/2010/main" xmlns:ma14="http://schemas.microsoft.com/office/mac/drawingml/2011/main" val="1"/>
             </a:ext>
           </a:extLst>
         </p:spPr>
@@ -21967,7 +21972,7 @@
           </a:ln>
           <a:extLst>
             <a:ext uri="{C572A759-6A51-4108-AA02-DFA0A04FC94B}">
-              <ma14:wrappingTextBoxFlag xmlns:ma14="http://schemas.microsoft.com/office/mac/drawingml/2011/main" xmlns:a14="http://schemas.microsoft.com/office/drawing/2010/main" xmlns:m="http://schemas.openxmlformats.org/officeDocument/2006/math" xmlns="" val="1"/>
+              <ma14:wrappingTextBoxFlag xmlns="" xmlns:m="http://schemas.openxmlformats.org/officeDocument/2006/math" xmlns:a14="http://schemas.microsoft.com/office/drawing/2010/main" xmlns:ma14="http://schemas.microsoft.com/office/mac/drawingml/2011/main" val="1"/>
             </a:ext>
           </a:extLst>
         </p:spPr>
@@ -22039,7 +22044,7 @@
           </a:ln>
           <a:extLst>
             <a:ext uri="{C572A759-6A51-4108-AA02-DFA0A04FC94B}">
-              <ma14:wrappingTextBoxFlag xmlns:ma14="http://schemas.microsoft.com/office/mac/drawingml/2011/main" xmlns:a14="http://schemas.microsoft.com/office/drawing/2010/main" xmlns:m="http://schemas.openxmlformats.org/officeDocument/2006/math" xmlns="" val="1"/>
+              <ma14:wrappingTextBoxFlag xmlns="" xmlns:m="http://schemas.openxmlformats.org/officeDocument/2006/math" xmlns:a14="http://schemas.microsoft.com/office/drawing/2010/main" xmlns:ma14="http://schemas.microsoft.com/office/mac/drawingml/2011/main" val="1"/>
             </a:ext>
           </a:extLst>
         </p:spPr>
@@ -22082,7 +22087,7 @@
           </a:ln>
           <a:extLst>
             <a:ext uri="{C572A759-6A51-4108-AA02-DFA0A04FC94B}">
-              <ma14:wrappingTextBoxFlag xmlns:ma14="http://schemas.microsoft.com/office/mac/drawingml/2011/main" xmlns:a14="http://schemas.microsoft.com/office/drawing/2010/main" xmlns:m="http://schemas.openxmlformats.org/officeDocument/2006/math" xmlns="" val="1"/>
+              <ma14:wrappingTextBoxFlag xmlns="" xmlns:m="http://schemas.openxmlformats.org/officeDocument/2006/math" xmlns:a14="http://schemas.microsoft.com/office/drawing/2010/main" xmlns:ma14="http://schemas.microsoft.com/office/mac/drawingml/2011/main" val="1"/>
             </a:ext>
           </a:extLst>
         </p:spPr>
@@ -22119,7 +22124,7 @@
           </a:ln>
           <a:extLst>
             <a:ext uri="{C572A759-6A51-4108-AA02-DFA0A04FC94B}">
-              <ma14:wrappingTextBoxFlag xmlns:ma14="http://schemas.microsoft.com/office/mac/drawingml/2011/main" xmlns:a14="http://schemas.microsoft.com/office/drawing/2010/main" xmlns:m="http://schemas.openxmlformats.org/officeDocument/2006/math" xmlns="" val="1"/>
+              <ma14:wrappingTextBoxFlag xmlns="" xmlns:m="http://schemas.openxmlformats.org/officeDocument/2006/math" xmlns:a14="http://schemas.microsoft.com/office/drawing/2010/main" xmlns:ma14="http://schemas.microsoft.com/office/mac/drawingml/2011/main" val="1"/>
             </a:ext>
           </a:extLst>
         </p:spPr>
@@ -22156,7 +22161,7 @@
           </a:ln>
           <a:extLst>
             <a:ext uri="{C572A759-6A51-4108-AA02-DFA0A04FC94B}">
-              <ma14:wrappingTextBoxFlag xmlns:ma14="http://schemas.microsoft.com/office/mac/drawingml/2011/main" xmlns:a14="http://schemas.microsoft.com/office/drawing/2010/main" xmlns:m="http://schemas.openxmlformats.org/officeDocument/2006/math" xmlns="" val="1"/>
+              <ma14:wrappingTextBoxFlag xmlns="" xmlns:m="http://schemas.openxmlformats.org/officeDocument/2006/math" xmlns:a14="http://schemas.microsoft.com/office/drawing/2010/main" xmlns:ma14="http://schemas.microsoft.com/office/mac/drawingml/2011/main" val="1"/>
             </a:ext>
           </a:extLst>
         </p:spPr>
@@ -22212,7 +22217,7 @@
           </a:ln>
           <a:extLst>
             <a:ext uri="{C572A759-6A51-4108-AA02-DFA0A04FC94B}">
-              <ma14:wrappingTextBoxFlag xmlns:ma14="http://schemas.microsoft.com/office/mac/drawingml/2011/main" xmlns:a14="http://schemas.microsoft.com/office/drawing/2010/main" xmlns:m="http://schemas.openxmlformats.org/officeDocument/2006/math" xmlns="" val="1"/>
+              <ma14:wrappingTextBoxFlag xmlns="" xmlns:m="http://schemas.openxmlformats.org/officeDocument/2006/math" xmlns:a14="http://schemas.microsoft.com/office/drawing/2010/main" xmlns:ma14="http://schemas.microsoft.com/office/mac/drawingml/2011/main" val="1"/>
             </a:ext>
           </a:extLst>
         </p:spPr>
@@ -22278,7 +22283,7 @@
           </a:ln>
           <a:extLst>
             <a:ext uri="{C572A759-6A51-4108-AA02-DFA0A04FC94B}">
-              <ma14:wrappingTextBoxFlag xmlns:ma14="http://schemas.microsoft.com/office/mac/drawingml/2011/main" xmlns:a14="http://schemas.microsoft.com/office/drawing/2010/main" xmlns:m="http://schemas.openxmlformats.org/officeDocument/2006/math" xmlns="" val="1"/>
+              <ma14:wrappingTextBoxFlag xmlns="" xmlns:m="http://schemas.openxmlformats.org/officeDocument/2006/math" xmlns:a14="http://schemas.microsoft.com/office/drawing/2010/main" xmlns:ma14="http://schemas.microsoft.com/office/mac/drawingml/2011/main" val="1"/>
             </a:ext>
           </a:extLst>
         </p:spPr>
@@ -22525,7 +22530,7 @@
           </a:ln>
           <a:extLst>
             <a:ext uri="{C572A759-6A51-4108-AA02-DFA0A04FC94B}">
-              <ma14:wrappingTextBoxFlag xmlns:ma14="http://schemas.microsoft.com/office/mac/drawingml/2011/main" xmlns:a14="http://schemas.microsoft.com/office/drawing/2010/main" xmlns:m="http://schemas.openxmlformats.org/officeDocument/2006/math" xmlns="" val="1"/>
+              <ma14:wrappingTextBoxFlag xmlns="" xmlns:m="http://schemas.openxmlformats.org/officeDocument/2006/math" xmlns:a14="http://schemas.microsoft.com/office/drawing/2010/main" xmlns:ma14="http://schemas.microsoft.com/office/mac/drawingml/2011/main" val="1"/>
             </a:ext>
           </a:extLst>
         </p:spPr>
@@ -22570,7 +22575,7 @@
           </a:ln>
           <a:extLst>
             <a:ext uri="{C572A759-6A51-4108-AA02-DFA0A04FC94B}">
-              <ma14:wrappingTextBoxFlag xmlns:ma14="http://schemas.microsoft.com/office/mac/drawingml/2011/main" xmlns:a14="http://schemas.microsoft.com/office/drawing/2010/main" xmlns:m="http://schemas.openxmlformats.org/officeDocument/2006/math" xmlns="" val="1"/>
+              <ma14:wrappingTextBoxFlag xmlns="" xmlns:m="http://schemas.openxmlformats.org/officeDocument/2006/math" xmlns:a14="http://schemas.microsoft.com/office/drawing/2010/main" xmlns:ma14="http://schemas.microsoft.com/office/mac/drawingml/2011/main" val="1"/>
             </a:ext>
           </a:extLst>
         </p:spPr>
@@ -22642,7 +22647,7 @@
           </a:ln>
           <a:extLst>
             <a:ext uri="{C572A759-6A51-4108-AA02-DFA0A04FC94B}">
-              <ma14:wrappingTextBoxFlag xmlns:ma14="http://schemas.microsoft.com/office/mac/drawingml/2011/main" xmlns:a14="http://schemas.microsoft.com/office/drawing/2010/main" xmlns:m="http://schemas.openxmlformats.org/officeDocument/2006/math" xmlns="" val="1"/>
+              <ma14:wrappingTextBoxFlag xmlns="" xmlns:m="http://schemas.openxmlformats.org/officeDocument/2006/math" xmlns:a14="http://schemas.microsoft.com/office/drawing/2010/main" xmlns:ma14="http://schemas.microsoft.com/office/mac/drawingml/2011/main" val="1"/>
             </a:ext>
           </a:extLst>
         </p:spPr>
@@ -22685,7 +22690,7 @@
           </a:ln>
           <a:extLst>
             <a:ext uri="{C572A759-6A51-4108-AA02-DFA0A04FC94B}">
-              <ma14:wrappingTextBoxFlag xmlns:ma14="http://schemas.microsoft.com/office/mac/drawingml/2011/main" xmlns:a14="http://schemas.microsoft.com/office/drawing/2010/main" xmlns:m="http://schemas.openxmlformats.org/officeDocument/2006/math" xmlns="" val="1"/>
+              <ma14:wrappingTextBoxFlag xmlns="" xmlns:m="http://schemas.openxmlformats.org/officeDocument/2006/math" xmlns:a14="http://schemas.microsoft.com/office/drawing/2010/main" xmlns:ma14="http://schemas.microsoft.com/office/mac/drawingml/2011/main" val="1"/>
             </a:ext>
           </a:extLst>
         </p:spPr>
@@ -22722,7 +22727,7 @@
           </a:ln>
           <a:extLst>
             <a:ext uri="{C572A759-6A51-4108-AA02-DFA0A04FC94B}">
-              <ma14:wrappingTextBoxFlag xmlns:ma14="http://schemas.microsoft.com/office/mac/drawingml/2011/main" xmlns:a14="http://schemas.microsoft.com/office/drawing/2010/main" xmlns:m="http://schemas.openxmlformats.org/officeDocument/2006/math" xmlns="" val="1"/>
+              <ma14:wrappingTextBoxFlag xmlns="" xmlns:m="http://schemas.openxmlformats.org/officeDocument/2006/math" xmlns:a14="http://schemas.microsoft.com/office/drawing/2010/main" xmlns:ma14="http://schemas.microsoft.com/office/mac/drawingml/2011/main" val="1"/>
             </a:ext>
           </a:extLst>
         </p:spPr>
@@ -22759,7 +22764,7 @@
           </a:ln>
           <a:extLst>
             <a:ext uri="{C572A759-6A51-4108-AA02-DFA0A04FC94B}">
-              <ma14:wrappingTextBoxFlag xmlns:ma14="http://schemas.microsoft.com/office/mac/drawingml/2011/main" xmlns:a14="http://schemas.microsoft.com/office/drawing/2010/main" xmlns:m="http://schemas.openxmlformats.org/officeDocument/2006/math" xmlns="" val="1"/>
+              <ma14:wrappingTextBoxFlag xmlns="" xmlns:m="http://schemas.openxmlformats.org/officeDocument/2006/math" xmlns:a14="http://schemas.microsoft.com/office/drawing/2010/main" xmlns:ma14="http://schemas.microsoft.com/office/mac/drawingml/2011/main" val="1"/>
             </a:ext>
           </a:extLst>
         </p:spPr>
@@ -22815,7 +22820,7 @@
           </a:ln>
           <a:extLst>
             <a:ext uri="{C572A759-6A51-4108-AA02-DFA0A04FC94B}">
-              <ma14:wrappingTextBoxFlag xmlns:ma14="http://schemas.microsoft.com/office/mac/drawingml/2011/main" xmlns:a14="http://schemas.microsoft.com/office/drawing/2010/main" xmlns:m="http://schemas.openxmlformats.org/officeDocument/2006/math" xmlns="" val="1"/>
+              <ma14:wrappingTextBoxFlag xmlns="" xmlns:m="http://schemas.openxmlformats.org/officeDocument/2006/math" xmlns:a14="http://schemas.microsoft.com/office/drawing/2010/main" xmlns:ma14="http://schemas.microsoft.com/office/mac/drawingml/2011/main" val="1"/>
             </a:ext>
           </a:extLst>
         </p:spPr>
@@ -23043,7 +23048,7 @@
           </a:ln>
           <a:extLst>
             <a:ext uri="{C572A759-6A51-4108-AA02-DFA0A04FC94B}">
-              <ma14:wrappingTextBoxFlag xmlns:ma14="http://schemas.microsoft.com/office/mac/drawingml/2011/main" xmlns:a14="http://schemas.microsoft.com/office/drawing/2010/main" xmlns:m="http://schemas.openxmlformats.org/officeDocument/2006/math" xmlns="" val="1"/>
+              <ma14:wrappingTextBoxFlag xmlns="" xmlns:m="http://schemas.openxmlformats.org/officeDocument/2006/math" xmlns:a14="http://schemas.microsoft.com/office/drawing/2010/main" xmlns:ma14="http://schemas.microsoft.com/office/mac/drawingml/2011/main" val="1"/>
             </a:ext>
           </a:extLst>
         </p:spPr>
@@ -23135,7 +23140,7 @@
           </a:ln>
           <a:extLst>
             <a:ext uri="{C572A759-6A51-4108-AA02-DFA0A04FC94B}">
-              <ma14:wrappingTextBoxFlag xmlns:ma14="http://schemas.microsoft.com/office/mac/drawingml/2011/main" xmlns:a14="http://schemas.microsoft.com/office/drawing/2010/main" xmlns:m="http://schemas.openxmlformats.org/officeDocument/2006/math" xmlns="" val="1"/>
+              <ma14:wrappingTextBoxFlag xmlns="" xmlns:m="http://schemas.openxmlformats.org/officeDocument/2006/math" xmlns:a14="http://schemas.microsoft.com/office/drawing/2010/main" xmlns:ma14="http://schemas.microsoft.com/office/mac/drawingml/2011/main" val="1"/>
             </a:ext>
           </a:extLst>
         </p:spPr>
@@ -23203,7 +23208,7 @@
           </a:ln>
           <a:extLst>
             <a:ext uri="{C572A759-6A51-4108-AA02-DFA0A04FC94B}">
-              <ma14:wrappingTextBoxFlag xmlns:ma14="http://schemas.microsoft.com/office/mac/drawingml/2011/main" xmlns:a14="http://schemas.microsoft.com/office/drawing/2010/main" xmlns:m="http://schemas.openxmlformats.org/officeDocument/2006/math" xmlns="" val="1"/>
+              <ma14:wrappingTextBoxFlag xmlns="" xmlns:m="http://schemas.openxmlformats.org/officeDocument/2006/math" xmlns:a14="http://schemas.microsoft.com/office/drawing/2010/main" xmlns:ma14="http://schemas.microsoft.com/office/mac/drawingml/2011/main" val="1"/>
             </a:ext>
           </a:extLst>
         </p:spPr>
@@ -23246,7 +23251,7 @@
           </a:ln>
           <a:extLst>
             <a:ext uri="{C572A759-6A51-4108-AA02-DFA0A04FC94B}">
-              <ma14:wrappingTextBoxFlag xmlns:ma14="http://schemas.microsoft.com/office/mac/drawingml/2011/main" xmlns:a14="http://schemas.microsoft.com/office/drawing/2010/main" xmlns:m="http://schemas.openxmlformats.org/officeDocument/2006/math" xmlns="" val="1"/>
+              <ma14:wrappingTextBoxFlag xmlns="" xmlns:m="http://schemas.openxmlformats.org/officeDocument/2006/math" xmlns:a14="http://schemas.microsoft.com/office/drawing/2010/main" xmlns:ma14="http://schemas.microsoft.com/office/mac/drawingml/2011/main" val="1"/>
             </a:ext>
           </a:extLst>
         </p:spPr>
@@ -23283,7 +23288,7 @@
           </a:ln>
           <a:extLst>
             <a:ext uri="{C572A759-6A51-4108-AA02-DFA0A04FC94B}">
-              <ma14:wrappingTextBoxFlag xmlns:ma14="http://schemas.microsoft.com/office/mac/drawingml/2011/main" xmlns:a14="http://schemas.microsoft.com/office/drawing/2010/main" xmlns:m="http://schemas.openxmlformats.org/officeDocument/2006/math" xmlns="" val="1"/>
+              <ma14:wrappingTextBoxFlag xmlns="" xmlns:m="http://schemas.openxmlformats.org/officeDocument/2006/math" xmlns:a14="http://schemas.microsoft.com/office/drawing/2010/main" xmlns:ma14="http://schemas.microsoft.com/office/mac/drawingml/2011/main" val="1"/>
             </a:ext>
           </a:extLst>
         </p:spPr>
@@ -23326,7 +23331,7 @@
           </a:ln>
           <a:extLst>
             <a:ext uri="{C572A759-6A51-4108-AA02-DFA0A04FC94B}">
-              <ma14:wrappingTextBoxFlag xmlns:ma14="http://schemas.microsoft.com/office/mac/drawingml/2011/main" xmlns:a14="http://schemas.microsoft.com/office/drawing/2010/main" xmlns:m="http://schemas.openxmlformats.org/officeDocument/2006/math" xmlns="" val="1"/>
+              <ma14:wrappingTextBoxFlag xmlns="" xmlns:m="http://schemas.openxmlformats.org/officeDocument/2006/math" xmlns:a14="http://schemas.microsoft.com/office/drawing/2010/main" xmlns:ma14="http://schemas.microsoft.com/office/mac/drawingml/2011/main" val="1"/>
             </a:ext>
           </a:extLst>
         </p:spPr>
@@ -23363,7 +23368,7 @@
           </a:ln>
           <a:extLst>
             <a:ext uri="{C572A759-6A51-4108-AA02-DFA0A04FC94B}">
-              <ma14:wrappingTextBoxFlag xmlns:ma14="http://schemas.microsoft.com/office/mac/drawingml/2011/main" xmlns:a14="http://schemas.microsoft.com/office/drawing/2010/main" xmlns:m="http://schemas.openxmlformats.org/officeDocument/2006/math" xmlns="" val="1"/>
+              <ma14:wrappingTextBoxFlag xmlns="" xmlns:m="http://schemas.openxmlformats.org/officeDocument/2006/math" xmlns:a14="http://schemas.microsoft.com/office/drawing/2010/main" xmlns:ma14="http://schemas.microsoft.com/office/mac/drawingml/2011/main" val="1"/>
             </a:ext>
           </a:extLst>
         </p:spPr>
@@ -23643,7 +23648,7 @@
           </a:ln>
           <a:extLst>
             <a:ext uri="{C572A759-6A51-4108-AA02-DFA0A04FC94B}">
-              <ma14:wrappingTextBoxFlag xmlns:ma14="http://schemas.microsoft.com/office/mac/drawingml/2011/main" xmlns:a14="http://schemas.microsoft.com/office/drawing/2010/main" xmlns:m="http://schemas.openxmlformats.org/officeDocument/2006/math" xmlns="" val="1"/>
+              <ma14:wrappingTextBoxFlag xmlns="" xmlns:m="http://schemas.openxmlformats.org/officeDocument/2006/math" xmlns:a14="http://schemas.microsoft.com/office/drawing/2010/main" xmlns:ma14="http://schemas.microsoft.com/office/mac/drawingml/2011/main" val="1"/>
             </a:ext>
           </a:extLst>
         </p:spPr>
@@ -23678,7 +23683,7 @@
           </a:ln>
           <a:extLst>
             <a:ext uri="{C572A759-6A51-4108-AA02-DFA0A04FC94B}">
-              <ma14:wrappingTextBoxFlag xmlns:ma14="http://schemas.microsoft.com/office/mac/drawingml/2011/main" xmlns:a14="http://schemas.microsoft.com/office/drawing/2010/main" xmlns:m="http://schemas.openxmlformats.org/officeDocument/2006/math" xmlns="" val="1"/>
+              <ma14:wrappingTextBoxFlag xmlns="" xmlns:m="http://schemas.openxmlformats.org/officeDocument/2006/math" xmlns:a14="http://schemas.microsoft.com/office/drawing/2010/main" xmlns:ma14="http://schemas.microsoft.com/office/mac/drawingml/2011/main" val="1"/>
             </a:ext>
           </a:extLst>
         </p:spPr>
@@ -23796,7 +23801,7 @@
           </a:ln>
           <a:extLst>
             <a:ext uri="{C572A759-6A51-4108-AA02-DFA0A04FC94B}">
-              <ma14:wrappingTextBoxFlag xmlns:ma14="http://schemas.microsoft.com/office/mac/drawingml/2011/main" xmlns:a14="http://schemas.microsoft.com/office/drawing/2010/main" xmlns:m="http://schemas.openxmlformats.org/officeDocument/2006/math" xmlns="" val="1"/>
+              <ma14:wrappingTextBoxFlag xmlns="" xmlns:m="http://schemas.openxmlformats.org/officeDocument/2006/math" xmlns:a14="http://schemas.microsoft.com/office/drawing/2010/main" xmlns:ma14="http://schemas.microsoft.com/office/mac/drawingml/2011/main" val="1"/>
             </a:ext>
           </a:extLst>
         </p:spPr>
@@ -23838,7 +23843,7 @@
           </a:ln>
           <a:extLst>
             <a:ext uri="{C572A759-6A51-4108-AA02-DFA0A04FC94B}">
-              <ma14:wrappingTextBoxFlag xmlns:ma14="http://schemas.microsoft.com/office/mac/drawingml/2011/main" xmlns:a14="http://schemas.microsoft.com/office/drawing/2010/main" xmlns:m="http://schemas.openxmlformats.org/officeDocument/2006/math" xmlns="" val="1"/>
+              <ma14:wrappingTextBoxFlag xmlns="" xmlns:m="http://schemas.openxmlformats.org/officeDocument/2006/math" xmlns:a14="http://schemas.microsoft.com/office/drawing/2010/main" xmlns:ma14="http://schemas.microsoft.com/office/mac/drawingml/2011/main" val="1"/>
             </a:ext>
           </a:extLst>
         </p:spPr>
@@ -24086,7 +24091,7 @@
           </a:ln>
           <a:extLst>
             <a:ext uri="{C572A759-6A51-4108-AA02-DFA0A04FC94B}">
-              <ma14:wrappingTextBoxFlag xmlns:ma14="http://schemas.microsoft.com/office/mac/drawingml/2011/main" xmlns:a14="http://schemas.microsoft.com/office/drawing/2010/main" xmlns:m="http://schemas.openxmlformats.org/officeDocument/2006/math" xmlns="" val="1"/>
+              <ma14:wrappingTextBoxFlag xmlns="" xmlns:m="http://schemas.openxmlformats.org/officeDocument/2006/math" xmlns:a14="http://schemas.microsoft.com/office/drawing/2010/main" xmlns:ma14="http://schemas.microsoft.com/office/mac/drawingml/2011/main" val="1"/>
             </a:ext>
           </a:extLst>
         </p:spPr>
@@ -24299,7 +24304,7 @@
           </a:ln>
           <a:extLst>
             <a:ext uri="{C572A759-6A51-4108-AA02-DFA0A04FC94B}">
-              <ma14:wrappingTextBoxFlag xmlns:ma14="http://schemas.microsoft.com/office/mac/drawingml/2011/main" xmlns:a14="http://schemas.microsoft.com/office/drawing/2010/main" xmlns:m="http://schemas.openxmlformats.org/officeDocument/2006/math" xmlns="" val="1"/>
+              <ma14:wrappingTextBoxFlag xmlns="" xmlns:m="http://schemas.openxmlformats.org/officeDocument/2006/math" xmlns:a14="http://schemas.microsoft.com/office/drawing/2010/main" xmlns:ma14="http://schemas.microsoft.com/office/mac/drawingml/2011/main" val="1"/>
             </a:ext>
           </a:extLst>
         </p:spPr>
@@ -24344,7 +24349,7 @@
           </a:ln>
           <a:extLst>
             <a:ext uri="{C572A759-6A51-4108-AA02-DFA0A04FC94B}">
-              <ma14:wrappingTextBoxFlag xmlns:ma14="http://schemas.microsoft.com/office/mac/drawingml/2011/main" xmlns:a14="http://schemas.microsoft.com/office/drawing/2010/main" xmlns:m="http://schemas.openxmlformats.org/officeDocument/2006/math" xmlns="" val="1"/>
+              <ma14:wrappingTextBoxFlag xmlns="" xmlns:m="http://schemas.openxmlformats.org/officeDocument/2006/math" xmlns:a14="http://schemas.microsoft.com/office/drawing/2010/main" xmlns:ma14="http://schemas.microsoft.com/office/mac/drawingml/2011/main" val="1"/>
             </a:ext>
           </a:extLst>
         </p:spPr>
@@ -24381,7 +24386,7 @@
           </a:ln>
           <a:extLst>
             <a:ext uri="{C572A759-6A51-4108-AA02-DFA0A04FC94B}">
-              <ma14:wrappingTextBoxFlag xmlns:ma14="http://schemas.microsoft.com/office/mac/drawingml/2011/main" xmlns:a14="http://schemas.microsoft.com/office/drawing/2010/main" xmlns:m="http://schemas.openxmlformats.org/officeDocument/2006/math" xmlns="" val="1"/>
+              <ma14:wrappingTextBoxFlag xmlns="" xmlns:m="http://schemas.openxmlformats.org/officeDocument/2006/math" xmlns:a14="http://schemas.microsoft.com/office/drawing/2010/main" xmlns:ma14="http://schemas.microsoft.com/office/mac/drawingml/2011/main" val="1"/>
             </a:ext>
           </a:extLst>
         </p:spPr>
@@ -24479,7 +24484,7 @@
           </a:ln>
           <a:extLst>
             <a:ext uri="{C572A759-6A51-4108-AA02-DFA0A04FC94B}">
-              <ma14:wrappingTextBoxFlag xmlns:ma14="http://schemas.microsoft.com/office/mac/drawingml/2011/main" xmlns:a14="http://schemas.microsoft.com/office/drawing/2010/main" xmlns:m="http://schemas.openxmlformats.org/officeDocument/2006/math" xmlns="" val="1"/>
+              <ma14:wrappingTextBoxFlag xmlns="" xmlns:m="http://schemas.openxmlformats.org/officeDocument/2006/math" xmlns:a14="http://schemas.microsoft.com/office/drawing/2010/main" xmlns:ma14="http://schemas.microsoft.com/office/mac/drawingml/2011/main" val="1"/>
             </a:ext>
           </a:extLst>
         </p:spPr>
@@ -24692,7 +24697,7 @@
           </a:ln>
           <a:extLst>
             <a:ext uri="{C572A759-6A51-4108-AA02-DFA0A04FC94B}">
-              <ma14:wrappingTextBoxFlag xmlns:ma14="http://schemas.microsoft.com/office/mac/drawingml/2011/main" xmlns:a14="http://schemas.microsoft.com/office/drawing/2010/main" xmlns:m="http://schemas.openxmlformats.org/officeDocument/2006/math" xmlns="" val="1"/>
+              <ma14:wrappingTextBoxFlag xmlns="" xmlns:m="http://schemas.openxmlformats.org/officeDocument/2006/math" xmlns:a14="http://schemas.microsoft.com/office/drawing/2010/main" xmlns:ma14="http://schemas.microsoft.com/office/mac/drawingml/2011/main" val="1"/>
             </a:ext>
           </a:extLst>
         </p:spPr>
@@ -24760,7 +24765,7 @@
           </a:ln>
           <a:extLst>
             <a:ext uri="{C572A759-6A51-4108-AA02-DFA0A04FC94B}">
-              <ma14:wrappingTextBoxFlag xmlns:ma14="http://schemas.microsoft.com/office/mac/drawingml/2011/main" xmlns:a14="http://schemas.microsoft.com/office/drawing/2010/main" xmlns:m="http://schemas.openxmlformats.org/officeDocument/2006/math" xmlns="" val="1"/>
+              <ma14:wrappingTextBoxFlag xmlns="" xmlns:m="http://schemas.openxmlformats.org/officeDocument/2006/math" xmlns:a14="http://schemas.microsoft.com/office/drawing/2010/main" xmlns:ma14="http://schemas.microsoft.com/office/mac/drawingml/2011/main" val="1"/>
             </a:ext>
           </a:extLst>
         </p:spPr>
@@ -24797,7 +24802,7 @@
           </a:ln>
           <a:extLst>
             <a:ext uri="{C572A759-6A51-4108-AA02-DFA0A04FC94B}">
-              <ma14:wrappingTextBoxFlag xmlns:ma14="http://schemas.microsoft.com/office/mac/drawingml/2011/main" xmlns:a14="http://schemas.microsoft.com/office/drawing/2010/main" xmlns:m="http://schemas.openxmlformats.org/officeDocument/2006/math" xmlns="" val="1"/>
+              <ma14:wrappingTextBoxFlag xmlns="" xmlns:m="http://schemas.openxmlformats.org/officeDocument/2006/math" xmlns:a14="http://schemas.microsoft.com/office/drawing/2010/main" xmlns:ma14="http://schemas.microsoft.com/office/mac/drawingml/2011/main" val="1"/>
             </a:ext>
           </a:extLst>
         </p:spPr>
@@ -24836,7 +24841,7 @@
           </a:ln>
           <a:extLst>
             <a:ext uri="{C572A759-6A51-4108-AA02-DFA0A04FC94B}">
-              <ma14:wrappingTextBoxFlag xmlns:ma14="http://schemas.microsoft.com/office/mac/drawingml/2011/main" xmlns:a14="http://schemas.microsoft.com/office/drawing/2010/main" xmlns:m="http://schemas.openxmlformats.org/officeDocument/2006/math" xmlns="" val="1"/>
+              <ma14:wrappingTextBoxFlag xmlns="" xmlns:m="http://schemas.openxmlformats.org/officeDocument/2006/math" xmlns:a14="http://schemas.microsoft.com/office/drawing/2010/main" xmlns:ma14="http://schemas.microsoft.com/office/mac/drawingml/2011/main" val="1"/>
             </a:ext>
           </a:extLst>
         </p:spPr>
@@ -24875,7 +24880,7 @@
           </a:ln>
           <a:extLst>
             <a:ext uri="{C572A759-6A51-4108-AA02-DFA0A04FC94B}">
-              <ma14:wrappingTextBoxFlag xmlns:ma14="http://schemas.microsoft.com/office/mac/drawingml/2011/main" xmlns:a14="http://schemas.microsoft.com/office/drawing/2010/main" xmlns:m="http://schemas.openxmlformats.org/officeDocument/2006/math" xmlns="" val="1"/>
+              <ma14:wrappingTextBoxFlag xmlns="" xmlns:m="http://schemas.openxmlformats.org/officeDocument/2006/math" xmlns:a14="http://schemas.microsoft.com/office/drawing/2010/main" xmlns:ma14="http://schemas.microsoft.com/office/mac/drawingml/2011/main" val="1"/>
             </a:ext>
           </a:extLst>
         </p:spPr>
@@ -24973,7 +24978,7 @@
           </a:ln>
           <a:extLst>
             <a:ext uri="{C572A759-6A51-4108-AA02-DFA0A04FC94B}">
-              <ma14:wrappingTextBoxFlag xmlns:ma14="http://schemas.microsoft.com/office/mac/drawingml/2011/main" xmlns:a14="http://schemas.microsoft.com/office/drawing/2010/main" xmlns:m="http://schemas.openxmlformats.org/officeDocument/2006/math" xmlns="" val="1"/>
+              <ma14:wrappingTextBoxFlag xmlns="" xmlns:m="http://schemas.openxmlformats.org/officeDocument/2006/math" xmlns:a14="http://schemas.microsoft.com/office/drawing/2010/main" xmlns:ma14="http://schemas.microsoft.com/office/mac/drawingml/2011/main" val="1"/>
             </a:ext>
           </a:extLst>
         </p:spPr>
@@ -25186,7 +25191,7 @@
           </a:ln>
           <a:extLst>
             <a:ext uri="{C572A759-6A51-4108-AA02-DFA0A04FC94B}">
-              <ma14:wrappingTextBoxFlag xmlns:ma14="http://schemas.microsoft.com/office/mac/drawingml/2011/main" xmlns:a14="http://schemas.microsoft.com/office/drawing/2010/main" xmlns:m="http://schemas.openxmlformats.org/officeDocument/2006/math" xmlns="" val="1"/>
+              <ma14:wrappingTextBoxFlag xmlns="" xmlns:m="http://schemas.openxmlformats.org/officeDocument/2006/math" xmlns:a14="http://schemas.microsoft.com/office/drawing/2010/main" xmlns:ma14="http://schemas.microsoft.com/office/mac/drawingml/2011/main" val="1"/>
             </a:ext>
           </a:extLst>
         </p:spPr>
@@ -25282,7 +25287,7 @@
           </a:ln>
           <a:extLst>
             <a:ext uri="{C572A759-6A51-4108-AA02-DFA0A04FC94B}">
-              <ma14:wrappingTextBoxFlag xmlns:ma14="http://schemas.microsoft.com/office/mac/drawingml/2011/main" xmlns:a14="http://schemas.microsoft.com/office/drawing/2010/main" xmlns:m="http://schemas.openxmlformats.org/officeDocument/2006/math" xmlns="" val="1"/>
+              <ma14:wrappingTextBoxFlag xmlns="" xmlns:m="http://schemas.openxmlformats.org/officeDocument/2006/math" xmlns:a14="http://schemas.microsoft.com/office/drawing/2010/main" xmlns:ma14="http://schemas.microsoft.com/office/mac/drawingml/2011/main" val="1"/>
             </a:ext>
           </a:extLst>
         </p:spPr>
@@ -25319,7 +25324,7 @@
           </a:ln>
           <a:extLst>
             <a:ext uri="{C572A759-6A51-4108-AA02-DFA0A04FC94B}">
-              <ma14:wrappingTextBoxFlag xmlns:ma14="http://schemas.microsoft.com/office/mac/drawingml/2011/main" xmlns:a14="http://schemas.microsoft.com/office/drawing/2010/main" xmlns:m="http://schemas.openxmlformats.org/officeDocument/2006/math" xmlns="" val="1"/>
+              <ma14:wrappingTextBoxFlag xmlns="" xmlns:m="http://schemas.openxmlformats.org/officeDocument/2006/math" xmlns:a14="http://schemas.microsoft.com/office/drawing/2010/main" xmlns:ma14="http://schemas.microsoft.com/office/mac/drawingml/2011/main" val="1"/>
             </a:ext>
           </a:extLst>
         </p:spPr>
@@ -25358,7 +25363,7 @@
           </a:ln>
           <a:extLst>
             <a:ext uri="{C572A759-6A51-4108-AA02-DFA0A04FC94B}">
-              <ma14:wrappingTextBoxFlag xmlns:ma14="http://schemas.microsoft.com/office/mac/drawingml/2011/main" xmlns:a14="http://schemas.microsoft.com/office/drawing/2010/main" xmlns:m="http://schemas.openxmlformats.org/officeDocument/2006/math" xmlns="" val="1"/>
+              <ma14:wrappingTextBoxFlag xmlns="" xmlns:m="http://schemas.openxmlformats.org/officeDocument/2006/math" xmlns:a14="http://schemas.microsoft.com/office/drawing/2010/main" xmlns:ma14="http://schemas.microsoft.com/office/mac/drawingml/2011/main" val="1"/>
             </a:ext>
           </a:extLst>
         </p:spPr>
@@ -25397,7 +25402,7 @@
           </a:ln>
           <a:extLst>
             <a:ext uri="{C572A759-6A51-4108-AA02-DFA0A04FC94B}">
-              <ma14:wrappingTextBoxFlag xmlns:ma14="http://schemas.microsoft.com/office/mac/drawingml/2011/main" xmlns:a14="http://schemas.microsoft.com/office/drawing/2010/main" xmlns:m="http://schemas.openxmlformats.org/officeDocument/2006/math" xmlns="" val="1"/>
+              <ma14:wrappingTextBoxFlag xmlns="" xmlns:m="http://schemas.openxmlformats.org/officeDocument/2006/math" xmlns:a14="http://schemas.microsoft.com/office/drawing/2010/main" xmlns:ma14="http://schemas.microsoft.com/office/mac/drawingml/2011/main" val="1"/>
             </a:ext>
           </a:extLst>
         </p:spPr>
@@ -25436,7 +25441,7 @@
           </a:ln>
           <a:extLst>
             <a:ext uri="{C572A759-6A51-4108-AA02-DFA0A04FC94B}">
-              <ma14:wrappingTextBoxFlag xmlns:ma14="http://schemas.microsoft.com/office/mac/drawingml/2011/main" xmlns:a14="http://schemas.microsoft.com/office/drawing/2010/main" xmlns:m="http://schemas.openxmlformats.org/officeDocument/2006/math" xmlns="" val="1"/>
+              <ma14:wrappingTextBoxFlag xmlns="" xmlns:m="http://schemas.openxmlformats.org/officeDocument/2006/math" xmlns:a14="http://schemas.microsoft.com/office/drawing/2010/main" xmlns:ma14="http://schemas.microsoft.com/office/mac/drawingml/2011/main" val="1"/>
             </a:ext>
           </a:extLst>
         </p:spPr>
@@ -25475,7 +25480,7 @@
           </a:ln>
           <a:extLst>
             <a:ext uri="{C572A759-6A51-4108-AA02-DFA0A04FC94B}">
-              <ma14:wrappingTextBoxFlag xmlns:ma14="http://schemas.microsoft.com/office/mac/drawingml/2011/main" xmlns:a14="http://schemas.microsoft.com/office/drawing/2010/main" xmlns:m="http://schemas.openxmlformats.org/officeDocument/2006/math" xmlns="" val="1"/>
+              <ma14:wrappingTextBoxFlag xmlns="" xmlns:m="http://schemas.openxmlformats.org/officeDocument/2006/math" xmlns:a14="http://schemas.microsoft.com/office/drawing/2010/main" xmlns:ma14="http://schemas.microsoft.com/office/mac/drawingml/2011/main" val="1"/>
             </a:ext>
           </a:extLst>
         </p:spPr>
@@ -25573,7 +25578,7 @@
           </a:ln>
           <a:extLst>
             <a:ext uri="{C572A759-6A51-4108-AA02-DFA0A04FC94B}">
-              <ma14:wrappingTextBoxFlag xmlns:ma14="http://schemas.microsoft.com/office/mac/drawingml/2011/main" xmlns:a14="http://schemas.microsoft.com/office/drawing/2010/main" xmlns:m="http://schemas.openxmlformats.org/officeDocument/2006/math" xmlns="" val="1"/>
+              <ma14:wrappingTextBoxFlag xmlns="" xmlns:m="http://schemas.openxmlformats.org/officeDocument/2006/math" xmlns:a14="http://schemas.microsoft.com/office/drawing/2010/main" xmlns:ma14="http://schemas.microsoft.com/office/mac/drawingml/2011/main" val="1"/>
             </a:ext>
           </a:extLst>
         </p:spPr>
@@ -25786,7 +25791,7 @@
           </a:ln>
           <a:extLst>
             <a:ext uri="{C572A759-6A51-4108-AA02-DFA0A04FC94B}">
-              <ma14:wrappingTextBoxFlag xmlns:ma14="http://schemas.microsoft.com/office/mac/drawingml/2011/main" xmlns:a14="http://schemas.microsoft.com/office/drawing/2010/main" xmlns:m="http://schemas.openxmlformats.org/officeDocument/2006/math" xmlns="" val="1"/>
+              <ma14:wrappingTextBoxFlag xmlns="" xmlns:m="http://schemas.openxmlformats.org/officeDocument/2006/math" xmlns:a14="http://schemas.microsoft.com/office/drawing/2010/main" xmlns:ma14="http://schemas.microsoft.com/office/mac/drawingml/2011/main" val="1"/>
             </a:ext>
           </a:extLst>
         </p:spPr>
@@ -25869,7 +25874,7 @@
           </a:ln>
           <a:extLst>
             <a:ext uri="{C572A759-6A51-4108-AA02-DFA0A04FC94B}">
-              <ma14:wrappingTextBoxFlag xmlns:ma14="http://schemas.microsoft.com/office/mac/drawingml/2011/main" xmlns:a14="http://schemas.microsoft.com/office/drawing/2010/main" xmlns:m="http://schemas.openxmlformats.org/officeDocument/2006/math" xmlns="" val="1"/>
+              <ma14:wrappingTextBoxFlag xmlns="" xmlns:m="http://schemas.openxmlformats.org/officeDocument/2006/math" xmlns:a14="http://schemas.microsoft.com/office/drawing/2010/main" xmlns:ma14="http://schemas.microsoft.com/office/mac/drawingml/2011/main" val="1"/>
             </a:ext>
           </a:extLst>
         </p:spPr>
@@ -25906,7 +25911,7 @@
           </a:ln>
           <a:extLst>
             <a:ext uri="{C572A759-6A51-4108-AA02-DFA0A04FC94B}">
-              <ma14:wrappingTextBoxFlag xmlns:ma14="http://schemas.microsoft.com/office/mac/drawingml/2011/main" xmlns:a14="http://schemas.microsoft.com/office/drawing/2010/main" xmlns:m="http://schemas.openxmlformats.org/officeDocument/2006/math" xmlns="" val="1"/>
+              <ma14:wrappingTextBoxFlag xmlns="" xmlns:m="http://schemas.openxmlformats.org/officeDocument/2006/math" xmlns:a14="http://schemas.microsoft.com/office/drawing/2010/main" xmlns:ma14="http://schemas.microsoft.com/office/mac/drawingml/2011/main" val="1"/>
             </a:ext>
           </a:extLst>
         </p:spPr>
@@ -25945,7 +25950,7 @@
           </a:ln>
           <a:extLst>
             <a:ext uri="{C572A759-6A51-4108-AA02-DFA0A04FC94B}">
-              <ma14:wrappingTextBoxFlag xmlns:ma14="http://schemas.microsoft.com/office/mac/drawingml/2011/main" xmlns:a14="http://schemas.microsoft.com/office/drawing/2010/main" xmlns:m="http://schemas.openxmlformats.org/officeDocument/2006/math" xmlns="" val="1"/>
+              <ma14:wrappingTextBoxFlag xmlns="" xmlns:m="http://schemas.openxmlformats.org/officeDocument/2006/math" xmlns:a14="http://schemas.microsoft.com/office/drawing/2010/main" xmlns:ma14="http://schemas.microsoft.com/office/mac/drawingml/2011/main" val="1"/>
             </a:ext>
           </a:extLst>
         </p:spPr>
@@ -25984,7 +25989,7 @@
           </a:ln>
           <a:extLst>
             <a:ext uri="{C572A759-6A51-4108-AA02-DFA0A04FC94B}">
-              <ma14:wrappingTextBoxFlag xmlns:ma14="http://schemas.microsoft.com/office/mac/drawingml/2011/main" xmlns:a14="http://schemas.microsoft.com/office/drawing/2010/main" xmlns:m="http://schemas.openxmlformats.org/officeDocument/2006/math" xmlns="" val="1"/>
+              <ma14:wrappingTextBoxFlag xmlns="" xmlns:m="http://schemas.openxmlformats.org/officeDocument/2006/math" xmlns:a14="http://schemas.microsoft.com/office/drawing/2010/main" xmlns:ma14="http://schemas.microsoft.com/office/mac/drawingml/2011/main" val="1"/>
             </a:ext>
           </a:extLst>
         </p:spPr>
@@ -26023,7 +26028,7 @@
           </a:ln>
           <a:extLst>
             <a:ext uri="{C572A759-6A51-4108-AA02-DFA0A04FC94B}">
-              <ma14:wrappingTextBoxFlag xmlns:ma14="http://schemas.microsoft.com/office/mac/drawingml/2011/main" xmlns:a14="http://schemas.microsoft.com/office/drawing/2010/main" xmlns:m="http://schemas.openxmlformats.org/officeDocument/2006/math" xmlns="" val="1"/>
+              <ma14:wrappingTextBoxFlag xmlns="" xmlns:m="http://schemas.openxmlformats.org/officeDocument/2006/math" xmlns:a14="http://schemas.microsoft.com/office/drawing/2010/main" xmlns:ma14="http://schemas.microsoft.com/office/mac/drawingml/2011/main" val="1"/>
             </a:ext>
           </a:extLst>
         </p:spPr>
@@ -26062,7 +26067,7 @@
           </a:ln>
           <a:extLst>
             <a:ext uri="{C572A759-6A51-4108-AA02-DFA0A04FC94B}">
-              <ma14:wrappingTextBoxFlag xmlns:ma14="http://schemas.microsoft.com/office/mac/drawingml/2011/main" xmlns:a14="http://schemas.microsoft.com/office/drawing/2010/main" xmlns:m="http://schemas.openxmlformats.org/officeDocument/2006/math" xmlns="" val="1"/>
+              <ma14:wrappingTextBoxFlag xmlns="" xmlns:m="http://schemas.openxmlformats.org/officeDocument/2006/math" xmlns:a14="http://schemas.microsoft.com/office/drawing/2010/main" xmlns:ma14="http://schemas.microsoft.com/office/mac/drawingml/2011/main" val="1"/>
             </a:ext>
           </a:extLst>
         </p:spPr>
@@ -26160,7 +26165,7 @@
           </a:ln>
           <a:extLst>
             <a:ext uri="{C572A759-6A51-4108-AA02-DFA0A04FC94B}">
-              <ma14:wrappingTextBoxFlag xmlns:ma14="http://schemas.microsoft.com/office/mac/drawingml/2011/main" xmlns:a14="http://schemas.microsoft.com/office/drawing/2010/main" xmlns:m="http://schemas.openxmlformats.org/officeDocument/2006/math" xmlns="" val="1"/>
+              <ma14:wrappingTextBoxFlag xmlns="" xmlns:m="http://schemas.openxmlformats.org/officeDocument/2006/math" xmlns:a14="http://schemas.microsoft.com/office/drawing/2010/main" xmlns:ma14="http://schemas.microsoft.com/office/mac/drawingml/2011/main" val="1"/>
             </a:ext>
           </a:extLst>
         </p:spPr>
@@ -26377,7 +26382,7 @@
           </a:ln>
           <a:extLst>
             <a:ext uri="{C572A759-6A51-4108-AA02-DFA0A04FC94B}">
-              <ma14:wrappingTextBoxFlag xmlns:ma14="http://schemas.microsoft.com/office/mac/drawingml/2011/main" xmlns:a14="http://schemas.microsoft.com/office/drawing/2010/main" xmlns:m="http://schemas.openxmlformats.org/officeDocument/2006/math" xmlns="" val="1"/>
+              <ma14:wrappingTextBoxFlag xmlns="" xmlns:m="http://schemas.openxmlformats.org/officeDocument/2006/math" xmlns:a14="http://schemas.microsoft.com/office/drawing/2010/main" xmlns:ma14="http://schemas.microsoft.com/office/mac/drawingml/2011/main" val="1"/>
             </a:ext>
           </a:extLst>
         </p:spPr>
@@ -26460,7 +26465,7 @@
           </a:ln>
           <a:extLst>
             <a:ext uri="{C572A759-6A51-4108-AA02-DFA0A04FC94B}">
-              <ma14:wrappingTextBoxFlag xmlns:ma14="http://schemas.microsoft.com/office/mac/drawingml/2011/main" xmlns:a14="http://schemas.microsoft.com/office/drawing/2010/main" xmlns:m="http://schemas.openxmlformats.org/officeDocument/2006/math" xmlns="" val="1"/>
+              <ma14:wrappingTextBoxFlag xmlns="" xmlns:m="http://schemas.openxmlformats.org/officeDocument/2006/math" xmlns:a14="http://schemas.microsoft.com/office/drawing/2010/main" xmlns:ma14="http://schemas.microsoft.com/office/mac/drawingml/2011/main" val="1"/>
             </a:ext>
           </a:extLst>
         </p:spPr>
@@ -26497,7 +26502,7 @@
           </a:ln>
           <a:extLst>
             <a:ext uri="{C572A759-6A51-4108-AA02-DFA0A04FC94B}">
-              <ma14:wrappingTextBoxFlag xmlns:ma14="http://schemas.microsoft.com/office/mac/drawingml/2011/main" xmlns:a14="http://schemas.microsoft.com/office/drawing/2010/main" xmlns:m="http://schemas.openxmlformats.org/officeDocument/2006/math" xmlns="" val="1"/>
+              <ma14:wrappingTextBoxFlag xmlns="" xmlns:m="http://schemas.openxmlformats.org/officeDocument/2006/math" xmlns:a14="http://schemas.microsoft.com/office/drawing/2010/main" xmlns:ma14="http://schemas.microsoft.com/office/mac/drawingml/2011/main" val="1"/>
             </a:ext>
           </a:extLst>
         </p:spPr>
@@ -26536,7 +26541,7 @@
           </a:ln>
           <a:extLst>
             <a:ext uri="{C572A759-6A51-4108-AA02-DFA0A04FC94B}">
-              <ma14:wrappingTextBoxFlag xmlns:ma14="http://schemas.microsoft.com/office/mac/drawingml/2011/main" xmlns:a14="http://schemas.microsoft.com/office/drawing/2010/main" xmlns:m="http://schemas.openxmlformats.org/officeDocument/2006/math" xmlns="" val="1"/>
+              <ma14:wrappingTextBoxFlag xmlns="" xmlns:m="http://schemas.openxmlformats.org/officeDocument/2006/math" xmlns:a14="http://schemas.microsoft.com/office/drawing/2010/main" xmlns:ma14="http://schemas.microsoft.com/office/mac/drawingml/2011/main" val="1"/>
             </a:ext>
           </a:extLst>
         </p:spPr>
@@ -26575,7 +26580,7 @@
           </a:ln>
           <a:extLst>
             <a:ext uri="{C572A759-6A51-4108-AA02-DFA0A04FC94B}">
-              <ma14:wrappingTextBoxFlag xmlns:ma14="http://schemas.microsoft.com/office/mac/drawingml/2011/main" xmlns:a14="http://schemas.microsoft.com/office/drawing/2010/main" xmlns:m="http://schemas.openxmlformats.org/officeDocument/2006/math" xmlns="" val="1"/>
+              <ma14:wrappingTextBoxFlag xmlns="" xmlns:m="http://schemas.openxmlformats.org/officeDocument/2006/math" xmlns:a14="http://schemas.microsoft.com/office/drawing/2010/main" xmlns:ma14="http://schemas.microsoft.com/office/mac/drawingml/2011/main" val="1"/>
             </a:ext>
           </a:extLst>
         </p:spPr>
@@ -26614,7 +26619,7 @@
           </a:ln>
           <a:extLst>
             <a:ext uri="{C572A759-6A51-4108-AA02-DFA0A04FC94B}">
-              <ma14:wrappingTextBoxFlag xmlns:ma14="http://schemas.microsoft.com/office/mac/drawingml/2011/main" xmlns:a14="http://schemas.microsoft.com/office/drawing/2010/main" xmlns:m="http://schemas.openxmlformats.org/officeDocument/2006/math" xmlns="" val="1"/>
+              <ma14:wrappingTextBoxFlag xmlns="" xmlns:m="http://schemas.openxmlformats.org/officeDocument/2006/math" xmlns:a14="http://schemas.microsoft.com/office/drawing/2010/main" xmlns:ma14="http://schemas.microsoft.com/office/mac/drawingml/2011/main" val="1"/>
             </a:ext>
           </a:extLst>
         </p:spPr>
@@ -26653,7 +26658,7 @@
           </a:ln>
           <a:extLst>
             <a:ext uri="{C572A759-6A51-4108-AA02-DFA0A04FC94B}">
-              <ma14:wrappingTextBoxFlag xmlns:ma14="http://schemas.microsoft.com/office/mac/drawingml/2011/main" xmlns:a14="http://schemas.microsoft.com/office/drawing/2010/main" xmlns:m="http://schemas.openxmlformats.org/officeDocument/2006/math" xmlns="" val="1"/>
+              <ma14:wrappingTextBoxFlag xmlns="" xmlns:m="http://schemas.openxmlformats.org/officeDocument/2006/math" xmlns:a14="http://schemas.microsoft.com/office/drawing/2010/main" xmlns:ma14="http://schemas.microsoft.com/office/mac/drawingml/2011/main" val="1"/>
             </a:ext>
           </a:extLst>
         </p:spPr>
@@ -26751,7 +26756,7 @@
           </a:ln>
           <a:extLst>
             <a:ext uri="{C572A759-6A51-4108-AA02-DFA0A04FC94B}">
-              <ma14:wrappingTextBoxFlag xmlns:ma14="http://schemas.microsoft.com/office/mac/drawingml/2011/main" xmlns:a14="http://schemas.microsoft.com/office/drawing/2010/main" xmlns:m="http://schemas.openxmlformats.org/officeDocument/2006/math" xmlns="" val="1"/>
+              <ma14:wrappingTextBoxFlag xmlns="" xmlns:m="http://schemas.openxmlformats.org/officeDocument/2006/math" xmlns:a14="http://schemas.microsoft.com/office/drawing/2010/main" xmlns:ma14="http://schemas.microsoft.com/office/mac/drawingml/2011/main" val="1"/>
             </a:ext>
           </a:extLst>
         </p:spPr>
@@ -26968,7 +26973,7 @@
           </a:ln>
           <a:extLst>
             <a:ext uri="{C572A759-6A51-4108-AA02-DFA0A04FC94B}">
-              <ma14:wrappingTextBoxFlag xmlns:ma14="http://schemas.microsoft.com/office/mac/drawingml/2011/main" xmlns:a14="http://schemas.microsoft.com/office/drawing/2010/main" xmlns:m="http://schemas.openxmlformats.org/officeDocument/2006/math" xmlns="" val="1"/>
+              <ma14:wrappingTextBoxFlag xmlns="" xmlns:m="http://schemas.openxmlformats.org/officeDocument/2006/math" xmlns:a14="http://schemas.microsoft.com/office/drawing/2010/main" xmlns:ma14="http://schemas.microsoft.com/office/mac/drawingml/2011/main" val="1"/>
             </a:ext>
           </a:extLst>
         </p:spPr>
@@ -27051,7 +27056,7 @@
           </a:ln>
           <a:extLst>
             <a:ext uri="{C572A759-6A51-4108-AA02-DFA0A04FC94B}">
-              <ma14:wrappingTextBoxFlag xmlns:ma14="http://schemas.microsoft.com/office/mac/drawingml/2011/main" xmlns:a14="http://schemas.microsoft.com/office/drawing/2010/main" xmlns:m="http://schemas.openxmlformats.org/officeDocument/2006/math" xmlns="" val="1"/>
+              <ma14:wrappingTextBoxFlag xmlns="" xmlns:m="http://schemas.openxmlformats.org/officeDocument/2006/math" xmlns:a14="http://schemas.microsoft.com/office/drawing/2010/main" xmlns:ma14="http://schemas.microsoft.com/office/mac/drawingml/2011/main" val="1"/>
             </a:ext>
           </a:extLst>
         </p:spPr>
@@ -27088,7 +27093,7 @@
           </a:ln>
           <a:extLst>
             <a:ext uri="{C572A759-6A51-4108-AA02-DFA0A04FC94B}">
-              <ma14:wrappingTextBoxFlag xmlns:ma14="http://schemas.microsoft.com/office/mac/drawingml/2011/main" xmlns:a14="http://schemas.microsoft.com/office/drawing/2010/main" xmlns:m="http://schemas.openxmlformats.org/officeDocument/2006/math" xmlns="" val="1"/>
+              <ma14:wrappingTextBoxFlag xmlns="" xmlns:m="http://schemas.openxmlformats.org/officeDocument/2006/math" xmlns:a14="http://schemas.microsoft.com/office/drawing/2010/main" xmlns:ma14="http://schemas.microsoft.com/office/mac/drawingml/2011/main" val="1"/>
             </a:ext>
           </a:extLst>
         </p:spPr>
@@ -27127,7 +27132,7 @@
           </a:ln>
           <a:extLst>
             <a:ext uri="{C572A759-6A51-4108-AA02-DFA0A04FC94B}">
-              <ma14:wrappingTextBoxFlag xmlns:ma14="http://schemas.microsoft.com/office/mac/drawingml/2011/main" xmlns:a14="http://schemas.microsoft.com/office/drawing/2010/main" xmlns:m="http://schemas.openxmlformats.org/officeDocument/2006/math" xmlns="" val="1"/>
+              <ma14:wrappingTextBoxFlag xmlns="" xmlns:m="http://schemas.openxmlformats.org/officeDocument/2006/math" xmlns:a14="http://schemas.microsoft.com/office/drawing/2010/main" xmlns:ma14="http://schemas.microsoft.com/office/mac/drawingml/2011/main" val="1"/>
             </a:ext>
           </a:extLst>
         </p:spPr>
@@ -27166,7 +27171,7 @@
           </a:ln>
           <a:extLst>
             <a:ext uri="{C572A759-6A51-4108-AA02-DFA0A04FC94B}">
-              <ma14:wrappingTextBoxFlag xmlns:ma14="http://schemas.microsoft.com/office/mac/drawingml/2011/main" xmlns:a14="http://schemas.microsoft.com/office/drawing/2010/main" xmlns:m="http://schemas.openxmlformats.org/officeDocument/2006/math" xmlns="" val="1"/>
+              <ma14:wrappingTextBoxFlag xmlns="" xmlns:m="http://schemas.openxmlformats.org/officeDocument/2006/math" xmlns:a14="http://schemas.microsoft.com/office/drawing/2010/main" xmlns:ma14="http://schemas.microsoft.com/office/mac/drawingml/2011/main" val="1"/>
             </a:ext>
           </a:extLst>
         </p:spPr>
@@ -27205,7 +27210,7 @@
           </a:ln>
           <a:extLst>
             <a:ext uri="{C572A759-6A51-4108-AA02-DFA0A04FC94B}">
-              <ma14:wrappingTextBoxFlag xmlns:ma14="http://schemas.microsoft.com/office/mac/drawingml/2011/main" xmlns:a14="http://schemas.microsoft.com/office/drawing/2010/main" xmlns:m="http://schemas.openxmlformats.org/officeDocument/2006/math" xmlns="" val="1"/>
+              <ma14:wrappingTextBoxFlag xmlns="" xmlns:m="http://schemas.openxmlformats.org/officeDocument/2006/math" xmlns:a14="http://schemas.microsoft.com/office/drawing/2010/main" xmlns:ma14="http://schemas.microsoft.com/office/mac/drawingml/2011/main" val="1"/>
             </a:ext>
           </a:extLst>
         </p:spPr>
@@ -27244,7 +27249,7 @@
           </a:ln>
           <a:extLst>
             <a:ext uri="{C572A759-6A51-4108-AA02-DFA0A04FC94B}">
-              <ma14:wrappingTextBoxFlag xmlns:ma14="http://schemas.microsoft.com/office/mac/drawingml/2011/main" xmlns:a14="http://schemas.microsoft.com/office/drawing/2010/main" xmlns:m="http://schemas.openxmlformats.org/officeDocument/2006/math" xmlns="" val="1"/>
+              <ma14:wrappingTextBoxFlag xmlns="" xmlns:m="http://schemas.openxmlformats.org/officeDocument/2006/math" xmlns:a14="http://schemas.microsoft.com/office/drawing/2010/main" xmlns:ma14="http://schemas.microsoft.com/office/mac/drawingml/2011/main" val="1"/>
             </a:ext>
           </a:extLst>
         </p:spPr>
@@ -27635,7 +27640,7 @@
           </a:ln>
           <a:extLst>
             <a:ext uri="{C572A759-6A51-4108-AA02-DFA0A04FC94B}">
-              <ma14:wrappingTextBoxFlag xmlns:ma14="http://schemas.microsoft.com/office/mac/drawingml/2011/main" xmlns:a14="http://schemas.microsoft.com/office/drawing/2010/main" xmlns:m="http://schemas.openxmlformats.org/officeDocument/2006/math" xmlns="" val="1"/>
+              <ma14:wrappingTextBoxFlag xmlns="" xmlns:m="http://schemas.openxmlformats.org/officeDocument/2006/math" xmlns:a14="http://schemas.microsoft.com/office/drawing/2010/main" xmlns:ma14="http://schemas.microsoft.com/office/mac/drawingml/2011/main" val="1"/>
             </a:ext>
           </a:extLst>
         </p:spPr>
@@ -27803,7 +27808,7 @@
           </a:ln>
           <a:extLst>
             <a:ext uri="{C572A759-6A51-4108-AA02-DFA0A04FC94B}">
-              <ma14:wrappingTextBoxFlag xmlns:ma14="http://schemas.microsoft.com/office/mac/drawingml/2011/main" xmlns:a14="http://schemas.microsoft.com/office/drawing/2010/main" xmlns:m="http://schemas.openxmlformats.org/officeDocument/2006/math" xmlns="" val="1"/>
+              <ma14:wrappingTextBoxFlag xmlns="" xmlns:m="http://schemas.openxmlformats.org/officeDocument/2006/math" xmlns:a14="http://schemas.microsoft.com/office/drawing/2010/main" xmlns:ma14="http://schemas.microsoft.com/office/mac/drawingml/2011/main" val="1"/>
             </a:ext>
           </a:extLst>
         </p:spPr>
@@ -27840,7 +27845,7 @@
           </a:ln>
           <a:extLst>
             <a:ext uri="{C572A759-6A51-4108-AA02-DFA0A04FC94B}">
-              <ma14:wrappingTextBoxFlag xmlns:ma14="http://schemas.microsoft.com/office/mac/drawingml/2011/main" xmlns:a14="http://schemas.microsoft.com/office/drawing/2010/main" xmlns:m="http://schemas.openxmlformats.org/officeDocument/2006/math" xmlns="" val="1"/>
+              <ma14:wrappingTextBoxFlag xmlns="" xmlns:m="http://schemas.openxmlformats.org/officeDocument/2006/math" xmlns:a14="http://schemas.microsoft.com/office/drawing/2010/main" xmlns:ma14="http://schemas.microsoft.com/office/mac/drawingml/2011/main" val="1"/>
             </a:ext>
           </a:extLst>
         </p:spPr>
@@ -28139,7 +28144,7 @@
           </a:ln>
           <a:extLst>
             <a:ext uri="{C572A759-6A51-4108-AA02-DFA0A04FC94B}">
-              <ma14:wrappingTextBoxFlag xmlns:ma14="http://schemas.microsoft.com/office/mac/drawingml/2011/main" xmlns:a14="http://schemas.microsoft.com/office/drawing/2010/main" xmlns:m="http://schemas.openxmlformats.org/officeDocument/2006/math" xmlns="" val="1"/>
+              <ma14:wrappingTextBoxFlag xmlns="" xmlns:m="http://schemas.openxmlformats.org/officeDocument/2006/math" xmlns:a14="http://schemas.microsoft.com/office/drawing/2010/main" xmlns:ma14="http://schemas.microsoft.com/office/mac/drawingml/2011/main" val="1"/>
             </a:ext>
           </a:extLst>
         </p:spPr>
@@ -28322,7 +28327,7 @@
           </a:ln>
           <a:extLst>
             <a:ext uri="{C572A759-6A51-4108-AA02-DFA0A04FC94B}">
-              <ma14:wrappingTextBoxFlag xmlns:ma14="http://schemas.microsoft.com/office/mac/drawingml/2011/main" xmlns:a14="http://schemas.microsoft.com/office/drawing/2010/main" xmlns:m="http://schemas.openxmlformats.org/officeDocument/2006/math" xmlns="" val="1"/>
+              <ma14:wrappingTextBoxFlag xmlns="" xmlns:m="http://schemas.openxmlformats.org/officeDocument/2006/math" xmlns:a14="http://schemas.microsoft.com/office/drawing/2010/main" xmlns:ma14="http://schemas.microsoft.com/office/mac/drawingml/2011/main" val="1"/>
             </a:ext>
           </a:extLst>
         </p:spPr>
@@ -28359,7 +28364,7 @@
           </a:ln>
           <a:extLst>
             <a:ext uri="{C572A759-6A51-4108-AA02-DFA0A04FC94B}">
-              <ma14:wrappingTextBoxFlag xmlns:ma14="http://schemas.microsoft.com/office/mac/drawingml/2011/main" xmlns:a14="http://schemas.microsoft.com/office/drawing/2010/main" xmlns:m="http://schemas.openxmlformats.org/officeDocument/2006/math" xmlns="" val="1"/>
+              <ma14:wrappingTextBoxFlag xmlns="" xmlns:m="http://schemas.openxmlformats.org/officeDocument/2006/math" xmlns:a14="http://schemas.microsoft.com/office/drawing/2010/main" xmlns:ma14="http://schemas.microsoft.com/office/mac/drawingml/2011/main" val="1"/>
             </a:ext>
           </a:extLst>
         </p:spPr>
@@ -28695,7 +28700,7 @@
           </a:ln>
           <a:extLst>
             <a:ext uri="{C572A759-6A51-4108-AA02-DFA0A04FC94B}">
-              <ma14:wrappingTextBoxFlag xmlns:ma14="http://schemas.microsoft.com/office/mac/drawingml/2011/main" xmlns:a14="http://schemas.microsoft.com/office/drawing/2010/main" xmlns:m="http://schemas.openxmlformats.org/officeDocument/2006/math" xmlns="" val="1"/>
+              <ma14:wrappingTextBoxFlag xmlns="" xmlns:m="http://schemas.openxmlformats.org/officeDocument/2006/math" xmlns:a14="http://schemas.microsoft.com/office/drawing/2010/main" xmlns:ma14="http://schemas.microsoft.com/office/mac/drawingml/2011/main" val="1"/>
             </a:ext>
           </a:extLst>
         </p:spPr>
@@ -28730,7 +28735,7 @@
           </a:ln>
           <a:extLst>
             <a:ext uri="{C572A759-6A51-4108-AA02-DFA0A04FC94B}">
-              <ma14:wrappingTextBoxFlag xmlns:ma14="http://schemas.microsoft.com/office/mac/drawingml/2011/main" xmlns:a14="http://schemas.microsoft.com/office/drawing/2010/main" xmlns:m="http://schemas.openxmlformats.org/officeDocument/2006/math" xmlns="" val="1"/>
+              <ma14:wrappingTextBoxFlag xmlns="" xmlns:m="http://schemas.openxmlformats.org/officeDocument/2006/math" xmlns:a14="http://schemas.microsoft.com/office/drawing/2010/main" xmlns:ma14="http://schemas.microsoft.com/office/mac/drawingml/2011/main" val="1"/>
             </a:ext>
           </a:extLst>
         </p:spPr>
@@ -28848,7 +28853,7 @@
           </a:ln>
           <a:extLst>
             <a:ext uri="{C572A759-6A51-4108-AA02-DFA0A04FC94B}">
-              <ma14:wrappingTextBoxFlag xmlns:ma14="http://schemas.microsoft.com/office/mac/drawingml/2011/main" xmlns:a14="http://schemas.microsoft.com/office/drawing/2010/main" xmlns:m="http://schemas.openxmlformats.org/officeDocument/2006/math" xmlns="" val="1"/>
+              <ma14:wrappingTextBoxFlag xmlns="" xmlns:m="http://schemas.openxmlformats.org/officeDocument/2006/math" xmlns:a14="http://schemas.microsoft.com/office/drawing/2010/main" xmlns:ma14="http://schemas.microsoft.com/office/mac/drawingml/2011/main" val="1"/>
             </a:ext>
           </a:extLst>
         </p:spPr>
@@ -28894,7 +28899,7 @@
           </a:ln>
           <a:extLst>
             <a:ext uri="{C572A759-6A51-4108-AA02-DFA0A04FC94B}">
-              <ma14:wrappingTextBoxFlag xmlns:ma14="http://schemas.microsoft.com/office/mac/drawingml/2011/main" xmlns:a14="http://schemas.microsoft.com/office/drawing/2010/main" xmlns:m="http://schemas.openxmlformats.org/officeDocument/2006/math" xmlns="" val="1"/>
+              <ma14:wrappingTextBoxFlag xmlns="" xmlns:m="http://schemas.openxmlformats.org/officeDocument/2006/math" xmlns:a14="http://schemas.microsoft.com/office/drawing/2010/main" xmlns:ma14="http://schemas.microsoft.com/office/mac/drawingml/2011/main" val="1"/>
             </a:ext>
           </a:extLst>
         </p:spPr>
@@ -28941,7 +28946,7 @@
           </a:ln>
           <a:extLst>
             <a:ext uri="{C572A759-6A51-4108-AA02-DFA0A04FC94B}">
-              <ma14:wrappingTextBoxFlag xmlns:ma14="http://schemas.microsoft.com/office/mac/drawingml/2011/main" xmlns:a14="http://schemas.microsoft.com/office/drawing/2010/main" xmlns:m="http://schemas.openxmlformats.org/officeDocument/2006/math" xmlns="" val="1"/>
+              <ma14:wrappingTextBoxFlag xmlns="" xmlns:m="http://schemas.openxmlformats.org/officeDocument/2006/math" xmlns:a14="http://schemas.microsoft.com/office/drawing/2010/main" xmlns:ma14="http://schemas.microsoft.com/office/mac/drawingml/2011/main" val="1"/>
             </a:ext>
           </a:extLst>
         </p:spPr>
@@ -29190,7 +29195,7 @@
           </a:ln>
           <a:extLst>
             <a:ext uri="{C572A759-6A51-4108-AA02-DFA0A04FC94B}">
-              <ma14:wrappingTextBoxFlag xmlns:ma14="http://schemas.microsoft.com/office/mac/drawingml/2011/main" xmlns:a14="http://schemas.microsoft.com/office/drawing/2010/main" xmlns:m="http://schemas.openxmlformats.org/officeDocument/2006/math" xmlns="" val="1"/>
+              <ma14:wrappingTextBoxFlag xmlns="" xmlns:m="http://schemas.openxmlformats.org/officeDocument/2006/math" xmlns:a14="http://schemas.microsoft.com/office/drawing/2010/main" xmlns:ma14="http://schemas.microsoft.com/office/mac/drawingml/2011/main" val="1"/>
             </a:ext>
           </a:extLst>
         </p:spPr>
@@ -29419,7 +29424,7 @@
           </a:ln>
           <a:extLst>
             <a:ext uri="{C572A759-6A51-4108-AA02-DFA0A04FC94B}">
-              <ma14:wrappingTextBoxFlag xmlns:ma14="http://schemas.microsoft.com/office/mac/drawingml/2011/main" xmlns:a14="http://schemas.microsoft.com/office/drawing/2010/main" xmlns:m="http://schemas.openxmlformats.org/officeDocument/2006/math" xmlns="" val="1"/>
+              <ma14:wrappingTextBoxFlag xmlns="" xmlns:m="http://schemas.openxmlformats.org/officeDocument/2006/math" xmlns:a14="http://schemas.microsoft.com/office/drawing/2010/main" xmlns:ma14="http://schemas.microsoft.com/office/mac/drawingml/2011/main" val="1"/>
             </a:ext>
           </a:extLst>
         </p:spPr>
@@ -29456,7 +29461,7 @@
           </a:ln>
           <a:extLst>
             <a:ext uri="{C572A759-6A51-4108-AA02-DFA0A04FC94B}">
-              <ma14:wrappingTextBoxFlag xmlns:ma14="http://schemas.microsoft.com/office/mac/drawingml/2011/main" xmlns:a14="http://schemas.microsoft.com/office/drawing/2010/main" xmlns:m="http://schemas.openxmlformats.org/officeDocument/2006/math" xmlns="" val="1"/>
+              <ma14:wrappingTextBoxFlag xmlns="" xmlns:m="http://schemas.openxmlformats.org/officeDocument/2006/math" xmlns:a14="http://schemas.microsoft.com/office/drawing/2010/main" xmlns:ma14="http://schemas.microsoft.com/office/mac/drawingml/2011/main" val="1"/>
             </a:ext>
           </a:extLst>
         </p:spPr>
@@ -29755,7 +29760,7 @@
           </a:ln>
           <a:extLst>
             <a:ext uri="{C572A759-6A51-4108-AA02-DFA0A04FC94B}">
-              <ma14:wrappingTextBoxFlag xmlns:ma14="http://schemas.microsoft.com/office/mac/drawingml/2011/main" xmlns:a14="http://schemas.microsoft.com/office/drawing/2010/main" xmlns:m="http://schemas.openxmlformats.org/officeDocument/2006/math" xmlns="" val="1"/>
+              <ma14:wrappingTextBoxFlag xmlns="" xmlns:m="http://schemas.openxmlformats.org/officeDocument/2006/math" xmlns:a14="http://schemas.microsoft.com/office/drawing/2010/main" xmlns:ma14="http://schemas.microsoft.com/office/mac/drawingml/2011/main" val="1"/>
             </a:ext>
           </a:extLst>
         </p:spPr>
@@ -30004,7 +30009,7 @@
           </a:ln>
           <a:extLst>
             <a:ext uri="{C572A759-6A51-4108-AA02-DFA0A04FC94B}">
-              <ma14:wrappingTextBoxFlag xmlns:ma14="http://schemas.microsoft.com/office/mac/drawingml/2011/main" xmlns:a14="http://schemas.microsoft.com/office/drawing/2010/main" xmlns:m="http://schemas.openxmlformats.org/officeDocument/2006/math" xmlns="" val="1"/>
+              <ma14:wrappingTextBoxFlag xmlns="" xmlns:m="http://schemas.openxmlformats.org/officeDocument/2006/math" xmlns:a14="http://schemas.microsoft.com/office/drawing/2010/main" xmlns:ma14="http://schemas.microsoft.com/office/mac/drawingml/2011/main" val="1"/>
             </a:ext>
           </a:extLst>
         </p:spPr>
@@ -30041,7 +30046,7 @@
           </a:ln>
           <a:extLst>
             <a:ext uri="{C572A759-6A51-4108-AA02-DFA0A04FC94B}">
-              <ma14:wrappingTextBoxFlag xmlns:ma14="http://schemas.microsoft.com/office/mac/drawingml/2011/main" xmlns:a14="http://schemas.microsoft.com/office/drawing/2010/main" xmlns:m="http://schemas.openxmlformats.org/officeDocument/2006/math" xmlns="" val="1"/>
+              <ma14:wrappingTextBoxFlag xmlns="" xmlns:m="http://schemas.openxmlformats.org/officeDocument/2006/math" xmlns:a14="http://schemas.microsoft.com/office/drawing/2010/main" xmlns:ma14="http://schemas.microsoft.com/office/mac/drawingml/2011/main" val="1"/>
             </a:ext>
           </a:extLst>
         </p:spPr>
@@ -31088,7 +31093,7 @@
           </a:ln>
           <a:extLst>
             <a:ext uri="{C572A759-6A51-4108-AA02-DFA0A04FC94B}">
-              <ma14:wrappingTextBoxFlag xmlns:ma14="http://schemas.microsoft.com/office/mac/drawingml/2011/main" xmlns:a14="http://schemas.microsoft.com/office/drawing/2010/main" xmlns:m="http://schemas.openxmlformats.org/officeDocument/2006/math" xmlns="" val="1"/>
+              <ma14:wrappingTextBoxFlag xmlns="" xmlns:m="http://schemas.openxmlformats.org/officeDocument/2006/math" xmlns:a14="http://schemas.microsoft.com/office/drawing/2010/main" xmlns:ma14="http://schemas.microsoft.com/office/mac/drawingml/2011/main" val="1"/>
             </a:ext>
           </a:extLst>
         </p:spPr>
@@ -31123,7 +31128,7 @@
           </a:ln>
           <a:extLst>
             <a:ext uri="{C572A759-6A51-4108-AA02-DFA0A04FC94B}">
-              <ma14:wrappingTextBoxFlag xmlns:ma14="http://schemas.microsoft.com/office/mac/drawingml/2011/main" xmlns:a14="http://schemas.microsoft.com/office/drawing/2010/main" xmlns:m="http://schemas.openxmlformats.org/officeDocument/2006/math" xmlns="" val="1"/>
+              <ma14:wrappingTextBoxFlag xmlns="" xmlns:m="http://schemas.openxmlformats.org/officeDocument/2006/math" xmlns:a14="http://schemas.microsoft.com/office/drawing/2010/main" xmlns:ma14="http://schemas.microsoft.com/office/mac/drawingml/2011/main" val="1"/>
             </a:ext>
           </a:extLst>
         </p:spPr>
@@ -31241,7 +31246,7 @@
           </a:ln>
           <a:extLst>
             <a:ext uri="{C572A759-6A51-4108-AA02-DFA0A04FC94B}">
-              <ma14:wrappingTextBoxFlag xmlns:ma14="http://schemas.microsoft.com/office/mac/drawingml/2011/main" xmlns:a14="http://schemas.microsoft.com/office/drawing/2010/main" xmlns:m="http://schemas.openxmlformats.org/officeDocument/2006/math" xmlns="" val="1"/>
+              <ma14:wrappingTextBoxFlag xmlns="" xmlns:m="http://schemas.openxmlformats.org/officeDocument/2006/math" xmlns:a14="http://schemas.microsoft.com/office/drawing/2010/main" xmlns:ma14="http://schemas.microsoft.com/office/mac/drawingml/2011/main" val="1"/>
             </a:ext>
           </a:extLst>
         </p:spPr>
@@ -31287,7 +31292,7 @@
           </a:ln>
           <a:extLst>
             <a:ext uri="{C572A759-6A51-4108-AA02-DFA0A04FC94B}">
-              <ma14:wrappingTextBoxFlag xmlns:ma14="http://schemas.microsoft.com/office/mac/drawingml/2011/main" xmlns:a14="http://schemas.microsoft.com/office/drawing/2010/main" xmlns:m="http://schemas.openxmlformats.org/officeDocument/2006/math" xmlns="" val="1"/>
+              <ma14:wrappingTextBoxFlag xmlns="" xmlns:m="http://schemas.openxmlformats.org/officeDocument/2006/math" xmlns:a14="http://schemas.microsoft.com/office/drawing/2010/main" xmlns:ma14="http://schemas.microsoft.com/office/mac/drawingml/2011/main" val="1"/>
             </a:ext>
           </a:extLst>
         </p:spPr>
@@ -31333,7 +31338,7 @@
           </a:ln>
           <a:extLst>
             <a:ext uri="{C572A759-6A51-4108-AA02-DFA0A04FC94B}">
-              <ma14:wrappingTextBoxFlag xmlns:ma14="http://schemas.microsoft.com/office/mac/drawingml/2011/main" xmlns:a14="http://schemas.microsoft.com/office/drawing/2010/main" xmlns:m="http://schemas.openxmlformats.org/officeDocument/2006/math" xmlns="" val="1"/>
+              <ma14:wrappingTextBoxFlag xmlns="" xmlns:m="http://schemas.openxmlformats.org/officeDocument/2006/math" xmlns:a14="http://schemas.microsoft.com/office/drawing/2010/main" xmlns:ma14="http://schemas.microsoft.com/office/mac/drawingml/2011/main" val="1"/>
             </a:ext>
           </a:extLst>
         </p:spPr>
@@ -31486,7 +31491,7 @@
           </a:ln>
           <a:extLst>
             <a:ext uri="{C572A759-6A51-4108-AA02-DFA0A04FC94B}">
-              <ma14:wrappingTextBoxFlag xmlns:ma14="http://schemas.microsoft.com/office/mac/drawingml/2011/main" xmlns:a14="http://schemas.microsoft.com/office/drawing/2010/main" xmlns:m="http://schemas.openxmlformats.org/officeDocument/2006/math" xmlns="" val="1"/>
+              <ma14:wrappingTextBoxFlag xmlns="" xmlns:m="http://schemas.openxmlformats.org/officeDocument/2006/math" xmlns:a14="http://schemas.microsoft.com/office/drawing/2010/main" xmlns:ma14="http://schemas.microsoft.com/office/mac/drawingml/2011/main" val="1"/>
             </a:ext>
           </a:extLst>
         </p:spPr>
@@ -31521,7 +31526,7 @@
           </a:ln>
           <a:extLst>
             <a:ext uri="{C572A759-6A51-4108-AA02-DFA0A04FC94B}">
-              <ma14:wrappingTextBoxFlag xmlns:ma14="http://schemas.microsoft.com/office/mac/drawingml/2011/main" xmlns:a14="http://schemas.microsoft.com/office/drawing/2010/main" xmlns:m="http://schemas.openxmlformats.org/officeDocument/2006/math" xmlns="" val="1"/>
+              <ma14:wrappingTextBoxFlag xmlns="" xmlns:m="http://schemas.openxmlformats.org/officeDocument/2006/math" xmlns:a14="http://schemas.microsoft.com/office/drawing/2010/main" xmlns:ma14="http://schemas.microsoft.com/office/mac/drawingml/2011/main" val="1"/>
             </a:ext>
           </a:extLst>
         </p:spPr>
@@ -31601,7 +31606,7 @@
           </a:ln>
           <a:extLst>
             <a:ext uri="{C572A759-6A51-4108-AA02-DFA0A04FC94B}">
-              <ma14:wrappingTextBoxFlag xmlns:ma14="http://schemas.microsoft.com/office/mac/drawingml/2011/main" xmlns:a14="http://schemas.microsoft.com/office/drawing/2010/main" xmlns:m="http://schemas.openxmlformats.org/officeDocument/2006/math" xmlns="" val="1"/>
+              <ma14:wrappingTextBoxFlag xmlns="" xmlns:m="http://schemas.openxmlformats.org/officeDocument/2006/math" xmlns:a14="http://schemas.microsoft.com/office/drawing/2010/main" xmlns:ma14="http://schemas.microsoft.com/office/mac/drawingml/2011/main" val="1"/>
             </a:ext>
           </a:extLst>
         </p:spPr>
@@ -31900,7 +31905,7 @@
           </a:ln>
           <a:extLst>
             <a:ext uri="{C572A759-6A51-4108-AA02-DFA0A04FC94B}">
-              <ma14:wrappingTextBoxFlag xmlns:ma14="http://schemas.microsoft.com/office/mac/drawingml/2011/main" xmlns:a14="http://schemas.microsoft.com/office/drawing/2010/main" xmlns:m="http://schemas.openxmlformats.org/officeDocument/2006/math" xmlns="" val="1"/>
+              <ma14:wrappingTextBoxFlag xmlns="" xmlns:m="http://schemas.openxmlformats.org/officeDocument/2006/math" xmlns:a14="http://schemas.microsoft.com/office/drawing/2010/main" xmlns:ma14="http://schemas.microsoft.com/office/mac/drawingml/2011/main" val="1"/>
             </a:ext>
           </a:extLst>
         </p:spPr>
@@ -31935,7 +31940,7 @@
           </a:ln>
           <a:extLst>
             <a:ext uri="{C572A759-6A51-4108-AA02-DFA0A04FC94B}">
-              <ma14:wrappingTextBoxFlag xmlns:ma14="http://schemas.microsoft.com/office/mac/drawingml/2011/main" xmlns:a14="http://schemas.microsoft.com/office/drawing/2010/main" xmlns:m="http://schemas.openxmlformats.org/officeDocument/2006/math" xmlns="" val="1"/>
+              <ma14:wrappingTextBoxFlag xmlns="" xmlns:m="http://schemas.openxmlformats.org/officeDocument/2006/math" xmlns:a14="http://schemas.microsoft.com/office/drawing/2010/main" xmlns:ma14="http://schemas.microsoft.com/office/mac/drawingml/2011/main" val="1"/>
             </a:ext>
           </a:extLst>
         </p:spPr>
@@ -32053,7 +32058,7 @@
           </a:ln>
           <a:extLst>
             <a:ext uri="{C572A759-6A51-4108-AA02-DFA0A04FC94B}">
-              <ma14:wrappingTextBoxFlag xmlns:ma14="http://schemas.microsoft.com/office/mac/drawingml/2011/main" xmlns:a14="http://schemas.microsoft.com/office/drawing/2010/main" xmlns:m="http://schemas.openxmlformats.org/officeDocument/2006/math" xmlns="" val="1"/>
+              <ma14:wrappingTextBoxFlag xmlns="" xmlns:m="http://schemas.openxmlformats.org/officeDocument/2006/math" xmlns:a14="http://schemas.microsoft.com/office/drawing/2010/main" xmlns:ma14="http://schemas.microsoft.com/office/mac/drawingml/2011/main" val="1"/>
             </a:ext>
           </a:extLst>
         </p:spPr>
@@ -32099,7 +32104,7 @@
           </a:ln>
           <a:extLst>
             <a:ext uri="{C572A759-6A51-4108-AA02-DFA0A04FC94B}">
-              <ma14:wrappingTextBoxFlag xmlns:ma14="http://schemas.microsoft.com/office/mac/drawingml/2011/main" xmlns:a14="http://schemas.microsoft.com/office/drawing/2010/main" xmlns:m="http://schemas.openxmlformats.org/officeDocument/2006/math" xmlns="" val="1"/>
+              <ma14:wrappingTextBoxFlag xmlns="" xmlns:m="http://schemas.openxmlformats.org/officeDocument/2006/math" xmlns:a14="http://schemas.microsoft.com/office/drawing/2010/main" xmlns:ma14="http://schemas.microsoft.com/office/mac/drawingml/2011/main" val="1"/>
             </a:ext>
           </a:extLst>
         </p:spPr>
@@ -32142,7 +32147,7 @@
           </a:ln>
           <a:extLst>
             <a:ext uri="{C572A759-6A51-4108-AA02-DFA0A04FC94B}">
-              <ma14:wrappingTextBoxFlag xmlns:ma14="http://schemas.microsoft.com/office/mac/drawingml/2011/main" xmlns:a14="http://schemas.microsoft.com/office/drawing/2010/main" xmlns:m="http://schemas.openxmlformats.org/officeDocument/2006/math" xmlns="" val="1"/>
+              <ma14:wrappingTextBoxFlag xmlns="" xmlns:m="http://schemas.openxmlformats.org/officeDocument/2006/math" xmlns:a14="http://schemas.microsoft.com/office/drawing/2010/main" xmlns:ma14="http://schemas.microsoft.com/office/mac/drawingml/2011/main" val="1"/>
             </a:ext>
           </a:extLst>
         </p:spPr>
@@ -32177,7 +32182,7 @@
           </a:ln>
           <a:extLst>
             <a:ext uri="{C572A759-6A51-4108-AA02-DFA0A04FC94B}">
-              <ma14:wrappingTextBoxFlag xmlns:ma14="http://schemas.microsoft.com/office/mac/drawingml/2011/main" xmlns:a14="http://schemas.microsoft.com/office/drawing/2010/main" xmlns:m="http://schemas.openxmlformats.org/officeDocument/2006/math" xmlns="" val="1"/>
+              <ma14:wrappingTextBoxFlag xmlns="" xmlns:m="http://schemas.openxmlformats.org/officeDocument/2006/math" xmlns:a14="http://schemas.microsoft.com/office/drawing/2010/main" xmlns:ma14="http://schemas.microsoft.com/office/mac/drawingml/2011/main" val="1"/>
             </a:ext>
           </a:extLst>
         </p:spPr>
@@ -32260,7 +32265,7 @@
           </a:ln>
           <a:extLst>
             <a:ext uri="{C572A759-6A51-4108-AA02-DFA0A04FC94B}">
-              <ma14:wrappingTextBoxFlag xmlns:ma14="http://schemas.microsoft.com/office/mac/drawingml/2011/main" xmlns:a14="http://schemas.microsoft.com/office/drawing/2010/main" xmlns:m="http://schemas.openxmlformats.org/officeDocument/2006/math" xmlns="" val="1"/>
+              <ma14:wrappingTextBoxFlag xmlns="" xmlns:m="http://schemas.openxmlformats.org/officeDocument/2006/math" xmlns:a14="http://schemas.microsoft.com/office/drawing/2010/main" xmlns:ma14="http://schemas.microsoft.com/office/mac/drawingml/2011/main" val="1"/>
             </a:ext>
           </a:extLst>
         </p:spPr>
@@ -32450,7 +32455,7 @@
           </a:ln>
           <a:extLst>
             <a:ext uri="{C572A759-6A51-4108-AA02-DFA0A04FC94B}">
-              <ma14:wrappingTextBoxFlag xmlns:ma14="http://schemas.microsoft.com/office/mac/drawingml/2011/main" xmlns:a14="http://schemas.microsoft.com/office/drawing/2010/main" xmlns:m="http://schemas.openxmlformats.org/officeDocument/2006/math" xmlns="" val="1"/>
+              <ma14:wrappingTextBoxFlag xmlns="" xmlns:m="http://schemas.openxmlformats.org/officeDocument/2006/math" xmlns:a14="http://schemas.microsoft.com/office/drawing/2010/main" xmlns:ma14="http://schemas.microsoft.com/office/mac/drawingml/2011/main" val="1"/>
             </a:ext>
           </a:extLst>
         </p:spPr>
@@ -32749,7 +32754,7 @@
           </a:ln>
           <a:extLst>
             <a:ext uri="{C572A759-6A51-4108-AA02-DFA0A04FC94B}">
-              <ma14:wrappingTextBoxFlag xmlns:ma14="http://schemas.microsoft.com/office/mac/drawingml/2011/main" xmlns:a14="http://schemas.microsoft.com/office/drawing/2010/main" xmlns:m="http://schemas.openxmlformats.org/officeDocument/2006/math" xmlns="" val="1"/>
+              <ma14:wrappingTextBoxFlag xmlns="" xmlns:m="http://schemas.openxmlformats.org/officeDocument/2006/math" xmlns:a14="http://schemas.microsoft.com/office/drawing/2010/main" xmlns:ma14="http://schemas.microsoft.com/office/mac/drawingml/2011/main" val="1"/>
             </a:ext>
           </a:extLst>
         </p:spPr>
@@ -32784,7 +32789,7 @@
           </a:ln>
           <a:extLst>
             <a:ext uri="{C572A759-6A51-4108-AA02-DFA0A04FC94B}">
-              <ma14:wrappingTextBoxFlag xmlns:ma14="http://schemas.microsoft.com/office/mac/drawingml/2011/main" xmlns:a14="http://schemas.microsoft.com/office/drawing/2010/main" xmlns:m="http://schemas.openxmlformats.org/officeDocument/2006/math" xmlns="" val="1"/>
+              <ma14:wrappingTextBoxFlag xmlns="" xmlns:m="http://schemas.openxmlformats.org/officeDocument/2006/math" xmlns:a14="http://schemas.microsoft.com/office/drawing/2010/main" xmlns:ma14="http://schemas.microsoft.com/office/mac/drawingml/2011/main" val="1"/>
             </a:ext>
           </a:extLst>
         </p:spPr>
@@ -32902,7 +32907,7 @@
           </a:ln>
           <a:extLst>
             <a:ext uri="{C572A759-6A51-4108-AA02-DFA0A04FC94B}">
-              <ma14:wrappingTextBoxFlag xmlns:ma14="http://schemas.microsoft.com/office/mac/drawingml/2011/main" xmlns:a14="http://schemas.microsoft.com/office/drawing/2010/main" xmlns:m="http://schemas.openxmlformats.org/officeDocument/2006/math" xmlns="" val="1"/>
+              <ma14:wrappingTextBoxFlag xmlns="" xmlns:m="http://schemas.openxmlformats.org/officeDocument/2006/math" xmlns:a14="http://schemas.microsoft.com/office/drawing/2010/main" xmlns:ma14="http://schemas.microsoft.com/office/mac/drawingml/2011/main" val="1"/>
             </a:ext>
           </a:extLst>
         </p:spPr>
@@ -32948,7 +32953,7 @@
           </a:ln>
           <a:extLst>
             <a:ext uri="{C572A759-6A51-4108-AA02-DFA0A04FC94B}">
-              <ma14:wrappingTextBoxFlag xmlns:ma14="http://schemas.microsoft.com/office/mac/drawingml/2011/main" xmlns:a14="http://schemas.microsoft.com/office/drawing/2010/main" xmlns:m="http://schemas.openxmlformats.org/officeDocument/2006/math" xmlns="" val="1"/>
+              <ma14:wrappingTextBoxFlag xmlns="" xmlns:m="http://schemas.openxmlformats.org/officeDocument/2006/math" xmlns:a14="http://schemas.microsoft.com/office/drawing/2010/main" xmlns:ma14="http://schemas.microsoft.com/office/mac/drawingml/2011/main" val="1"/>
             </a:ext>
           </a:extLst>
         </p:spPr>
@@ -32983,7 +32988,7 @@
           </a:ln>
           <a:extLst>
             <a:ext uri="{C572A759-6A51-4108-AA02-DFA0A04FC94B}">
-              <ma14:wrappingTextBoxFlag xmlns:ma14="http://schemas.microsoft.com/office/mac/drawingml/2011/main" xmlns:a14="http://schemas.microsoft.com/office/drawing/2010/main" xmlns:m="http://schemas.openxmlformats.org/officeDocument/2006/math" xmlns="" val="1"/>
+              <ma14:wrappingTextBoxFlag xmlns="" xmlns:m="http://schemas.openxmlformats.org/officeDocument/2006/math" xmlns:a14="http://schemas.microsoft.com/office/drawing/2010/main" xmlns:ma14="http://schemas.microsoft.com/office/mac/drawingml/2011/main" val="1"/>
             </a:ext>
           </a:extLst>
         </p:spPr>
@@ -33066,7 +33071,7 @@
           </a:ln>
           <a:extLst>
             <a:ext uri="{C572A759-6A51-4108-AA02-DFA0A04FC94B}">
-              <ma14:wrappingTextBoxFlag xmlns:ma14="http://schemas.microsoft.com/office/mac/drawingml/2011/main" xmlns:a14="http://schemas.microsoft.com/office/drawing/2010/main" xmlns:m="http://schemas.openxmlformats.org/officeDocument/2006/math" xmlns="" val="1"/>
+              <ma14:wrappingTextBoxFlag xmlns="" xmlns:m="http://schemas.openxmlformats.org/officeDocument/2006/math" xmlns:a14="http://schemas.microsoft.com/office/drawing/2010/main" xmlns:ma14="http://schemas.microsoft.com/office/mac/drawingml/2011/main" val="1"/>
             </a:ext>
           </a:extLst>
         </p:spPr>
@@ -33236,7 +33241,7 @@
           </a:ln>
           <a:extLst>
             <a:ext uri="{C572A759-6A51-4108-AA02-DFA0A04FC94B}">
-              <ma14:wrappingTextBoxFlag xmlns:ma14="http://schemas.microsoft.com/office/mac/drawingml/2011/main" xmlns:a14="http://schemas.microsoft.com/office/drawing/2010/main" xmlns:m="http://schemas.openxmlformats.org/officeDocument/2006/math" xmlns="" val="1"/>
+              <ma14:wrappingTextBoxFlag xmlns="" xmlns:m="http://schemas.openxmlformats.org/officeDocument/2006/math" xmlns:a14="http://schemas.microsoft.com/office/drawing/2010/main" xmlns:ma14="http://schemas.microsoft.com/office/mac/drawingml/2011/main" val="1"/>
             </a:ext>
           </a:extLst>
         </p:spPr>
@@ -33318,7 +33323,7 @@
           </a:ln>
           <a:extLst>
             <a:ext uri="{C572A759-6A51-4108-AA02-DFA0A04FC94B}">
-              <ma14:wrappingTextBoxFlag xmlns:ma14="http://schemas.microsoft.com/office/mac/drawingml/2011/main" xmlns:a14="http://schemas.microsoft.com/office/drawing/2010/main" xmlns:m="http://schemas.openxmlformats.org/officeDocument/2006/math" xmlns="" val="1"/>
+              <ma14:wrappingTextBoxFlag xmlns="" xmlns:m="http://schemas.openxmlformats.org/officeDocument/2006/math" xmlns:a14="http://schemas.microsoft.com/office/drawing/2010/main" xmlns:ma14="http://schemas.microsoft.com/office/mac/drawingml/2011/main" val="1"/>
             </a:ext>
           </a:extLst>
         </p:spPr>

--- a/tyler/meena/cs220/s21/materials/lec_32_S21.pptx
+++ b/tyler/meena/cs220/s21/materials/lec_32_S21.pptx
@@ -31,12 +31,12 @@
     <p:sldId id="276" r:id="rId22"/>
     <p:sldId id="277" r:id="rId23"/>
     <p:sldId id="278" r:id="rId24"/>
-    <p:sldId id="279" r:id="rId25"/>
-    <p:sldId id="283" r:id="rId26"/>
-    <p:sldId id="284" r:id="rId27"/>
-    <p:sldId id="285" r:id="rId28"/>
-    <p:sldId id="286" r:id="rId29"/>
-    <p:sldId id="287" r:id="rId30"/>
+    <p:sldId id="283" r:id="rId25"/>
+    <p:sldId id="284" r:id="rId26"/>
+    <p:sldId id="285" r:id="rId27"/>
+    <p:sldId id="286" r:id="rId28"/>
+    <p:sldId id="287" r:id="rId29"/>
+    <p:sldId id="279" r:id="rId30"/>
     <p:sldId id="282" r:id="rId31"/>
     <p:sldId id="280" r:id="rId32"/>
     <p:sldId id="281" r:id="rId33"/>
@@ -10499,7 +10499,7 @@
       </p:grpSpPr>
       <p:sp>
         <p:nvSpPr>
-          <p:cNvPr id="333" name="Vertical Space"/>
+          <p:cNvPr id="364" name="Vertical Space"/>
           <p:cNvSpPr txBox="1">
             <a:spLocks noGrp="1"/>
           </p:cNvSpPr>
@@ -10525,6 +10525,7 @@
           </a:lstStyle>
           <a:p>
             <a:r>
+              <a:rPr dirty="0"/>
               <a:t>Vertical Space</a:t>
             </a:r>
           </a:p>
@@ -10532,7 +10533,7 @@
       </p:sp>
       <p:sp>
         <p:nvSpPr>
-          <p:cNvPr id="334" name="Notebook"/>
+          <p:cNvPr id="365" name="Notebook"/>
           <p:cNvSpPr/>
           <p:nvPr/>
         </p:nvSpPr>
@@ -10673,14 +10674,14 @@
       </p:sp>
       <p:sp>
         <p:nvSpPr>
-          <p:cNvPr id="335" name="Welcome…"/>
+          <p:cNvPr id="366" name="This is a test page.…"/>
           <p:cNvSpPr txBox="1"/>
           <p:nvPr/>
         </p:nvSpPr>
         <p:spPr>
           <a:xfrm>
             <a:off x="3987800" y="5834278"/>
-            <a:ext cx="5137830" cy="2463801"/>
+            <a:ext cx="5137830" cy="1320801"/>
           </a:xfrm>
           <a:prstGeom prst="rect">
             <a:avLst/>
@@ -10701,10 +10702,10 @@
           <a:lstStyle/>
           <a:p>
             <a:pPr algn="l">
-              <a:defRPr sz="5000"/>
-            </a:pPr>
-            <a:r>
-              <a:t>Welcome</a:t>
+              <a:defRPr sz="2800" b="0"/>
+            </a:pPr>
+            <a:r>
+              <a:t>This is a test page.</a:t>
             </a:r>
           </a:p>
           <a:p>
@@ -10718,20 +10719,6 @@
               <a:defRPr sz="2800" b="0"/>
             </a:pPr>
             <a:r>
-              <a:t>This is a test page.</a:t>
-            </a:r>
-          </a:p>
-          <a:p>
-            <a:pPr algn="l">
-              <a:defRPr sz="2800" b="0"/>
-            </a:pPr>
-            <a:endParaRPr/>
-          </a:p>
-          <a:p>
-            <a:pPr algn="l">
-              <a:defRPr sz="2800" b="0"/>
-            </a:pPr>
-            <a:r>
               <a:t>It is awesome.</a:t>
             </a:r>
           </a:p>
@@ -10739,7 +10726,7 @@
       </p:sp>
       <p:sp>
         <p:nvSpPr>
-          <p:cNvPr id="336" name="&lt;h1&gt;Welcome&lt;/h1&gt;…"/>
+          <p:cNvPr id="367" name="This is a test page.…"/>
           <p:cNvSpPr/>
           <p:nvPr/>
         </p:nvSpPr>
@@ -10769,6 +10756,14 @@
         <p:txBody>
           <a:bodyPr lIns="50800" tIns="50800" rIns="50800" bIns="50800"/>
           <a:lstStyle/>
+          <a:p>
+            <a:pPr algn="l">
+              <a:defRPr sz="2600"/>
+            </a:pPr>
+            <a:r>
+              <a:t>This is a test page.</a:t>
+            </a:r>
+          </a:p>
           <a:p>
             <a:pPr algn="l">
               <a:defRPr sz="2600"/>
@@ -10783,65 +10778,22 @@
                   </a:schemeClr>
                 </a:solidFill>
               </a:rPr>
-              <a:t>&lt;h1&gt;</a:t>
-            </a:r>
-            <a:r>
-              <a:t>Welcome</a:t>
-            </a:r>
-            <a:r>
-              <a:rPr>
-                <a:solidFill>
-                  <a:schemeClr val="accent5">
-                    <a:hueOff val="-82419"/>
-                    <a:satOff val="-9513"/>
-                    <a:lumOff val="-16343"/>
-                  </a:schemeClr>
-                </a:solidFill>
-              </a:rPr>
-              <a:t>&lt;/h1&gt;</a:t>
+              <a:t>&lt;br&gt;&lt;br&gt;</a:t>
             </a:r>
           </a:p>
           <a:p>
             <a:pPr algn="l">
               <a:defRPr sz="2600"/>
             </a:pPr>
-            <a:endParaRPr>
-              <a:solidFill>
-                <a:schemeClr val="accent5">
-                  <a:hueOff val="-82419"/>
-                  <a:satOff val="-9513"/>
-                  <a:lumOff val="-16343"/>
-                </a:schemeClr>
-              </a:solidFill>
-            </a:endParaRPr>
-          </a:p>
-          <a:p>
-            <a:pPr algn="l">
-              <a:defRPr sz="2600"/>
-            </a:pPr>
-            <a:r>
-              <a:t>&lt;p&gt;This is a test page.&lt;/p&gt;</a:t>
-            </a:r>
-          </a:p>
-          <a:p>
-            <a:pPr algn="l">
-              <a:defRPr sz="2600"/>
-            </a:pPr>
-            <a:endParaRPr/>
-          </a:p>
-          <a:p>
-            <a:pPr algn="l">
-              <a:defRPr sz="2600"/>
-            </a:pPr>
-            <a:r>
-              <a:t>&lt;p&gt;It is awesome.&lt;/p&gt;</a:t>
-            </a:r>
-          </a:p>
-        </p:txBody>
-      </p:sp>
-      <p:sp>
-        <p:nvSpPr>
-          <p:cNvPr id="337" name="test.html"/>
+            <a:r>
+              <a:t>It is awesome.</a:t>
+            </a:r>
+          </a:p>
+        </p:txBody>
+      </p:sp>
+      <p:sp>
+        <p:nvSpPr>
+          <p:cNvPr id="368" name="test.html"/>
           <p:cNvSpPr txBox="1"/>
           <p:nvPr/>
         </p:nvSpPr>
@@ -10878,14 +10830,14 @@
       </p:sp>
       <p:sp>
         <p:nvSpPr>
-          <p:cNvPr id="338" name="h1: big header"/>
+          <p:cNvPr id="369" name="br: line break"/>
           <p:cNvSpPr txBox="1"/>
           <p:nvPr/>
         </p:nvSpPr>
         <p:spPr>
           <a:xfrm>
-            <a:off x="1019472" y="2349499"/>
-            <a:ext cx="2964856" cy="685801"/>
+            <a:off x="1101328" y="2349499"/>
+            <a:ext cx="2801144" cy="685801"/>
           </a:xfrm>
           <a:prstGeom prst="rect">
             <a:avLst/>
@@ -10910,7 +10862,7 @@
           </a:lstStyle>
           <a:p>
             <a:r>
-              <a:t>h1: big header</a:t>
+              <a:t>br: line break</a:t>
             </a:r>
           </a:p>
         </p:txBody>
@@ -10943,7 +10895,7 @@
       </p:grpSpPr>
       <p:sp>
         <p:nvSpPr>
-          <p:cNvPr id="364" name="Vertical Space"/>
+          <p:cNvPr id="371" name="Vertical Space"/>
           <p:cNvSpPr txBox="1">
             <a:spLocks noGrp="1"/>
           </p:cNvSpPr>
@@ -10969,7 +10921,6 @@
           </a:lstStyle>
           <a:p>
             <a:r>
-              <a:rPr dirty="0"/>
               <a:t>Vertical Space</a:t>
             </a:r>
           </a:p>
@@ -10977,7 +10928,7 @@
       </p:sp>
       <p:sp>
         <p:nvSpPr>
-          <p:cNvPr id="365" name="Notebook"/>
+          <p:cNvPr id="372" name="Notebook"/>
           <p:cNvSpPr/>
           <p:nvPr/>
         </p:nvSpPr>
@@ -11118,14 +11069,14 @@
       </p:sp>
       <p:sp>
         <p:nvSpPr>
-          <p:cNvPr id="366" name="This is a test page.…"/>
+          <p:cNvPr id="373" name="This is a test page.…"/>
           <p:cNvSpPr txBox="1"/>
           <p:nvPr/>
         </p:nvSpPr>
         <p:spPr>
           <a:xfrm>
             <a:off x="3987800" y="5834278"/>
-            <a:ext cx="5137830" cy="1320801"/>
+            <a:ext cx="5137830" cy="1727201"/>
           </a:xfrm>
           <a:prstGeom prst="rect">
             <a:avLst/>
@@ -11162,6 +11113,12 @@
             <a:pPr algn="l">
               <a:defRPr sz="2800" b="0"/>
             </a:pPr>
+            <a:endParaRPr/>
+          </a:p>
+          <a:p>
+            <a:pPr algn="l">
+              <a:defRPr sz="2800" b="0"/>
+            </a:pPr>
             <a:r>
               <a:t>It is awesome.</a:t>
             </a:r>
@@ -11170,7 +11127,7 @@
       </p:sp>
       <p:sp>
         <p:nvSpPr>
-          <p:cNvPr id="367" name="This is a test page.…"/>
+          <p:cNvPr id="374" name="This is a test page.…"/>
           <p:cNvSpPr/>
           <p:nvPr/>
         </p:nvSpPr>
@@ -11222,7 +11179,7 @@
                   </a:schemeClr>
                 </a:solidFill>
               </a:rPr>
-              <a:t>&lt;br&gt;&lt;br&gt;</a:t>
+              <a:t>&lt;br&gt;&lt;br&gt;&lt;br&gt;</a:t>
             </a:r>
           </a:p>
           <a:p>
@@ -11237,7 +11194,7 @@
       </p:sp>
       <p:sp>
         <p:nvSpPr>
-          <p:cNvPr id="368" name="test.html"/>
+          <p:cNvPr id="375" name="test.html"/>
           <p:cNvSpPr txBox="1"/>
           <p:nvPr/>
         </p:nvSpPr>
@@ -11274,7 +11231,7 @@
       </p:sp>
       <p:sp>
         <p:nvSpPr>
-          <p:cNvPr id="369" name="br: line break"/>
+          <p:cNvPr id="376" name="br: line break"/>
           <p:cNvSpPr txBox="1"/>
           <p:nvPr/>
         </p:nvSpPr>
@@ -11339,7 +11296,7 @@
       </p:grpSpPr>
       <p:sp>
         <p:nvSpPr>
-          <p:cNvPr id="371" name="Vertical Space"/>
+          <p:cNvPr id="378" name="Vertical Space"/>
           <p:cNvSpPr txBox="1">
             <a:spLocks noGrp="1"/>
           </p:cNvSpPr>
@@ -11372,7 +11329,7 @@
       </p:sp>
       <p:sp>
         <p:nvSpPr>
-          <p:cNvPr id="372" name="Notebook"/>
+          <p:cNvPr id="379" name="Notebook"/>
           <p:cNvSpPr/>
           <p:nvPr/>
         </p:nvSpPr>
@@ -11513,14 +11470,14 @@
       </p:sp>
       <p:sp>
         <p:nvSpPr>
-          <p:cNvPr id="373" name="This is a test page.…"/>
+          <p:cNvPr id="380" name="This is a test page.…"/>
           <p:cNvSpPr txBox="1"/>
           <p:nvPr/>
         </p:nvSpPr>
         <p:spPr>
           <a:xfrm>
             <a:off x="3987800" y="5834278"/>
-            <a:ext cx="5137830" cy="1727201"/>
+            <a:ext cx="5137830" cy="2133601"/>
           </a:xfrm>
           <a:prstGeom prst="rect">
             <a:avLst/>
@@ -11563,6 +11520,12 @@
             <a:pPr algn="l">
               <a:defRPr sz="2800" b="0"/>
             </a:pPr>
+            <a:endParaRPr/>
+          </a:p>
+          <a:p>
+            <a:pPr algn="l">
+              <a:defRPr sz="2800" b="0"/>
+            </a:pPr>
             <a:r>
               <a:t>It is awesome.</a:t>
             </a:r>
@@ -11571,7 +11534,7 @@
       </p:sp>
       <p:sp>
         <p:nvSpPr>
-          <p:cNvPr id="374" name="This is a test page.…"/>
+          <p:cNvPr id="381" name="This is a test page.…"/>
           <p:cNvSpPr/>
           <p:nvPr/>
         </p:nvSpPr>
@@ -11623,7 +11586,7 @@
                   </a:schemeClr>
                 </a:solidFill>
               </a:rPr>
-              <a:t>&lt;br&gt;&lt;br&gt;&lt;br&gt;</a:t>
+              <a:t>&lt;br&gt;&lt;br&gt;&lt;br&gt;&lt;br&gt;</a:t>
             </a:r>
           </a:p>
           <a:p>
@@ -11638,7 +11601,7 @@
       </p:sp>
       <p:sp>
         <p:nvSpPr>
-          <p:cNvPr id="375" name="test.html"/>
+          <p:cNvPr id="382" name="test.html"/>
           <p:cNvSpPr txBox="1"/>
           <p:nvPr/>
         </p:nvSpPr>
@@ -11675,7 +11638,7 @@
       </p:sp>
       <p:sp>
         <p:nvSpPr>
-          <p:cNvPr id="376" name="br: line break"/>
+          <p:cNvPr id="383" name="br: line break"/>
           <p:cNvSpPr txBox="1"/>
           <p:nvPr/>
         </p:nvSpPr>
@@ -11722,413 +11685,6 @@
 </file>
 
 <file path=ppt/slides/slide27.xml><?xml version="1.0" encoding="utf-8"?>
-<p:sld xmlns:a="http://schemas.openxmlformats.org/drawingml/2006/main" xmlns:r="http://schemas.openxmlformats.org/officeDocument/2006/relationships" xmlns:p="http://schemas.openxmlformats.org/presentationml/2006/main">
-  <p:cSld>
-    <p:spTree>
-      <p:nvGrpSpPr>
-        <p:cNvPr id="1" name=""/>
-        <p:cNvGrpSpPr/>
-        <p:nvPr/>
-      </p:nvGrpSpPr>
-      <p:grpSpPr>
-        <a:xfrm>
-          <a:off x="0" y="0"/>
-          <a:ext cx="0" cy="0"/>
-          <a:chOff x="0" y="0"/>
-          <a:chExt cx="0" cy="0"/>
-        </a:xfrm>
-      </p:grpSpPr>
-      <p:sp>
-        <p:nvSpPr>
-          <p:cNvPr id="378" name="Vertical Space"/>
-          <p:cNvSpPr txBox="1">
-            <a:spLocks noGrp="1"/>
-          </p:cNvSpPr>
-          <p:nvPr>
-            <p:ph type="title"/>
-          </p:nvPr>
-        </p:nvSpPr>
-        <p:spPr>
-          <a:xfrm>
-            <a:off x="952500" y="254000"/>
-            <a:ext cx="11099800" cy="902345"/>
-          </a:xfrm>
-          <a:prstGeom prst="rect">
-            <a:avLst/>
-          </a:prstGeom>
-        </p:spPr>
-        <p:txBody>
-          <a:bodyPr/>
-          <a:lstStyle>
-            <a:lvl1pPr algn="l">
-              <a:defRPr sz="4800"/>
-            </a:lvl1pPr>
-          </a:lstStyle>
-          <a:p>
-            <a:r>
-              <a:t>Vertical Space</a:t>
-            </a:r>
-          </a:p>
-        </p:txBody>
-      </p:sp>
-      <p:sp>
-        <p:nvSpPr>
-          <p:cNvPr id="379" name="Notebook"/>
-          <p:cNvSpPr/>
-          <p:nvPr/>
-        </p:nvSpPr>
-        <p:spPr>
-          <a:xfrm>
-            <a:off x="2910067" y="5311211"/>
-            <a:ext cx="7184666" cy="4024588"/>
-          </a:xfrm>
-          <a:custGeom>
-            <a:avLst/>
-            <a:gdLst/>
-            <a:ahLst/>
-            <a:cxnLst>
-              <a:cxn ang="0">
-                <a:pos x="wd2" y="hd2"/>
-              </a:cxn>
-              <a:cxn ang="5400000">
-                <a:pos x="wd2" y="hd2"/>
-              </a:cxn>
-              <a:cxn ang="10800000">
-                <a:pos x="wd2" y="hd2"/>
-              </a:cxn>
-              <a:cxn ang="16200000">
-                <a:pos x="wd2" y="hd2"/>
-              </a:cxn>
-            </a:cxnLst>
-            <a:rect l="0" t="0" r="r" b="b"/>
-            <a:pathLst>
-              <a:path w="21600" h="21599" extrusionOk="0">
-                <a:moveTo>
-                  <a:pt x="1952" y="0"/>
-                </a:moveTo>
-                <a:cubicBezTo>
-                  <a:pt x="1421" y="0"/>
-                  <a:pt x="1439" y="771"/>
-                  <a:pt x="1439" y="1718"/>
-                </a:cubicBezTo>
-                <a:lnTo>
-                  <a:pt x="1439" y="19328"/>
-                </a:lnTo>
-                <a:lnTo>
-                  <a:pt x="0" y="19328"/>
-                </a:lnTo>
-                <a:cubicBezTo>
-                  <a:pt x="0" y="19328"/>
-                  <a:pt x="0" y="19890"/>
-                  <a:pt x="0" y="20529"/>
-                </a:cubicBezTo>
-                <a:cubicBezTo>
-                  <a:pt x="0" y="21600"/>
-                  <a:pt x="190" y="21599"/>
-                  <a:pt x="896" y="21599"/>
-                </a:cubicBezTo>
-                <a:lnTo>
-                  <a:pt x="10332" y="21599"/>
-                </a:lnTo>
-                <a:lnTo>
-                  <a:pt x="11268" y="21599"/>
-                </a:lnTo>
-                <a:lnTo>
-                  <a:pt x="20704" y="21599"/>
-                </a:lnTo>
-                <a:cubicBezTo>
-                  <a:pt x="21367" y="21599"/>
-                  <a:pt x="21600" y="21600"/>
-                  <a:pt x="21600" y="20529"/>
-                </a:cubicBezTo>
-                <a:cubicBezTo>
-                  <a:pt x="21600" y="19890"/>
-                  <a:pt x="21600" y="19328"/>
-                  <a:pt x="21600" y="19328"/>
-                </a:cubicBezTo>
-                <a:lnTo>
-                  <a:pt x="20161" y="19328"/>
-                </a:lnTo>
-                <a:lnTo>
-                  <a:pt x="20161" y="1718"/>
-                </a:lnTo>
-                <a:cubicBezTo>
-                  <a:pt x="20161" y="771"/>
-                  <a:pt x="20196" y="0"/>
-                  <a:pt x="19665" y="0"/>
-                </a:cubicBezTo>
-                <a:lnTo>
-                  <a:pt x="1952" y="0"/>
-                </a:lnTo>
-                <a:close/>
-                <a:moveTo>
-                  <a:pt x="2475" y="1849"/>
-                </a:moveTo>
-                <a:lnTo>
-                  <a:pt x="19125" y="1849"/>
-                </a:lnTo>
-                <a:lnTo>
-                  <a:pt x="19125" y="19328"/>
-                </a:lnTo>
-                <a:lnTo>
-                  <a:pt x="11268" y="19328"/>
-                </a:lnTo>
-                <a:lnTo>
-                  <a:pt x="10332" y="19328"/>
-                </a:lnTo>
-                <a:lnTo>
-                  <a:pt x="2475" y="19328"/>
-                </a:lnTo>
-                <a:lnTo>
-                  <a:pt x="2475" y="1849"/>
-                </a:lnTo>
-                <a:close/>
-              </a:path>
-            </a:pathLst>
-          </a:custGeom>
-          <a:solidFill>
-            <a:schemeClr val="accent1"/>
-          </a:solidFill>
-          <a:ln w="12700">
-            <a:miter lim="400000"/>
-          </a:ln>
-        </p:spPr>
-        <p:txBody>
-          <a:bodyPr lIns="50800" tIns="50800" rIns="50800" bIns="50800" anchor="ctr"/>
-          <a:lstStyle/>
-          <a:p>
-            <a:pPr>
-              <a:defRPr sz="2200" b="0">
-                <a:solidFill>
-                  <a:srgbClr val="FFFFFF"/>
-                </a:solidFill>
-                <a:latin typeface="+mn-lt"/>
-                <a:ea typeface="+mn-ea"/>
-                <a:cs typeface="+mn-cs"/>
-                <a:sym typeface="Gill Sans SemiBold"/>
-              </a:defRPr>
-            </a:pPr>
-            <a:endParaRPr/>
-          </a:p>
-        </p:txBody>
-      </p:sp>
-      <p:sp>
-        <p:nvSpPr>
-          <p:cNvPr id="380" name="This is a test page.…"/>
-          <p:cNvSpPr txBox="1"/>
-          <p:nvPr/>
-        </p:nvSpPr>
-        <p:spPr>
-          <a:xfrm>
-            <a:off x="3987800" y="5834278"/>
-            <a:ext cx="5137830" cy="2133601"/>
-          </a:xfrm>
-          <a:prstGeom prst="rect">
-            <a:avLst/>
-          </a:prstGeom>
-          <a:ln w="12700">
-            <a:miter lim="400000"/>
-          </a:ln>
-          <a:extLst>
-            <a:ext uri="{C572A759-6A51-4108-AA02-DFA0A04FC94B}">
-              <ma14:wrappingTextBoxFlag xmlns="" xmlns:m="http://schemas.openxmlformats.org/officeDocument/2006/math" xmlns:a14="http://schemas.microsoft.com/office/drawing/2010/main" xmlns:ma14="http://schemas.microsoft.com/office/mac/drawingml/2011/main" val="1"/>
-            </a:ext>
-          </a:extLst>
-        </p:spPr>
-        <p:txBody>
-          <a:bodyPr lIns="50800" tIns="50800" rIns="50800" bIns="50800">
-            <a:spAutoFit/>
-          </a:bodyPr>
-          <a:lstStyle/>
-          <a:p>
-            <a:pPr algn="l">
-              <a:defRPr sz="2800" b="0"/>
-            </a:pPr>
-            <a:r>
-              <a:t>This is a test page.</a:t>
-            </a:r>
-          </a:p>
-          <a:p>
-            <a:pPr algn="l">
-              <a:defRPr sz="2800" b="0"/>
-            </a:pPr>
-            <a:endParaRPr/>
-          </a:p>
-          <a:p>
-            <a:pPr algn="l">
-              <a:defRPr sz="2800" b="0"/>
-            </a:pPr>
-            <a:endParaRPr/>
-          </a:p>
-          <a:p>
-            <a:pPr algn="l">
-              <a:defRPr sz="2800" b="0"/>
-            </a:pPr>
-            <a:endParaRPr/>
-          </a:p>
-          <a:p>
-            <a:pPr algn="l">
-              <a:defRPr sz="2800" b="0"/>
-            </a:pPr>
-            <a:r>
-              <a:t>It is awesome.</a:t>
-            </a:r>
-          </a:p>
-        </p:txBody>
-      </p:sp>
-      <p:sp>
-        <p:nvSpPr>
-          <p:cNvPr id="381" name="This is a test page.…"/>
-          <p:cNvSpPr/>
-          <p:nvPr/>
-        </p:nvSpPr>
-        <p:spPr>
-          <a:xfrm>
-            <a:off x="6362700" y="2008443"/>
-            <a:ext cx="5736680" cy="2272870"/>
-          </a:xfrm>
-          <a:prstGeom prst="rect">
-            <a:avLst/>
-          </a:prstGeom>
-          <a:solidFill>
-            <a:srgbClr val="FFFFFF"/>
-          </a:solidFill>
-          <a:ln w="25400">
-            <a:solidFill>
-              <a:srgbClr val="000000"/>
-            </a:solidFill>
-            <a:miter lim="400000"/>
-          </a:ln>
-          <a:extLst>
-            <a:ext uri="{C572A759-6A51-4108-AA02-DFA0A04FC94B}">
-              <ma14:wrappingTextBoxFlag xmlns="" xmlns:m="http://schemas.openxmlformats.org/officeDocument/2006/math" xmlns:a14="http://schemas.microsoft.com/office/drawing/2010/main" xmlns:ma14="http://schemas.microsoft.com/office/mac/drawingml/2011/main" val="1"/>
-            </a:ext>
-          </a:extLst>
-        </p:spPr>
-        <p:txBody>
-          <a:bodyPr lIns="50800" tIns="50800" rIns="50800" bIns="50800"/>
-          <a:lstStyle/>
-          <a:p>
-            <a:pPr algn="l">
-              <a:defRPr sz="2600"/>
-            </a:pPr>
-            <a:r>
-              <a:t>This is a test page.</a:t>
-            </a:r>
-          </a:p>
-          <a:p>
-            <a:pPr algn="l">
-              <a:defRPr sz="2600"/>
-            </a:pPr>
-            <a:r>
-              <a:rPr>
-                <a:solidFill>
-                  <a:schemeClr val="accent5">
-                    <a:hueOff val="-82419"/>
-                    <a:satOff val="-9513"/>
-                    <a:lumOff val="-16343"/>
-                  </a:schemeClr>
-                </a:solidFill>
-              </a:rPr>
-              <a:t>&lt;br&gt;&lt;br&gt;&lt;br&gt;&lt;br&gt;</a:t>
-            </a:r>
-          </a:p>
-          <a:p>
-            <a:pPr algn="l">
-              <a:defRPr sz="2600"/>
-            </a:pPr>
-            <a:r>
-              <a:t>It is awesome.</a:t>
-            </a:r>
-          </a:p>
-        </p:txBody>
-      </p:sp>
-      <p:sp>
-        <p:nvSpPr>
-          <p:cNvPr id="382" name="test.html"/>
-          <p:cNvSpPr txBox="1"/>
-          <p:nvPr/>
-        </p:nvSpPr>
-        <p:spPr>
-          <a:xfrm>
-            <a:off x="6391527" y="1487743"/>
-            <a:ext cx="1547218" cy="457201"/>
-          </a:xfrm>
-          <a:prstGeom prst="rect">
-            <a:avLst/>
-          </a:prstGeom>
-          <a:ln w="12700">
-            <a:miter lim="400000"/>
-          </a:ln>
-          <a:extLst>
-            <a:ext uri="{C572A759-6A51-4108-AA02-DFA0A04FC94B}">
-              <ma14:wrappingTextBoxFlag xmlns="" xmlns:m="http://schemas.openxmlformats.org/officeDocument/2006/math" xmlns:a14="http://schemas.microsoft.com/office/drawing/2010/main" xmlns:ma14="http://schemas.microsoft.com/office/mac/drawingml/2011/main" val="1"/>
-            </a:ext>
-          </a:extLst>
-        </p:spPr>
-        <p:txBody>
-          <a:bodyPr wrap="none" lIns="50800" tIns="50800" rIns="50800" bIns="50800" anchor="ctr">
-            <a:spAutoFit/>
-          </a:bodyPr>
-          <a:lstStyle>
-            <a:lvl1pPr algn="l"/>
-          </a:lstStyle>
-          <a:p>
-            <a:r>
-              <a:t>test.html</a:t>
-            </a:r>
-          </a:p>
-        </p:txBody>
-      </p:sp>
-      <p:sp>
-        <p:nvSpPr>
-          <p:cNvPr id="383" name="br: line break"/>
-          <p:cNvSpPr txBox="1"/>
-          <p:nvPr/>
-        </p:nvSpPr>
-        <p:spPr>
-          <a:xfrm>
-            <a:off x="1101328" y="2349499"/>
-            <a:ext cx="2801144" cy="685801"/>
-          </a:xfrm>
-          <a:prstGeom prst="rect">
-            <a:avLst/>
-          </a:prstGeom>
-          <a:ln w="12700">
-            <a:miter lim="400000"/>
-          </a:ln>
-          <a:extLst>
-            <a:ext uri="{C572A759-6A51-4108-AA02-DFA0A04FC94B}">
-              <ma14:wrappingTextBoxFlag xmlns="" xmlns:m="http://schemas.openxmlformats.org/officeDocument/2006/math" xmlns:a14="http://schemas.microsoft.com/office/drawing/2010/main" xmlns:ma14="http://schemas.microsoft.com/office/mac/drawingml/2011/main" val="1"/>
-            </a:ext>
-          </a:extLst>
-        </p:spPr>
-        <p:txBody>
-          <a:bodyPr wrap="none" lIns="50800" tIns="50800" rIns="50800" bIns="50800" anchor="ctr">
-            <a:spAutoFit/>
-          </a:bodyPr>
-          <a:lstStyle>
-            <a:lvl1pPr>
-              <a:defRPr sz="4000" b="0"/>
-            </a:lvl1pPr>
-          </a:lstStyle>
-          <a:p>
-            <a:r>
-              <a:t>br: line break</a:t>
-            </a:r>
-          </a:p>
-        </p:txBody>
-      </p:sp>
-    </p:spTree>
-  </p:cSld>
-  <p:clrMapOvr>
-    <a:masterClrMapping/>
-  </p:clrMapOvr>
-  <p:transition spd="med"/>
-</p:sld>
-</file>
-
-<file path=ppt/slides/slide28.xml><?xml version="1.0" encoding="utf-8"?>
 <p:sld xmlns:a="http://schemas.openxmlformats.org/drawingml/2006/main" xmlns:r="http://schemas.openxmlformats.org/officeDocument/2006/relationships" xmlns:p="http://schemas.openxmlformats.org/presentationml/2006/main">
   <p:cSld>
     <p:spTree>
@@ -12660,7 +12216,7 @@
 </p:sld>
 </file>
 
-<file path=ppt/slides/slide29.xml><?xml version="1.0" encoding="utf-8"?>
+<file path=ppt/slides/slide28.xml><?xml version="1.0" encoding="utf-8"?>
 <p:sld xmlns:a="http://schemas.openxmlformats.org/drawingml/2006/main" xmlns:r="http://schemas.openxmlformats.org/officeDocument/2006/relationships" xmlns:p="http://schemas.openxmlformats.org/presentationml/2006/main">
   <p:cSld>
     <p:spTree>
@@ -13164,6 +12720,452 @@
           <a:p>
             <a:r>
               <a:t>sometimes you’ll encounter it like this</a:t>
+            </a:r>
+          </a:p>
+        </p:txBody>
+      </p:sp>
+    </p:spTree>
+  </p:cSld>
+  <p:clrMapOvr>
+    <a:masterClrMapping/>
+  </p:clrMapOvr>
+  <p:transition spd="med"/>
+</p:sld>
+</file>
+
+<file path=ppt/slides/slide29.xml><?xml version="1.0" encoding="utf-8"?>
+<p:sld xmlns:a="http://schemas.openxmlformats.org/drawingml/2006/main" xmlns:r="http://schemas.openxmlformats.org/officeDocument/2006/relationships" xmlns:p="http://schemas.openxmlformats.org/presentationml/2006/main">
+  <p:cSld>
+    <p:spTree>
+      <p:nvGrpSpPr>
+        <p:cNvPr id="1" name=""/>
+        <p:cNvGrpSpPr/>
+        <p:nvPr/>
+      </p:nvGrpSpPr>
+      <p:grpSpPr>
+        <a:xfrm>
+          <a:off x="0" y="0"/>
+          <a:ext cx="0" cy="0"/>
+          <a:chOff x="0" y="0"/>
+          <a:chExt cx="0" cy="0"/>
+        </a:xfrm>
+      </p:grpSpPr>
+      <p:sp>
+        <p:nvSpPr>
+          <p:cNvPr id="333" name="Vertical Space"/>
+          <p:cNvSpPr txBox="1">
+            <a:spLocks noGrp="1"/>
+          </p:cNvSpPr>
+          <p:nvPr>
+            <p:ph type="title"/>
+          </p:nvPr>
+        </p:nvSpPr>
+        <p:spPr>
+          <a:xfrm>
+            <a:off x="952500" y="254000"/>
+            <a:ext cx="11099800" cy="902345"/>
+          </a:xfrm>
+          <a:prstGeom prst="rect">
+            <a:avLst/>
+          </a:prstGeom>
+        </p:spPr>
+        <p:txBody>
+          <a:bodyPr/>
+          <a:lstStyle>
+            <a:lvl1pPr algn="l">
+              <a:defRPr sz="4800"/>
+            </a:lvl1pPr>
+          </a:lstStyle>
+          <a:p>
+            <a:r>
+              <a:rPr lang="en-US"/>
+              <a:t>Headers</a:t>
+            </a:r>
+            <a:endParaRPr dirty="0"/>
+          </a:p>
+        </p:txBody>
+      </p:sp>
+      <p:sp>
+        <p:nvSpPr>
+          <p:cNvPr id="334" name="Notebook"/>
+          <p:cNvSpPr/>
+          <p:nvPr/>
+        </p:nvSpPr>
+        <p:spPr>
+          <a:xfrm>
+            <a:off x="2910067" y="5311211"/>
+            <a:ext cx="7184666" cy="4024588"/>
+          </a:xfrm>
+          <a:custGeom>
+            <a:avLst/>
+            <a:gdLst/>
+            <a:ahLst/>
+            <a:cxnLst>
+              <a:cxn ang="0">
+                <a:pos x="wd2" y="hd2"/>
+              </a:cxn>
+              <a:cxn ang="5400000">
+                <a:pos x="wd2" y="hd2"/>
+              </a:cxn>
+              <a:cxn ang="10800000">
+                <a:pos x="wd2" y="hd2"/>
+              </a:cxn>
+              <a:cxn ang="16200000">
+                <a:pos x="wd2" y="hd2"/>
+              </a:cxn>
+            </a:cxnLst>
+            <a:rect l="0" t="0" r="r" b="b"/>
+            <a:pathLst>
+              <a:path w="21600" h="21599" extrusionOk="0">
+                <a:moveTo>
+                  <a:pt x="1952" y="0"/>
+                </a:moveTo>
+                <a:cubicBezTo>
+                  <a:pt x="1421" y="0"/>
+                  <a:pt x="1439" y="771"/>
+                  <a:pt x="1439" y="1718"/>
+                </a:cubicBezTo>
+                <a:lnTo>
+                  <a:pt x="1439" y="19328"/>
+                </a:lnTo>
+                <a:lnTo>
+                  <a:pt x="0" y="19328"/>
+                </a:lnTo>
+                <a:cubicBezTo>
+                  <a:pt x="0" y="19328"/>
+                  <a:pt x="0" y="19890"/>
+                  <a:pt x="0" y="20529"/>
+                </a:cubicBezTo>
+                <a:cubicBezTo>
+                  <a:pt x="0" y="21600"/>
+                  <a:pt x="190" y="21599"/>
+                  <a:pt x="896" y="21599"/>
+                </a:cubicBezTo>
+                <a:lnTo>
+                  <a:pt x="10332" y="21599"/>
+                </a:lnTo>
+                <a:lnTo>
+                  <a:pt x="11268" y="21599"/>
+                </a:lnTo>
+                <a:lnTo>
+                  <a:pt x="20704" y="21599"/>
+                </a:lnTo>
+                <a:cubicBezTo>
+                  <a:pt x="21367" y="21599"/>
+                  <a:pt x="21600" y="21600"/>
+                  <a:pt x="21600" y="20529"/>
+                </a:cubicBezTo>
+                <a:cubicBezTo>
+                  <a:pt x="21600" y="19890"/>
+                  <a:pt x="21600" y="19328"/>
+                  <a:pt x="21600" y="19328"/>
+                </a:cubicBezTo>
+                <a:lnTo>
+                  <a:pt x="20161" y="19328"/>
+                </a:lnTo>
+                <a:lnTo>
+                  <a:pt x="20161" y="1718"/>
+                </a:lnTo>
+                <a:cubicBezTo>
+                  <a:pt x="20161" y="771"/>
+                  <a:pt x="20196" y="0"/>
+                  <a:pt x="19665" y="0"/>
+                </a:cubicBezTo>
+                <a:lnTo>
+                  <a:pt x="1952" y="0"/>
+                </a:lnTo>
+                <a:close/>
+                <a:moveTo>
+                  <a:pt x="2475" y="1849"/>
+                </a:moveTo>
+                <a:lnTo>
+                  <a:pt x="19125" y="1849"/>
+                </a:lnTo>
+                <a:lnTo>
+                  <a:pt x="19125" y="19328"/>
+                </a:lnTo>
+                <a:lnTo>
+                  <a:pt x="11268" y="19328"/>
+                </a:lnTo>
+                <a:lnTo>
+                  <a:pt x="10332" y="19328"/>
+                </a:lnTo>
+                <a:lnTo>
+                  <a:pt x="2475" y="19328"/>
+                </a:lnTo>
+                <a:lnTo>
+                  <a:pt x="2475" y="1849"/>
+                </a:lnTo>
+                <a:close/>
+              </a:path>
+            </a:pathLst>
+          </a:custGeom>
+          <a:solidFill>
+            <a:schemeClr val="accent1"/>
+          </a:solidFill>
+          <a:ln w="12700">
+            <a:miter lim="400000"/>
+          </a:ln>
+        </p:spPr>
+        <p:txBody>
+          <a:bodyPr lIns="50800" tIns="50800" rIns="50800" bIns="50800" anchor="ctr"/>
+          <a:lstStyle/>
+          <a:p>
+            <a:pPr>
+              <a:defRPr sz="2200" b="0">
+                <a:solidFill>
+                  <a:srgbClr val="FFFFFF"/>
+                </a:solidFill>
+                <a:latin typeface="+mn-lt"/>
+                <a:ea typeface="+mn-ea"/>
+                <a:cs typeface="+mn-cs"/>
+                <a:sym typeface="Gill Sans SemiBold"/>
+              </a:defRPr>
+            </a:pPr>
+            <a:endParaRPr/>
+          </a:p>
+        </p:txBody>
+      </p:sp>
+      <p:sp>
+        <p:nvSpPr>
+          <p:cNvPr id="335" name="Welcome…"/>
+          <p:cNvSpPr txBox="1"/>
+          <p:nvPr/>
+        </p:nvSpPr>
+        <p:spPr>
+          <a:xfrm>
+            <a:off x="3987800" y="5834278"/>
+            <a:ext cx="5137830" cy="2463801"/>
+          </a:xfrm>
+          <a:prstGeom prst="rect">
+            <a:avLst/>
+          </a:prstGeom>
+          <a:ln w="12700">
+            <a:miter lim="400000"/>
+          </a:ln>
+          <a:extLst>
+            <a:ext uri="{C572A759-6A51-4108-AA02-DFA0A04FC94B}">
+              <ma14:wrappingTextBoxFlag xmlns="" xmlns:m="http://schemas.openxmlformats.org/officeDocument/2006/math" xmlns:a14="http://schemas.microsoft.com/office/drawing/2010/main" xmlns:ma14="http://schemas.microsoft.com/office/mac/drawingml/2011/main" val="1"/>
+            </a:ext>
+          </a:extLst>
+        </p:spPr>
+        <p:txBody>
+          <a:bodyPr lIns="50800" tIns="50800" rIns="50800" bIns="50800">
+            <a:spAutoFit/>
+          </a:bodyPr>
+          <a:lstStyle/>
+          <a:p>
+            <a:pPr algn="l">
+              <a:defRPr sz="5000"/>
+            </a:pPr>
+            <a:r>
+              <a:t>Welcome</a:t>
+            </a:r>
+          </a:p>
+          <a:p>
+            <a:pPr algn="l">
+              <a:defRPr sz="2800" b="0"/>
+            </a:pPr>
+            <a:endParaRPr/>
+          </a:p>
+          <a:p>
+            <a:pPr algn="l">
+              <a:defRPr sz="2800" b="0"/>
+            </a:pPr>
+            <a:r>
+              <a:t>This is a test page.</a:t>
+            </a:r>
+          </a:p>
+          <a:p>
+            <a:pPr algn="l">
+              <a:defRPr sz="2800" b="0"/>
+            </a:pPr>
+            <a:endParaRPr/>
+          </a:p>
+          <a:p>
+            <a:pPr algn="l">
+              <a:defRPr sz="2800" b="0"/>
+            </a:pPr>
+            <a:r>
+              <a:t>It is awesome.</a:t>
+            </a:r>
+          </a:p>
+        </p:txBody>
+      </p:sp>
+      <p:sp>
+        <p:nvSpPr>
+          <p:cNvPr id="336" name="&lt;h1&gt;Welcome&lt;/h1&gt;…"/>
+          <p:cNvSpPr/>
+          <p:nvPr/>
+        </p:nvSpPr>
+        <p:spPr>
+          <a:xfrm>
+            <a:off x="6362700" y="2008443"/>
+            <a:ext cx="5736680" cy="2272870"/>
+          </a:xfrm>
+          <a:prstGeom prst="rect">
+            <a:avLst/>
+          </a:prstGeom>
+          <a:solidFill>
+            <a:srgbClr val="FFFFFF"/>
+          </a:solidFill>
+          <a:ln w="25400">
+            <a:solidFill>
+              <a:srgbClr val="000000"/>
+            </a:solidFill>
+            <a:miter lim="400000"/>
+          </a:ln>
+          <a:extLst>
+            <a:ext uri="{C572A759-6A51-4108-AA02-DFA0A04FC94B}">
+              <ma14:wrappingTextBoxFlag xmlns="" xmlns:m="http://schemas.openxmlformats.org/officeDocument/2006/math" xmlns:a14="http://schemas.microsoft.com/office/drawing/2010/main" xmlns:ma14="http://schemas.microsoft.com/office/mac/drawingml/2011/main" val="1"/>
+            </a:ext>
+          </a:extLst>
+        </p:spPr>
+        <p:txBody>
+          <a:bodyPr lIns="50800" tIns="50800" rIns="50800" bIns="50800"/>
+          <a:lstStyle/>
+          <a:p>
+            <a:pPr algn="l">
+              <a:defRPr sz="2600"/>
+            </a:pPr>
+            <a:r>
+              <a:rPr>
+                <a:solidFill>
+                  <a:schemeClr val="accent5">
+                    <a:hueOff val="-82419"/>
+                    <a:satOff val="-9513"/>
+                    <a:lumOff val="-16343"/>
+                  </a:schemeClr>
+                </a:solidFill>
+              </a:rPr>
+              <a:t>&lt;h1&gt;</a:t>
+            </a:r>
+            <a:r>
+              <a:t>Welcome</a:t>
+            </a:r>
+            <a:r>
+              <a:rPr>
+                <a:solidFill>
+                  <a:schemeClr val="accent5">
+                    <a:hueOff val="-82419"/>
+                    <a:satOff val="-9513"/>
+                    <a:lumOff val="-16343"/>
+                  </a:schemeClr>
+                </a:solidFill>
+              </a:rPr>
+              <a:t>&lt;/h1&gt;</a:t>
+            </a:r>
+          </a:p>
+          <a:p>
+            <a:pPr algn="l">
+              <a:defRPr sz="2600"/>
+            </a:pPr>
+            <a:endParaRPr>
+              <a:solidFill>
+                <a:schemeClr val="accent5">
+                  <a:hueOff val="-82419"/>
+                  <a:satOff val="-9513"/>
+                  <a:lumOff val="-16343"/>
+                </a:schemeClr>
+              </a:solidFill>
+            </a:endParaRPr>
+          </a:p>
+          <a:p>
+            <a:pPr algn="l">
+              <a:defRPr sz="2600"/>
+            </a:pPr>
+            <a:r>
+              <a:t>&lt;p&gt;This is a test page.&lt;/p&gt;</a:t>
+            </a:r>
+          </a:p>
+          <a:p>
+            <a:pPr algn="l">
+              <a:defRPr sz="2600"/>
+            </a:pPr>
+            <a:endParaRPr/>
+          </a:p>
+          <a:p>
+            <a:pPr algn="l">
+              <a:defRPr sz="2600"/>
+            </a:pPr>
+            <a:r>
+              <a:t>&lt;p&gt;It is awesome.&lt;/p&gt;</a:t>
+            </a:r>
+          </a:p>
+        </p:txBody>
+      </p:sp>
+      <p:sp>
+        <p:nvSpPr>
+          <p:cNvPr id="337" name="test.html"/>
+          <p:cNvSpPr txBox="1"/>
+          <p:nvPr/>
+        </p:nvSpPr>
+        <p:spPr>
+          <a:xfrm>
+            <a:off x="6391527" y="1487743"/>
+            <a:ext cx="1547218" cy="457201"/>
+          </a:xfrm>
+          <a:prstGeom prst="rect">
+            <a:avLst/>
+          </a:prstGeom>
+          <a:ln w="12700">
+            <a:miter lim="400000"/>
+          </a:ln>
+          <a:extLst>
+            <a:ext uri="{C572A759-6A51-4108-AA02-DFA0A04FC94B}">
+              <ma14:wrappingTextBoxFlag xmlns="" xmlns:m="http://schemas.openxmlformats.org/officeDocument/2006/math" xmlns:a14="http://schemas.microsoft.com/office/drawing/2010/main" xmlns:ma14="http://schemas.microsoft.com/office/mac/drawingml/2011/main" val="1"/>
+            </a:ext>
+          </a:extLst>
+        </p:spPr>
+        <p:txBody>
+          <a:bodyPr wrap="none" lIns="50800" tIns="50800" rIns="50800" bIns="50800" anchor="ctr">
+            <a:spAutoFit/>
+          </a:bodyPr>
+          <a:lstStyle>
+            <a:lvl1pPr algn="l"/>
+          </a:lstStyle>
+          <a:p>
+            <a:r>
+              <a:t>test.html</a:t>
+            </a:r>
+          </a:p>
+        </p:txBody>
+      </p:sp>
+      <p:sp>
+        <p:nvSpPr>
+          <p:cNvPr id="338" name="h1: big header"/>
+          <p:cNvSpPr txBox="1"/>
+          <p:nvPr/>
+        </p:nvSpPr>
+        <p:spPr>
+          <a:xfrm>
+            <a:off x="1019472" y="2349499"/>
+            <a:ext cx="2964856" cy="685801"/>
+          </a:xfrm>
+          <a:prstGeom prst="rect">
+            <a:avLst/>
+          </a:prstGeom>
+          <a:ln w="12700">
+            <a:miter lim="400000"/>
+          </a:ln>
+          <a:extLst>
+            <a:ext uri="{C572A759-6A51-4108-AA02-DFA0A04FC94B}">
+              <ma14:wrappingTextBoxFlag xmlns="" xmlns:m="http://schemas.openxmlformats.org/officeDocument/2006/math" xmlns:a14="http://schemas.microsoft.com/office/drawing/2010/main" xmlns:ma14="http://schemas.microsoft.com/office/mac/drawingml/2011/main" val="1"/>
+            </a:ext>
+          </a:extLst>
+        </p:spPr>
+        <p:txBody>
+          <a:bodyPr wrap="none" lIns="50800" tIns="50800" rIns="50800" bIns="50800" anchor="ctr">
+            <a:spAutoFit/>
+          </a:bodyPr>
+          <a:lstStyle>
+            <a:lvl1pPr>
+              <a:defRPr sz="4000" b="0"/>
+            </a:lvl1pPr>
+          </a:lstStyle>
+          <a:p>
+            <a:r>
+              <a:t>h1: big header</a:t>
             </a:r>
           </a:p>
         </p:txBody>

--- a/tyler/meena/cs220/s21/materials/lec_32_S21.pptx
+++ b/tyler/meena/cs220/s21/materials/lec_32_S21.pptx
@@ -2197,7 +2197,7 @@
           </a:ln>
           <a:extLst>
             <a:ext uri="{C572A759-6A51-4108-AA02-DFA0A04FC94B}">
-              <ma14:wrappingTextBoxFlag xmlns="" xmlns:m="http://schemas.openxmlformats.org/officeDocument/2006/math" xmlns:a14="http://schemas.microsoft.com/office/drawing/2010/main" xmlns:ma14="http://schemas.microsoft.com/office/mac/drawingml/2011/main" val="1"/>
+              <ma14:wrappingTextBoxFlag xmlns:ma14="http://schemas.microsoft.com/office/mac/drawingml/2011/main" xmlns:a14="http://schemas.microsoft.com/office/drawing/2010/main" xmlns:m="http://schemas.openxmlformats.org/officeDocument/2006/math" xmlns="" val="1"/>
             </a:ext>
           </a:extLst>
         </p:spPr>
@@ -2236,7 +2236,7 @@
           </a:ln>
           <a:extLst>
             <a:ext uri="{C572A759-6A51-4108-AA02-DFA0A04FC94B}">
-              <ma14:wrappingTextBoxFlag xmlns="" xmlns:m="http://schemas.openxmlformats.org/officeDocument/2006/math" xmlns:a14="http://schemas.microsoft.com/office/drawing/2010/main" xmlns:ma14="http://schemas.microsoft.com/office/mac/drawingml/2011/main" val="1"/>
+              <ma14:wrappingTextBoxFlag xmlns:ma14="http://schemas.microsoft.com/office/mac/drawingml/2011/main" xmlns:a14="http://schemas.microsoft.com/office/drawing/2010/main" xmlns:m="http://schemas.openxmlformats.org/officeDocument/2006/math" xmlns="" val="1"/>
             </a:ext>
           </a:extLst>
         </p:spPr>
@@ -3446,7 +3446,7 @@
           </a:ln>
           <a:extLst>
             <a:ext uri="{C572A759-6A51-4108-AA02-DFA0A04FC94B}">
-              <ma14:wrappingTextBoxFlag xmlns="" xmlns:m="http://schemas.openxmlformats.org/officeDocument/2006/math" xmlns:a14="http://schemas.microsoft.com/office/drawing/2010/main" xmlns:ma14="http://schemas.microsoft.com/office/mac/drawingml/2011/main" val="1"/>
+              <ma14:wrappingTextBoxFlag xmlns:ma14="http://schemas.microsoft.com/office/mac/drawingml/2011/main" xmlns:a14="http://schemas.microsoft.com/office/drawing/2010/main" xmlns:m="http://schemas.openxmlformats.org/officeDocument/2006/math" xmlns="" val="1"/>
             </a:ext>
           </a:extLst>
         </p:spPr>
@@ -3481,7 +3481,7 @@
           </a:ln>
           <a:extLst>
             <a:ext uri="{C572A759-6A51-4108-AA02-DFA0A04FC94B}">
-              <ma14:wrappingTextBoxFlag xmlns="" xmlns:m="http://schemas.openxmlformats.org/officeDocument/2006/math" xmlns:a14="http://schemas.microsoft.com/office/drawing/2010/main" xmlns:ma14="http://schemas.microsoft.com/office/mac/drawingml/2011/main" val="1"/>
+              <ma14:wrappingTextBoxFlag xmlns:ma14="http://schemas.microsoft.com/office/mac/drawingml/2011/main" xmlns:a14="http://schemas.microsoft.com/office/drawing/2010/main" xmlns:m="http://schemas.openxmlformats.org/officeDocument/2006/math" xmlns="" val="1"/>
             </a:ext>
           </a:extLst>
         </p:spPr>
@@ -3599,7 +3599,7 @@
           </a:ln>
           <a:extLst>
             <a:ext uri="{C572A759-6A51-4108-AA02-DFA0A04FC94B}">
-              <ma14:wrappingTextBoxFlag xmlns="" xmlns:m="http://schemas.openxmlformats.org/officeDocument/2006/math" xmlns:a14="http://schemas.microsoft.com/office/drawing/2010/main" xmlns:ma14="http://schemas.microsoft.com/office/mac/drawingml/2011/main" val="1"/>
+              <ma14:wrappingTextBoxFlag xmlns:ma14="http://schemas.microsoft.com/office/mac/drawingml/2011/main" xmlns:a14="http://schemas.microsoft.com/office/drawing/2010/main" xmlns:m="http://schemas.openxmlformats.org/officeDocument/2006/math" xmlns="" val="1"/>
             </a:ext>
           </a:extLst>
         </p:spPr>
@@ -3645,7 +3645,7 @@
           </a:ln>
           <a:extLst>
             <a:ext uri="{C572A759-6A51-4108-AA02-DFA0A04FC94B}">
-              <ma14:wrappingTextBoxFlag xmlns="" xmlns:m="http://schemas.openxmlformats.org/officeDocument/2006/math" xmlns:a14="http://schemas.microsoft.com/office/drawing/2010/main" xmlns:ma14="http://schemas.microsoft.com/office/mac/drawingml/2011/main" val="1"/>
+              <ma14:wrappingTextBoxFlag xmlns:ma14="http://schemas.microsoft.com/office/mac/drawingml/2011/main" xmlns:a14="http://schemas.microsoft.com/office/drawing/2010/main" xmlns:m="http://schemas.openxmlformats.org/officeDocument/2006/math" xmlns="" val="1"/>
             </a:ext>
           </a:extLst>
         </p:spPr>
@@ -3680,7 +3680,7 @@
           </a:ln>
           <a:extLst>
             <a:ext uri="{C572A759-6A51-4108-AA02-DFA0A04FC94B}">
-              <ma14:wrappingTextBoxFlag xmlns="" xmlns:m="http://schemas.openxmlformats.org/officeDocument/2006/math" xmlns:a14="http://schemas.microsoft.com/office/drawing/2010/main" xmlns:ma14="http://schemas.microsoft.com/office/mac/drawingml/2011/main" val="1"/>
+              <ma14:wrappingTextBoxFlag xmlns:ma14="http://schemas.microsoft.com/office/mac/drawingml/2011/main" xmlns:a14="http://schemas.microsoft.com/office/drawing/2010/main" xmlns:m="http://schemas.openxmlformats.org/officeDocument/2006/math" xmlns="" val="1"/>
             </a:ext>
           </a:extLst>
         </p:spPr>
@@ -3763,7 +3763,7 @@
           </a:ln>
           <a:extLst>
             <a:ext uri="{C572A759-6A51-4108-AA02-DFA0A04FC94B}">
-              <ma14:wrappingTextBoxFlag xmlns="" xmlns:m="http://schemas.openxmlformats.org/officeDocument/2006/math" xmlns:a14="http://schemas.microsoft.com/office/drawing/2010/main" xmlns:ma14="http://schemas.microsoft.com/office/mac/drawingml/2011/main" val="1"/>
+              <ma14:wrappingTextBoxFlag xmlns:ma14="http://schemas.microsoft.com/office/mac/drawingml/2011/main" xmlns:a14="http://schemas.microsoft.com/office/drawing/2010/main" xmlns:m="http://schemas.openxmlformats.org/officeDocument/2006/math" xmlns="" val="1"/>
             </a:ext>
           </a:extLst>
         </p:spPr>
@@ -3933,7 +3933,7 @@
           </a:ln>
           <a:extLst>
             <a:ext uri="{C572A759-6A51-4108-AA02-DFA0A04FC94B}">
-              <ma14:wrappingTextBoxFlag xmlns="" xmlns:m="http://schemas.openxmlformats.org/officeDocument/2006/math" xmlns:a14="http://schemas.microsoft.com/office/drawing/2010/main" xmlns:ma14="http://schemas.microsoft.com/office/mac/drawingml/2011/main" val="1"/>
+              <ma14:wrappingTextBoxFlag xmlns:ma14="http://schemas.microsoft.com/office/mac/drawingml/2011/main" xmlns:a14="http://schemas.microsoft.com/office/drawing/2010/main" xmlns:m="http://schemas.openxmlformats.org/officeDocument/2006/math" xmlns="" val="1"/>
             </a:ext>
           </a:extLst>
         </p:spPr>
@@ -4015,7 +4015,7 @@
           </a:ln>
           <a:extLst>
             <a:ext uri="{C572A759-6A51-4108-AA02-DFA0A04FC94B}">
-              <ma14:wrappingTextBoxFlag xmlns="" xmlns:m="http://schemas.openxmlformats.org/officeDocument/2006/math" xmlns:a14="http://schemas.microsoft.com/office/drawing/2010/main" xmlns:ma14="http://schemas.microsoft.com/office/mac/drawingml/2011/main" val="1"/>
+              <ma14:wrappingTextBoxFlag xmlns:ma14="http://schemas.microsoft.com/office/mac/drawingml/2011/main" xmlns:a14="http://schemas.microsoft.com/office/drawing/2010/main" xmlns:m="http://schemas.openxmlformats.org/officeDocument/2006/math" xmlns="" val="1"/>
             </a:ext>
           </a:extLst>
         </p:spPr>
@@ -4368,7 +4368,7 @@
           </a:ln>
           <a:extLst>
             <a:ext uri="{C572A759-6A51-4108-AA02-DFA0A04FC94B}">
-              <ma14:wrappingTextBoxFlag xmlns="" xmlns:m="http://schemas.openxmlformats.org/officeDocument/2006/math" xmlns:a14="http://schemas.microsoft.com/office/drawing/2010/main" xmlns:ma14="http://schemas.microsoft.com/office/mac/drawingml/2011/main" val="1"/>
+              <ma14:wrappingTextBoxFlag xmlns:ma14="http://schemas.microsoft.com/office/mac/drawingml/2011/main" xmlns:a14="http://schemas.microsoft.com/office/drawing/2010/main" xmlns:m="http://schemas.openxmlformats.org/officeDocument/2006/math" xmlns="" val="1"/>
             </a:ext>
           </a:extLst>
         </p:spPr>
@@ -4403,7 +4403,7 @@
           </a:ln>
           <a:extLst>
             <a:ext uri="{C572A759-6A51-4108-AA02-DFA0A04FC94B}">
-              <ma14:wrappingTextBoxFlag xmlns="" xmlns:m="http://schemas.openxmlformats.org/officeDocument/2006/math" xmlns:a14="http://schemas.microsoft.com/office/drawing/2010/main" xmlns:ma14="http://schemas.microsoft.com/office/mac/drawingml/2011/main" val="1"/>
+              <ma14:wrappingTextBoxFlag xmlns:ma14="http://schemas.microsoft.com/office/mac/drawingml/2011/main" xmlns:a14="http://schemas.microsoft.com/office/drawing/2010/main" xmlns:m="http://schemas.openxmlformats.org/officeDocument/2006/math" xmlns="" val="1"/>
             </a:ext>
           </a:extLst>
         </p:spPr>
@@ -4521,7 +4521,7 @@
           </a:ln>
           <a:extLst>
             <a:ext uri="{C572A759-6A51-4108-AA02-DFA0A04FC94B}">
-              <ma14:wrappingTextBoxFlag xmlns="" xmlns:m="http://schemas.openxmlformats.org/officeDocument/2006/math" xmlns:a14="http://schemas.microsoft.com/office/drawing/2010/main" xmlns:ma14="http://schemas.microsoft.com/office/mac/drawingml/2011/main" val="1"/>
+              <ma14:wrappingTextBoxFlag xmlns:ma14="http://schemas.microsoft.com/office/mac/drawingml/2011/main" xmlns:a14="http://schemas.microsoft.com/office/drawing/2010/main" xmlns:m="http://schemas.openxmlformats.org/officeDocument/2006/math" xmlns="" val="1"/>
             </a:ext>
           </a:extLst>
         </p:spPr>
@@ -4567,7 +4567,7 @@
           </a:ln>
           <a:extLst>
             <a:ext uri="{C572A759-6A51-4108-AA02-DFA0A04FC94B}">
-              <ma14:wrappingTextBoxFlag xmlns="" xmlns:m="http://schemas.openxmlformats.org/officeDocument/2006/math" xmlns:a14="http://schemas.microsoft.com/office/drawing/2010/main" xmlns:ma14="http://schemas.microsoft.com/office/mac/drawingml/2011/main" val="1"/>
+              <ma14:wrappingTextBoxFlag xmlns:ma14="http://schemas.microsoft.com/office/mac/drawingml/2011/main" xmlns:a14="http://schemas.microsoft.com/office/drawing/2010/main" xmlns:m="http://schemas.openxmlformats.org/officeDocument/2006/math" xmlns="" val="1"/>
             </a:ext>
           </a:extLst>
         </p:spPr>
@@ -4602,7 +4602,7 @@
           </a:ln>
           <a:extLst>
             <a:ext uri="{C572A759-6A51-4108-AA02-DFA0A04FC94B}">
-              <ma14:wrappingTextBoxFlag xmlns="" xmlns:m="http://schemas.openxmlformats.org/officeDocument/2006/math" xmlns:a14="http://schemas.microsoft.com/office/drawing/2010/main" xmlns:ma14="http://schemas.microsoft.com/office/mac/drawingml/2011/main" val="1"/>
+              <ma14:wrappingTextBoxFlag xmlns:ma14="http://schemas.microsoft.com/office/mac/drawingml/2011/main" xmlns:a14="http://schemas.microsoft.com/office/drawing/2010/main" xmlns:m="http://schemas.openxmlformats.org/officeDocument/2006/math" xmlns="" val="1"/>
             </a:ext>
           </a:extLst>
         </p:spPr>
@@ -4685,7 +4685,7 @@
           </a:ln>
           <a:extLst>
             <a:ext uri="{C572A759-6A51-4108-AA02-DFA0A04FC94B}">
-              <ma14:wrappingTextBoxFlag xmlns="" xmlns:m="http://schemas.openxmlformats.org/officeDocument/2006/math" xmlns:a14="http://schemas.microsoft.com/office/drawing/2010/main" xmlns:ma14="http://schemas.microsoft.com/office/mac/drawingml/2011/main" val="1"/>
+              <ma14:wrappingTextBoxFlag xmlns:ma14="http://schemas.microsoft.com/office/mac/drawingml/2011/main" xmlns:a14="http://schemas.microsoft.com/office/drawing/2010/main" xmlns:m="http://schemas.openxmlformats.org/officeDocument/2006/math" xmlns="" val="1"/>
             </a:ext>
           </a:extLst>
         </p:spPr>
@@ -4855,7 +4855,7 @@
           </a:ln>
           <a:extLst>
             <a:ext uri="{C572A759-6A51-4108-AA02-DFA0A04FC94B}">
-              <ma14:wrappingTextBoxFlag xmlns="" xmlns:m="http://schemas.openxmlformats.org/officeDocument/2006/math" xmlns:a14="http://schemas.microsoft.com/office/drawing/2010/main" xmlns:ma14="http://schemas.microsoft.com/office/mac/drawingml/2011/main" val="1"/>
+              <ma14:wrappingTextBoxFlag xmlns:ma14="http://schemas.microsoft.com/office/mac/drawingml/2011/main" xmlns:a14="http://schemas.microsoft.com/office/drawing/2010/main" xmlns:m="http://schemas.openxmlformats.org/officeDocument/2006/math" xmlns="" val="1"/>
             </a:ext>
           </a:extLst>
         </p:spPr>
@@ -4937,7 +4937,7 @@
           </a:ln>
           <a:extLst>
             <a:ext uri="{C572A759-6A51-4108-AA02-DFA0A04FC94B}">
-              <ma14:wrappingTextBoxFlag xmlns="" xmlns:m="http://schemas.openxmlformats.org/officeDocument/2006/math" xmlns:a14="http://schemas.microsoft.com/office/drawing/2010/main" xmlns:ma14="http://schemas.microsoft.com/office/mac/drawingml/2011/main" val="1"/>
+              <ma14:wrappingTextBoxFlag xmlns:ma14="http://schemas.microsoft.com/office/mac/drawingml/2011/main" xmlns:a14="http://schemas.microsoft.com/office/drawing/2010/main" xmlns:m="http://schemas.openxmlformats.org/officeDocument/2006/math" xmlns="" val="1"/>
             </a:ext>
           </a:extLst>
         </p:spPr>
@@ -5294,7 +5294,7 @@
           </a:ln>
           <a:extLst>
             <a:ext uri="{C572A759-6A51-4108-AA02-DFA0A04FC94B}">
-              <ma14:wrappingTextBoxFlag xmlns="" xmlns:m="http://schemas.openxmlformats.org/officeDocument/2006/math" xmlns:a14="http://schemas.microsoft.com/office/drawing/2010/main" xmlns:ma14="http://schemas.microsoft.com/office/mac/drawingml/2011/main" val="1"/>
+              <ma14:wrappingTextBoxFlag xmlns:ma14="http://schemas.microsoft.com/office/mac/drawingml/2011/main" xmlns:a14="http://schemas.microsoft.com/office/drawing/2010/main" xmlns:m="http://schemas.openxmlformats.org/officeDocument/2006/math" xmlns="" val="1"/>
             </a:ext>
           </a:extLst>
         </p:spPr>
@@ -5329,7 +5329,7 @@
           </a:ln>
           <a:extLst>
             <a:ext uri="{C572A759-6A51-4108-AA02-DFA0A04FC94B}">
-              <ma14:wrappingTextBoxFlag xmlns="" xmlns:m="http://schemas.openxmlformats.org/officeDocument/2006/math" xmlns:a14="http://schemas.microsoft.com/office/drawing/2010/main" xmlns:ma14="http://schemas.microsoft.com/office/mac/drawingml/2011/main" val="1"/>
+              <ma14:wrappingTextBoxFlag xmlns:ma14="http://schemas.microsoft.com/office/mac/drawingml/2011/main" xmlns:a14="http://schemas.microsoft.com/office/drawing/2010/main" xmlns:m="http://schemas.openxmlformats.org/officeDocument/2006/math" xmlns="" val="1"/>
             </a:ext>
           </a:extLst>
         </p:spPr>
@@ -5447,7 +5447,7 @@
           </a:ln>
           <a:extLst>
             <a:ext uri="{C572A759-6A51-4108-AA02-DFA0A04FC94B}">
-              <ma14:wrappingTextBoxFlag xmlns="" xmlns:m="http://schemas.openxmlformats.org/officeDocument/2006/math" xmlns:a14="http://schemas.microsoft.com/office/drawing/2010/main" xmlns:ma14="http://schemas.microsoft.com/office/mac/drawingml/2011/main" val="1"/>
+              <ma14:wrappingTextBoxFlag xmlns:ma14="http://schemas.microsoft.com/office/mac/drawingml/2011/main" xmlns:a14="http://schemas.microsoft.com/office/drawing/2010/main" xmlns:m="http://schemas.openxmlformats.org/officeDocument/2006/math" xmlns="" val="1"/>
             </a:ext>
           </a:extLst>
         </p:spPr>
@@ -5493,7 +5493,7 @@
           </a:ln>
           <a:extLst>
             <a:ext uri="{C572A759-6A51-4108-AA02-DFA0A04FC94B}">
-              <ma14:wrappingTextBoxFlag xmlns="" xmlns:m="http://schemas.openxmlformats.org/officeDocument/2006/math" xmlns:a14="http://schemas.microsoft.com/office/drawing/2010/main" xmlns:ma14="http://schemas.microsoft.com/office/mac/drawingml/2011/main" val="1"/>
+              <ma14:wrappingTextBoxFlag xmlns:ma14="http://schemas.microsoft.com/office/mac/drawingml/2011/main" xmlns:a14="http://schemas.microsoft.com/office/drawing/2010/main" xmlns:m="http://schemas.openxmlformats.org/officeDocument/2006/math" xmlns="" val="1"/>
             </a:ext>
           </a:extLst>
         </p:spPr>
@@ -5528,7 +5528,7 @@
           </a:ln>
           <a:extLst>
             <a:ext uri="{C572A759-6A51-4108-AA02-DFA0A04FC94B}">
-              <ma14:wrappingTextBoxFlag xmlns="" xmlns:m="http://schemas.openxmlformats.org/officeDocument/2006/math" xmlns:a14="http://schemas.microsoft.com/office/drawing/2010/main" xmlns:ma14="http://schemas.microsoft.com/office/mac/drawingml/2011/main" val="1"/>
+              <ma14:wrappingTextBoxFlag xmlns:ma14="http://schemas.microsoft.com/office/mac/drawingml/2011/main" xmlns:a14="http://schemas.microsoft.com/office/drawing/2010/main" xmlns:m="http://schemas.openxmlformats.org/officeDocument/2006/math" xmlns="" val="1"/>
             </a:ext>
           </a:extLst>
         </p:spPr>
@@ -5611,7 +5611,7 @@
           </a:ln>
           <a:extLst>
             <a:ext uri="{C572A759-6A51-4108-AA02-DFA0A04FC94B}">
-              <ma14:wrappingTextBoxFlag xmlns="" xmlns:m="http://schemas.openxmlformats.org/officeDocument/2006/math" xmlns:a14="http://schemas.microsoft.com/office/drawing/2010/main" xmlns:ma14="http://schemas.microsoft.com/office/mac/drawingml/2011/main" val="1"/>
+              <ma14:wrappingTextBoxFlag xmlns:ma14="http://schemas.microsoft.com/office/mac/drawingml/2011/main" xmlns:a14="http://schemas.microsoft.com/office/drawing/2010/main" xmlns:m="http://schemas.openxmlformats.org/officeDocument/2006/math" xmlns="" val="1"/>
             </a:ext>
           </a:extLst>
         </p:spPr>
@@ -5781,7 +5781,7 @@
           </a:ln>
           <a:extLst>
             <a:ext uri="{C572A759-6A51-4108-AA02-DFA0A04FC94B}">
-              <ma14:wrappingTextBoxFlag xmlns="" xmlns:m="http://schemas.openxmlformats.org/officeDocument/2006/math" xmlns:a14="http://schemas.microsoft.com/office/drawing/2010/main" xmlns:ma14="http://schemas.microsoft.com/office/mac/drawingml/2011/main" val="1"/>
+              <ma14:wrappingTextBoxFlag xmlns:ma14="http://schemas.microsoft.com/office/mac/drawingml/2011/main" xmlns:a14="http://schemas.microsoft.com/office/drawing/2010/main" xmlns:m="http://schemas.openxmlformats.org/officeDocument/2006/math" xmlns="" val="1"/>
             </a:ext>
           </a:extLst>
         </p:spPr>
@@ -5863,7 +5863,7 @@
           </a:ln>
           <a:extLst>
             <a:ext uri="{C572A759-6A51-4108-AA02-DFA0A04FC94B}">
-              <ma14:wrappingTextBoxFlag xmlns="" xmlns:m="http://schemas.openxmlformats.org/officeDocument/2006/math" xmlns:a14="http://schemas.microsoft.com/office/drawing/2010/main" xmlns:ma14="http://schemas.microsoft.com/office/mac/drawingml/2011/main" val="1"/>
+              <ma14:wrappingTextBoxFlag xmlns:ma14="http://schemas.microsoft.com/office/mac/drawingml/2011/main" xmlns:a14="http://schemas.microsoft.com/office/drawing/2010/main" xmlns:m="http://schemas.openxmlformats.org/officeDocument/2006/math" xmlns="" val="1"/>
             </a:ext>
           </a:extLst>
         </p:spPr>
@@ -6024,7 +6024,7 @@
           </a:ln>
           <a:extLst>
             <a:ext uri="{C572A759-6A51-4108-AA02-DFA0A04FC94B}">
-              <ma14:wrappingTextBoxFlag xmlns="" xmlns:m="http://schemas.openxmlformats.org/officeDocument/2006/math" xmlns:a14="http://schemas.microsoft.com/office/drawing/2010/main" xmlns:ma14="http://schemas.microsoft.com/office/mac/drawingml/2011/main" val="1"/>
+              <ma14:wrappingTextBoxFlag xmlns:ma14="http://schemas.microsoft.com/office/mac/drawingml/2011/main" xmlns:a14="http://schemas.microsoft.com/office/drawing/2010/main" xmlns:m="http://schemas.openxmlformats.org/officeDocument/2006/math" xmlns="" val="1"/>
             </a:ext>
           </a:extLst>
         </p:spPr>
@@ -6147,7 +6147,7 @@
           </a:ln>
           <a:extLst>
             <a:ext uri="{C572A759-6A51-4108-AA02-DFA0A04FC94B}">
-              <ma14:wrappingTextBoxFlag xmlns="" xmlns:m="http://schemas.openxmlformats.org/officeDocument/2006/math" xmlns:a14="http://schemas.microsoft.com/office/drawing/2010/main" xmlns:ma14="http://schemas.microsoft.com/office/mac/drawingml/2011/main" val="1"/>
+              <ma14:wrappingTextBoxFlag xmlns:ma14="http://schemas.microsoft.com/office/mac/drawingml/2011/main" xmlns:a14="http://schemas.microsoft.com/office/drawing/2010/main" xmlns:m="http://schemas.openxmlformats.org/officeDocument/2006/math" xmlns="" val="1"/>
             </a:ext>
           </a:extLst>
         </p:spPr>
@@ -6206,7 +6206,7 @@
           </a:ln>
           <a:extLst>
             <a:ext uri="{C572A759-6A51-4108-AA02-DFA0A04FC94B}">
-              <ma14:wrappingTextBoxFlag xmlns="" xmlns:m="http://schemas.openxmlformats.org/officeDocument/2006/math" xmlns:a14="http://schemas.microsoft.com/office/drawing/2010/main" xmlns:ma14="http://schemas.microsoft.com/office/mac/drawingml/2011/main" val="1"/>
+              <ma14:wrappingTextBoxFlag xmlns:ma14="http://schemas.microsoft.com/office/mac/drawingml/2011/main" xmlns:a14="http://schemas.microsoft.com/office/drawing/2010/main" xmlns:m="http://schemas.openxmlformats.org/officeDocument/2006/math" xmlns="" val="1"/>
             </a:ext>
           </a:extLst>
         </p:spPr>
@@ -6263,7 +6263,7 @@
           </a:ln>
           <a:extLst>
             <a:ext uri="{C572A759-6A51-4108-AA02-DFA0A04FC94B}">
-              <ma14:wrappingTextBoxFlag xmlns="" xmlns:m="http://schemas.openxmlformats.org/officeDocument/2006/math" xmlns:a14="http://schemas.microsoft.com/office/drawing/2010/main" xmlns:ma14="http://schemas.microsoft.com/office/mac/drawingml/2011/main" val="1"/>
+              <ma14:wrappingTextBoxFlag xmlns:ma14="http://schemas.microsoft.com/office/mac/drawingml/2011/main" xmlns:a14="http://schemas.microsoft.com/office/drawing/2010/main" xmlns:m="http://schemas.openxmlformats.org/officeDocument/2006/math" xmlns="" val="1"/>
             </a:ext>
           </a:extLst>
         </p:spPr>
@@ -6302,7 +6302,7 @@
           </a:ln>
           <a:extLst>
             <a:ext uri="{C572A759-6A51-4108-AA02-DFA0A04FC94B}">
-              <ma14:wrappingTextBoxFlag xmlns="" xmlns:m="http://schemas.openxmlformats.org/officeDocument/2006/math" xmlns:a14="http://schemas.microsoft.com/office/drawing/2010/main" xmlns:ma14="http://schemas.microsoft.com/office/mac/drawingml/2011/main" val="1"/>
+              <ma14:wrappingTextBoxFlag xmlns:ma14="http://schemas.microsoft.com/office/mac/drawingml/2011/main" xmlns:a14="http://schemas.microsoft.com/office/drawing/2010/main" xmlns:m="http://schemas.openxmlformats.org/officeDocument/2006/math" xmlns="" val="1"/>
             </a:ext>
           </a:extLst>
         </p:spPr>
@@ -6579,7 +6579,7 @@
           </a:ln>
           <a:extLst>
             <a:ext uri="{C572A759-6A51-4108-AA02-DFA0A04FC94B}">
-              <ma14:wrappingTextBoxFlag xmlns="" xmlns:m="http://schemas.openxmlformats.org/officeDocument/2006/math" xmlns:a14="http://schemas.microsoft.com/office/drawing/2010/main" xmlns:ma14="http://schemas.microsoft.com/office/mac/drawingml/2011/main" val="1"/>
+              <ma14:wrappingTextBoxFlag xmlns:ma14="http://schemas.microsoft.com/office/mac/drawingml/2011/main" xmlns:a14="http://schemas.microsoft.com/office/drawing/2010/main" xmlns:m="http://schemas.openxmlformats.org/officeDocument/2006/math" xmlns="" val="1"/>
             </a:ext>
           </a:extLst>
         </p:spPr>
@@ -6630,7 +6630,7 @@
           </a:ln>
           <a:extLst>
             <a:ext uri="{C572A759-6A51-4108-AA02-DFA0A04FC94B}">
-              <ma14:wrappingTextBoxFlag xmlns="" xmlns:m="http://schemas.openxmlformats.org/officeDocument/2006/math" xmlns:a14="http://schemas.microsoft.com/office/drawing/2010/main" xmlns:ma14="http://schemas.microsoft.com/office/mac/drawingml/2011/main" val="1"/>
+              <ma14:wrappingTextBoxFlag xmlns:ma14="http://schemas.microsoft.com/office/mac/drawingml/2011/main" xmlns:a14="http://schemas.microsoft.com/office/drawing/2010/main" xmlns:m="http://schemas.openxmlformats.org/officeDocument/2006/math" xmlns="" val="1"/>
             </a:ext>
           </a:extLst>
         </p:spPr>
@@ -6761,7 +6761,7 @@
           </a:ln>
           <a:extLst>
             <a:ext uri="{C572A759-6A51-4108-AA02-DFA0A04FC94B}">
-              <ma14:wrappingTextBoxFlag xmlns="" xmlns:m="http://schemas.openxmlformats.org/officeDocument/2006/math" xmlns:a14="http://schemas.microsoft.com/office/drawing/2010/main" xmlns:ma14="http://schemas.microsoft.com/office/mac/drawingml/2011/main" val="1"/>
+              <ma14:wrappingTextBoxFlag xmlns:ma14="http://schemas.microsoft.com/office/mac/drawingml/2011/main" xmlns:a14="http://schemas.microsoft.com/office/drawing/2010/main" xmlns:m="http://schemas.openxmlformats.org/officeDocument/2006/math" xmlns="" val="1"/>
             </a:ext>
           </a:extLst>
         </p:spPr>
@@ -6867,7 +6867,7 @@
           </a:ln>
           <a:extLst>
             <a:ext uri="{C572A759-6A51-4108-AA02-DFA0A04FC94B}">
-              <ma14:wrappingTextBoxFlag xmlns="" xmlns:m="http://schemas.openxmlformats.org/officeDocument/2006/math" xmlns:a14="http://schemas.microsoft.com/office/drawing/2010/main" xmlns:ma14="http://schemas.microsoft.com/office/mac/drawingml/2011/main" val="1"/>
+              <ma14:wrappingTextBoxFlag xmlns:ma14="http://schemas.microsoft.com/office/mac/drawingml/2011/main" xmlns:a14="http://schemas.microsoft.com/office/drawing/2010/main" xmlns:m="http://schemas.openxmlformats.org/officeDocument/2006/math" xmlns="" val="1"/>
             </a:ext>
           </a:extLst>
         </p:spPr>
@@ -6981,7 +6981,7 @@
           </a:ln>
           <a:extLst>
             <a:ext uri="{C572A759-6A51-4108-AA02-DFA0A04FC94B}">
-              <ma14:wrappingTextBoxFlag xmlns="" xmlns:m="http://schemas.openxmlformats.org/officeDocument/2006/math" xmlns:a14="http://schemas.microsoft.com/office/drawing/2010/main" xmlns:ma14="http://schemas.microsoft.com/office/mac/drawingml/2011/main" val="1"/>
+              <ma14:wrappingTextBoxFlag xmlns:ma14="http://schemas.microsoft.com/office/mac/drawingml/2011/main" xmlns:a14="http://schemas.microsoft.com/office/drawing/2010/main" xmlns:m="http://schemas.openxmlformats.org/officeDocument/2006/math" xmlns="" val="1"/>
             </a:ext>
           </a:extLst>
         </p:spPr>
@@ -7020,7 +7020,7 @@
           </a:ln>
           <a:extLst>
             <a:ext uri="{C572A759-6A51-4108-AA02-DFA0A04FC94B}">
-              <ma14:wrappingTextBoxFlag xmlns="" xmlns:m="http://schemas.openxmlformats.org/officeDocument/2006/math" xmlns:a14="http://schemas.microsoft.com/office/drawing/2010/main" xmlns:ma14="http://schemas.microsoft.com/office/mac/drawingml/2011/main" val="1"/>
+              <ma14:wrappingTextBoxFlag xmlns:ma14="http://schemas.microsoft.com/office/mac/drawingml/2011/main" xmlns:a14="http://schemas.microsoft.com/office/drawing/2010/main" xmlns:m="http://schemas.openxmlformats.org/officeDocument/2006/math" xmlns="" val="1"/>
             </a:ext>
           </a:extLst>
         </p:spPr>
@@ -7259,7 +7259,7 @@
           </a:ln>
           <a:extLst>
             <a:ext uri="{C572A759-6A51-4108-AA02-DFA0A04FC94B}">
-              <ma14:wrappingTextBoxFlag xmlns="" xmlns:m="http://schemas.openxmlformats.org/officeDocument/2006/math" xmlns:a14="http://schemas.microsoft.com/office/drawing/2010/main" xmlns:ma14="http://schemas.microsoft.com/office/mac/drawingml/2011/main" val="1"/>
+              <ma14:wrappingTextBoxFlag xmlns:ma14="http://schemas.microsoft.com/office/mac/drawingml/2011/main" xmlns:a14="http://schemas.microsoft.com/office/drawing/2010/main" xmlns:m="http://schemas.openxmlformats.org/officeDocument/2006/math" xmlns="" val="1"/>
             </a:ext>
           </a:extLst>
         </p:spPr>
@@ -7304,7 +7304,7 @@
           </a:ln>
           <a:extLst>
             <a:ext uri="{C572A759-6A51-4108-AA02-DFA0A04FC94B}">
-              <ma14:wrappingTextBoxFlag xmlns="" xmlns:m="http://schemas.openxmlformats.org/officeDocument/2006/math" xmlns:a14="http://schemas.microsoft.com/office/drawing/2010/main" xmlns:ma14="http://schemas.microsoft.com/office/mac/drawingml/2011/main" val="1"/>
+              <ma14:wrappingTextBoxFlag xmlns:ma14="http://schemas.microsoft.com/office/mac/drawingml/2011/main" xmlns:a14="http://schemas.microsoft.com/office/drawing/2010/main" xmlns:m="http://schemas.openxmlformats.org/officeDocument/2006/math" xmlns="" val="1"/>
             </a:ext>
           </a:extLst>
         </p:spPr>
@@ -7341,7 +7341,7 @@
           </a:ln>
           <a:extLst>
             <a:ext uri="{C572A759-6A51-4108-AA02-DFA0A04FC94B}">
-              <ma14:wrappingTextBoxFlag xmlns="" xmlns:m="http://schemas.openxmlformats.org/officeDocument/2006/math" xmlns:a14="http://schemas.microsoft.com/office/drawing/2010/main" xmlns:ma14="http://schemas.microsoft.com/office/mac/drawingml/2011/main" val="1"/>
+              <ma14:wrappingTextBoxFlag xmlns:ma14="http://schemas.microsoft.com/office/mac/drawingml/2011/main" xmlns:a14="http://schemas.microsoft.com/office/drawing/2010/main" xmlns:m="http://schemas.openxmlformats.org/officeDocument/2006/math" xmlns="" val="1"/>
             </a:ext>
           </a:extLst>
         </p:spPr>
@@ -7578,7 +7578,7 @@
           </a:ln>
           <a:extLst>
             <a:ext uri="{C572A759-6A51-4108-AA02-DFA0A04FC94B}">
-              <ma14:wrappingTextBoxFlag xmlns="" xmlns:m="http://schemas.openxmlformats.org/officeDocument/2006/math" xmlns:a14="http://schemas.microsoft.com/office/drawing/2010/main" xmlns:ma14="http://schemas.microsoft.com/office/mac/drawingml/2011/main" val="1"/>
+              <ma14:wrappingTextBoxFlag xmlns:ma14="http://schemas.microsoft.com/office/mac/drawingml/2011/main" xmlns:a14="http://schemas.microsoft.com/office/drawing/2010/main" xmlns:m="http://schemas.openxmlformats.org/officeDocument/2006/math" xmlns="" val="1"/>
             </a:ext>
           </a:extLst>
         </p:spPr>
@@ -7629,7 +7629,7 @@
           </a:ln>
           <a:extLst>
             <a:ext uri="{C572A759-6A51-4108-AA02-DFA0A04FC94B}">
-              <ma14:wrappingTextBoxFlag xmlns="" xmlns:m="http://schemas.openxmlformats.org/officeDocument/2006/math" xmlns:a14="http://schemas.microsoft.com/office/drawing/2010/main" xmlns:ma14="http://schemas.microsoft.com/office/mac/drawingml/2011/main" val="1"/>
+              <ma14:wrappingTextBoxFlag xmlns:ma14="http://schemas.microsoft.com/office/mac/drawingml/2011/main" xmlns:a14="http://schemas.microsoft.com/office/drawing/2010/main" xmlns:m="http://schemas.openxmlformats.org/officeDocument/2006/math" xmlns="" val="1"/>
             </a:ext>
           </a:extLst>
         </p:spPr>
@@ -7695,7 +7695,7 @@
           </a:ln>
           <a:extLst>
             <a:ext uri="{C572A759-6A51-4108-AA02-DFA0A04FC94B}">
-              <ma14:wrappingTextBoxFlag xmlns="" xmlns:m="http://schemas.openxmlformats.org/officeDocument/2006/math" xmlns:a14="http://schemas.microsoft.com/office/drawing/2010/main" xmlns:ma14="http://schemas.microsoft.com/office/mac/drawingml/2011/main" val="1"/>
+              <ma14:wrappingTextBoxFlag xmlns:ma14="http://schemas.microsoft.com/office/mac/drawingml/2011/main" xmlns:a14="http://schemas.microsoft.com/office/drawing/2010/main" xmlns:m="http://schemas.openxmlformats.org/officeDocument/2006/math" xmlns="" val="1"/>
             </a:ext>
           </a:extLst>
         </p:spPr>
@@ -7732,7 +7732,7 @@
           </a:ln>
           <a:extLst>
             <a:ext uri="{C572A759-6A51-4108-AA02-DFA0A04FC94B}">
-              <ma14:wrappingTextBoxFlag xmlns="" xmlns:m="http://schemas.openxmlformats.org/officeDocument/2006/math" xmlns:a14="http://schemas.microsoft.com/office/drawing/2010/main" xmlns:ma14="http://schemas.microsoft.com/office/mac/drawingml/2011/main" val="1"/>
+              <ma14:wrappingTextBoxFlag xmlns:ma14="http://schemas.microsoft.com/office/mac/drawingml/2011/main" xmlns:a14="http://schemas.microsoft.com/office/drawing/2010/main" xmlns:m="http://schemas.openxmlformats.org/officeDocument/2006/math" xmlns="" val="1"/>
             </a:ext>
           </a:extLst>
         </p:spPr>
@@ -7971,7 +7971,7 @@
           </a:ln>
           <a:extLst>
             <a:ext uri="{C572A759-6A51-4108-AA02-DFA0A04FC94B}">
-              <ma14:wrappingTextBoxFlag xmlns="" xmlns:m="http://schemas.openxmlformats.org/officeDocument/2006/math" xmlns:a14="http://schemas.microsoft.com/office/drawing/2010/main" xmlns:ma14="http://schemas.microsoft.com/office/mac/drawingml/2011/main" val="1"/>
+              <ma14:wrappingTextBoxFlag xmlns:ma14="http://schemas.microsoft.com/office/mac/drawingml/2011/main" xmlns:a14="http://schemas.microsoft.com/office/drawing/2010/main" xmlns:m="http://schemas.openxmlformats.org/officeDocument/2006/math" xmlns="" val="1"/>
             </a:ext>
           </a:extLst>
         </p:spPr>
@@ -8026,7 +8026,7 @@
           </a:ln>
           <a:extLst>
             <a:ext uri="{C572A759-6A51-4108-AA02-DFA0A04FC94B}">
-              <ma14:wrappingTextBoxFlag xmlns="" xmlns:m="http://schemas.openxmlformats.org/officeDocument/2006/math" xmlns:a14="http://schemas.microsoft.com/office/drawing/2010/main" xmlns:ma14="http://schemas.microsoft.com/office/mac/drawingml/2011/main" val="1"/>
+              <ma14:wrappingTextBoxFlag xmlns:ma14="http://schemas.microsoft.com/office/mac/drawingml/2011/main" xmlns:a14="http://schemas.microsoft.com/office/drawing/2010/main" xmlns:m="http://schemas.openxmlformats.org/officeDocument/2006/math" xmlns="" val="1"/>
             </a:ext>
           </a:extLst>
         </p:spPr>
@@ -8107,7 +8107,7 @@
           </a:ln>
           <a:extLst>
             <a:ext uri="{C572A759-6A51-4108-AA02-DFA0A04FC94B}">
-              <ma14:wrappingTextBoxFlag xmlns="" xmlns:m="http://schemas.openxmlformats.org/officeDocument/2006/math" xmlns:a14="http://schemas.microsoft.com/office/drawing/2010/main" xmlns:ma14="http://schemas.microsoft.com/office/mac/drawingml/2011/main" val="1"/>
+              <ma14:wrappingTextBoxFlag xmlns:ma14="http://schemas.microsoft.com/office/mac/drawingml/2011/main" xmlns:a14="http://schemas.microsoft.com/office/drawing/2010/main" xmlns:m="http://schemas.openxmlformats.org/officeDocument/2006/math" xmlns="" val="1"/>
             </a:ext>
           </a:extLst>
         </p:spPr>
@@ -8144,7 +8144,7 @@
           </a:ln>
           <a:extLst>
             <a:ext uri="{C572A759-6A51-4108-AA02-DFA0A04FC94B}">
-              <ma14:wrappingTextBoxFlag xmlns="" xmlns:m="http://schemas.openxmlformats.org/officeDocument/2006/math" xmlns:a14="http://schemas.microsoft.com/office/drawing/2010/main" xmlns:ma14="http://schemas.microsoft.com/office/mac/drawingml/2011/main" val="1"/>
+              <ma14:wrappingTextBoxFlag xmlns:ma14="http://schemas.microsoft.com/office/mac/drawingml/2011/main" xmlns:a14="http://schemas.microsoft.com/office/drawing/2010/main" xmlns:m="http://schemas.openxmlformats.org/officeDocument/2006/math" xmlns="" val="1"/>
             </a:ext>
           </a:extLst>
         </p:spPr>
@@ -8383,7 +8383,7 @@
           </a:ln>
           <a:extLst>
             <a:ext uri="{C572A759-6A51-4108-AA02-DFA0A04FC94B}">
-              <ma14:wrappingTextBoxFlag xmlns="" xmlns:m="http://schemas.openxmlformats.org/officeDocument/2006/math" xmlns:a14="http://schemas.microsoft.com/office/drawing/2010/main" xmlns:ma14="http://schemas.microsoft.com/office/mac/drawingml/2011/main" val="1"/>
+              <ma14:wrappingTextBoxFlag xmlns:ma14="http://schemas.microsoft.com/office/mac/drawingml/2011/main" xmlns:a14="http://schemas.microsoft.com/office/drawing/2010/main" xmlns:m="http://schemas.openxmlformats.org/officeDocument/2006/math" xmlns="" val="1"/>
             </a:ext>
           </a:extLst>
         </p:spPr>
@@ -8431,7 +8431,7 @@
           </a:ln>
           <a:extLst>
             <a:ext uri="{C572A759-6A51-4108-AA02-DFA0A04FC94B}">
-              <ma14:wrappingTextBoxFlag xmlns="" xmlns:m="http://schemas.openxmlformats.org/officeDocument/2006/math" xmlns:a14="http://schemas.microsoft.com/office/drawing/2010/main" xmlns:ma14="http://schemas.microsoft.com/office/mac/drawingml/2011/main" val="1"/>
+              <ma14:wrappingTextBoxFlag xmlns:ma14="http://schemas.microsoft.com/office/mac/drawingml/2011/main" xmlns:a14="http://schemas.microsoft.com/office/drawing/2010/main" xmlns:m="http://schemas.openxmlformats.org/officeDocument/2006/math" xmlns="" val="1"/>
             </a:ext>
           </a:extLst>
         </p:spPr>
@@ -8512,7 +8512,7 @@
           </a:ln>
           <a:extLst>
             <a:ext uri="{C572A759-6A51-4108-AA02-DFA0A04FC94B}">
-              <ma14:wrappingTextBoxFlag xmlns="" xmlns:m="http://schemas.openxmlformats.org/officeDocument/2006/math" xmlns:a14="http://schemas.microsoft.com/office/drawing/2010/main" xmlns:ma14="http://schemas.microsoft.com/office/mac/drawingml/2011/main" val="1"/>
+              <ma14:wrappingTextBoxFlag xmlns:ma14="http://schemas.microsoft.com/office/mac/drawingml/2011/main" xmlns:a14="http://schemas.microsoft.com/office/drawing/2010/main" xmlns:m="http://schemas.openxmlformats.org/officeDocument/2006/math" xmlns="" val="1"/>
             </a:ext>
           </a:extLst>
         </p:spPr>
@@ -8549,7 +8549,7 @@
           </a:ln>
           <a:extLst>
             <a:ext uri="{C572A759-6A51-4108-AA02-DFA0A04FC94B}">
-              <ma14:wrappingTextBoxFlag xmlns="" xmlns:m="http://schemas.openxmlformats.org/officeDocument/2006/math" xmlns:a14="http://schemas.microsoft.com/office/drawing/2010/main" xmlns:ma14="http://schemas.microsoft.com/office/mac/drawingml/2011/main" val="1"/>
+              <ma14:wrappingTextBoxFlag xmlns:ma14="http://schemas.microsoft.com/office/mac/drawingml/2011/main" xmlns:a14="http://schemas.microsoft.com/office/drawing/2010/main" xmlns:m="http://schemas.openxmlformats.org/officeDocument/2006/math" xmlns="" val="1"/>
             </a:ext>
           </a:extLst>
         </p:spPr>
@@ -8953,7 +8953,7 @@
           </a:ln>
           <a:extLst>
             <a:ext uri="{C572A759-6A51-4108-AA02-DFA0A04FC94B}">
-              <ma14:wrappingTextBoxFlag xmlns="" xmlns:m="http://schemas.openxmlformats.org/officeDocument/2006/math" xmlns:a14="http://schemas.microsoft.com/office/drawing/2010/main" xmlns:ma14="http://schemas.microsoft.com/office/mac/drawingml/2011/main" val="1"/>
+              <ma14:wrappingTextBoxFlag xmlns:ma14="http://schemas.microsoft.com/office/mac/drawingml/2011/main" xmlns:a14="http://schemas.microsoft.com/office/drawing/2010/main" xmlns:m="http://schemas.openxmlformats.org/officeDocument/2006/math" xmlns="" val="1"/>
             </a:ext>
           </a:extLst>
         </p:spPr>
@@ -9005,7 +9005,7 @@
           </a:ln>
           <a:extLst>
             <a:ext uri="{C572A759-6A51-4108-AA02-DFA0A04FC94B}">
-              <ma14:wrappingTextBoxFlag xmlns="" xmlns:m="http://schemas.openxmlformats.org/officeDocument/2006/math" xmlns:a14="http://schemas.microsoft.com/office/drawing/2010/main" xmlns:ma14="http://schemas.microsoft.com/office/mac/drawingml/2011/main" val="1"/>
+              <ma14:wrappingTextBoxFlag xmlns:ma14="http://schemas.microsoft.com/office/mac/drawingml/2011/main" xmlns:a14="http://schemas.microsoft.com/office/drawing/2010/main" xmlns:m="http://schemas.openxmlformats.org/officeDocument/2006/math" xmlns="" val="1"/>
             </a:ext>
           </a:extLst>
         </p:spPr>
@@ -9113,7 +9113,7 @@
           </a:ln>
           <a:extLst>
             <a:ext uri="{C572A759-6A51-4108-AA02-DFA0A04FC94B}">
-              <ma14:wrappingTextBoxFlag xmlns="" xmlns:m="http://schemas.openxmlformats.org/officeDocument/2006/math" xmlns:a14="http://schemas.microsoft.com/office/drawing/2010/main" xmlns:ma14="http://schemas.microsoft.com/office/mac/drawingml/2011/main" val="1"/>
+              <ma14:wrappingTextBoxFlag xmlns:ma14="http://schemas.microsoft.com/office/mac/drawingml/2011/main" xmlns:a14="http://schemas.microsoft.com/office/drawing/2010/main" xmlns:m="http://schemas.openxmlformats.org/officeDocument/2006/math" xmlns="" val="1"/>
             </a:ext>
           </a:extLst>
         </p:spPr>
@@ -9150,7 +9150,7 @@
           </a:ln>
           <a:extLst>
             <a:ext uri="{C572A759-6A51-4108-AA02-DFA0A04FC94B}">
-              <ma14:wrappingTextBoxFlag xmlns="" xmlns:m="http://schemas.openxmlformats.org/officeDocument/2006/math" xmlns:a14="http://schemas.microsoft.com/office/drawing/2010/main" xmlns:ma14="http://schemas.microsoft.com/office/mac/drawingml/2011/main" val="1"/>
+              <ma14:wrappingTextBoxFlag xmlns:ma14="http://schemas.microsoft.com/office/mac/drawingml/2011/main" xmlns:a14="http://schemas.microsoft.com/office/drawing/2010/main" xmlns:m="http://schemas.openxmlformats.org/officeDocument/2006/math" xmlns="" val="1"/>
             </a:ext>
           </a:extLst>
         </p:spPr>
@@ -9389,7 +9389,7 @@
           </a:ln>
           <a:extLst>
             <a:ext uri="{C572A759-6A51-4108-AA02-DFA0A04FC94B}">
-              <ma14:wrappingTextBoxFlag xmlns="" xmlns:m="http://schemas.openxmlformats.org/officeDocument/2006/math" xmlns:a14="http://schemas.microsoft.com/office/drawing/2010/main" xmlns:ma14="http://schemas.microsoft.com/office/mac/drawingml/2011/main" val="1"/>
+              <ma14:wrappingTextBoxFlag xmlns:ma14="http://schemas.microsoft.com/office/mac/drawingml/2011/main" xmlns:a14="http://schemas.microsoft.com/office/drawing/2010/main" xmlns:m="http://schemas.openxmlformats.org/officeDocument/2006/math" xmlns="" val="1"/>
             </a:ext>
           </a:extLst>
         </p:spPr>
@@ -9441,7 +9441,7 @@
           </a:ln>
           <a:extLst>
             <a:ext uri="{C572A759-6A51-4108-AA02-DFA0A04FC94B}">
-              <ma14:wrappingTextBoxFlag xmlns="" xmlns:m="http://schemas.openxmlformats.org/officeDocument/2006/math" xmlns:a14="http://schemas.microsoft.com/office/drawing/2010/main" xmlns:ma14="http://schemas.microsoft.com/office/mac/drawingml/2011/main" val="1"/>
+              <ma14:wrappingTextBoxFlag xmlns:ma14="http://schemas.microsoft.com/office/mac/drawingml/2011/main" xmlns:a14="http://schemas.microsoft.com/office/drawing/2010/main" xmlns:m="http://schemas.openxmlformats.org/officeDocument/2006/math" xmlns="" val="1"/>
             </a:ext>
           </a:extLst>
         </p:spPr>
@@ -9549,7 +9549,7 @@
           </a:ln>
           <a:extLst>
             <a:ext uri="{C572A759-6A51-4108-AA02-DFA0A04FC94B}">
-              <ma14:wrappingTextBoxFlag xmlns="" xmlns:m="http://schemas.openxmlformats.org/officeDocument/2006/math" xmlns:a14="http://schemas.microsoft.com/office/drawing/2010/main" xmlns:ma14="http://schemas.microsoft.com/office/mac/drawingml/2011/main" val="1"/>
+              <ma14:wrappingTextBoxFlag xmlns:ma14="http://schemas.microsoft.com/office/mac/drawingml/2011/main" xmlns:a14="http://schemas.microsoft.com/office/drawing/2010/main" xmlns:m="http://schemas.openxmlformats.org/officeDocument/2006/math" xmlns="" val="1"/>
             </a:ext>
           </a:extLst>
         </p:spPr>
@@ -9586,7 +9586,7 @@
           </a:ln>
           <a:extLst>
             <a:ext uri="{C572A759-6A51-4108-AA02-DFA0A04FC94B}">
-              <ma14:wrappingTextBoxFlag xmlns="" xmlns:m="http://schemas.openxmlformats.org/officeDocument/2006/math" xmlns:a14="http://schemas.microsoft.com/office/drawing/2010/main" xmlns:ma14="http://schemas.microsoft.com/office/mac/drawingml/2011/main" val="1"/>
+              <ma14:wrappingTextBoxFlag xmlns:ma14="http://schemas.microsoft.com/office/mac/drawingml/2011/main" xmlns:a14="http://schemas.microsoft.com/office/drawing/2010/main" xmlns:m="http://schemas.openxmlformats.org/officeDocument/2006/math" xmlns="" val="1"/>
             </a:ext>
           </a:extLst>
         </p:spPr>
@@ -9825,7 +9825,7 @@
           </a:ln>
           <a:extLst>
             <a:ext uri="{C572A759-6A51-4108-AA02-DFA0A04FC94B}">
-              <ma14:wrappingTextBoxFlag xmlns="" xmlns:m="http://schemas.openxmlformats.org/officeDocument/2006/math" xmlns:a14="http://schemas.microsoft.com/office/drawing/2010/main" xmlns:ma14="http://schemas.microsoft.com/office/mac/drawingml/2011/main" val="1"/>
+              <ma14:wrappingTextBoxFlag xmlns:ma14="http://schemas.microsoft.com/office/mac/drawingml/2011/main" xmlns:a14="http://schemas.microsoft.com/office/drawing/2010/main" xmlns:m="http://schemas.openxmlformats.org/officeDocument/2006/math" xmlns="" val="1"/>
             </a:ext>
           </a:extLst>
         </p:spPr>
@@ -9870,7 +9870,7 @@
           </a:ln>
           <a:extLst>
             <a:ext uri="{C572A759-6A51-4108-AA02-DFA0A04FC94B}">
-              <ma14:wrappingTextBoxFlag xmlns="" xmlns:m="http://schemas.openxmlformats.org/officeDocument/2006/math" xmlns:a14="http://schemas.microsoft.com/office/drawing/2010/main" xmlns:ma14="http://schemas.microsoft.com/office/mac/drawingml/2011/main" val="1"/>
+              <ma14:wrappingTextBoxFlag xmlns:ma14="http://schemas.microsoft.com/office/mac/drawingml/2011/main" xmlns:a14="http://schemas.microsoft.com/office/drawing/2010/main" xmlns:m="http://schemas.openxmlformats.org/officeDocument/2006/math" xmlns="" val="1"/>
             </a:ext>
           </a:extLst>
         </p:spPr>
@@ -9920,7 +9920,7 @@
           </a:ln>
           <a:extLst>
             <a:ext uri="{C572A759-6A51-4108-AA02-DFA0A04FC94B}">
-              <ma14:wrappingTextBoxFlag xmlns="" xmlns:m="http://schemas.openxmlformats.org/officeDocument/2006/math" xmlns:a14="http://schemas.microsoft.com/office/drawing/2010/main" xmlns:ma14="http://schemas.microsoft.com/office/mac/drawingml/2011/main" val="1"/>
+              <ma14:wrappingTextBoxFlag xmlns:ma14="http://schemas.microsoft.com/office/mac/drawingml/2011/main" xmlns:a14="http://schemas.microsoft.com/office/drawing/2010/main" xmlns:m="http://schemas.openxmlformats.org/officeDocument/2006/math" xmlns="" val="1"/>
             </a:ext>
           </a:extLst>
         </p:spPr>
@@ -9957,7 +9957,7 @@
           </a:ln>
           <a:extLst>
             <a:ext uri="{C572A759-6A51-4108-AA02-DFA0A04FC94B}">
-              <ma14:wrappingTextBoxFlag xmlns="" xmlns:m="http://schemas.openxmlformats.org/officeDocument/2006/math" xmlns:a14="http://schemas.microsoft.com/office/drawing/2010/main" xmlns:ma14="http://schemas.microsoft.com/office/mac/drawingml/2011/main" val="1"/>
+              <ma14:wrappingTextBoxFlag xmlns:ma14="http://schemas.microsoft.com/office/mac/drawingml/2011/main" xmlns:a14="http://schemas.microsoft.com/office/drawing/2010/main" xmlns:m="http://schemas.openxmlformats.org/officeDocument/2006/math" xmlns="" val="1"/>
             </a:ext>
           </a:extLst>
         </p:spPr>
@@ -10250,7 +10250,7 @@
           </a:ln>
           <a:extLst>
             <a:ext uri="{C572A759-6A51-4108-AA02-DFA0A04FC94B}">
-              <ma14:wrappingTextBoxFlag xmlns="" xmlns:m="http://schemas.openxmlformats.org/officeDocument/2006/math" xmlns:a14="http://schemas.microsoft.com/office/drawing/2010/main" xmlns:ma14="http://schemas.microsoft.com/office/mac/drawingml/2011/main" val="1"/>
+              <ma14:wrappingTextBoxFlag xmlns:ma14="http://schemas.microsoft.com/office/mac/drawingml/2011/main" xmlns:a14="http://schemas.microsoft.com/office/drawing/2010/main" xmlns:m="http://schemas.openxmlformats.org/officeDocument/2006/math" xmlns="" val="1"/>
             </a:ext>
           </a:extLst>
         </p:spPr>
@@ -10308,7 +10308,7 @@
           </a:ln>
           <a:extLst>
             <a:ext uri="{C572A759-6A51-4108-AA02-DFA0A04FC94B}">
-              <ma14:wrappingTextBoxFlag xmlns="" xmlns:m="http://schemas.openxmlformats.org/officeDocument/2006/math" xmlns:a14="http://schemas.microsoft.com/office/drawing/2010/main" xmlns:ma14="http://schemas.microsoft.com/office/mac/drawingml/2011/main" val="1"/>
+              <ma14:wrappingTextBoxFlag xmlns:ma14="http://schemas.microsoft.com/office/mac/drawingml/2011/main" xmlns:a14="http://schemas.microsoft.com/office/drawing/2010/main" xmlns:m="http://schemas.openxmlformats.org/officeDocument/2006/math" xmlns="" val="1"/>
             </a:ext>
           </a:extLst>
         </p:spPr>
@@ -10414,7 +10414,7 @@
           </a:ln>
           <a:extLst>
             <a:ext uri="{C572A759-6A51-4108-AA02-DFA0A04FC94B}">
-              <ma14:wrappingTextBoxFlag xmlns="" xmlns:m="http://schemas.openxmlformats.org/officeDocument/2006/math" xmlns:a14="http://schemas.microsoft.com/office/drawing/2010/main" xmlns:ma14="http://schemas.microsoft.com/office/mac/drawingml/2011/main" val="1"/>
+              <ma14:wrappingTextBoxFlag xmlns:ma14="http://schemas.microsoft.com/office/mac/drawingml/2011/main" xmlns:a14="http://schemas.microsoft.com/office/drawing/2010/main" xmlns:m="http://schemas.openxmlformats.org/officeDocument/2006/math" xmlns="" val="1"/>
             </a:ext>
           </a:extLst>
         </p:spPr>
@@ -10451,7 +10451,7 @@
           </a:ln>
           <a:extLst>
             <a:ext uri="{C572A759-6A51-4108-AA02-DFA0A04FC94B}">
-              <ma14:wrappingTextBoxFlag xmlns="" xmlns:m="http://schemas.openxmlformats.org/officeDocument/2006/math" xmlns:a14="http://schemas.microsoft.com/office/drawing/2010/main" xmlns:ma14="http://schemas.microsoft.com/office/mac/drawingml/2011/main" val="1"/>
+              <ma14:wrappingTextBoxFlag xmlns:ma14="http://schemas.microsoft.com/office/mac/drawingml/2011/main" xmlns:a14="http://schemas.microsoft.com/office/drawing/2010/main" xmlns:m="http://schemas.openxmlformats.org/officeDocument/2006/math" xmlns="" val="1"/>
             </a:ext>
           </a:extLst>
         </p:spPr>
@@ -10691,7 +10691,7 @@
           </a:ln>
           <a:extLst>
             <a:ext uri="{C572A759-6A51-4108-AA02-DFA0A04FC94B}">
-              <ma14:wrappingTextBoxFlag xmlns="" xmlns:m="http://schemas.openxmlformats.org/officeDocument/2006/math" xmlns:a14="http://schemas.microsoft.com/office/drawing/2010/main" xmlns:ma14="http://schemas.microsoft.com/office/mac/drawingml/2011/main" val="1"/>
+              <ma14:wrappingTextBoxFlag xmlns:ma14="http://schemas.microsoft.com/office/mac/drawingml/2011/main" xmlns:a14="http://schemas.microsoft.com/office/drawing/2010/main" xmlns:m="http://schemas.openxmlformats.org/officeDocument/2006/math" xmlns="" val="1"/>
             </a:ext>
           </a:extLst>
         </p:spPr>
@@ -10749,7 +10749,7 @@
           </a:ln>
           <a:extLst>
             <a:ext uri="{C572A759-6A51-4108-AA02-DFA0A04FC94B}">
-              <ma14:wrappingTextBoxFlag xmlns="" xmlns:m="http://schemas.openxmlformats.org/officeDocument/2006/math" xmlns:a14="http://schemas.microsoft.com/office/drawing/2010/main" xmlns:ma14="http://schemas.microsoft.com/office/mac/drawingml/2011/main" val="1"/>
+              <ma14:wrappingTextBoxFlag xmlns:ma14="http://schemas.microsoft.com/office/mac/drawingml/2011/main" xmlns:a14="http://schemas.microsoft.com/office/drawing/2010/main" xmlns:m="http://schemas.openxmlformats.org/officeDocument/2006/math" xmlns="" val="1"/>
             </a:ext>
           </a:extLst>
         </p:spPr>
@@ -10761,6 +10761,7 @@
               <a:defRPr sz="2600"/>
             </a:pPr>
             <a:r>
+              <a:rPr dirty="0"/>
               <a:t>This is a test page.</a:t>
             </a:r>
           </a:p>
@@ -10769,7 +10770,7 @@
               <a:defRPr sz="2600"/>
             </a:pPr>
             <a:r>
-              <a:rPr>
+              <a:rPr dirty="0">
                 <a:solidFill>
                   <a:schemeClr val="accent5">
                     <a:hueOff val="-82419"/>
@@ -10778,14 +10779,72 @@
                   </a:schemeClr>
                 </a:solidFill>
               </a:rPr>
-              <a:t>&lt;br&gt;&lt;br&gt;</a:t>
-            </a:r>
+              <a:t>&lt;</a:t>
+            </a:r>
+            <a:r>
+              <a:rPr dirty="0" err="1">
+                <a:solidFill>
+                  <a:schemeClr val="accent5">
+                    <a:hueOff val="-82419"/>
+                    <a:satOff val="-9513"/>
+                    <a:lumOff val="-16343"/>
+                  </a:schemeClr>
+                </a:solidFill>
+              </a:rPr>
+              <a:t>br</a:t>
+            </a:r>
+            <a:r>
+              <a:rPr dirty="0">
+                <a:solidFill>
+                  <a:schemeClr val="accent5">
+                    <a:hueOff val="-82419"/>
+                    <a:satOff val="-9513"/>
+                    <a:lumOff val="-16343"/>
+                  </a:schemeClr>
+                </a:solidFill>
+              </a:rPr>
+              <a:t>&gt;&lt;</a:t>
+            </a:r>
+            <a:r>
+              <a:rPr dirty="0" err="1">
+                <a:solidFill>
+                  <a:schemeClr val="accent5">
+                    <a:hueOff val="-82419"/>
+                    <a:satOff val="-9513"/>
+                    <a:lumOff val="-16343"/>
+                  </a:schemeClr>
+                </a:solidFill>
+              </a:rPr>
+              <a:t>br</a:t>
+            </a:r>
+            <a:r>
+              <a:rPr lang="en-US" dirty="0">
+                <a:solidFill>
+                  <a:schemeClr val="accent5">
+                    <a:hueOff val="-82419"/>
+                    <a:satOff val="-9513"/>
+                    <a:lumOff val="-16343"/>
+                  </a:schemeClr>
+                </a:solidFill>
+              </a:rPr>
+              <a:t>&gt;</a:t>
+            </a:r>
+            <a:endParaRPr dirty="0">
+              <a:solidFill>
+                <a:schemeClr val="accent5">
+                  <a:hueOff val="-82419"/>
+                  <a:satOff val="-9513"/>
+                  <a:lumOff val="-16343"/>
+                </a:schemeClr>
+              </a:solidFill>
+            </a:endParaRPr>
           </a:p>
           <a:p>
             <a:pPr algn="l">
               <a:defRPr sz="2600"/>
             </a:pPr>
             <a:r>
+              <a:rPr dirty="0"/>
               <a:t>It is awesome.</a:t>
             </a:r>
           </a:p>
@@ -10810,7 +10869,7 @@
           </a:ln>
           <a:extLst>
             <a:ext uri="{C572A759-6A51-4108-AA02-DFA0A04FC94B}">
-              <ma14:wrappingTextBoxFlag xmlns="" xmlns:m="http://schemas.openxmlformats.org/officeDocument/2006/math" xmlns:a14="http://schemas.microsoft.com/office/drawing/2010/main" xmlns:ma14="http://schemas.microsoft.com/office/mac/drawingml/2011/main" val="1"/>
+              <ma14:wrappingTextBoxFlag xmlns:ma14="http://schemas.microsoft.com/office/mac/drawingml/2011/main" xmlns:a14="http://schemas.microsoft.com/office/drawing/2010/main" xmlns:m="http://schemas.openxmlformats.org/officeDocument/2006/math" xmlns="" val="1"/>
             </a:ext>
           </a:extLst>
         </p:spPr>
@@ -10847,7 +10906,7 @@
           </a:ln>
           <a:extLst>
             <a:ext uri="{C572A759-6A51-4108-AA02-DFA0A04FC94B}">
-              <ma14:wrappingTextBoxFlag xmlns="" xmlns:m="http://schemas.openxmlformats.org/officeDocument/2006/math" xmlns:a14="http://schemas.microsoft.com/office/drawing/2010/main" xmlns:ma14="http://schemas.microsoft.com/office/mac/drawingml/2011/main" val="1"/>
+              <ma14:wrappingTextBoxFlag xmlns:ma14="http://schemas.microsoft.com/office/mac/drawingml/2011/main" xmlns:a14="http://schemas.microsoft.com/office/drawing/2010/main" xmlns:m="http://schemas.openxmlformats.org/officeDocument/2006/math" xmlns="" val="1"/>
             </a:ext>
           </a:extLst>
         </p:spPr>
@@ -11086,7 +11145,7 @@
           </a:ln>
           <a:extLst>
             <a:ext uri="{C572A759-6A51-4108-AA02-DFA0A04FC94B}">
-              <ma14:wrappingTextBoxFlag xmlns="" xmlns:m="http://schemas.openxmlformats.org/officeDocument/2006/math" xmlns:a14="http://schemas.microsoft.com/office/drawing/2010/main" xmlns:ma14="http://schemas.microsoft.com/office/mac/drawingml/2011/main" val="1"/>
+              <ma14:wrappingTextBoxFlag xmlns:ma14="http://schemas.microsoft.com/office/mac/drawingml/2011/main" xmlns:a14="http://schemas.microsoft.com/office/drawing/2010/main" xmlns:m="http://schemas.openxmlformats.org/officeDocument/2006/math" xmlns="" val="1"/>
             </a:ext>
           </a:extLst>
         </p:spPr>
@@ -11150,7 +11209,7 @@
           </a:ln>
           <a:extLst>
             <a:ext uri="{C572A759-6A51-4108-AA02-DFA0A04FC94B}">
-              <ma14:wrappingTextBoxFlag xmlns="" xmlns:m="http://schemas.openxmlformats.org/officeDocument/2006/math" xmlns:a14="http://schemas.microsoft.com/office/drawing/2010/main" xmlns:ma14="http://schemas.microsoft.com/office/mac/drawingml/2011/main" val="1"/>
+              <ma14:wrappingTextBoxFlag xmlns:ma14="http://schemas.microsoft.com/office/mac/drawingml/2011/main" xmlns:a14="http://schemas.microsoft.com/office/drawing/2010/main" xmlns:m="http://schemas.openxmlformats.org/officeDocument/2006/math" xmlns="" val="1"/>
             </a:ext>
           </a:extLst>
         </p:spPr>
@@ -11211,7 +11270,7 @@
           </a:ln>
           <a:extLst>
             <a:ext uri="{C572A759-6A51-4108-AA02-DFA0A04FC94B}">
-              <ma14:wrappingTextBoxFlag xmlns="" xmlns:m="http://schemas.openxmlformats.org/officeDocument/2006/math" xmlns:a14="http://schemas.microsoft.com/office/drawing/2010/main" xmlns:ma14="http://schemas.microsoft.com/office/mac/drawingml/2011/main" val="1"/>
+              <ma14:wrappingTextBoxFlag xmlns:ma14="http://schemas.microsoft.com/office/mac/drawingml/2011/main" xmlns:a14="http://schemas.microsoft.com/office/drawing/2010/main" xmlns:m="http://schemas.openxmlformats.org/officeDocument/2006/math" xmlns="" val="1"/>
             </a:ext>
           </a:extLst>
         </p:spPr>
@@ -11248,7 +11307,7 @@
           </a:ln>
           <a:extLst>
             <a:ext uri="{C572A759-6A51-4108-AA02-DFA0A04FC94B}">
-              <ma14:wrappingTextBoxFlag xmlns="" xmlns:m="http://schemas.openxmlformats.org/officeDocument/2006/math" xmlns:a14="http://schemas.microsoft.com/office/drawing/2010/main" xmlns:ma14="http://schemas.microsoft.com/office/mac/drawingml/2011/main" val="1"/>
+              <ma14:wrappingTextBoxFlag xmlns:ma14="http://schemas.microsoft.com/office/mac/drawingml/2011/main" xmlns:a14="http://schemas.microsoft.com/office/drawing/2010/main" xmlns:m="http://schemas.openxmlformats.org/officeDocument/2006/math" xmlns="" val="1"/>
             </a:ext>
           </a:extLst>
         </p:spPr>
@@ -11487,7 +11546,7 @@
           </a:ln>
           <a:extLst>
             <a:ext uri="{C572A759-6A51-4108-AA02-DFA0A04FC94B}">
-              <ma14:wrappingTextBoxFlag xmlns="" xmlns:m="http://schemas.openxmlformats.org/officeDocument/2006/math" xmlns:a14="http://schemas.microsoft.com/office/drawing/2010/main" xmlns:ma14="http://schemas.microsoft.com/office/mac/drawingml/2011/main" val="1"/>
+              <ma14:wrappingTextBoxFlag xmlns:ma14="http://schemas.microsoft.com/office/mac/drawingml/2011/main" xmlns:a14="http://schemas.microsoft.com/office/drawing/2010/main" xmlns:m="http://schemas.openxmlformats.org/officeDocument/2006/math" xmlns="" val="1"/>
             </a:ext>
           </a:extLst>
         </p:spPr>
@@ -11557,7 +11616,7 @@
           </a:ln>
           <a:extLst>
             <a:ext uri="{C572A759-6A51-4108-AA02-DFA0A04FC94B}">
-              <ma14:wrappingTextBoxFlag xmlns="" xmlns:m="http://schemas.openxmlformats.org/officeDocument/2006/math" xmlns:a14="http://schemas.microsoft.com/office/drawing/2010/main" xmlns:ma14="http://schemas.microsoft.com/office/mac/drawingml/2011/main" val="1"/>
+              <ma14:wrappingTextBoxFlag xmlns:ma14="http://schemas.microsoft.com/office/mac/drawingml/2011/main" xmlns:a14="http://schemas.microsoft.com/office/drawing/2010/main" xmlns:m="http://schemas.openxmlformats.org/officeDocument/2006/math" xmlns="" val="1"/>
             </a:ext>
           </a:extLst>
         </p:spPr>
@@ -11618,7 +11677,7 @@
           </a:ln>
           <a:extLst>
             <a:ext uri="{C572A759-6A51-4108-AA02-DFA0A04FC94B}">
-              <ma14:wrappingTextBoxFlag xmlns="" xmlns:m="http://schemas.openxmlformats.org/officeDocument/2006/math" xmlns:a14="http://schemas.microsoft.com/office/drawing/2010/main" xmlns:ma14="http://schemas.microsoft.com/office/mac/drawingml/2011/main" val="1"/>
+              <ma14:wrappingTextBoxFlag xmlns:ma14="http://schemas.microsoft.com/office/mac/drawingml/2011/main" xmlns:a14="http://schemas.microsoft.com/office/drawing/2010/main" xmlns:m="http://schemas.openxmlformats.org/officeDocument/2006/math" xmlns="" val="1"/>
             </a:ext>
           </a:extLst>
         </p:spPr>
@@ -11655,7 +11714,7 @@
           </a:ln>
           <a:extLst>
             <a:ext uri="{C572A759-6A51-4108-AA02-DFA0A04FC94B}">
-              <ma14:wrappingTextBoxFlag xmlns="" xmlns:m="http://schemas.openxmlformats.org/officeDocument/2006/math" xmlns:a14="http://schemas.microsoft.com/office/drawing/2010/main" xmlns:ma14="http://schemas.microsoft.com/office/mac/drawingml/2011/main" val="1"/>
+              <ma14:wrappingTextBoxFlag xmlns:ma14="http://schemas.microsoft.com/office/mac/drawingml/2011/main" xmlns:a14="http://schemas.microsoft.com/office/drawing/2010/main" xmlns:m="http://schemas.openxmlformats.org/officeDocument/2006/math" xmlns="" val="1"/>
             </a:ext>
           </a:extLst>
         </p:spPr>
@@ -11894,7 +11953,7 @@
           </a:ln>
           <a:extLst>
             <a:ext uri="{C572A759-6A51-4108-AA02-DFA0A04FC94B}">
-              <ma14:wrappingTextBoxFlag xmlns="" xmlns:m="http://schemas.openxmlformats.org/officeDocument/2006/math" xmlns:a14="http://schemas.microsoft.com/office/drawing/2010/main" xmlns:ma14="http://schemas.microsoft.com/office/mac/drawingml/2011/main" val="1"/>
+              <ma14:wrappingTextBoxFlag xmlns:ma14="http://schemas.microsoft.com/office/mac/drawingml/2011/main" xmlns:a14="http://schemas.microsoft.com/office/drawing/2010/main" xmlns:m="http://schemas.openxmlformats.org/officeDocument/2006/math" xmlns="" val="1"/>
             </a:ext>
           </a:extLst>
         </p:spPr>
@@ -11964,7 +12023,7 @@
           </a:ln>
           <a:extLst>
             <a:ext uri="{C572A759-6A51-4108-AA02-DFA0A04FC94B}">
-              <ma14:wrappingTextBoxFlag xmlns="" xmlns:m="http://schemas.openxmlformats.org/officeDocument/2006/math" xmlns:a14="http://schemas.microsoft.com/office/drawing/2010/main" xmlns:ma14="http://schemas.microsoft.com/office/mac/drawingml/2011/main" val="1"/>
+              <ma14:wrappingTextBoxFlag xmlns:ma14="http://schemas.microsoft.com/office/mac/drawingml/2011/main" xmlns:a14="http://schemas.microsoft.com/office/drawing/2010/main" xmlns:m="http://schemas.openxmlformats.org/officeDocument/2006/math" xmlns="" val="1"/>
             </a:ext>
           </a:extLst>
         </p:spPr>
@@ -12025,7 +12084,7 @@
           </a:ln>
           <a:extLst>
             <a:ext uri="{C572A759-6A51-4108-AA02-DFA0A04FC94B}">
-              <ma14:wrappingTextBoxFlag xmlns="" xmlns:m="http://schemas.openxmlformats.org/officeDocument/2006/math" xmlns:a14="http://schemas.microsoft.com/office/drawing/2010/main" xmlns:ma14="http://schemas.microsoft.com/office/mac/drawingml/2011/main" val="1"/>
+              <ma14:wrappingTextBoxFlag xmlns:ma14="http://schemas.microsoft.com/office/mac/drawingml/2011/main" xmlns:a14="http://schemas.microsoft.com/office/drawing/2010/main" xmlns:m="http://schemas.openxmlformats.org/officeDocument/2006/math" xmlns="" val="1"/>
             </a:ext>
           </a:extLst>
         </p:spPr>
@@ -12062,7 +12121,7 @@
           </a:ln>
           <a:extLst>
             <a:ext uri="{C572A759-6A51-4108-AA02-DFA0A04FC94B}">
-              <ma14:wrappingTextBoxFlag xmlns="" xmlns:m="http://schemas.openxmlformats.org/officeDocument/2006/math" xmlns:a14="http://schemas.microsoft.com/office/drawing/2010/main" xmlns:ma14="http://schemas.microsoft.com/office/mac/drawingml/2011/main" val="1"/>
+              <ma14:wrappingTextBoxFlag xmlns:ma14="http://schemas.microsoft.com/office/mac/drawingml/2011/main" xmlns:a14="http://schemas.microsoft.com/office/drawing/2010/main" xmlns:m="http://schemas.openxmlformats.org/officeDocument/2006/math" xmlns="" val="1"/>
             </a:ext>
           </a:extLst>
         </p:spPr>
@@ -12164,7 +12223,7 @@
           </a:ln>
           <a:extLst>
             <a:ext uri="{C572A759-6A51-4108-AA02-DFA0A04FC94B}">
-              <ma14:wrappingTextBoxFlag xmlns="" xmlns:m="http://schemas.openxmlformats.org/officeDocument/2006/math" xmlns:a14="http://schemas.microsoft.com/office/drawing/2010/main" xmlns:ma14="http://schemas.microsoft.com/office/mac/drawingml/2011/main" val="1"/>
+              <ma14:wrappingTextBoxFlag xmlns:ma14="http://schemas.microsoft.com/office/mac/drawingml/2011/main" xmlns:a14="http://schemas.microsoft.com/office/drawing/2010/main" xmlns:m="http://schemas.openxmlformats.org/officeDocument/2006/math" xmlns="" val="1"/>
             </a:ext>
           </a:extLst>
         </p:spPr>
@@ -12426,7 +12485,7 @@
           </a:ln>
           <a:extLst>
             <a:ext uri="{C572A759-6A51-4108-AA02-DFA0A04FC94B}">
-              <ma14:wrappingTextBoxFlag xmlns="" xmlns:m="http://schemas.openxmlformats.org/officeDocument/2006/math" xmlns:a14="http://schemas.microsoft.com/office/drawing/2010/main" xmlns:ma14="http://schemas.microsoft.com/office/mac/drawingml/2011/main" val="1"/>
+              <ma14:wrappingTextBoxFlag xmlns:ma14="http://schemas.microsoft.com/office/mac/drawingml/2011/main" xmlns:a14="http://schemas.microsoft.com/office/drawing/2010/main" xmlns:m="http://schemas.openxmlformats.org/officeDocument/2006/math" xmlns="" val="1"/>
             </a:ext>
           </a:extLst>
         </p:spPr>
@@ -12496,7 +12555,7 @@
           </a:ln>
           <a:extLst>
             <a:ext uri="{C572A759-6A51-4108-AA02-DFA0A04FC94B}">
-              <ma14:wrappingTextBoxFlag xmlns="" xmlns:m="http://schemas.openxmlformats.org/officeDocument/2006/math" xmlns:a14="http://schemas.microsoft.com/office/drawing/2010/main" xmlns:ma14="http://schemas.microsoft.com/office/mac/drawingml/2011/main" val="1"/>
+              <ma14:wrappingTextBoxFlag xmlns:ma14="http://schemas.microsoft.com/office/mac/drawingml/2011/main" xmlns:a14="http://schemas.microsoft.com/office/drawing/2010/main" xmlns:m="http://schemas.openxmlformats.org/officeDocument/2006/math" xmlns="" val="1"/>
             </a:ext>
           </a:extLst>
         </p:spPr>
@@ -12557,7 +12616,7 @@
           </a:ln>
           <a:extLst>
             <a:ext uri="{C572A759-6A51-4108-AA02-DFA0A04FC94B}">
-              <ma14:wrappingTextBoxFlag xmlns="" xmlns:m="http://schemas.openxmlformats.org/officeDocument/2006/math" xmlns:a14="http://schemas.microsoft.com/office/drawing/2010/main" xmlns:ma14="http://schemas.microsoft.com/office/mac/drawingml/2011/main" val="1"/>
+              <ma14:wrappingTextBoxFlag xmlns:ma14="http://schemas.microsoft.com/office/mac/drawingml/2011/main" xmlns:a14="http://schemas.microsoft.com/office/drawing/2010/main" xmlns:m="http://schemas.openxmlformats.org/officeDocument/2006/math" xmlns="" val="1"/>
             </a:ext>
           </a:extLst>
         </p:spPr>
@@ -12594,7 +12653,7 @@
           </a:ln>
           <a:extLst>
             <a:ext uri="{C572A759-6A51-4108-AA02-DFA0A04FC94B}">
-              <ma14:wrappingTextBoxFlag xmlns="" xmlns:m="http://schemas.openxmlformats.org/officeDocument/2006/math" xmlns:a14="http://schemas.microsoft.com/office/drawing/2010/main" xmlns:ma14="http://schemas.microsoft.com/office/mac/drawingml/2011/main" val="1"/>
+              <ma14:wrappingTextBoxFlag xmlns:ma14="http://schemas.microsoft.com/office/mac/drawingml/2011/main" xmlns:a14="http://schemas.microsoft.com/office/drawing/2010/main" xmlns:m="http://schemas.openxmlformats.org/officeDocument/2006/math" xmlns="" val="1"/>
             </a:ext>
           </a:extLst>
         </p:spPr>
@@ -12696,7 +12755,7 @@
           </a:ln>
           <a:extLst>
             <a:ext uri="{C572A759-6A51-4108-AA02-DFA0A04FC94B}">
-              <ma14:wrappingTextBoxFlag xmlns="" xmlns:m="http://schemas.openxmlformats.org/officeDocument/2006/math" xmlns:a14="http://schemas.microsoft.com/office/drawing/2010/main" xmlns:ma14="http://schemas.microsoft.com/office/mac/drawingml/2011/main" val="1"/>
+              <ma14:wrappingTextBoxFlag xmlns:ma14="http://schemas.microsoft.com/office/mac/drawingml/2011/main" xmlns:a14="http://schemas.microsoft.com/office/drawing/2010/main" xmlns:m="http://schemas.openxmlformats.org/officeDocument/2006/math" xmlns="" val="1"/>
             </a:ext>
           </a:extLst>
         </p:spPr>
@@ -12945,7 +13004,7 @@
           </a:ln>
           <a:extLst>
             <a:ext uri="{C572A759-6A51-4108-AA02-DFA0A04FC94B}">
-              <ma14:wrappingTextBoxFlag xmlns="" xmlns:m="http://schemas.openxmlformats.org/officeDocument/2006/math" xmlns:a14="http://schemas.microsoft.com/office/drawing/2010/main" xmlns:ma14="http://schemas.microsoft.com/office/mac/drawingml/2011/main" val="1"/>
+              <ma14:wrappingTextBoxFlag xmlns:ma14="http://schemas.microsoft.com/office/mac/drawingml/2011/main" xmlns:a14="http://schemas.microsoft.com/office/drawing/2010/main" xmlns:m="http://schemas.openxmlformats.org/officeDocument/2006/math" xmlns="" val="1"/>
             </a:ext>
           </a:extLst>
         </p:spPr>
@@ -13017,7 +13076,7 @@
           </a:ln>
           <a:extLst>
             <a:ext uri="{C572A759-6A51-4108-AA02-DFA0A04FC94B}">
-              <ma14:wrappingTextBoxFlag xmlns="" xmlns:m="http://schemas.openxmlformats.org/officeDocument/2006/math" xmlns:a14="http://schemas.microsoft.com/office/drawing/2010/main" xmlns:ma14="http://schemas.microsoft.com/office/mac/drawingml/2011/main" val="1"/>
+              <ma14:wrappingTextBoxFlag xmlns:ma14="http://schemas.microsoft.com/office/mac/drawingml/2011/main" xmlns:a14="http://schemas.microsoft.com/office/drawing/2010/main" xmlns:m="http://schemas.openxmlformats.org/officeDocument/2006/math" xmlns="" val="1"/>
             </a:ext>
           </a:extLst>
         </p:spPr>
@@ -13113,7 +13172,7 @@
           </a:ln>
           <a:extLst>
             <a:ext uri="{C572A759-6A51-4108-AA02-DFA0A04FC94B}">
-              <ma14:wrappingTextBoxFlag xmlns="" xmlns:m="http://schemas.openxmlformats.org/officeDocument/2006/math" xmlns:a14="http://schemas.microsoft.com/office/drawing/2010/main" xmlns:ma14="http://schemas.microsoft.com/office/mac/drawingml/2011/main" val="1"/>
+              <ma14:wrappingTextBoxFlag xmlns:ma14="http://schemas.microsoft.com/office/mac/drawingml/2011/main" xmlns:a14="http://schemas.microsoft.com/office/drawing/2010/main" xmlns:m="http://schemas.openxmlformats.org/officeDocument/2006/math" xmlns="" val="1"/>
             </a:ext>
           </a:extLst>
         </p:spPr>
@@ -13150,7 +13209,7 @@
           </a:ln>
           <a:extLst>
             <a:ext uri="{C572A759-6A51-4108-AA02-DFA0A04FC94B}">
-              <ma14:wrappingTextBoxFlag xmlns="" xmlns:m="http://schemas.openxmlformats.org/officeDocument/2006/math" xmlns:a14="http://schemas.microsoft.com/office/drawing/2010/main" xmlns:ma14="http://schemas.microsoft.com/office/mac/drawingml/2011/main" val="1"/>
+              <ma14:wrappingTextBoxFlag xmlns:ma14="http://schemas.microsoft.com/office/mac/drawingml/2011/main" xmlns:a14="http://schemas.microsoft.com/office/drawing/2010/main" xmlns:m="http://schemas.openxmlformats.org/officeDocument/2006/math" xmlns="" val="1"/>
             </a:ext>
           </a:extLst>
         </p:spPr>
@@ -13535,7 +13594,7 @@
           </a:ln>
           <a:extLst>
             <a:ext uri="{C572A759-6A51-4108-AA02-DFA0A04FC94B}">
-              <ma14:wrappingTextBoxFlag xmlns="" xmlns:m="http://schemas.openxmlformats.org/officeDocument/2006/math" xmlns:a14="http://schemas.microsoft.com/office/drawing/2010/main" xmlns:ma14="http://schemas.microsoft.com/office/mac/drawingml/2011/main" val="1"/>
+              <ma14:wrappingTextBoxFlag xmlns:ma14="http://schemas.microsoft.com/office/mac/drawingml/2011/main" xmlns:a14="http://schemas.microsoft.com/office/drawing/2010/main" xmlns:m="http://schemas.openxmlformats.org/officeDocument/2006/math" xmlns="" val="1"/>
             </a:ext>
           </a:extLst>
         </p:spPr>
@@ -13587,7 +13646,7 @@
           </a:ln>
           <a:extLst>
             <a:ext uri="{C572A759-6A51-4108-AA02-DFA0A04FC94B}">
-              <ma14:wrappingTextBoxFlag xmlns="" xmlns:m="http://schemas.openxmlformats.org/officeDocument/2006/math" xmlns:a14="http://schemas.microsoft.com/office/drawing/2010/main" xmlns:ma14="http://schemas.microsoft.com/office/mac/drawingml/2011/main" val="1"/>
+              <ma14:wrappingTextBoxFlag xmlns:ma14="http://schemas.microsoft.com/office/mac/drawingml/2011/main" xmlns:a14="http://schemas.microsoft.com/office/drawing/2010/main" xmlns:m="http://schemas.openxmlformats.org/officeDocument/2006/math" xmlns="" val="1"/>
             </a:ext>
           </a:extLst>
         </p:spPr>
@@ -13648,7 +13707,7 @@
           </a:ln>
           <a:extLst>
             <a:ext uri="{C572A759-6A51-4108-AA02-DFA0A04FC94B}">
-              <ma14:wrappingTextBoxFlag xmlns="" xmlns:m="http://schemas.openxmlformats.org/officeDocument/2006/math" xmlns:a14="http://schemas.microsoft.com/office/drawing/2010/main" xmlns:ma14="http://schemas.microsoft.com/office/mac/drawingml/2011/main" val="1"/>
+              <ma14:wrappingTextBoxFlag xmlns:ma14="http://schemas.microsoft.com/office/mac/drawingml/2011/main" xmlns:a14="http://schemas.microsoft.com/office/drawing/2010/main" xmlns:m="http://schemas.openxmlformats.org/officeDocument/2006/math" xmlns="" val="1"/>
             </a:ext>
           </a:extLst>
         </p:spPr>
@@ -13685,7 +13744,7 @@
           </a:ln>
           <a:extLst>
             <a:ext uri="{C572A759-6A51-4108-AA02-DFA0A04FC94B}">
-              <ma14:wrappingTextBoxFlag xmlns="" xmlns:m="http://schemas.openxmlformats.org/officeDocument/2006/math" xmlns:a14="http://schemas.microsoft.com/office/drawing/2010/main" xmlns:ma14="http://schemas.microsoft.com/office/mac/drawingml/2011/main" val="1"/>
+              <ma14:wrappingTextBoxFlag xmlns:ma14="http://schemas.microsoft.com/office/mac/drawingml/2011/main" xmlns:a14="http://schemas.microsoft.com/office/drawing/2010/main" xmlns:m="http://schemas.openxmlformats.org/officeDocument/2006/math" xmlns="" val="1"/>
             </a:ext>
           </a:extLst>
         </p:spPr>
@@ -13926,7 +13985,7 @@
           </a:ln>
           <a:extLst>
             <a:ext uri="{C572A759-6A51-4108-AA02-DFA0A04FC94B}">
-              <ma14:wrappingTextBoxFlag xmlns="" xmlns:m="http://schemas.openxmlformats.org/officeDocument/2006/math" xmlns:a14="http://schemas.microsoft.com/office/drawing/2010/main" xmlns:ma14="http://schemas.microsoft.com/office/mac/drawingml/2011/main" val="1"/>
+              <ma14:wrappingTextBoxFlag xmlns:ma14="http://schemas.microsoft.com/office/mac/drawingml/2011/main" xmlns:a14="http://schemas.microsoft.com/office/drawing/2010/main" xmlns:m="http://schemas.openxmlformats.org/officeDocument/2006/math" xmlns="" val="1"/>
             </a:ext>
           </a:extLst>
         </p:spPr>
@@ -13998,7 +14057,7 @@
           </a:ln>
           <a:extLst>
             <a:ext uri="{C572A759-6A51-4108-AA02-DFA0A04FC94B}">
-              <ma14:wrappingTextBoxFlag xmlns="" xmlns:m="http://schemas.openxmlformats.org/officeDocument/2006/math" xmlns:a14="http://schemas.microsoft.com/office/drawing/2010/main" xmlns:ma14="http://schemas.microsoft.com/office/mac/drawingml/2011/main" val="1"/>
+              <ma14:wrappingTextBoxFlag xmlns:ma14="http://schemas.microsoft.com/office/mac/drawingml/2011/main" xmlns:a14="http://schemas.microsoft.com/office/drawing/2010/main" xmlns:m="http://schemas.openxmlformats.org/officeDocument/2006/math" xmlns="" val="1"/>
             </a:ext>
           </a:extLst>
         </p:spPr>
@@ -14094,7 +14153,7 @@
           </a:ln>
           <a:extLst>
             <a:ext uri="{C572A759-6A51-4108-AA02-DFA0A04FC94B}">
-              <ma14:wrappingTextBoxFlag xmlns="" xmlns:m="http://schemas.openxmlformats.org/officeDocument/2006/math" xmlns:a14="http://schemas.microsoft.com/office/drawing/2010/main" xmlns:ma14="http://schemas.microsoft.com/office/mac/drawingml/2011/main" val="1"/>
+              <ma14:wrappingTextBoxFlag xmlns:ma14="http://schemas.microsoft.com/office/mac/drawingml/2011/main" xmlns:a14="http://schemas.microsoft.com/office/drawing/2010/main" xmlns:m="http://schemas.openxmlformats.org/officeDocument/2006/math" xmlns="" val="1"/>
             </a:ext>
           </a:extLst>
         </p:spPr>
@@ -14131,7 +14190,7 @@
           </a:ln>
           <a:extLst>
             <a:ext uri="{C572A759-6A51-4108-AA02-DFA0A04FC94B}">
-              <ma14:wrappingTextBoxFlag xmlns="" xmlns:m="http://schemas.openxmlformats.org/officeDocument/2006/math" xmlns:a14="http://schemas.microsoft.com/office/drawing/2010/main" xmlns:ma14="http://schemas.microsoft.com/office/mac/drawingml/2011/main" val="1"/>
+              <ma14:wrappingTextBoxFlag xmlns:ma14="http://schemas.microsoft.com/office/mac/drawingml/2011/main" xmlns:a14="http://schemas.microsoft.com/office/drawing/2010/main" xmlns:m="http://schemas.openxmlformats.org/officeDocument/2006/math" xmlns="" val="1"/>
             </a:ext>
           </a:extLst>
         </p:spPr>
@@ -14170,7 +14229,7 @@
           </a:ln>
           <a:extLst>
             <a:ext uri="{C572A759-6A51-4108-AA02-DFA0A04FC94B}">
-              <ma14:wrappingTextBoxFlag xmlns="" xmlns:m="http://schemas.openxmlformats.org/officeDocument/2006/math" xmlns:a14="http://schemas.microsoft.com/office/drawing/2010/main" xmlns:ma14="http://schemas.microsoft.com/office/mac/drawingml/2011/main" val="1"/>
+              <ma14:wrappingTextBoxFlag xmlns:ma14="http://schemas.microsoft.com/office/mac/drawingml/2011/main" xmlns:a14="http://schemas.microsoft.com/office/drawing/2010/main" xmlns:m="http://schemas.openxmlformats.org/officeDocument/2006/math" xmlns="" val="1"/>
             </a:ext>
           </a:extLst>
         </p:spPr>
@@ -14411,7 +14470,7 @@
           </a:ln>
           <a:extLst>
             <a:ext uri="{C572A759-6A51-4108-AA02-DFA0A04FC94B}">
-              <ma14:wrappingTextBoxFlag xmlns="" xmlns:m="http://schemas.openxmlformats.org/officeDocument/2006/math" xmlns:a14="http://schemas.microsoft.com/office/drawing/2010/main" xmlns:ma14="http://schemas.microsoft.com/office/mac/drawingml/2011/main" val="1"/>
+              <ma14:wrappingTextBoxFlag xmlns:ma14="http://schemas.microsoft.com/office/mac/drawingml/2011/main" xmlns:a14="http://schemas.microsoft.com/office/drawing/2010/main" xmlns:m="http://schemas.openxmlformats.org/officeDocument/2006/math" xmlns="" val="1"/>
             </a:ext>
           </a:extLst>
         </p:spPr>
@@ -14483,7 +14542,7 @@
           </a:ln>
           <a:extLst>
             <a:ext uri="{C572A759-6A51-4108-AA02-DFA0A04FC94B}">
-              <ma14:wrappingTextBoxFlag xmlns="" xmlns:m="http://schemas.openxmlformats.org/officeDocument/2006/math" xmlns:a14="http://schemas.microsoft.com/office/drawing/2010/main" xmlns:ma14="http://schemas.microsoft.com/office/mac/drawingml/2011/main" val="1"/>
+              <ma14:wrappingTextBoxFlag xmlns:ma14="http://schemas.microsoft.com/office/mac/drawingml/2011/main" xmlns:a14="http://schemas.microsoft.com/office/drawing/2010/main" xmlns:m="http://schemas.openxmlformats.org/officeDocument/2006/math" xmlns="" val="1"/>
             </a:ext>
           </a:extLst>
         </p:spPr>
@@ -14579,7 +14638,7 @@
           </a:ln>
           <a:extLst>
             <a:ext uri="{C572A759-6A51-4108-AA02-DFA0A04FC94B}">
-              <ma14:wrappingTextBoxFlag xmlns="" xmlns:m="http://schemas.openxmlformats.org/officeDocument/2006/math" xmlns:a14="http://schemas.microsoft.com/office/drawing/2010/main" xmlns:ma14="http://schemas.microsoft.com/office/mac/drawingml/2011/main" val="1"/>
+              <ma14:wrappingTextBoxFlag xmlns:ma14="http://schemas.microsoft.com/office/mac/drawingml/2011/main" xmlns:a14="http://schemas.microsoft.com/office/drawing/2010/main" xmlns:m="http://schemas.openxmlformats.org/officeDocument/2006/math" xmlns="" val="1"/>
             </a:ext>
           </a:extLst>
         </p:spPr>
@@ -14616,7 +14675,7 @@
           </a:ln>
           <a:extLst>
             <a:ext uri="{C572A759-6A51-4108-AA02-DFA0A04FC94B}">
-              <ma14:wrappingTextBoxFlag xmlns="" xmlns:m="http://schemas.openxmlformats.org/officeDocument/2006/math" xmlns:a14="http://schemas.microsoft.com/office/drawing/2010/main" xmlns:ma14="http://schemas.microsoft.com/office/mac/drawingml/2011/main" val="1"/>
+              <ma14:wrappingTextBoxFlag xmlns:ma14="http://schemas.microsoft.com/office/mac/drawingml/2011/main" xmlns:a14="http://schemas.microsoft.com/office/drawing/2010/main" xmlns:m="http://schemas.openxmlformats.org/officeDocument/2006/math" xmlns="" val="1"/>
             </a:ext>
           </a:extLst>
         </p:spPr>
@@ -14655,7 +14714,7 @@
           </a:ln>
           <a:extLst>
             <a:ext uri="{C572A759-6A51-4108-AA02-DFA0A04FC94B}">
-              <ma14:wrappingTextBoxFlag xmlns="" xmlns:m="http://schemas.openxmlformats.org/officeDocument/2006/math" xmlns:a14="http://schemas.microsoft.com/office/drawing/2010/main" xmlns:ma14="http://schemas.microsoft.com/office/mac/drawingml/2011/main" val="1"/>
+              <ma14:wrappingTextBoxFlag xmlns:ma14="http://schemas.microsoft.com/office/mac/drawingml/2011/main" xmlns:a14="http://schemas.microsoft.com/office/drawing/2010/main" xmlns:m="http://schemas.openxmlformats.org/officeDocument/2006/math" xmlns="" val="1"/>
             </a:ext>
           </a:extLst>
         </p:spPr>
@@ -14694,7 +14753,7 @@
           </a:ln>
           <a:extLst>
             <a:ext uri="{C572A759-6A51-4108-AA02-DFA0A04FC94B}">
-              <ma14:wrappingTextBoxFlag xmlns="" xmlns:m="http://schemas.openxmlformats.org/officeDocument/2006/math" xmlns:a14="http://schemas.microsoft.com/office/drawing/2010/main" xmlns:ma14="http://schemas.microsoft.com/office/mac/drawingml/2011/main" val="1"/>
+              <ma14:wrappingTextBoxFlag xmlns:ma14="http://schemas.microsoft.com/office/mac/drawingml/2011/main" xmlns:a14="http://schemas.microsoft.com/office/drawing/2010/main" xmlns:m="http://schemas.openxmlformats.org/officeDocument/2006/math" xmlns="" val="1"/>
             </a:ext>
           </a:extLst>
         </p:spPr>
@@ -14933,7 +14992,7 @@
           </a:ln>
           <a:extLst>
             <a:ext uri="{C572A759-6A51-4108-AA02-DFA0A04FC94B}">
-              <ma14:wrappingTextBoxFlag xmlns="" xmlns:m="http://schemas.openxmlformats.org/officeDocument/2006/math" xmlns:a14="http://schemas.microsoft.com/office/drawing/2010/main" xmlns:ma14="http://schemas.microsoft.com/office/mac/drawingml/2011/main" val="1"/>
+              <ma14:wrappingTextBoxFlag xmlns:ma14="http://schemas.microsoft.com/office/mac/drawingml/2011/main" xmlns:a14="http://schemas.microsoft.com/office/drawing/2010/main" xmlns:m="http://schemas.openxmlformats.org/officeDocument/2006/math" xmlns="" val="1"/>
             </a:ext>
           </a:extLst>
         </p:spPr>
@@ -14987,7 +15046,7 @@
           </a:ln>
           <a:extLst>
             <a:ext uri="{C572A759-6A51-4108-AA02-DFA0A04FC94B}">
-              <ma14:wrappingTextBoxFlag xmlns="" xmlns:m="http://schemas.openxmlformats.org/officeDocument/2006/math" xmlns:a14="http://schemas.microsoft.com/office/drawing/2010/main" xmlns:ma14="http://schemas.microsoft.com/office/mac/drawingml/2011/main" val="1"/>
+              <ma14:wrappingTextBoxFlag xmlns:ma14="http://schemas.microsoft.com/office/mac/drawingml/2011/main" xmlns:a14="http://schemas.microsoft.com/office/drawing/2010/main" xmlns:m="http://schemas.openxmlformats.org/officeDocument/2006/math" xmlns="" val="1"/>
             </a:ext>
           </a:extLst>
         </p:spPr>
@@ -15088,7 +15147,7 @@
           </a:ln>
           <a:extLst>
             <a:ext uri="{C572A759-6A51-4108-AA02-DFA0A04FC94B}">
-              <ma14:wrappingTextBoxFlag xmlns="" xmlns:m="http://schemas.openxmlformats.org/officeDocument/2006/math" xmlns:a14="http://schemas.microsoft.com/office/drawing/2010/main" xmlns:ma14="http://schemas.microsoft.com/office/mac/drawingml/2011/main" val="1"/>
+              <ma14:wrappingTextBoxFlag xmlns:ma14="http://schemas.microsoft.com/office/mac/drawingml/2011/main" xmlns:a14="http://schemas.microsoft.com/office/drawing/2010/main" xmlns:m="http://schemas.openxmlformats.org/officeDocument/2006/math" xmlns="" val="1"/>
             </a:ext>
           </a:extLst>
         </p:spPr>
@@ -15125,7 +15184,7 @@
           </a:ln>
           <a:extLst>
             <a:ext uri="{C572A759-6A51-4108-AA02-DFA0A04FC94B}">
-              <ma14:wrappingTextBoxFlag xmlns="" xmlns:m="http://schemas.openxmlformats.org/officeDocument/2006/math" xmlns:a14="http://schemas.microsoft.com/office/drawing/2010/main" xmlns:ma14="http://schemas.microsoft.com/office/mac/drawingml/2011/main" val="1"/>
+              <ma14:wrappingTextBoxFlag xmlns:ma14="http://schemas.microsoft.com/office/mac/drawingml/2011/main" xmlns:a14="http://schemas.microsoft.com/office/drawing/2010/main" xmlns:m="http://schemas.openxmlformats.org/officeDocument/2006/math" xmlns="" val="1"/>
             </a:ext>
           </a:extLst>
         </p:spPr>
@@ -15371,7 +15430,7 @@
           </a:ln>
           <a:extLst>
             <a:ext uri="{C572A759-6A51-4108-AA02-DFA0A04FC94B}">
-              <ma14:wrappingTextBoxFlag xmlns="" xmlns:m="http://schemas.openxmlformats.org/officeDocument/2006/math" xmlns:a14="http://schemas.microsoft.com/office/drawing/2010/main" xmlns:ma14="http://schemas.microsoft.com/office/mac/drawingml/2011/main" val="1"/>
+              <ma14:wrappingTextBoxFlag xmlns:ma14="http://schemas.microsoft.com/office/mac/drawingml/2011/main" xmlns:a14="http://schemas.microsoft.com/office/drawing/2010/main" xmlns:m="http://schemas.openxmlformats.org/officeDocument/2006/math" xmlns="" val="1"/>
             </a:ext>
           </a:extLst>
         </p:spPr>
@@ -15435,7 +15494,7 @@
           </a:ln>
           <a:extLst>
             <a:ext uri="{C572A759-6A51-4108-AA02-DFA0A04FC94B}">
-              <ma14:wrappingTextBoxFlag xmlns="" xmlns:m="http://schemas.openxmlformats.org/officeDocument/2006/math" xmlns:a14="http://schemas.microsoft.com/office/drawing/2010/main" xmlns:ma14="http://schemas.microsoft.com/office/mac/drawingml/2011/main" val="1"/>
+              <ma14:wrappingTextBoxFlag xmlns:ma14="http://schemas.microsoft.com/office/mac/drawingml/2011/main" xmlns:a14="http://schemas.microsoft.com/office/drawing/2010/main" xmlns:m="http://schemas.openxmlformats.org/officeDocument/2006/math" xmlns="" val="1"/>
             </a:ext>
           </a:extLst>
         </p:spPr>
@@ -15568,7 +15627,7 @@
           </a:ln>
           <a:extLst>
             <a:ext uri="{C572A759-6A51-4108-AA02-DFA0A04FC94B}">
-              <ma14:wrappingTextBoxFlag xmlns="" xmlns:m="http://schemas.openxmlformats.org/officeDocument/2006/math" xmlns:a14="http://schemas.microsoft.com/office/drawing/2010/main" xmlns:ma14="http://schemas.microsoft.com/office/mac/drawingml/2011/main" val="1"/>
+              <ma14:wrappingTextBoxFlag xmlns:ma14="http://schemas.microsoft.com/office/mac/drawingml/2011/main" xmlns:a14="http://schemas.microsoft.com/office/drawing/2010/main" xmlns:m="http://schemas.openxmlformats.org/officeDocument/2006/math" xmlns="" val="1"/>
             </a:ext>
           </a:extLst>
         </p:spPr>
@@ -15605,7 +15664,7 @@
           </a:ln>
           <a:extLst>
             <a:ext uri="{C572A759-6A51-4108-AA02-DFA0A04FC94B}">
-              <ma14:wrappingTextBoxFlag xmlns="" xmlns:m="http://schemas.openxmlformats.org/officeDocument/2006/math" xmlns:a14="http://schemas.microsoft.com/office/drawing/2010/main" xmlns:ma14="http://schemas.microsoft.com/office/mac/drawingml/2011/main" val="1"/>
+              <ma14:wrappingTextBoxFlag xmlns:ma14="http://schemas.microsoft.com/office/mac/drawingml/2011/main" xmlns:a14="http://schemas.microsoft.com/office/drawing/2010/main" xmlns:m="http://schemas.openxmlformats.org/officeDocument/2006/math" xmlns="" val="1"/>
             </a:ext>
           </a:extLst>
         </p:spPr>
@@ -15851,7 +15910,7 @@
           </a:ln>
           <a:extLst>
             <a:ext uri="{C572A759-6A51-4108-AA02-DFA0A04FC94B}">
-              <ma14:wrappingTextBoxFlag xmlns="" xmlns:m="http://schemas.openxmlformats.org/officeDocument/2006/math" xmlns:a14="http://schemas.microsoft.com/office/drawing/2010/main" xmlns:ma14="http://schemas.microsoft.com/office/mac/drawingml/2011/main" val="1"/>
+              <ma14:wrappingTextBoxFlag xmlns:ma14="http://schemas.microsoft.com/office/mac/drawingml/2011/main" xmlns:a14="http://schemas.microsoft.com/office/drawing/2010/main" xmlns:m="http://schemas.openxmlformats.org/officeDocument/2006/math" xmlns="" val="1"/>
             </a:ext>
           </a:extLst>
         </p:spPr>
@@ -15925,7 +15984,7 @@
           </a:ln>
           <a:extLst>
             <a:ext uri="{C572A759-6A51-4108-AA02-DFA0A04FC94B}">
-              <ma14:wrappingTextBoxFlag xmlns="" xmlns:m="http://schemas.openxmlformats.org/officeDocument/2006/math" xmlns:a14="http://schemas.microsoft.com/office/drawing/2010/main" xmlns:ma14="http://schemas.microsoft.com/office/mac/drawingml/2011/main" val="1"/>
+              <ma14:wrappingTextBoxFlag xmlns:ma14="http://schemas.microsoft.com/office/mac/drawingml/2011/main" xmlns:a14="http://schemas.microsoft.com/office/drawing/2010/main" xmlns:m="http://schemas.openxmlformats.org/officeDocument/2006/math" xmlns="" val="1"/>
             </a:ext>
           </a:extLst>
         </p:spPr>
@@ -16090,7 +16149,7 @@
           </a:ln>
           <a:extLst>
             <a:ext uri="{C572A759-6A51-4108-AA02-DFA0A04FC94B}">
-              <ma14:wrappingTextBoxFlag xmlns="" xmlns:m="http://schemas.openxmlformats.org/officeDocument/2006/math" xmlns:a14="http://schemas.microsoft.com/office/drawing/2010/main" xmlns:ma14="http://schemas.microsoft.com/office/mac/drawingml/2011/main" val="1"/>
+              <ma14:wrappingTextBoxFlag xmlns:ma14="http://schemas.microsoft.com/office/mac/drawingml/2011/main" xmlns:a14="http://schemas.microsoft.com/office/drawing/2010/main" xmlns:m="http://schemas.openxmlformats.org/officeDocument/2006/math" xmlns="" val="1"/>
             </a:ext>
           </a:extLst>
         </p:spPr>
@@ -16127,7 +16186,7 @@
           </a:ln>
           <a:extLst>
             <a:ext uri="{C572A759-6A51-4108-AA02-DFA0A04FC94B}">
-              <ma14:wrappingTextBoxFlag xmlns="" xmlns:m="http://schemas.openxmlformats.org/officeDocument/2006/math" xmlns:a14="http://schemas.microsoft.com/office/drawing/2010/main" xmlns:ma14="http://schemas.microsoft.com/office/mac/drawingml/2011/main" val="1"/>
+              <ma14:wrappingTextBoxFlag xmlns:ma14="http://schemas.microsoft.com/office/mac/drawingml/2011/main" xmlns:a14="http://schemas.microsoft.com/office/drawing/2010/main" xmlns:m="http://schemas.openxmlformats.org/officeDocument/2006/math" xmlns="" val="1"/>
             </a:ext>
           </a:extLst>
         </p:spPr>
@@ -16373,7 +16432,7 @@
           </a:ln>
           <a:extLst>
             <a:ext uri="{C572A759-6A51-4108-AA02-DFA0A04FC94B}">
-              <ma14:wrappingTextBoxFlag xmlns="" xmlns:m="http://schemas.openxmlformats.org/officeDocument/2006/math" xmlns:a14="http://schemas.microsoft.com/office/drawing/2010/main" xmlns:ma14="http://schemas.microsoft.com/office/mac/drawingml/2011/main" val="1"/>
+              <ma14:wrappingTextBoxFlag xmlns:ma14="http://schemas.microsoft.com/office/mac/drawingml/2011/main" xmlns:a14="http://schemas.microsoft.com/office/drawing/2010/main" xmlns:m="http://schemas.openxmlformats.org/officeDocument/2006/math" xmlns="" val="1"/>
             </a:ext>
           </a:extLst>
         </p:spPr>
@@ -16447,7 +16506,7 @@
           </a:ln>
           <a:extLst>
             <a:ext uri="{C572A759-6A51-4108-AA02-DFA0A04FC94B}">
-              <ma14:wrappingTextBoxFlag xmlns="" xmlns:m="http://schemas.openxmlformats.org/officeDocument/2006/math" xmlns:a14="http://schemas.microsoft.com/office/drawing/2010/main" xmlns:ma14="http://schemas.microsoft.com/office/mac/drawingml/2011/main" val="1"/>
+              <ma14:wrappingTextBoxFlag xmlns:ma14="http://schemas.microsoft.com/office/mac/drawingml/2011/main" xmlns:a14="http://schemas.microsoft.com/office/drawing/2010/main" xmlns:m="http://schemas.openxmlformats.org/officeDocument/2006/math" xmlns="" val="1"/>
             </a:ext>
           </a:extLst>
         </p:spPr>
@@ -16603,7 +16662,7 @@
           </a:ln>
           <a:extLst>
             <a:ext uri="{C572A759-6A51-4108-AA02-DFA0A04FC94B}">
-              <ma14:wrappingTextBoxFlag xmlns="" xmlns:m="http://schemas.openxmlformats.org/officeDocument/2006/math" xmlns:a14="http://schemas.microsoft.com/office/drawing/2010/main" xmlns:ma14="http://schemas.microsoft.com/office/mac/drawingml/2011/main" val="1"/>
+              <ma14:wrappingTextBoxFlag xmlns:ma14="http://schemas.microsoft.com/office/mac/drawingml/2011/main" xmlns:a14="http://schemas.microsoft.com/office/drawing/2010/main" xmlns:m="http://schemas.openxmlformats.org/officeDocument/2006/math" xmlns="" val="1"/>
             </a:ext>
           </a:extLst>
         </p:spPr>
@@ -16640,7 +16699,7 @@
           </a:ln>
           <a:extLst>
             <a:ext uri="{C572A759-6A51-4108-AA02-DFA0A04FC94B}">
-              <ma14:wrappingTextBoxFlag xmlns="" xmlns:m="http://schemas.openxmlformats.org/officeDocument/2006/math" xmlns:a14="http://schemas.microsoft.com/office/drawing/2010/main" xmlns:ma14="http://schemas.microsoft.com/office/mac/drawingml/2011/main" val="1"/>
+              <ma14:wrappingTextBoxFlag xmlns:ma14="http://schemas.microsoft.com/office/mac/drawingml/2011/main" xmlns:a14="http://schemas.microsoft.com/office/drawing/2010/main" xmlns:m="http://schemas.openxmlformats.org/officeDocument/2006/math" xmlns="" val="1"/>
             </a:ext>
           </a:extLst>
         </p:spPr>
@@ -16686,7 +16745,7 @@
           </a:ln>
           <a:extLst>
             <a:ext uri="{C572A759-6A51-4108-AA02-DFA0A04FC94B}">
-              <ma14:wrappingTextBoxFlag xmlns="" xmlns:m="http://schemas.openxmlformats.org/officeDocument/2006/math" xmlns:a14="http://schemas.microsoft.com/office/drawing/2010/main" xmlns:ma14="http://schemas.microsoft.com/office/mac/drawingml/2011/main" val="1"/>
+              <ma14:wrappingTextBoxFlag xmlns:ma14="http://schemas.microsoft.com/office/mac/drawingml/2011/main" xmlns:a14="http://schemas.microsoft.com/office/drawing/2010/main" xmlns:m="http://schemas.openxmlformats.org/officeDocument/2006/math" xmlns="" val="1"/>
             </a:ext>
           </a:extLst>
         </p:spPr>
@@ -16923,7 +16982,7 @@
           </a:ln>
           <a:extLst>
             <a:ext uri="{C572A759-6A51-4108-AA02-DFA0A04FC94B}">
-              <ma14:wrappingTextBoxFlag xmlns="" xmlns:m="http://schemas.openxmlformats.org/officeDocument/2006/math" xmlns:a14="http://schemas.microsoft.com/office/drawing/2010/main" xmlns:ma14="http://schemas.microsoft.com/office/mac/drawingml/2011/main" val="1"/>
+              <ma14:wrappingTextBoxFlag xmlns:ma14="http://schemas.microsoft.com/office/mac/drawingml/2011/main" xmlns:a14="http://schemas.microsoft.com/office/drawing/2010/main" xmlns:m="http://schemas.openxmlformats.org/officeDocument/2006/math" xmlns="" val="1"/>
             </a:ext>
           </a:extLst>
         </p:spPr>
@@ -16962,7 +17021,7 @@
           </a:ln>
           <a:extLst>
             <a:ext uri="{C572A759-6A51-4108-AA02-DFA0A04FC94B}">
-              <ma14:wrappingTextBoxFlag xmlns="" xmlns:m="http://schemas.openxmlformats.org/officeDocument/2006/math" xmlns:a14="http://schemas.microsoft.com/office/drawing/2010/main" xmlns:ma14="http://schemas.microsoft.com/office/mac/drawingml/2011/main" val="1"/>
+              <ma14:wrappingTextBoxFlag xmlns:ma14="http://schemas.microsoft.com/office/mac/drawingml/2011/main" xmlns:a14="http://schemas.microsoft.com/office/drawing/2010/main" xmlns:m="http://schemas.openxmlformats.org/officeDocument/2006/math" xmlns="" val="1"/>
             </a:ext>
           </a:extLst>
         </p:spPr>
@@ -17277,7 +17336,7 @@
           </a:ln>
           <a:extLst>
             <a:ext uri="{C572A759-6A51-4108-AA02-DFA0A04FC94B}">
-              <ma14:wrappingTextBoxFlag xmlns="" xmlns:m="http://schemas.openxmlformats.org/officeDocument/2006/math" xmlns:a14="http://schemas.microsoft.com/office/drawing/2010/main" xmlns:ma14="http://schemas.microsoft.com/office/mac/drawingml/2011/main" val="1"/>
+              <ma14:wrappingTextBoxFlag xmlns:ma14="http://schemas.microsoft.com/office/mac/drawingml/2011/main" xmlns:a14="http://schemas.microsoft.com/office/drawing/2010/main" xmlns:m="http://schemas.openxmlformats.org/officeDocument/2006/math" xmlns="" val="1"/>
             </a:ext>
           </a:extLst>
         </p:spPr>
@@ -17328,7 +17387,7 @@
           </a:ln>
           <a:extLst>
             <a:ext uri="{C572A759-6A51-4108-AA02-DFA0A04FC94B}">
-              <ma14:wrappingTextBoxFlag xmlns="" xmlns:m="http://schemas.openxmlformats.org/officeDocument/2006/math" xmlns:a14="http://schemas.microsoft.com/office/drawing/2010/main" xmlns:ma14="http://schemas.microsoft.com/office/mac/drawingml/2011/main" val="1"/>
+              <ma14:wrappingTextBoxFlag xmlns:ma14="http://schemas.microsoft.com/office/mac/drawingml/2011/main" xmlns:a14="http://schemas.microsoft.com/office/drawing/2010/main" xmlns:m="http://schemas.openxmlformats.org/officeDocument/2006/math" xmlns="" val="1"/>
             </a:ext>
           </a:extLst>
         </p:spPr>
@@ -17373,7 +17432,7 @@
           </a:ln>
           <a:extLst>
             <a:ext uri="{C572A759-6A51-4108-AA02-DFA0A04FC94B}">
-              <ma14:wrappingTextBoxFlag xmlns="" xmlns:m="http://schemas.openxmlformats.org/officeDocument/2006/math" xmlns:a14="http://schemas.microsoft.com/office/drawing/2010/main" xmlns:ma14="http://schemas.microsoft.com/office/mac/drawingml/2011/main" val="1"/>
+              <ma14:wrappingTextBoxFlag xmlns:ma14="http://schemas.microsoft.com/office/mac/drawingml/2011/main" xmlns:a14="http://schemas.microsoft.com/office/drawing/2010/main" xmlns:m="http://schemas.openxmlformats.org/officeDocument/2006/math" xmlns="" val="1"/>
             </a:ext>
           </a:extLst>
         </p:spPr>
@@ -17410,7 +17469,7 @@
           </a:ln>
           <a:extLst>
             <a:ext uri="{C572A759-6A51-4108-AA02-DFA0A04FC94B}">
-              <ma14:wrappingTextBoxFlag xmlns="" xmlns:m="http://schemas.openxmlformats.org/officeDocument/2006/math" xmlns:a14="http://schemas.microsoft.com/office/drawing/2010/main" xmlns:ma14="http://schemas.microsoft.com/office/mac/drawingml/2011/main" val="1"/>
+              <ma14:wrappingTextBoxFlag xmlns:ma14="http://schemas.microsoft.com/office/mac/drawingml/2011/main" xmlns:a14="http://schemas.microsoft.com/office/drawing/2010/main" xmlns:m="http://schemas.openxmlformats.org/officeDocument/2006/math" xmlns="" val="1"/>
             </a:ext>
           </a:extLst>
         </p:spPr>
@@ -17656,7 +17715,7 @@
           </a:ln>
           <a:extLst>
             <a:ext uri="{C572A759-6A51-4108-AA02-DFA0A04FC94B}">
-              <ma14:wrappingTextBoxFlag xmlns="" xmlns:m="http://schemas.openxmlformats.org/officeDocument/2006/math" xmlns:a14="http://schemas.microsoft.com/office/drawing/2010/main" xmlns:ma14="http://schemas.microsoft.com/office/mac/drawingml/2011/main" val="1"/>
+              <ma14:wrappingTextBoxFlag xmlns:ma14="http://schemas.microsoft.com/office/mac/drawingml/2011/main" xmlns:a14="http://schemas.microsoft.com/office/drawing/2010/main" xmlns:m="http://schemas.openxmlformats.org/officeDocument/2006/math" xmlns="" val="1"/>
             </a:ext>
           </a:extLst>
         </p:spPr>
@@ -17707,7 +17766,7 @@
           </a:ln>
           <a:extLst>
             <a:ext uri="{C572A759-6A51-4108-AA02-DFA0A04FC94B}">
-              <ma14:wrappingTextBoxFlag xmlns="" xmlns:m="http://schemas.openxmlformats.org/officeDocument/2006/math" xmlns:a14="http://schemas.microsoft.com/office/drawing/2010/main" xmlns:ma14="http://schemas.microsoft.com/office/mac/drawingml/2011/main" val="1"/>
+              <ma14:wrappingTextBoxFlag xmlns:ma14="http://schemas.microsoft.com/office/mac/drawingml/2011/main" xmlns:a14="http://schemas.microsoft.com/office/drawing/2010/main" xmlns:m="http://schemas.openxmlformats.org/officeDocument/2006/math" xmlns="" val="1"/>
             </a:ext>
           </a:extLst>
         </p:spPr>
@@ -17783,7 +17842,7 @@
           </a:ln>
           <a:extLst>
             <a:ext uri="{C572A759-6A51-4108-AA02-DFA0A04FC94B}">
-              <ma14:wrappingTextBoxFlag xmlns="" xmlns:m="http://schemas.openxmlformats.org/officeDocument/2006/math" xmlns:a14="http://schemas.microsoft.com/office/drawing/2010/main" xmlns:ma14="http://schemas.microsoft.com/office/mac/drawingml/2011/main" val="1"/>
+              <ma14:wrappingTextBoxFlag xmlns:ma14="http://schemas.microsoft.com/office/mac/drawingml/2011/main" xmlns:a14="http://schemas.microsoft.com/office/drawing/2010/main" xmlns:m="http://schemas.openxmlformats.org/officeDocument/2006/math" xmlns="" val="1"/>
             </a:ext>
           </a:extLst>
         </p:spPr>
@@ -17820,7 +17879,7 @@
           </a:ln>
           <a:extLst>
             <a:ext uri="{C572A759-6A51-4108-AA02-DFA0A04FC94B}">
-              <ma14:wrappingTextBoxFlag xmlns="" xmlns:m="http://schemas.openxmlformats.org/officeDocument/2006/math" xmlns:a14="http://schemas.microsoft.com/office/drawing/2010/main" xmlns:ma14="http://schemas.microsoft.com/office/mac/drawingml/2011/main" val="1"/>
+              <ma14:wrappingTextBoxFlag xmlns:ma14="http://schemas.microsoft.com/office/mac/drawingml/2011/main" xmlns:a14="http://schemas.microsoft.com/office/drawing/2010/main" xmlns:m="http://schemas.openxmlformats.org/officeDocument/2006/math" xmlns="" val="1"/>
             </a:ext>
           </a:extLst>
         </p:spPr>
@@ -17931,7 +17990,7 @@
           </a:ln>
           <a:extLst>
             <a:ext uri="{C572A759-6A51-4108-AA02-DFA0A04FC94B}">
-              <ma14:wrappingTextBoxFlag xmlns="" xmlns:m="http://schemas.openxmlformats.org/officeDocument/2006/math" xmlns:a14="http://schemas.microsoft.com/office/drawing/2010/main" xmlns:ma14="http://schemas.microsoft.com/office/mac/drawingml/2011/main" val="1"/>
+              <ma14:wrappingTextBoxFlag xmlns:ma14="http://schemas.microsoft.com/office/mac/drawingml/2011/main" xmlns:a14="http://schemas.microsoft.com/office/drawing/2010/main" xmlns:m="http://schemas.openxmlformats.org/officeDocument/2006/math" xmlns="" val="1"/>
             </a:ext>
           </a:extLst>
         </p:spPr>
@@ -18042,7 +18101,7 @@
           </a:ln>
           <a:extLst>
             <a:ext uri="{C572A759-6A51-4108-AA02-DFA0A04FC94B}">
-              <ma14:wrappingTextBoxFlag xmlns="" xmlns:m="http://schemas.openxmlformats.org/officeDocument/2006/math" xmlns:a14="http://schemas.microsoft.com/office/drawing/2010/main" xmlns:ma14="http://schemas.microsoft.com/office/mac/drawingml/2011/main" val="1"/>
+              <ma14:wrappingTextBoxFlag xmlns:ma14="http://schemas.microsoft.com/office/mac/drawingml/2011/main" xmlns:a14="http://schemas.microsoft.com/office/drawing/2010/main" xmlns:m="http://schemas.openxmlformats.org/officeDocument/2006/math" xmlns="" val="1"/>
             </a:ext>
           </a:extLst>
         </p:spPr>
@@ -18157,7 +18216,7 @@
           </a:ln>
           <a:extLst>
             <a:ext uri="{C572A759-6A51-4108-AA02-DFA0A04FC94B}">
-              <ma14:wrappingTextBoxFlag xmlns="" xmlns:m="http://schemas.openxmlformats.org/officeDocument/2006/math" xmlns:a14="http://schemas.microsoft.com/office/drawing/2010/main" xmlns:ma14="http://schemas.microsoft.com/office/mac/drawingml/2011/main" val="1"/>
+              <ma14:wrappingTextBoxFlag xmlns:ma14="http://schemas.microsoft.com/office/mac/drawingml/2011/main" xmlns:a14="http://schemas.microsoft.com/office/drawing/2010/main" xmlns:m="http://schemas.openxmlformats.org/officeDocument/2006/math" xmlns="" val="1"/>
             </a:ext>
           </a:extLst>
         </p:spPr>
@@ -18196,7 +18255,7 @@
           </a:ln>
           <a:extLst>
             <a:ext uri="{C572A759-6A51-4108-AA02-DFA0A04FC94B}">
-              <ma14:wrappingTextBoxFlag xmlns="" xmlns:m="http://schemas.openxmlformats.org/officeDocument/2006/math" xmlns:a14="http://schemas.microsoft.com/office/drawing/2010/main" xmlns:ma14="http://schemas.microsoft.com/office/mac/drawingml/2011/main" val="1"/>
+              <ma14:wrappingTextBoxFlag xmlns:ma14="http://schemas.microsoft.com/office/mac/drawingml/2011/main" xmlns:a14="http://schemas.microsoft.com/office/drawing/2010/main" xmlns:m="http://schemas.openxmlformats.org/officeDocument/2006/math" xmlns="" val="1"/>
             </a:ext>
           </a:extLst>
         </p:spPr>
@@ -18235,7 +18294,7 @@
           </a:ln>
           <a:extLst>
             <a:ext uri="{C572A759-6A51-4108-AA02-DFA0A04FC94B}">
-              <ma14:wrappingTextBoxFlag xmlns="" xmlns:m="http://schemas.openxmlformats.org/officeDocument/2006/math" xmlns:a14="http://schemas.microsoft.com/office/drawing/2010/main" xmlns:ma14="http://schemas.microsoft.com/office/mac/drawingml/2011/main" val="1"/>
+              <ma14:wrappingTextBoxFlag xmlns:ma14="http://schemas.microsoft.com/office/mac/drawingml/2011/main" xmlns:a14="http://schemas.microsoft.com/office/drawing/2010/main" xmlns:m="http://schemas.openxmlformats.org/officeDocument/2006/math" xmlns="" val="1"/>
             </a:ext>
           </a:extLst>
         </p:spPr>
@@ -18365,7 +18424,7 @@
           </a:ln>
           <a:extLst>
             <a:ext uri="{C572A759-6A51-4108-AA02-DFA0A04FC94B}">
-              <ma14:wrappingTextBoxFlag xmlns="" xmlns:m="http://schemas.openxmlformats.org/officeDocument/2006/math" xmlns:a14="http://schemas.microsoft.com/office/drawing/2010/main" xmlns:ma14="http://schemas.microsoft.com/office/mac/drawingml/2011/main" val="1"/>
+              <ma14:wrappingTextBoxFlag xmlns:ma14="http://schemas.microsoft.com/office/mac/drawingml/2011/main" xmlns:a14="http://schemas.microsoft.com/office/drawing/2010/main" xmlns:m="http://schemas.openxmlformats.org/officeDocument/2006/math" xmlns="" val="1"/>
             </a:ext>
           </a:extLst>
         </p:spPr>
@@ -18653,7 +18712,7 @@
           </a:ln>
           <a:extLst>
             <a:ext uri="{C572A759-6A51-4108-AA02-DFA0A04FC94B}">
-              <ma14:wrappingTextBoxFlag xmlns="" xmlns:m="http://schemas.openxmlformats.org/officeDocument/2006/math" xmlns:a14="http://schemas.microsoft.com/office/drawing/2010/main" xmlns:ma14="http://schemas.microsoft.com/office/mac/drawingml/2011/main" val="1"/>
+              <ma14:wrappingTextBoxFlag xmlns:ma14="http://schemas.microsoft.com/office/mac/drawingml/2011/main" xmlns:a14="http://schemas.microsoft.com/office/drawing/2010/main" xmlns:m="http://schemas.openxmlformats.org/officeDocument/2006/math" xmlns="" val="1"/>
             </a:ext>
           </a:extLst>
         </p:spPr>
@@ -18704,7 +18763,7 @@
           </a:ln>
           <a:extLst>
             <a:ext uri="{C572A759-6A51-4108-AA02-DFA0A04FC94B}">
-              <ma14:wrappingTextBoxFlag xmlns="" xmlns:m="http://schemas.openxmlformats.org/officeDocument/2006/math" xmlns:a14="http://schemas.microsoft.com/office/drawing/2010/main" xmlns:ma14="http://schemas.microsoft.com/office/mac/drawingml/2011/main" val="1"/>
+              <ma14:wrappingTextBoxFlag xmlns:ma14="http://schemas.microsoft.com/office/mac/drawingml/2011/main" xmlns:a14="http://schemas.microsoft.com/office/drawing/2010/main" xmlns:m="http://schemas.openxmlformats.org/officeDocument/2006/math" xmlns="" val="1"/>
             </a:ext>
           </a:extLst>
         </p:spPr>
@@ -18802,7 +18861,7 @@
           </a:ln>
           <a:extLst>
             <a:ext uri="{C572A759-6A51-4108-AA02-DFA0A04FC94B}">
-              <ma14:wrappingTextBoxFlag xmlns="" xmlns:m="http://schemas.openxmlformats.org/officeDocument/2006/math" xmlns:a14="http://schemas.microsoft.com/office/drawing/2010/main" xmlns:ma14="http://schemas.microsoft.com/office/mac/drawingml/2011/main" val="1"/>
+              <ma14:wrappingTextBoxFlag xmlns:ma14="http://schemas.microsoft.com/office/mac/drawingml/2011/main" xmlns:a14="http://schemas.microsoft.com/office/drawing/2010/main" xmlns:m="http://schemas.openxmlformats.org/officeDocument/2006/math" xmlns="" val="1"/>
             </a:ext>
           </a:extLst>
         </p:spPr>
@@ -18839,7 +18898,7 @@
           </a:ln>
           <a:extLst>
             <a:ext uri="{C572A759-6A51-4108-AA02-DFA0A04FC94B}">
-              <ma14:wrappingTextBoxFlag xmlns="" xmlns:m="http://schemas.openxmlformats.org/officeDocument/2006/math" xmlns:a14="http://schemas.microsoft.com/office/drawing/2010/main" xmlns:ma14="http://schemas.microsoft.com/office/mac/drawingml/2011/main" val="1"/>
+              <ma14:wrappingTextBoxFlag xmlns:ma14="http://schemas.microsoft.com/office/mac/drawingml/2011/main" xmlns:a14="http://schemas.microsoft.com/office/drawing/2010/main" xmlns:m="http://schemas.openxmlformats.org/officeDocument/2006/math" xmlns="" val="1"/>
             </a:ext>
           </a:extLst>
         </p:spPr>
@@ -19116,7 +19175,7 @@
           </a:ln>
           <a:extLst>
             <a:ext uri="{C572A759-6A51-4108-AA02-DFA0A04FC94B}">
-              <ma14:wrappingTextBoxFlag xmlns="" xmlns:m="http://schemas.openxmlformats.org/officeDocument/2006/math" xmlns:a14="http://schemas.microsoft.com/office/drawing/2010/main" xmlns:ma14="http://schemas.microsoft.com/office/mac/drawingml/2011/main" val="1"/>
+              <ma14:wrappingTextBoxFlag xmlns:ma14="http://schemas.microsoft.com/office/mac/drawingml/2011/main" xmlns:a14="http://schemas.microsoft.com/office/drawing/2010/main" xmlns:m="http://schemas.openxmlformats.org/officeDocument/2006/math" xmlns="" val="1"/>
             </a:ext>
           </a:extLst>
         </p:spPr>
@@ -19167,7 +19226,7 @@
           </a:ln>
           <a:extLst>
             <a:ext uri="{C572A759-6A51-4108-AA02-DFA0A04FC94B}">
-              <ma14:wrappingTextBoxFlag xmlns="" xmlns:m="http://schemas.openxmlformats.org/officeDocument/2006/math" xmlns:a14="http://schemas.microsoft.com/office/drawing/2010/main" xmlns:ma14="http://schemas.microsoft.com/office/mac/drawingml/2011/main" val="1"/>
+              <ma14:wrappingTextBoxFlag xmlns:ma14="http://schemas.microsoft.com/office/mac/drawingml/2011/main" xmlns:a14="http://schemas.microsoft.com/office/drawing/2010/main" xmlns:m="http://schemas.openxmlformats.org/officeDocument/2006/math" xmlns="" val="1"/>
             </a:ext>
           </a:extLst>
         </p:spPr>
@@ -19267,7 +19326,7 @@
           </a:ln>
           <a:extLst>
             <a:ext uri="{C572A759-6A51-4108-AA02-DFA0A04FC94B}">
-              <ma14:wrappingTextBoxFlag xmlns="" xmlns:m="http://schemas.openxmlformats.org/officeDocument/2006/math" xmlns:a14="http://schemas.microsoft.com/office/drawing/2010/main" xmlns:ma14="http://schemas.microsoft.com/office/mac/drawingml/2011/main" val="1"/>
+              <ma14:wrappingTextBoxFlag xmlns:ma14="http://schemas.microsoft.com/office/mac/drawingml/2011/main" xmlns:a14="http://schemas.microsoft.com/office/drawing/2010/main" xmlns:m="http://schemas.openxmlformats.org/officeDocument/2006/math" xmlns="" val="1"/>
             </a:ext>
           </a:extLst>
         </p:spPr>
@@ -19304,7 +19363,7 @@
           </a:ln>
           <a:extLst>
             <a:ext uri="{C572A759-6A51-4108-AA02-DFA0A04FC94B}">
-              <ma14:wrappingTextBoxFlag xmlns="" xmlns:m="http://schemas.openxmlformats.org/officeDocument/2006/math" xmlns:a14="http://schemas.microsoft.com/office/drawing/2010/main" xmlns:ma14="http://schemas.microsoft.com/office/mac/drawingml/2011/main" val="1"/>
+              <ma14:wrappingTextBoxFlag xmlns:ma14="http://schemas.microsoft.com/office/mac/drawingml/2011/main" xmlns:a14="http://schemas.microsoft.com/office/drawing/2010/main" xmlns:m="http://schemas.openxmlformats.org/officeDocument/2006/math" xmlns="" val="1"/>
             </a:ext>
           </a:extLst>
         </p:spPr>
@@ -19828,7 +19887,7 @@
           </a:ln>
           <a:extLst>
             <a:ext uri="{C572A759-6A51-4108-AA02-DFA0A04FC94B}">
-              <ma14:wrappingTextBoxFlag xmlns="" xmlns:m="http://schemas.openxmlformats.org/officeDocument/2006/math" xmlns:a14="http://schemas.microsoft.com/office/drawing/2010/main" xmlns:ma14="http://schemas.microsoft.com/office/mac/drawingml/2011/main" val="1"/>
+              <ma14:wrappingTextBoxFlag xmlns:ma14="http://schemas.microsoft.com/office/mac/drawingml/2011/main" xmlns:a14="http://schemas.microsoft.com/office/drawing/2010/main" xmlns:m="http://schemas.openxmlformats.org/officeDocument/2006/math" xmlns="" val="1"/>
             </a:ext>
           </a:extLst>
         </p:spPr>
@@ -19880,7 +19939,7 @@
           </a:ln>
           <a:extLst>
             <a:ext uri="{C572A759-6A51-4108-AA02-DFA0A04FC94B}">
-              <ma14:wrappingTextBoxFlag xmlns="" xmlns:m="http://schemas.openxmlformats.org/officeDocument/2006/math" xmlns:a14="http://schemas.microsoft.com/office/drawing/2010/main" xmlns:ma14="http://schemas.microsoft.com/office/mac/drawingml/2011/main" val="1"/>
+              <ma14:wrappingTextBoxFlag xmlns:ma14="http://schemas.microsoft.com/office/mac/drawingml/2011/main" xmlns:a14="http://schemas.microsoft.com/office/drawing/2010/main" xmlns:m="http://schemas.openxmlformats.org/officeDocument/2006/math" xmlns="" val="1"/>
             </a:ext>
           </a:extLst>
         </p:spPr>
@@ -19924,7 +19983,7 @@
           </a:ln>
           <a:extLst>
             <a:ext uri="{C572A759-6A51-4108-AA02-DFA0A04FC94B}">
-              <ma14:wrappingTextBoxFlag xmlns="" xmlns:m="http://schemas.openxmlformats.org/officeDocument/2006/math" xmlns:a14="http://schemas.microsoft.com/office/drawing/2010/main" xmlns:ma14="http://schemas.microsoft.com/office/mac/drawingml/2011/main" val="1"/>
+              <ma14:wrappingTextBoxFlag xmlns:ma14="http://schemas.microsoft.com/office/mac/drawingml/2011/main" xmlns:a14="http://schemas.microsoft.com/office/drawing/2010/main" xmlns:m="http://schemas.openxmlformats.org/officeDocument/2006/math" xmlns="" val="1"/>
             </a:ext>
           </a:extLst>
         </p:spPr>
@@ -19967,7 +20026,7 @@
           </a:ln>
           <a:extLst>
             <a:ext uri="{C572A759-6A51-4108-AA02-DFA0A04FC94B}">
-              <ma14:wrappingTextBoxFlag xmlns="" xmlns:m="http://schemas.openxmlformats.org/officeDocument/2006/math" xmlns:a14="http://schemas.microsoft.com/office/drawing/2010/main" xmlns:ma14="http://schemas.microsoft.com/office/mac/drawingml/2011/main" val="1"/>
+              <ma14:wrappingTextBoxFlag xmlns:ma14="http://schemas.microsoft.com/office/mac/drawingml/2011/main" xmlns:a14="http://schemas.microsoft.com/office/drawing/2010/main" xmlns:m="http://schemas.openxmlformats.org/officeDocument/2006/math" xmlns="" val="1"/>
             </a:ext>
           </a:extLst>
         </p:spPr>
@@ -20004,7 +20063,7 @@
           </a:ln>
           <a:extLst>
             <a:ext uri="{C572A759-6A51-4108-AA02-DFA0A04FC94B}">
-              <ma14:wrappingTextBoxFlag xmlns="" xmlns:m="http://schemas.openxmlformats.org/officeDocument/2006/math" xmlns:a14="http://schemas.microsoft.com/office/drawing/2010/main" xmlns:ma14="http://schemas.microsoft.com/office/mac/drawingml/2011/main" val="1"/>
+              <ma14:wrappingTextBoxFlag xmlns:ma14="http://schemas.microsoft.com/office/mac/drawingml/2011/main" xmlns:a14="http://schemas.microsoft.com/office/drawing/2010/main" xmlns:m="http://schemas.openxmlformats.org/officeDocument/2006/math" xmlns="" val="1"/>
             </a:ext>
           </a:extLst>
         </p:spPr>
@@ -20241,7 +20300,7 @@
           </a:ln>
           <a:extLst>
             <a:ext uri="{C572A759-6A51-4108-AA02-DFA0A04FC94B}">
-              <ma14:wrappingTextBoxFlag xmlns="" xmlns:m="http://schemas.openxmlformats.org/officeDocument/2006/math" xmlns:a14="http://schemas.microsoft.com/office/drawing/2010/main" xmlns:ma14="http://schemas.microsoft.com/office/mac/drawingml/2011/main" val="1"/>
+              <ma14:wrappingTextBoxFlag xmlns:ma14="http://schemas.microsoft.com/office/mac/drawingml/2011/main" xmlns:a14="http://schemas.microsoft.com/office/drawing/2010/main" xmlns:m="http://schemas.openxmlformats.org/officeDocument/2006/math" xmlns="" val="1"/>
             </a:ext>
           </a:extLst>
         </p:spPr>
@@ -20293,7 +20352,7 @@
           </a:ln>
           <a:extLst>
             <a:ext uri="{C572A759-6A51-4108-AA02-DFA0A04FC94B}">
-              <ma14:wrappingTextBoxFlag xmlns="" xmlns:m="http://schemas.openxmlformats.org/officeDocument/2006/math" xmlns:a14="http://schemas.microsoft.com/office/drawing/2010/main" xmlns:ma14="http://schemas.microsoft.com/office/mac/drawingml/2011/main" val="1"/>
+              <ma14:wrappingTextBoxFlag xmlns:ma14="http://schemas.microsoft.com/office/mac/drawingml/2011/main" xmlns:a14="http://schemas.microsoft.com/office/drawing/2010/main" xmlns:m="http://schemas.openxmlformats.org/officeDocument/2006/math" xmlns="" val="1"/>
             </a:ext>
           </a:extLst>
         </p:spPr>
@@ -20364,7 +20423,7 @@
           </a:ln>
           <a:extLst>
             <a:ext uri="{C572A759-6A51-4108-AA02-DFA0A04FC94B}">
-              <ma14:wrappingTextBoxFlag xmlns="" xmlns:m="http://schemas.openxmlformats.org/officeDocument/2006/math" xmlns:a14="http://schemas.microsoft.com/office/drawing/2010/main" xmlns:ma14="http://schemas.microsoft.com/office/mac/drawingml/2011/main" val="1"/>
+              <ma14:wrappingTextBoxFlag xmlns:ma14="http://schemas.microsoft.com/office/mac/drawingml/2011/main" xmlns:a14="http://schemas.microsoft.com/office/drawing/2010/main" xmlns:m="http://schemas.openxmlformats.org/officeDocument/2006/math" xmlns="" val="1"/>
             </a:ext>
           </a:extLst>
         </p:spPr>
@@ -20407,7 +20466,7 @@
           </a:ln>
           <a:extLst>
             <a:ext uri="{C572A759-6A51-4108-AA02-DFA0A04FC94B}">
-              <ma14:wrappingTextBoxFlag xmlns="" xmlns:m="http://schemas.openxmlformats.org/officeDocument/2006/math" xmlns:a14="http://schemas.microsoft.com/office/drawing/2010/main" xmlns:ma14="http://schemas.microsoft.com/office/mac/drawingml/2011/main" val="1"/>
+              <ma14:wrappingTextBoxFlag xmlns:ma14="http://schemas.microsoft.com/office/mac/drawingml/2011/main" xmlns:a14="http://schemas.microsoft.com/office/drawing/2010/main" xmlns:m="http://schemas.openxmlformats.org/officeDocument/2006/math" xmlns="" val="1"/>
             </a:ext>
           </a:extLst>
         </p:spPr>
@@ -20444,7 +20503,7 @@
           </a:ln>
           <a:extLst>
             <a:ext uri="{C572A759-6A51-4108-AA02-DFA0A04FC94B}">
-              <ma14:wrappingTextBoxFlag xmlns="" xmlns:m="http://schemas.openxmlformats.org/officeDocument/2006/math" xmlns:a14="http://schemas.microsoft.com/office/drawing/2010/main" xmlns:ma14="http://schemas.microsoft.com/office/mac/drawingml/2011/main" val="1"/>
+              <ma14:wrappingTextBoxFlag xmlns:ma14="http://schemas.microsoft.com/office/mac/drawingml/2011/main" xmlns:a14="http://schemas.microsoft.com/office/drawing/2010/main" xmlns:m="http://schemas.openxmlformats.org/officeDocument/2006/math" xmlns="" val="1"/>
             </a:ext>
           </a:extLst>
         </p:spPr>
@@ -20523,7 +20582,7 @@
           </a:ln>
           <a:extLst>
             <a:ext uri="{C572A759-6A51-4108-AA02-DFA0A04FC94B}">
-              <ma14:wrappingTextBoxFlag xmlns="" xmlns:m="http://schemas.openxmlformats.org/officeDocument/2006/math" xmlns:a14="http://schemas.microsoft.com/office/drawing/2010/main" xmlns:ma14="http://schemas.microsoft.com/office/mac/drawingml/2011/main" val="1"/>
+              <ma14:wrappingTextBoxFlag xmlns:ma14="http://schemas.microsoft.com/office/mac/drawingml/2011/main" xmlns:a14="http://schemas.microsoft.com/office/drawing/2010/main" xmlns:m="http://schemas.openxmlformats.org/officeDocument/2006/math" xmlns="" val="1"/>
             </a:ext>
           </a:extLst>
         </p:spPr>
@@ -20769,7 +20828,7 @@
           </a:ln>
           <a:extLst>
             <a:ext uri="{C572A759-6A51-4108-AA02-DFA0A04FC94B}">
-              <ma14:wrappingTextBoxFlag xmlns="" xmlns:m="http://schemas.openxmlformats.org/officeDocument/2006/math" xmlns:a14="http://schemas.microsoft.com/office/drawing/2010/main" xmlns:ma14="http://schemas.microsoft.com/office/mac/drawingml/2011/main" val="1"/>
+              <ma14:wrappingTextBoxFlag xmlns:ma14="http://schemas.microsoft.com/office/mac/drawingml/2011/main" xmlns:a14="http://schemas.microsoft.com/office/drawing/2010/main" xmlns:m="http://schemas.openxmlformats.org/officeDocument/2006/math" xmlns="" val="1"/>
             </a:ext>
           </a:extLst>
         </p:spPr>
@@ -20821,7 +20880,7 @@
           </a:ln>
           <a:extLst>
             <a:ext uri="{C572A759-6A51-4108-AA02-DFA0A04FC94B}">
-              <ma14:wrappingTextBoxFlag xmlns="" xmlns:m="http://schemas.openxmlformats.org/officeDocument/2006/math" xmlns:a14="http://schemas.microsoft.com/office/drawing/2010/main" xmlns:ma14="http://schemas.microsoft.com/office/mac/drawingml/2011/main" val="1"/>
+              <ma14:wrappingTextBoxFlag xmlns:ma14="http://schemas.microsoft.com/office/mac/drawingml/2011/main" xmlns:a14="http://schemas.microsoft.com/office/drawing/2010/main" xmlns:m="http://schemas.openxmlformats.org/officeDocument/2006/math" xmlns="" val="1"/>
             </a:ext>
           </a:extLst>
         </p:spPr>
@@ -20892,7 +20951,7 @@
           </a:ln>
           <a:extLst>
             <a:ext uri="{C572A759-6A51-4108-AA02-DFA0A04FC94B}">
-              <ma14:wrappingTextBoxFlag xmlns="" xmlns:m="http://schemas.openxmlformats.org/officeDocument/2006/math" xmlns:a14="http://schemas.microsoft.com/office/drawing/2010/main" xmlns:ma14="http://schemas.microsoft.com/office/mac/drawingml/2011/main" val="1"/>
+              <ma14:wrappingTextBoxFlag xmlns:ma14="http://schemas.microsoft.com/office/mac/drawingml/2011/main" xmlns:a14="http://schemas.microsoft.com/office/drawing/2010/main" xmlns:m="http://schemas.openxmlformats.org/officeDocument/2006/math" xmlns="" val="1"/>
             </a:ext>
           </a:extLst>
         </p:spPr>
@@ -20935,7 +20994,7 @@
           </a:ln>
           <a:extLst>
             <a:ext uri="{C572A759-6A51-4108-AA02-DFA0A04FC94B}">
-              <ma14:wrappingTextBoxFlag xmlns="" xmlns:m="http://schemas.openxmlformats.org/officeDocument/2006/math" xmlns:a14="http://schemas.microsoft.com/office/drawing/2010/main" xmlns:ma14="http://schemas.microsoft.com/office/mac/drawingml/2011/main" val="1"/>
+              <ma14:wrappingTextBoxFlag xmlns:ma14="http://schemas.microsoft.com/office/mac/drawingml/2011/main" xmlns:a14="http://schemas.microsoft.com/office/drawing/2010/main" xmlns:m="http://schemas.openxmlformats.org/officeDocument/2006/math" xmlns="" val="1"/>
             </a:ext>
           </a:extLst>
         </p:spPr>
@@ -20972,7 +21031,7 @@
           </a:ln>
           <a:extLst>
             <a:ext uri="{C572A759-6A51-4108-AA02-DFA0A04FC94B}">
-              <ma14:wrappingTextBoxFlag xmlns="" xmlns:m="http://schemas.openxmlformats.org/officeDocument/2006/math" xmlns:a14="http://schemas.microsoft.com/office/drawing/2010/main" xmlns:ma14="http://schemas.microsoft.com/office/mac/drawingml/2011/main" val="1"/>
+              <ma14:wrappingTextBoxFlag xmlns:ma14="http://schemas.microsoft.com/office/mac/drawingml/2011/main" xmlns:a14="http://schemas.microsoft.com/office/drawing/2010/main" xmlns:m="http://schemas.openxmlformats.org/officeDocument/2006/math" xmlns="" val="1"/>
             </a:ext>
           </a:extLst>
         </p:spPr>
@@ -21051,7 +21110,7 @@
           </a:ln>
           <a:extLst>
             <a:ext uri="{C572A759-6A51-4108-AA02-DFA0A04FC94B}">
-              <ma14:wrappingTextBoxFlag xmlns="" xmlns:m="http://schemas.openxmlformats.org/officeDocument/2006/math" xmlns:a14="http://schemas.microsoft.com/office/drawing/2010/main" xmlns:ma14="http://schemas.microsoft.com/office/mac/drawingml/2011/main" val="1"/>
+              <ma14:wrappingTextBoxFlag xmlns:ma14="http://schemas.microsoft.com/office/mac/drawingml/2011/main" xmlns:a14="http://schemas.microsoft.com/office/drawing/2010/main" xmlns:m="http://schemas.openxmlformats.org/officeDocument/2006/math" xmlns="" val="1"/>
             </a:ext>
           </a:extLst>
         </p:spPr>
@@ -21097,7 +21156,7 @@
           </a:ln>
           <a:extLst>
             <a:ext uri="{C572A759-6A51-4108-AA02-DFA0A04FC94B}">
-              <ma14:wrappingTextBoxFlag xmlns="" xmlns:m="http://schemas.openxmlformats.org/officeDocument/2006/math" xmlns:a14="http://schemas.microsoft.com/office/drawing/2010/main" xmlns:ma14="http://schemas.microsoft.com/office/mac/drawingml/2011/main" val="1"/>
+              <ma14:wrappingTextBoxFlag xmlns:ma14="http://schemas.microsoft.com/office/mac/drawingml/2011/main" xmlns:a14="http://schemas.microsoft.com/office/drawing/2010/main" xmlns:m="http://schemas.openxmlformats.org/officeDocument/2006/math" xmlns="" val="1"/>
             </a:ext>
           </a:extLst>
         </p:spPr>
@@ -21343,7 +21402,7 @@
           </a:ln>
           <a:extLst>
             <a:ext uri="{C572A759-6A51-4108-AA02-DFA0A04FC94B}">
-              <ma14:wrappingTextBoxFlag xmlns="" xmlns:m="http://schemas.openxmlformats.org/officeDocument/2006/math" xmlns:a14="http://schemas.microsoft.com/office/drawing/2010/main" xmlns:ma14="http://schemas.microsoft.com/office/mac/drawingml/2011/main" val="1"/>
+              <ma14:wrappingTextBoxFlag xmlns:ma14="http://schemas.microsoft.com/office/mac/drawingml/2011/main" xmlns:a14="http://schemas.microsoft.com/office/drawing/2010/main" xmlns:m="http://schemas.openxmlformats.org/officeDocument/2006/math" xmlns="" val="1"/>
             </a:ext>
           </a:extLst>
         </p:spPr>
@@ -21403,7 +21462,7 @@
           </a:ln>
           <a:extLst>
             <a:ext uri="{C572A759-6A51-4108-AA02-DFA0A04FC94B}">
-              <ma14:wrappingTextBoxFlag xmlns="" xmlns:m="http://schemas.openxmlformats.org/officeDocument/2006/math" xmlns:a14="http://schemas.microsoft.com/office/drawing/2010/main" xmlns:ma14="http://schemas.microsoft.com/office/mac/drawingml/2011/main" val="1"/>
+              <ma14:wrappingTextBoxFlag xmlns:ma14="http://schemas.microsoft.com/office/mac/drawingml/2011/main" xmlns:a14="http://schemas.microsoft.com/office/drawing/2010/main" xmlns:m="http://schemas.openxmlformats.org/officeDocument/2006/math" xmlns="" val="1"/>
             </a:ext>
           </a:extLst>
         </p:spPr>
@@ -21475,7 +21534,7 @@
           </a:ln>
           <a:extLst>
             <a:ext uri="{C572A759-6A51-4108-AA02-DFA0A04FC94B}">
-              <ma14:wrappingTextBoxFlag xmlns="" xmlns:m="http://schemas.openxmlformats.org/officeDocument/2006/math" xmlns:a14="http://schemas.microsoft.com/office/drawing/2010/main" xmlns:ma14="http://schemas.microsoft.com/office/mac/drawingml/2011/main" val="1"/>
+              <ma14:wrappingTextBoxFlag xmlns:ma14="http://schemas.microsoft.com/office/mac/drawingml/2011/main" xmlns:a14="http://schemas.microsoft.com/office/drawing/2010/main" xmlns:m="http://schemas.openxmlformats.org/officeDocument/2006/math" xmlns="" val="1"/>
             </a:ext>
           </a:extLst>
         </p:spPr>
@@ -21518,7 +21577,7 @@
           </a:ln>
           <a:extLst>
             <a:ext uri="{C572A759-6A51-4108-AA02-DFA0A04FC94B}">
-              <ma14:wrappingTextBoxFlag xmlns="" xmlns:m="http://schemas.openxmlformats.org/officeDocument/2006/math" xmlns:a14="http://schemas.microsoft.com/office/drawing/2010/main" xmlns:ma14="http://schemas.microsoft.com/office/mac/drawingml/2011/main" val="1"/>
+              <ma14:wrappingTextBoxFlag xmlns:ma14="http://schemas.microsoft.com/office/mac/drawingml/2011/main" xmlns:a14="http://schemas.microsoft.com/office/drawing/2010/main" xmlns:m="http://schemas.openxmlformats.org/officeDocument/2006/math" xmlns="" val="1"/>
             </a:ext>
           </a:extLst>
         </p:spPr>
@@ -21555,7 +21614,7 @@
           </a:ln>
           <a:extLst>
             <a:ext uri="{C572A759-6A51-4108-AA02-DFA0A04FC94B}">
-              <ma14:wrappingTextBoxFlag xmlns="" xmlns:m="http://schemas.openxmlformats.org/officeDocument/2006/math" xmlns:a14="http://schemas.microsoft.com/office/drawing/2010/main" xmlns:ma14="http://schemas.microsoft.com/office/mac/drawingml/2011/main" val="1"/>
+              <ma14:wrappingTextBoxFlag xmlns:ma14="http://schemas.microsoft.com/office/mac/drawingml/2011/main" xmlns:a14="http://schemas.microsoft.com/office/drawing/2010/main" xmlns:m="http://schemas.openxmlformats.org/officeDocument/2006/math" xmlns="" val="1"/>
             </a:ext>
           </a:extLst>
         </p:spPr>
@@ -21592,7 +21651,7 @@
           </a:ln>
           <a:extLst>
             <a:ext uri="{C572A759-6A51-4108-AA02-DFA0A04FC94B}">
-              <ma14:wrappingTextBoxFlag xmlns="" xmlns:m="http://schemas.openxmlformats.org/officeDocument/2006/math" xmlns:a14="http://schemas.microsoft.com/office/drawing/2010/main" xmlns:ma14="http://schemas.microsoft.com/office/mac/drawingml/2011/main" val="1"/>
+              <ma14:wrappingTextBoxFlag xmlns:ma14="http://schemas.microsoft.com/office/mac/drawingml/2011/main" xmlns:a14="http://schemas.microsoft.com/office/drawing/2010/main" xmlns:m="http://schemas.openxmlformats.org/officeDocument/2006/math" xmlns="" val="1"/>
             </a:ext>
           </a:extLst>
         </p:spPr>
@@ -21648,7 +21707,7 @@
           </a:ln>
           <a:extLst>
             <a:ext uri="{C572A759-6A51-4108-AA02-DFA0A04FC94B}">
-              <ma14:wrappingTextBoxFlag xmlns="" xmlns:m="http://schemas.openxmlformats.org/officeDocument/2006/math" xmlns:a14="http://schemas.microsoft.com/office/drawing/2010/main" xmlns:ma14="http://schemas.microsoft.com/office/mac/drawingml/2011/main" val="1"/>
+              <ma14:wrappingTextBoxFlag xmlns:ma14="http://schemas.microsoft.com/office/mac/drawingml/2011/main" xmlns:a14="http://schemas.microsoft.com/office/drawing/2010/main" xmlns:m="http://schemas.openxmlformats.org/officeDocument/2006/math" xmlns="" val="1"/>
             </a:ext>
           </a:extLst>
         </p:spPr>
@@ -21914,7 +21973,7 @@
           </a:ln>
           <a:extLst>
             <a:ext uri="{C572A759-6A51-4108-AA02-DFA0A04FC94B}">
-              <ma14:wrappingTextBoxFlag xmlns="" xmlns:m="http://schemas.openxmlformats.org/officeDocument/2006/math" xmlns:a14="http://schemas.microsoft.com/office/drawing/2010/main" xmlns:ma14="http://schemas.microsoft.com/office/mac/drawingml/2011/main" val="1"/>
+              <ma14:wrappingTextBoxFlag xmlns:ma14="http://schemas.microsoft.com/office/mac/drawingml/2011/main" xmlns:a14="http://schemas.microsoft.com/office/drawing/2010/main" xmlns:m="http://schemas.openxmlformats.org/officeDocument/2006/math" xmlns="" val="1"/>
             </a:ext>
           </a:extLst>
         </p:spPr>
@@ -21974,7 +22033,7 @@
           </a:ln>
           <a:extLst>
             <a:ext uri="{C572A759-6A51-4108-AA02-DFA0A04FC94B}">
-              <ma14:wrappingTextBoxFlag xmlns="" xmlns:m="http://schemas.openxmlformats.org/officeDocument/2006/math" xmlns:a14="http://schemas.microsoft.com/office/drawing/2010/main" xmlns:ma14="http://schemas.microsoft.com/office/mac/drawingml/2011/main" val="1"/>
+              <ma14:wrappingTextBoxFlag xmlns:ma14="http://schemas.microsoft.com/office/mac/drawingml/2011/main" xmlns:a14="http://schemas.microsoft.com/office/drawing/2010/main" xmlns:m="http://schemas.openxmlformats.org/officeDocument/2006/math" xmlns="" val="1"/>
             </a:ext>
           </a:extLst>
         </p:spPr>
@@ -22046,7 +22105,7 @@
           </a:ln>
           <a:extLst>
             <a:ext uri="{C572A759-6A51-4108-AA02-DFA0A04FC94B}">
-              <ma14:wrappingTextBoxFlag xmlns="" xmlns:m="http://schemas.openxmlformats.org/officeDocument/2006/math" xmlns:a14="http://schemas.microsoft.com/office/drawing/2010/main" xmlns:ma14="http://schemas.microsoft.com/office/mac/drawingml/2011/main" val="1"/>
+              <ma14:wrappingTextBoxFlag xmlns:ma14="http://schemas.microsoft.com/office/mac/drawingml/2011/main" xmlns:a14="http://schemas.microsoft.com/office/drawing/2010/main" xmlns:m="http://schemas.openxmlformats.org/officeDocument/2006/math" xmlns="" val="1"/>
             </a:ext>
           </a:extLst>
         </p:spPr>
@@ -22089,7 +22148,7 @@
           </a:ln>
           <a:extLst>
             <a:ext uri="{C572A759-6A51-4108-AA02-DFA0A04FC94B}">
-              <ma14:wrappingTextBoxFlag xmlns="" xmlns:m="http://schemas.openxmlformats.org/officeDocument/2006/math" xmlns:a14="http://schemas.microsoft.com/office/drawing/2010/main" xmlns:ma14="http://schemas.microsoft.com/office/mac/drawingml/2011/main" val="1"/>
+              <ma14:wrappingTextBoxFlag xmlns:ma14="http://schemas.microsoft.com/office/mac/drawingml/2011/main" xmlns:a14="http://schemas.microsoft.com/office/drawing/2010/main" xmlns:m="http://schemas.openxmlformats.org/officeDocument/2006/math" xmlns="" val="1"/>
             </a:ext>
           </a:extLst>
         </p:spPr>
@@ -22126,7 +22185,7 @@
           </a:ln>
           <a:extLst>
             <a:ext uri="{C572A759-6A51-4108-AA02-DFA0A04FC94B}">
-              <ma14:wrappingTextBoxFlag xmlns="" xmlns:m="http://schemas.openxmlformats.org/officeDocument/2006/math" xmlns:a14="http://schemas.microsoft.com/office/drawing/2010/main" xmlns:ma14="http://schemas.microsoft.com/office/mac/drawingml/2011/main" val="1"/>
+              <ma14:wrappingTextBoxFlag xmlns:ma14="http://schemas.microsoft.com/office/mac/drawingml/2011/main" xmlns:a14="http://schemas.microsoft.com/office/drawing/2010/main" xmlns:m="http://schemas.openxmlformats.org/officeDocument/2006/math" xmlns="" val="1"/>
             </a:ext>
           </a:extLst>
         </p:spPr>
@@ -22163,7 +22222,7 @@
           </a:ln>
           <a:extLst>
             <a:ext uri="{C572A759-6A51-4108-AA02-DFA0A04FC94B}">
-              <ma14:wrappingTextBoxFlag xmlns="" xmlns:m="http://schemas.openxmlformats.org/officeDocument/2006/math" xmlns:a14="http://schemas.microsoft.com/office/drawing/2010/main" xmlns:ma14="http://schemas.microsoft.com/office/mac/drawingml/2011/main" val="1"/>
+              <ma14:wrappingTextBoxFlag xmlns:ma14="http://schemas.microsoft.com/office/mac/drawingml/2011/main" xmlns:a14="http://schemas.microsoft.com/office/drawing/2010/main" xmlns:m="http://schemas.openxmlformats.org/officeDocument/2006/math" xmlns="" val="1"/>
             </a:ext>
           </a:extLst>
         </p:spPr>
@@ -22219,7 +22278,7 @@
           </a:ln>
           <a:extLst>
             <a:ext uri="{C572A759-6A51-4108-AA02-DFA0A04FC94B}">
-              <ma14:wrappingTextBoxFlag xmlns="" xmlns:m="http://schemas.openxmlformats.org/officeDocument/2006/math" xmlns:a14="http://schemas.microsoft.com/office/drawing/2010/main" xmlns:ma14="http://schemas.microsoft.com/office/mac/drawingml/2011/main" val="1"/>
+              <ma14:wrappingTextBoxFlag xmlns:ma14="http://schemas.microsoft.com/office/mac/drawingml/2011/main" xmlns:a14="http://schemas.microsoft.com/office/drawing/2010/main" xmlns:m="http://schemas.openxmlformats.org/officeDocument/2006/math" xmlns="" val="1"/>
             </a:ext>
           </a:extLst>
         </p:spPr>
@@ -22285,7 +22344,7 @@
           </a:ln>
           <a:extLst>
             <a:ext uri="{C572A759-6A51-4108-AA02-DFA0A04FC94B}">
-              <ma14:wrappingTextBoxFlag xmlns="" xmlns:m="http://schemas.openxmlformats.org/officeDocument/2006/math" xmlns:a14="http://schemas.microsoft.com/office/drawing/2010/main" xmlns:ma14="http://schemas.microsoft.com/office/mac/drawingml/2011/main" val="1"/>
+              <ma14:wrappingTextBoxFlag xmlns:ma14="http://schemas.microsoft.com/office/mac/drawingml/2011/main" xmlns:a14="http://schemas.microsoft.com/office/drawing/2010/main" xmlns:m="http://schemas.openxmlformats.org/officeDocument/2006/math" xmlns="" val="1"/>
             </a:ext>
           </a:extLst>
         </p:spPr>
@@ -22532,7 +22591,7 @@
           </a:ln>
           <a:extLst>
             <a:ext uri="{C572A759-6A51-4108-AA02-DFA0A04FC94B}">
-              <ma14:wrappingTextBoxFlag xmlns="" xmlns:m="http://schemas.openxmlformats.org/officeDocument/2006/math" xmlns:a14="http://schemas.microsoft.com/office/drawing/2010/main" xmlns:ma14="http://schemas.microsoft.com/office/mac/drawingml/2011/main" val="1"/>
+              <ma14:wrappingTextBoxFlag xmlns:ma14="http://schemas.microsoft.com/office/mac/drawingml/2011/main" xmlns:a14="http://schemas.microsoft.com/office/drawing/2010/main" xmlns:m="http://schemas.openxmlformats.org/officeDocument/2006/math" xmlns="" val="1"/>
             </a:ext>
           </a:extLst>
         </p:spPr>
@@ -22577,7 +22636,7 @@
           </a:ln>
           <a:extLst>
             <a:ext uri="{C572A759-6A51-4108-AA02-DFA0A04FC94B}">
-              <ma14:wrappingTextBoxFlag xmlns="" xmlns:m="http://schemas.openxmlformats.org/officeDocument/2006/math" xmlns:a14="http://schemas.microsoft.com/office/drawing/2010/main" xmlns:ma14="http://schemas.microsoft.com/office/mac/drawingml/2011/main" val="1"/>
+              <ma14:wrappingTextBoxFlag xmlns:ma14="http://schemas.microsoft.com/office/mac/drawingml/2011/main" xmlns:a14="http://schemas.microsoft.com/office/drawing/2010/main" xmlns:m="http://schemas.openxmlformats.org/officeDocument/2006/math" xmlns="" val="1"/>
             </a:ext>
           </a:extLst>
         </p:spPr>
@@ -22649,7 +22708,7 @@
           </a:ln>
           <a:extLst>
             <a:ext uri="{C572A759-6A51-4108-AA02-DFA0A04FC94B}">
-              <ma14:wrappingTextBoxFlag xmlns="" xmlns:m="http://schemas.openxmlformats.org/officeDocument/2006/math" xmlns:a14="http://schemas.microsoft.com/office/drawing/2010/main" xmlns:ma14="http://schemas.microsoft.com/office/mac/drawingml/2011/main" val="1"/>
+              <ma14:wrappingTextBoxFlag xmlns:ma14="http://schemas.microsoft.com/office/mac/drawingml/2011/main" xmlns:a14="http://schemas.microsoft.com/office/drawing/2010/main" xmlns:m="http://schemas.openxmlformats.org/officeDocument/2006/math" xmlns="" val="1"/>
             </a:ext>
           </a:extLst>
         </p:spPr>
@@ -22692,7 +22751,7 @@
           </a:ln>
           <a:extLst>
             <a:ext uri="{C572A759-6A51-4108-AA02-DFA0A04FC94B}">
-              <ma14:wrappingTextBoxFlag xmlns="" xmlns:m="http://schemas.openxmlformats.org/officeDocument/2006/math" xmlns:a14="http://schemas.microsoft.com/office/drawing/2010/main" xmlns:ma14="http://schemas.microsoft.com/office/mac/drawingml/2011/main" val="1"/>
+              <ma14:wrappingTextBoxFlag xmlns:ma14="http://schemas.microsoft.com/office/mac/drawingml/2011/main" xmlns:a14="http://schemas.microsoft.com/office/drawing/2010/main" xmlns:m="http://schemas.openxmlformats.org/officeDocument/2006/math" xmlns="" val="1"/>
             </a:ext>
           </a:extLst>
         </p:spPr>
@@ -22729,7 +22788,7 @@
           </a:ln>
           <a:extLst>
             <a:ext uri="{C572A759-6A51-4108-AA02-DFA0A04FC94B}">
-              <ma14:wrappingTextBoxFlag xmlns="" xmlns:m="http://schemas.openxmlformats.org/officeDocument/2006/math" xmlns:a14="http://schemas.microsoft.com/office/drawing/2010/main" xmlns:ma14="http://schemas.microsoft.com/office/mac/drawingml/2011/main" val="1"/>
+              <ma14:wrappingTextBoxFlag xmlns:ma14="http://schemas.microsoft.com/office/mac/drawingml/2011/main" xmlns:a14="http://schemas.microsoft.com/office/drawing/2010/main" xmlns:m="http://schemas.openxmlformats.org/officeDocument/2006/math" xmlns="" val="1"/>
             </a:ext>
           </a:extLst>
         </p:spPr>
@@ -22766,7 +22825,7 @@
           </a:ln>
           <a:extLst>
             <a:ext uri="{C572A759-6A51-4108-AA02-DFA0A04FC94B}">
-              <ma14:wrappingTextBoxFlag xmlns="" xmlns:m="http://schemas.openxmlformats.org/officeDocument/2006/math" xmlns:a14="http://schemas.microsoft.com/office/drawing/2010/main" xmlns:ma14="http://schemas.microsoft.com/office/mac/drawingml/2011/main" val="1"/>
+              <ma14:wrappingTextBoxFlag xmlns:ma14="http://schemas.microsoft.com/office/mac/drawingml/2011/main" xmlns:a14="http://schemas.microsoft.com/office/drawing/2010/main" xmlns:m="http://schemas.openxmlformats.org/officeDocument/2006/math" xmlns="" val="1"/>
             </a:ext>
           </a:extLst>
         </p:spPr>
@@ -22822,7 +22881,7 @@
           </a:ln>
           <a:extLst>
             <a:ext uri="{C572A759-6A51-4108-AA02-DFA0A04FC94B}">
-              <ma14:wrappingTextBoxFlag xmlns="" xmlns:m="http://schemas.openxmlformats.org/officeDocument/2006/math" xmlns:a14="http://schemas.microsoft.com/office/drawing/2010/main" xmlns:ma14="http://schemas.microsoft.com/office/mac/drawingml/2011/main" val="1"/>
+              <ma14:wrappingTextBoxFlag xmlns:ma14="http://schemas.microsoft.com/office/mac/drawingml/2011/main" xmlns:a14="http://schemas.microsoft.com/office/drawing/2010/main" xmlns:m="http://schemas.openxmlformats.org/officeDocument/2006/math" xmlns="" val="1"/>
             </a:ext>
           </a:extLst>
         </p:spPr>
@@ -23050,7 +23109,7 @@
           </a:ln>
           <a:extLst>
             <a:ext uri="{C572A759-6A51-4108-AA02-DFA0A04FC94B}">
-              <ma14:wrappingTextBoxFlag xmlns="" xmlns:m="http://schemas.openxmlformats.org/officeDocument/2006/math" xmlns:a14="http://schemas.microsoft.com/office/drawing/2010/main" xmlns:ma14="http://schemas.microsoft.com/office/mac/drawingml/2011/main" val="1"/>
+              <ma14:wrappingTextBoxFlag xmlns:ma14="http://schemas.microsoft.com/office/mac/drawingml/2011/main" xmlns:a14="http://schemas.microsoft.com/office/drawing/2010/main" xmlns:m="http://schemas.openxmlformats.org/officeDocument/2006/math" xmlns="" val="1"/>
             </a:ext>
           </a:extLst>
         </p:spPr>
@@ -23142,7 +23201,7 @@
           </a:ln>
           <a:extLst>
             <a:ext uri="{C572A759-6A51-4108-AA02-DFA0A04FC94B}">
-              <ma14:wrappingTextBoxFlag xmlns="" xmlns:m="http://schemas.openxmlformats.org/officeDocument/2006/math" xmlns:a14="http://schemas.microsoft.com/office/drawing/2010/main" xmlns:ma14="http://schemas.microsoft.com/office/mac/drawingml/2011/main" val="1"/>
+              <ma14:wrappingTextBoxFlag xmlns:ma14="http://schemas.microsoft.com/office/mac/drawingml/2011/main" xmlns:a14="http://schemas.microsoft.com/office/drawing/2010/main" xmlns:m="http://schemas.openxmlformats.org/officeDocument/2006/math" xmlns="" val="1"/>
             </a:ext>
           </a:extLst>
         </p:spPr>
@@ -23210,7 +23269,7 @@
           </a:ln>
           <a:extLst>
             <a:ext uri="{C572A759-6A51-4108-AA02-DFA0A04FC94B}">
-              <ma14:wrappingTextBoxFlag xmlns="" xmlns:m="http://schemas.openxmlformats.org/officeDocument/2006/math" xmlns:a14="http://schemas.microsoft.com/office/drawing/2010/main" xmlns:ma14="http://schemas.microsoft.com/office/mac/drawingml/2011/main" val="1"/>
+              <ma14:wrappingTextBoxFlag xmlns:ma14="http://schemas.microsoft.com/office/mac/drawingml/2011/main" xmlns:a14="http://schemas.microsoft.com/office/drawing/2010/main" xmlns:m="http://schemas.openxmlformats.org/officeDocument/2006/math" xmlns="" val="1"/>
             </a:ext>
           </a:extLst>
         </p:spPr>
@@ -23253,7 +23312,7 @@
           </a:ln>
           <a:extLst>
             <a:ext uri="{C572A759-6A51-4108-AA02-DFA0A04FC94B}">
-              <ma14:wrappingTextBoxFlag xmlns="" xmlns:m="http://schemas.openxmlformats.org/officeDocument/2006/math" xmlns:a14="http://schemas.microsoft.com/office/drawing/2010/main" xmlns:ma14="http://schemas.microsoft.com/office/mac/drawingml/2011/main" val="1"/>
+              <ma14:wrappingTextBoxFlag xmlns:ma14="http://schemas.microsoft.com/office/mac/drawingml/2011/main" xmlns:a14="http://schemas.microsoft.com/office/drawing/2010/main" xmlns:m="http://schemas.openxmlformats.org/officeDocument/2006/math" xmlns="" val="1"/>
             </a:ext>
           </a:extLst>
         </p:spPr>
@@ -23290,7 +23349,7 @@
           </a:ln>
           <a:extLst>
             <a:ext uri="{C572A759-6A51-4108-AA02-DFA0A04FC94B}">
-              <ma14:wrappingTextBoxFlag xmlns="" xmlns:m="http://schemas.openxmlformats.org/officeDocument/2006/math" xmlns:a14="http://schemas.microsoft.com/office/drawing/2010/main" xmlns:ma14="http://schemas.microsoft.com/office/mac/drawingml/2011/main" val="1"/>
+              <ma14:wrappingTextBoxFlag xmlns:ma14="http://schemas.microsoft.com/office/mac/drawingml/2011/main" xmlns:a14="http://schemas.microsoft.com/office/drawing/2010/main" xmlns:m="http://schemas.openxmlformats.org/officeDocument/2006/math" xmlns="" val="1"/>
             </a:ext>
           </a:extLst>
         </p:spPr>
@@ -23333,7 +23392,7 @@
           </a:ln>
           <a:extLst>
             <a:ext uri="{C572A759-6A51-4108-AA02-DFA0A04FC94B}">
-              <ma14:wrappingTextBoxFlag xmlns="" xmlns:m="http://schemas.openxmlformats.org/officeDocument/2006/math" xmlns:a14="http://schemas.microsoft.com/office/drawing/2010/main" xmlns:ma14="http://schemas.microsoft.com/office/mac/drawingml/2011/main" val="1"/>
+              <ma14:wrappingTextBoxFlag xmlns:ma14="http://schemas.microsoft.com/office/mac/drawingml/2011/main" xmlns:a14="http://schemas.microsoft.com/office/drawing/2010/main" xmlns:m="http://schemas.openxmlformats.org/officeDocument/2006/math" xmlns="" val="1"/>
             </a:ext>
           </a:extLst>
         </p:spPr>
@@ -23370,7 +23429,7 @@
           </a:ln>
           <a:extLst>
             <a:ext uri="{C572A759-6A51-4108-AA02-DFA0A04FC94B}">
-              <ma14:wrappingTextBoxFlag xmlns="" xmlns:m="http://schemas.openxmlformats.org/officeDocument/2006/math" xmlns:a14="http://schemas.microsoft.com/office/drawing/2010/main" xmlns:ma14="http://schemas.microsoft.com/office/mac/drawingml/2011/main" val="1"/>
+              <ma14:wrappingTextBoxFlag xmlns:ma14="http://schemas.microsoft.com/office/mac/drawingml/2011/main" xmlns:a14="http://schemas.microsoft.com/office/drawing/2010/main" xmlns:m="http://schemas.openxmlformats.org/officeDocument/2006/math" xmlns="" val="1"/>
             </a:ext>
           </a:extLst>
         </p:spPr>
@@ -23650,7 +23709,7 @@
           </a:ln>
           <a:extLst>
             <a:ext uri="{C572A759-6A51-4108-AA02-DFA0A04FC94B}">
-              <ma14:wrappingTextBoxFlag xmlns="" xmlns:m="http://schemas.openxmlformats.org/officeDocument/2006/math" xmlns:a14="http://schemas.microsoft.com/office/drawing/2010/main" xmlns:ma14="http://schemas.microsoft.com/office/mac/drawingml/2011/main" val="1"/>
+              <ma14:wrappingTextBoxFlag xmlns:ma14="http://schemas.microsoft.com/office/mac/drawingml/2011/main" xmlns:a14="http://schemas.microsoft.com/office/drawing/2010/main" xmlns:m="http://schemas.openxmlformats.org/officeDocument/2006/math" xmlns="" val="1"/>
             </a:ext>
           </a:extLst>
         </p:spPr>
@@ -23685,7 +23744,7 @@
           </a:ln>
           <a:extLst>
             <a:ext uri="{C572A759-6A51-4108-AA02-DFA0A04FC94B}">
-              <ma14:wrappingTextBoxFlag xmlns="" xmlns:m="http://schemas.openxmlformats.org/officeDocument/2006/math" xmlns:a14="http://schemas.microsoft.com/office/drawing/2010/main" xmlns:ma14="http://schemas.microsoft.com/office/mac/drawingml/2011/main" val="1"/>
+              <ma14:wrappingTextBoxFlag xmlns:ma14="http://schemas.microsoft.com/office/mac/drawingml/2011/main" xmlns:a14="http://schemas.microsoft.com/office/drawing/2010/main" xmlns:m="http://schemas.openxmlformats.org/officeDocument/2006/math" xmlns="" val="1"/>
             </a:ext>
           </a:extLst>
         </p:spPr>
@@ -23803,7 +23862,7 @@
           </a:ln>
           <a:extLst>
             <a:ext uri="{C572A759-6A51-4108-AA02-DFA0A04FC94B}">
-              <ma14:wrappingTextBoxFlag xmlns="" xmlns:m="http://schemas.openxmlformats.org/officeDocument/2006/math" xmlns:a14="http://schemas.microsoft.com/office/drawing/2010/main" xmlns:ma14="http://schemas.microsoft.com/office/mac/drawingml/2011/main" val="1"/>
+              <ma14:wrappingTextBoxFlag xmlns:ma14="http://schemas.microsoft.com/office/mac/drawingml/2011/main" xmlns:a14="http://schemas.microsoft.com/office/drawing/2010/main" xmlns:m="http://schemas.openxmlformats.org/officeDocument/2006/math" xmlns="" val="1"/>
             </a:ext>
           </a:extLst>
         </p:spPr>
@@ -23845,7 +23904,7 @@
           </a:ln>
           <a:extLst>
             <a:ext uri="{C572A759-6A51-4108-AA02-DFA0A04FC94B}">
-              <ma14:wrappingTextBoxFlag xmlns="" xmlns:m="http://schemas.openxmlformats.org/officeDocument/2006/math" xmlns:a14="http://schemas.microsoft.com/office/drawing/2010/main" xmlns:ma14="http://schemas.microsoft.com/office/mac/drawingml/2011/main" val="1"/>
+              <ma14:wrappingTextBoxFlag xmlns:ma14="http://schemas.microsoft.com/office/mac/drawingml/2011/main" xmlns:a14="http://schemas.microsoft.com/office/drawing/2010/main" xmlns:m="http://schemas.openxmlformats.org/officeDocument/2006/math" xmlns="" val="1"/>
             </a:ext>
           </a:extLst>
         </p:spPr>
@@ -24093,7 +24152,7 @@
           </a:ln>
           <a:extLst>
             <a:ext uri="{C572A759-6A51-4108-AA02-DFA0A04FC94B}">
-              <ma14:wrappingTextBoxFlag xmlns="" xmlns:m="http://schemas.openxmlformats.org/officeDocument/2006/math" xmlns:a14="http://schemas.microsoft.com/office/drawing/2010/main" xmlns:ma14="http://schemas.microsoft.com/office/mac/drawingml/2011/main" val="1"/>
+              <ma14:wrappingTextBoxFlag xmlns:ma14="http://schemas.microsoft.com/office/mac/drawingml/2011/main" xmlns:a14="http://schemas.microsoft.com/office/drawing/2010/main" xmlns:m="http://schemas.openxmlformats.org/officeDocument/2006/math" xmlns="" val="1"/>
             </a:ext>
           </a:extLst>
         </p:spPr>
@@ -24306,7 +24365,7 @@
           </a:ln>
           <a:extLst>
             <a:ext uri="{C572A759-6A51-4108-AA02-DFA0A04FC94B}">
-              <ma14:wrappingTextBoxFlag xmlns="" xmlns:m="http://schemas.openxmlformats.org/officeDocument/2006/math" xmlns:a14="http://schemas.microsoft.com/office/drawing/2010/main" xmlns:ma14="http://schemas.microsoft.com/office/mac/drawingml/2011/main" val="1"/>
+              <ma14:wrappingTextBoxFlag xmlns:ma14="http://schemas.microsoft.com/office/mac/drawingml/2011/main" xmlns:a14="http://schemas.microsoft.com/office/drawing/2010/main" xmlns:m="http://schemas.openxmlformats.org/officeDocument/2006/math" xmlns="" val="1"/>
             </a:ext>
           </a:extLst>
         </p:spPr>
@@ -24351,7 +24410,7 @@
           </a:ln>
           <a:extLst>
             <a:ext uri="{C572A759-6A51-4108-AA02-DFA0A04FC94B}">
-              <ma14:wrappingTextBoxFlag xmlns="" xmlns:m="http://schemas.openxmlformats.org/officeDocument/2006/math" xmlns:a14="http://schemas.microsoft.com/office/drawing/2010/main" xmlns:ma14="http://schemas.microsoft.com/office/mac/drawingml/2011/main" val="1"/>
+              <ma14:wrappingTextBoxFlag xmlns:ma14="http://schemas.microsoft.com/office/mac/drawingml/2011/main" xmlns:a14="http://schemas.microsoft.com/office/drawing/2010/main" xmlns:m="http://schemas.openxmlformats.org/officeDocument/2006/math" xmlns="" val="1"/>
             </a:ext>
           </a:extLst>
         </p:spPr>
@@ -24388,7 +24447,7 @@
           </a:ln>
           <a:extLst>
             <a:ext uri="{C572A759-6A51-4108-AA02-DFA0A04FC94B}">
-              <ma14:wrappingTextBoxFlag xmlns="" xmlns:m="http://schemas.openxmlformats.org/officeDocument/2006/math" xmlns:a14="http://schemas.microsoft.com/office/drawing/2010/main" xmlns:ma14="http://schemas.microsoft.com/office/mac/drawingml/2011/main" val="1"/>
+              <ma14:wrappingTextBoxFlag xmlns:ma14="http://schemas.microsoft.com/office/mac/drawingml/2011/main" xmlns:a14="http://schemas.microsoft.com/office/drawing/2010/main" xmlns:m="http://schemas.openxmlformats.org/officeDocument/2006/math" xmlns="" val="1"/>
             </a:ext>
           </a:extLst>
         </p:spPr>
@@ -24486,7 +24545,7 @@
           </a:ln>
           <a:extLst>
             <a:ext uri="{C572A759-6A51-4108-AA02-DFA0A04FC94B}">
-              <ma14:wrappingTextBoxFlag xmlns="" xmlns:m="http://schemas.openxmlformats.org/officeDocument/2006/math" xmlns:a14="http://schemas.microsoft.com/office/drawing/2010/main" xmlns:ma14="http://schemas.microsoft.com/office/mac/drawingml/2011/main" val="1"/>
+              <ma14:wrappingTextBoxFlag xmlns:ma14="http://schemas.microsoft.com/office/mac/drawingml/2011/main" xmlns:a14="http://schemas.microsoft.com/office/drawing/2010/main" xmlns:m="http://schemas.openxmlformats.org/officeDocument/2006/math" xmlns="" val="1"/>
             </a:ext>
           </a:extLst>
         </p:spPr>
@@ -24699,7 +24758,7 @@
           </a:ln>
           <a:extLst>
             <a:ext uri="{C572A759-6A51-4108-AA02-DFA0A04FC94B}">
-              <ma14:wrappingTextBoxFlag xmlns="" xmlns:m="http://schemas.openxmlformats.org/officeDocument/2006/math" xmlns:a14="http://schemas.microsoft.com/office/drawing/2010/main" xmlns:ma14="http://schemas.microsoft.com/office/mac/drawingml/2011/main" val="1"/>
+              <ma14:wrappingTextBoxFlag xmlns:ma14="http://schemas.microsoft.com/office/mac/drawingml/2011/main" xmlns:a14="http://schemas.microsoft.com/office/drawing/2010/main" xmlns:m="http://schemas.openxmlformats.org/officeDocument/2006/math" xmlns="" val="1"/>
             </a:ext>
           </a:extLst>
         </p:spPr>
@@ -24767,7 +24826,7 @@
           </a:ln>
           <a:extLst>
             <a:ext uri="{C572A759-6A51-4108-AA02-DFA0A04FC94B}">
-              <ma14:wrappingTextBoxFlag xmlns="" xmlns:m="http://schemas.openxmlformats.org/officeDocument/2006/math" xmlns:a14="http://schemas.microsoft.com/office/drawing/2010/main" xmlns:ma14="http://schemas.microsoft.com/office/mac/drawingml/2011/main" val="1"/>
+              <ma14:wrappingTextBoxFlag xmlns:ma14="http://schemas.microsoft.com/office/mac/drawingml/2011/main" xmlns:a14="http://schemas.microsoft.com/office/drawing/2010/main" xmlns:m="http://schemas.openxmlformats.org/officeDocument/2006/math" xmlns="" val="1"/>
             </a:ext>
           </a:extLst>
         </p:spPr>
@@ -24804,7 +24863,7 @@
           </a:ln>
           <a:extLst>
             <a:ext uri="{C572A759-6A51-4108-AA02-DFA0A04FC94B}">
-              <ma14:wrappingTextBoxFlag xmlns="" xmlns:m="http://schemas.openxmlformats.org/officeDocument/2006/math" xmlns:a14="http://schemas.microsoft.com/office/drawing/2010/main" xmlns:ma14="http://schemas.microsoft.com/office/mac/drawingml/2011/main" val="1"/>
+              <ma14:wrappingTextBoxFlag xmlns:ma14="http://schemas.microsoft.com/office/mac/drawingml/2011/main" xmlns:a14="http://schemas.microsoft.com/office/drawing/2010/main" xmlns:m="http://schemas.openxmlformats.org/officeDocument/2006/math" xmlns="" val="1"/>
             </a:ext>
           </a:extLst>
         </p:spPr>
@@ -24843,7 +24902,7 @@
           </a:ln>
           <a:extLst>
             <a:ext uri="{C572A759-6A51-4108-AA02-DFA0A04FC94B}">
-              <ma14:wrappingTextBoxFlag xmlns="" xmlns:m="http://schemas.openxmlformats.org/officeDocument/2006/math" xmlns:a14="http://schemas.microsoft.com/office/drawing/2010/main" xmlns:ma14="http://schemas.microsoft.com/office/mac/drawingml/2011/main" val="1"/>
+              <ma14:wrappingTextBoxFlag xmlns:ma14="http://schemas.microsoft.com/office/mac/drawingml/2011/main" xmlns:a14="http://schemas.microsoft.com/office/drawing/2010/main" xmlns:m="http://schemas.openxmlformats.org/officeDocument/2006/math" xmlns="" val="1"/>
             </a:ext>
           </a:extLst>
         </p:spPr>
@@ -24882,7 +24941,7 @@
           </a:ln>
           <a:extLst>
             <a:ext uri="{C572A759-6A51-4108-AA02-DFA0A04FC94B}">
-              <ma14:wrappingTextBoxFlag xmlns="" xmlns:m="http://schemas.openxmlformats.org/officeDocument/2006/math" xmlns:a14="http://schemas.microsoft.com/office/drawing/2010/main" xmlns:ma14="http://schemas.microsoft.com/office/mac/drawingml/2011/main" val="1"/>
+              <ma14:wrappingTextBoxFlag xmlns:ma14="http://schemas.microsoft.com/office/mac/drawingml/2011/main" xmlns:a14="http://schemas.microsoft.com/office/drawing/2010/main" xmlns:m="http://schemas.openxmlformats.org/officeDocument/2006/math" xmlns="" val="1"/>
             </a:ext>
           </a:extLst>
         </p:spPr>
@@ -24980,7 +25039,7 @@
           </a:ln>
           <a:extLst>
             <a:ext uri="{C572A759-6A51-4108-AA02-DFA0A04FC94B}">
-              <ma14:wrappingTextBoxFlag xmlns="" xmlns:m="http://schemas.openxmlformats.org/officeDocument/2006/math" xmlns:a14="http://schemas.microsoft.com/office/drawing/2010/main" xmlns:ma14="http://schemas.microsoft.com/office/mac/drawingml/2011/main" val="1"/>
+              <ma14:wrappingTextBoxFlag xmlns:ma14="http://schemas.microsoft.com/office/mac/drawingml/2011/main" xmlns:a14="http://schemas.microsoft.com/office/drawing/2010/main" xmlns:m="http://schemas.openxmlformats.org/officeDocument/2006/math" xmlns="" val="1"/>
             </a:ext>
           </a:extLst>
         </p:spPr>
@@ -25193,7 +25252,7 @@
           </a:ln>
           <a:extLst>
             <a:ext uri="{C572A759-6A51-4108-AA02-DFA0A04FC94B}">
-              <ma14:wrappingTextBoxFlag xmlns="" xmlns:m="http://schemas.openxmlformats.org/officeDocument/2006/math" xmlns:a14="http://schemas.microsoft.com/office/drawing/2010/main" xmlns:ma14="http://schemas.microsoft.com/office/mac/drawingml/2011/main" val="1"/>
+              <ma14:wrappingTextBoxFlag xmlns:ma14="http://schemas.microsoft.com/office/mac/drawingml/2011/main" xmlns:a14="http://schemas.microsoft.com/office/drawing/2010/main" xmlns:m="http://schemas.openxmlformats.org/officeDocument/2006/math" xmlns="" val="1"/>
             </a:ext>
           </a:extLst>
         </p:spPr>
@@ -25289,7 +25348,7 @@
           </a:ln>
           <a:extLst>
             <a:ext uri="{C572A759-6A51-4108-AA02-DFA0A04FC94B}">
-              <ma14:wrappingTextBoxFlag xmlns="" xmlns:m="http://schemas.openxmlformats.org/officeDocument/2006/math" xmlns:a14="http://schemas.microsoft.com/office/drawing/2010/main" xmlns:ma14="http://schemas.microsoft.com/office/mac/drawingml/2011/main" val="1"/>
+              <ma14:wrappingTextBoxFlag xmlns:ma14="http://schemas.microsoft.com/office/mac/drawingml/2011/main" xmlns:a14="http://schemas.microsoft.com/office/drawing/2010/main" xmlns:m="http://schemas.openxmlformats.org/officeDocument/2006/math" xmlns="" val="1"/>
             </a:ext>
           </a:extLst>
         </p:spPr>
@@ -25326,7 +25385,7 @@
           </a:ln>
           <a:extLst>
             <a:ext uri="{C572A759-6A51-4108-AA02-DFA0A04FC94B}">
-              <ma14:wrappingTextBoxFlag xmlns="" xmlns:m="http://schemas.openxmlformats.org/officeDocument/2006/math" xmlns:a14="http://schemas.microsoft.com/office/drawing/2010/main" xmlns:ma14="http://schemas.microsoft.com/office/mac/drawingml/2011/main" val="1"/>
+              <ma14:wrappingTextBoxFlag xmlns:ma14="http://schemas.microsoft.com/office/mac/drawingml/2011/main" xmlns:a14="http://schemas.microsoft.com/office/drawing/2010/main" xmlns:m="http://schemas.openxmlformats.org/officeDocument/2006/math" xmlns="" val="1"/>
             </a:ext>
           </a:extLst>
         </p:spPr>
@@ -25365,7 +25424,7 @@
           </a:ln>
           <a:extLst>
             <a:ext uri="{C572A759-6A51-4108-AA02-DFA0A04FC94B}">
-              <ma14:wrappingTextBoxFlag xmlns="" xmlns:m="http://schemas.openxmlformats.org/officeDocument/2006/math" xmlns:a14="http://schemas.microsoft.com/office/drawing/2010/main" xmlns:ma14="http://schemas.microsoft.com/office/mac/drawingml/2011/main" val="1"/>
+              <ma14:wrappingTextBoxFlag xmlns:ma14="http://schemas.microsoft.com/office/mac/drawingml/2011/main" xmlns:a14="http://schemas.microsoft.com/office/drawing/2010/main" xmlns:m="http://schemas.openxmlformats.org/officeDocument/2006/math" xmlns="" val="1"/>
             </a:ext>
           </a:extLst>
         </p:spPr>
@@ -25404,7 +25463,7 @@
           </a:ln>
           <a:extLst>
             <a:ext uri="{C572A759-6A51-4108-AA02-DFA0A04FC94B}">
-              <ma14:wrappingTextBoxFlag xmlns="" xmlns:m="http://schemas.openxmlformats.org/officeDocument/2006/math" xmlns:a14="http://schemas.microsoft.com/office/drawing/2010/main" xmlns:ma14="http://schemas.microsoft.com/office/mac/drawingml/2011/main" val="1"/>
+              <ma14:wrappingTextBoxFlag xmlns:ma14="http://schemas.microsoft.com/office/mac/drawingml/2011/main" xmlns:a14="http://schemas.microsoft.com/office/drawing/2010/main" xmlns:m="http://schemas.openxmlformats.org/officeDocument/2006/math" xmlns="" val="1"/>
             </a:ext>
           </a:extLst>
         </p:spPr>
@@ -25443,7 +25502,7 @@
           </a:ln>
           <a:extLst>
             <a:ext uri="{C572A759-6A51-4108-AA02-DFA0A04FC94B}">
-              <ma14:wrappingTextBoxFlag xmlns="" xmlns:m="http://schemas.openxmlformats.org/officeDocument/2006/math" xmlns:a14="http://schemas.microsoft.com/office/drawing/2010/main" xmlns:ma14="http://schemas.microsoft.com/office/mac/drawingml/2011/main" val="1"/>
+              <ma14:wrappingTextBoxFlag xmlns:ma14="http://schemas.microsoft.com/office/mac/drawingml/2011/main" xmlns:a14="http://schemas.microsoft.com/office/drawing/2010/main" xmlns:m="http://schemas.openxmlformats.org/officeDocument/2006/math" xmlns="" val="1"/>
             </a:ext>
           </a:extLst>
         </p:spPr>
@@ -25482,7 +25541,7 @@
           </a:ln>
           <a:extLst>
             <a:ext uri="{C572A759-6A51-4108-AA02-DFA0A04FC94B}">
-              <ma14:wrappingTextBoxFlag xmlns="" xmlns:m="http://schemas.openxmlformats.org/officeDocument/2006/math" xmlns:a14="http://schemas.microsoft.com/office/drawing/2010/main" xmlns:ma14="http://schemas.microsoft.com/office/mac/drawingml/2011/main" val="1"/>
+              <ma14:wrappingTextBoxFlag xmlns:ma14="http://schemas.microsoft.com/office/mac/drawingml/2011/main" xmlns:a14="http://schemas.microsoft.com/office/drawing/2010/main" xmlns:m="http://schemas.openxmlformats.org/officeDocument/2006/math" xmlns="" val="1"/>
             </a:ext>
           </a:extLst>
         </p:spPr>
@@ -25580,7 +25639,7 @@
           </a:ln>
           <a:extLst>
             <a:ext uri="{C572A759-6A51-4108-AA02-DFA0A04FC94B}">
-              <ma14:wrappingTextBoxFlag xmlns="" xmlns:m="http://schemas.openxmlformats.org/officeDocument/2006/math" xmlns:a14="http://schemas.microsoft.com/office/drawing/2010/main" xmlns:ma14="http://schemas.microsoft.com/office/mac/drawingml/2011/main" val="1"/>
+              <ma14:wrappingTextBoxFlag xmlns:ma14="http://schemas.microsoft.com/office/mac/drawingml/2011/main" xmlns:a14="http://schemas.microsoft.com/office/drawing/2010/main" xmlns:m="http://schemas.openxmlformats.org/officeDocument/2006/math" xmlns="" val="1"/>
             </a:ext>
           </a:extLst>
         </p:spPr>
@@ -25793,7 +25852,7 @@
           </a:ln>
           <a:extLst>
             <a:ext uri="{C572A759-6A51-4108-AA02-DFA0A04FC94B}">
-              <ma14:wrappingTextBoxFlag xmlns="" xmlns:m="http://schemas.openxmlformats.org/officeDocument/2006/math" xmlns:a14="http://schemas.microsoft.com/office/drawing/2010/main" xmlns:ma14="http://schemas.microsoft.com/office/mac/drawingml/2011/main" val="1"/>
+              <ma14:wrappingTextBoxFlag xmlns:ma14="http://schemas.microsoft.com/office/mac/drawingml/2011/main" xmlns:a14="http://schemas.microsoft.com/office/drawing/2010/main" xmlns:m="http://schemas.openxmlformats.org/officeDocument/2006/math" xmlns="" val="1"/>
             </a:ext>
           </a:extLst>
         </p:spPr>
@@ -25876,7 +25935,7 @@
           </a:ln>
           <a:extLst>
             <a:ext uri="{C572A759-6A51-4108-AA02-DFA0A04FC94B}">
-              <ma14:wrappingTextBoxFlag xmlns="" xmlns:m="http://schemas.openxmlformats.org/officeDocument/2006/math" xmlns:a14="http://schemas.microsoft.com/office/drawing/2010/main" xmlns:ma14="http://schemas.microsoft.com/office/mac/drawingml/2011/main" val="1"/>
+              <ma14:wrappingTextBoxFlag xmlns:ma14="http://schemas.microsoft.com/office/mac/drawingml/2011/main" xmlns:a14="http://schemas.microsoft.com/office/drawing/2010/main" xmlns:m="http://schemas.openxmlformats.org/officeDocument/2006/math" xmlns="" val="1"/>
             </a:ext>
           </a:extLst>
         </p:spPr>
@@ -25913,7 +25972,7 @@
           </a:ln>
           <a:extLst>
             <a:ext uri="{C572A759-6A51-4108-AA02-DFA0A04FC94B}">
-              <ma14:wrappingTextBoxFlag xmlns="" xmlns:m="http://schemas.openxmlformats.org/officeDocument/2006/math" xmlns:a14="http://schemas.microsoft.com/office/drawing/2010/main" xmlns:ma14="http://schemas.microsoft.com/office/mac/drawingml/2011/main" val="1"/>
+              <ma14:wrappingTextBoxFlag xmlns:ma14="http://schemas.microsoft.com/office/mac/drawingml/2011/main" xmlns:a14="http://schemas.microsoft.com/office/drawing/2010/main" xmlns:m="http://schemas.openxmlformats.org/officeDocument/2006/math" xmlns="" val="1"/>
             </a:ext>
           </a:extLst>
         </p:spPr>
@@ -25952,7 +26011,7 @@
           </a:ln>
           <a:extLst>
             <a:ext uri="{C572A759-6A51-4108-AA02-DFA0A04FC94B}">
-              <ma14:wrappingTextBoxFlag xmlns="" xmlns:m="http://schemas.openxmlformats.org/officeDocument/2006/math" xmlns:a14="http://schemas.microsoft.com/office/drawing/2010/main" xmlns:ma14="http://schemas.microsoft.com/office/mac/drawingml/2011/main" val="1"/>
+              <ma14:wrappingTextBoxFlag xmlns:ma14="http://schemas.microsoft.com/office/mac/drawingml/2011/main" xmlns:a14="http://schemas.microsoft.com/office/drawing/2010/main" xmlns:m="http://schemas.openxmlformats.org/officeDocument/2006/math" xmlns="" val="1"/>
             </a:ext>
           </a:extLst>
         </p:spPr>
@@ -25991,7 +26050,7 @@
           </a:ln>
           <a:extLst>
             <a:ext uri="{C572A759-6A51-4108-AA02-DFA0A04FC94B}">
-              <ma14:wrappingTextBoxFlag xmlns="" xmlns:m="http://schemas.openxmlformats.org/officeDocument/2006/math" xmlns:a14="http://schemas.microsoft.com/office/drawing/2010/main" xmlns:ma14="http://schemas.microsoft.com/office/mac/drawingml/2011/main" val="1"/>
+              <ma14:wrappingTextBoxFlag xmlns:ma14="http://schemas.microsoft.com/office/mac/drawingml/2011/main" xmlns:a14="http://schemas.microsoft.com/office/drawing/2010/main" xmlns:m="http://schemas.openxmlformats.org/officeDocument/2006/math" xmlns="" val="1"/>
             </a:ext>
           </a:extLst>
         </p:spPr>
@@ -26030,7 +26089,7 @@
           </a:ln>
           <a:extLst>
             <a:ext uri="{C572A759-6A51-4108-AA02-DFA0A04FC94B}">
-              <ma14:wrappingTextBoxFlag xmlns="" xmlns:m="http://schemas.openxmlformats.org/officeDocument/2006/math" xmlns:a14="http://schemas.microsoft.com/office/drawing/2010/main" xmlns:ma14="http://schemas.microsoft.com/office/mac/drawingml/2011/main" val="1"/>
+              <ma14:wrappingTextBoxFlag xmlns:ma14="http://schemas.microsoft.com/office/mac/drawingml/2011/main" xmlns:a14="http://schemas.microsoft.com/office/drawing/2010/main" xmlns:m="http://schemas.openxmlformats.org/officeDocument/2006/math" xmlns="" val="1"/>
             </a:ext>
           </a:extLst>
         </p:spPr>
@@ -26069,7 +26128,7 @@
           </a:ln>
           <a:extLst>
             <a:ext uri="{C572A759-6A51-4108-AA02-DFA0A04FC94B}">
-              <ma14:wrappingTextBoxFlag xmlns="" xmlns:m="http://schemas.openxmlformats.org/officeDocument/2006/math" xmlns:a14="http://schemas.microsoft.com/office/drawing/2010/main" xmlns:ma14="http://schemas.microsoft.com/office/mac/drawingml/2011/main" val="1"/>
+              <ma14:wrappingTextBoxFlag xmlns:ma14="http://schemas.microsoft.com/office/mac/drawingml/2011/main" xmlns:a14="http://schemas.microsoft.com/office/drawing/2010/main" xmlns:m="http://schemas.openxmlformats.org/officeDocument/2006/math" xmlns="" val="1"/>
             </a:ext>
           </a:extLst>
         </p:spPr>
@@ -26167,7 +26226,7 @@
           </a:ln>
           <a:extLst>
             <a:ext uri="{C572A759-6A51-4108-AA02-DFA0A04FC94B}">
-              <ma14:wrappingTextBoxFlag xmlns="" xmlns:m="http://schemas.openxmlformats.org/officeDocument/2006/math" xmlns:a14="http://schemas.microsoft.com/office/drawing/2010/main" xmlns:ma14="http://schemas.microsoft.com/office/mac/drawingml/2011/main" val="1"/>
+              <ma14:wrappingTextBoxFlag xmlns:ma14="http://schemas.microsoft.com/office/mac/drawingml/2011/main" xmlns:a14="http://schemas.microsoft.com/office/drawing/2010/main" xmlns:m="http://schemas.openxmlformats.org/officeDocument/2006/math" xmlns="" val="1"/>
             </a:ext>
           </a:extLst>
         </p:spPr>
@@ -26384,7 +26443,7 @@
           </a:ln>
           <a:extLst>
             <a:ext uri="{C572A759-6A51-4108-AA02-DFA0A04FC94B}">
-              <ma14:wrappingTextBoxFlag xmlns="" xmlns:m="http://schemas.openxmlformats.org/officeDocument/2006/math" xmlns:a14="http://schemas.microsoft.com/office/drawing/2010/main" xmlns:ma14="http://schemas.microsoft.com/office/mac/drawingml/2011/main" val="1"/>
+              <ma14:wrappingTextBoxFlag xmlns:ma14="http://schemas.microsoft.com/office/mac/drawingml/2011/main" xmlns:a14="http://schemas.microsoft.com/office/drawing/2010/main" xmlns:m="http://schemas.openxmlformats.org/officeDocument/2006/math" xmlns="" val="1"/>
             </a:ext>
           </a:extLst>
         </p:spPr>
@@ -26467,7 +26526,7 @@
           </a:ln>
           <a:extLst>
             <a:ext uri="{C572A759-6A51-4108-AA02-DFA0A04FC94B}">
-              <ma14:wrappingTextBoxFlag xmlns="" xmlns:m="http://schemas.openxmlformats.org/officeDocument/2006/math" xmlns:a14="http://schemas.microsoft.com/office/drawing/2010/main" xmlns:ma14="http://schemas.microsoft.com/office/mac/drawingml/2011/main" val="1"/>
+              <ma14:wrappingTextBoxFlag xmlns:ma14="http://schemas.microsoft.com/office/mac/drawingml/2011/main" xmlns:a14="http://schemas.microsoft.com/office/drawing/2010/main" xmlns:m="http://schemas.openxmlformats.org/officeDocument/2006/math" xmlns="" val="1"/>
             </a:ext>
           </a:extLst>
         </p:spPr>
@@ -26504,7 +26563,7 @@
           </a:ln>
           <a:extLst>
             <a:ext uri="{C572A759-6A51-4108-AA02-DFA0A04FC94B}">
-              <ma14:wrappingTextBoxFlag xmlns="" xmlns:m="http://schemas.openxmlformats.org/officeDocument/2006/math" xmlns:a14="http://schemas.microsoft.com/office/drawing/2010/main" xmlns:ma14="http://schemas.microsoft.com/office/mac/drawingml/2011/main" val="1"/>
+              <ma14:wrappingTextBoxFlag xmlns:ma14="http://schemas.microsoft.com/office/mac/drawingml/2011/main" xmlns:a14="http://schemas.microsoft.com/office/drawing/2010/main" xmlns:m="http://schemas.openxmlformats.org/officeDocument/2006/math" xmlns="" val="1"/>
             </a:ext>
           </a:extLst>
         </p:spPr>
@@ -26543,7 +26602,7 @@
           </a:ln>
           <a:extLst>
             <a:ext uri="{C572A759-6A51-4108-AA02-DFA0A04FC94B}">
-              <ma14:wrappingTextBoxFlag xmlns="" xmlns:m="http://schemas.openxmlformats.org/officeDocument/2006/math" xmlns:a14="http://schemas.microsoft.com/office/drawing/2010/main" xmlns:ma14="http://schemas.microsoft.com/office/mac/drawingml/2011/main" val="1"/>
+              <ma14:wrappingTextBoxFlag xmlns:ma14="http://schemas.microsoft.com/office/mac/drawingml/2011/main" xmlns:a14="http://schemas.microsoft.com/office/drawing/2010/main" xmlns:m="http://schemas.openxmlformats.org/officeDocument/2006/math" xmlns="" val="1"/>
             </a:ext>
           </a:extLst>
         </p:spPr>
@@ -26582,7 +26641,7 @@
           </a:ln>
           <a:extLst>
             <a:ext uri="{C572A759-6A51-4108-AA02-DFA0A04FC94B}">
-              <ma14:wrappingTextBoxFlag xmlns="" xmlns:m="http://schemas.openxmlformats.org/officeDocument/2006/math" xmlns:a14="http://schemas.microsoft.com/office/drawing/2010/main" xmlns:ma14="http://schemas.microsoft.com/office/mac/drawingml/2011/main" val="1"/>
+              <ma14:wrappingTextBoxFlag xmlns:ma14="http://schemas.microsoft.com/office/mac/drawingml/2011/main" xmlns:a14="http://schemas.microsoft.com/office/drawing/2010/main" xmlns:m="http://schemas.openxmlformats.org/officeDocument/2006/math" xmlns="" val="1"/>
             </a:ext>
           </a:extLst>
         </p:spPr>
@@ -26621,7 +26680,7 @@
           </a:ln>
           <a:extLst>
             <a:ext uri="{C572A759-6A51-4108-AA02-DFA0A04FC94B}">
-              <ma14:wrappingTextBoxFlag xmlns="" xmlns:m="http://schemas.openxmlformats.org/officeDocument/2006/math" xmlns:a14="http://schemas.microsoft.com/office/drawing/2010/main" xmlns:ma14="http://schemas.microsoft.com/office/mac/drawingml/2011/main" val="1"/>
+              <ma14:wrappingTextBoxFlag xmlns:ma14="http://schemas.microsoft.com/office/mac/drawingml/2011/main" xmlns:a14="http://schemas.microsoft.com/office/drawing/2010/main" xmlns:m="http://schemas.openxmlformats.org/officeDocument/2006/math" xmlns="" val="1"/>
             </a:ext>
           </a:extLst>
         </p:spPr>
@@ -26660,7 +26719,7 @@
           </a:ln>
           <a:extLst>
             <a:ext uri="{C572A759-6A51-4108-AA02-DFA0A04FC94B}">
-              <ma14:wrappingTextBoxFlag xmlns="" xmlns:m="http://schemas.openxmlformats.org/officeDocument/2006/math" xmlns:a14="http://schemas.microsoft.com/office/drawing/2010/main" xmlns:ma14="http://schemas.microsoft.com/office/mac/drawingml/2011/main" val="1"/>
+              <ma14:wrappingTextBoxFlag xmlns:ma14="http://schemas.microsoft.com/office/mac/drawingml/2011/main" xmlns:a14="http://schemas.microsoft.com/office/drawing/2010/main" xmlns:m="http://schemas.openxmlformats.org/officeDocument/2006/math" xmlns="" val="1"/>
             </a:ext>
           </a:extLst>
         </p:spPr>
@@ -26758,7 +26817,7 @@
           </a:ln>
           <a:extLst>
             <a:ext uri="{C572A759-6A51-4108-AA02-DFA0A04FC94B}">
-              <ma14:wrappingTextBoxFlag xmlns="" xmlns:m="http://schemas.openxmlformats.org/officeDocument/2006/math" xmlns:a14="http://schemas.microsoft.com/office/drawing/2010/main" xmlns:ma14="http://schemas.microsoft.com/office/mac/drawingml/2011/main" val="1"/>
+              <ma14:wrappingTextBoxFlag xmlns:ma14="http://schemas.microsoft.com/office/mac/drawingml/2011/main" xmlns:a14="http://schemas.microsoft.com/office/drawing/2010/main" xmlns:m="http://schemas.openxmlformats.org/officeDocument/2006/math" xmlns="" val="1"/>
             </a:ext>
           </a:extLst>
         </p:spPr>
@@ -26975,7 +27034,7 @@
           </a:ln>
           <a:extLst>
             <a:ext uri="{C572A759-6A51-4108-AA02-DFA0A04FC94B}">
-              <ma14:wrappingTextBoxFlag xmlns="" xmlns:m="http://schemas.openxmlformats.org/officeDocument/2006/math" xmlns:a14="http://schemas.microsoft.com/office/drawing/2010/main" xmlns:ma14="http://schemas.microsoft.com/office/mac/drawingml/2011/main" val="1"/>
+              <ma14:wrappingTextBoxFlag xmlns:ma14="http://schemas.microsoft.com/office/mac/drawingml/2011/main" xmlns:a14="http://schemas.microsoft.com/office/drawing/2010/main" xmlns:m="http://schemas.openxmlformats.org/officeDocument/2006/math" xmlns="" val="1"/>
             </a:ext>
           </a:extLst>
         </p:spPr>
@@ -27058,7 +27117,7 @@
           </a:ln>
           <a:extLst>
             <a:ext uri="{C572A759-6A51-4108-AA02-DFA0A04FC94B}">
-              <ma14:wrappingTextBoxFlag xmlns="" xmlns:m="http://schemas.openxmlformats.org/officeDocument/2006/math" xmlns:a14="http://schemas.microsoft.com/office/drawing/2010/main" xmlns:ma14="http://schemas.microsoft.com/office/mac/drawingml/2011/main" val="1"/>
+              <ma14:wrappingTextBoxFlag xmlns:ma14="http://schemas.microsoft.com/office/mac/drawingml/2011/main" xmlns:a14="http://schemas.microsoft.com/office/drawing/2010/main" xmlns:m="http://schemas.openxmlformats.org/officeDocument/2006/math" xmlns="" val="1"/>
             </a:ext>
           </a:extLst>
         </p:spPr>
@@ -27095,7 +27154,7 @@
           </a:ln>
           <a:extLst>
             <a:ext uri="{C572A759-6A51-4108-AA02-DFA0A04FC94B}">
-              <ma14:wrappingTextBoxFlag xmlns="" xmlns:m="http://schemas.openxmlformats.org/officeDocument/2006/math" xmlns:a14="http://schemas.microsoft.com/office/drawing/2010/main" xmlns:ma14="http://schemas.microsoft.com/office/mac/drawingml/2011/main" val="1"/>
+              <ma14:wrappingTextBoxFlag xmlns:ma14="http://schemas.microsoft.com/office/mac/drawingml/2011/main" xmlns:a14="http://schemas.microsoft.com/office/drawing/2010/main" xmlns:m="http://schemas.openxmlformats.org/officeDocument/2006/math" xmlns="" val="1"/>
             </a:ext>
           </a:extLst>
         </p:spPr>
@@ -27134,7 +27193,7 @@
           </a:ln>
           <a:extLst>
             <a:ext uri="{C572A759-6A51-4108-AA02-DFA0A04FC94B}">
-              <ma14:wrappingTextBoxFlag xmlns="" xmlns:m="http://schemas.openxmlformats.org/officeDocument/2006/math" xmlns:a14="http://schemas.microsoft.com/office/drawing/2010/main" xmlns:ma14="http://schemas.microsoft.com/office/mac/drawingml/2011/main" val="1"/>
+              <ma14:wrappingTextBoxFlag xmlns:ma14="http://schemas.microsoft.com/office/mac/drawingml/2011/main" xmlns:a14="http://schemas.microsoft.com/office/drawing/2010/main" xmlns:m="http://schemas.openxmlformats.org/officeDocument/2006/math" xmlns="" val="1"/>
             </a:ext>
           </a:extLst>
         </p:spPr>
@@ -27173,7 +27232,7 @@
           </a:ln>
           <a:extLst>
             <a:ext uri="{C572A759-6A51-4108-AA02-DFA0A04FC94B}">
-              <ma14:wrappingTextBoxFlag xmlns="" xmlns:m="http://schemas.openxmlformats.org/officeDocument/2006/math" xmlns:a14="http://schemas.microsoft.com/office/drawing/2010/main" xmlns:ma14="http://schemas.microsoft.com/office/mac/drawingml/2011/main" val="1"/>
+              <ma14:wrappingTextBoxFlag xmlns:ma14="http://schemas.microsoft.com/office/mac/drawingml/2011/main" xmlns:a14="http://schemas.microsoft.com/office/drawing/2010/main" xmlns:m="http://schemas.openxmlformats.org/officeDocument/2006/math" xmlns="" val="1"/>
             </a:ext>
           </a:extLst>
         </p:spPr>
@@ -27212,7 +27271,7 @@
           </a:ln>
           <a:extLst>
             <a:ext uri="{C572A759-6A51-4108-AA02-DFA0A04FC94B}">
-              <ma14:wrappingTextBoxFlag xmlns="" xmlns:m="http://schemas.openxmlformats.org/officeDocument/2006/math" xmlns:a14="http://schemas.microsoft.com/office/drawing/2010/main" xmlns:ma14="http://schemas.microsoft.com/office/mac/drawingml/2011/main" val="1"/>
+              <ma14:wrappingTextBoxFlag xmlns:ma14="http://schemas.microsoft.com/office/mac/drawingml/2011/main" xmlns:a14="http://schemas.microsoft.com/office/drawing/2010/main" xmlns:m="http://schemas.openxmlformats.org/officeDocument/2006/math" xmlns="" val="1"/>
             </a:ext>
           </a:extLst>
         </p:spPr>
@@ -27251,7 +27310,7 @@
           </a:ln>
           <a:extLst>
             <a:ext uri="{C572A759-6A51-4108-AA02-DFA0A04FC94B}">
-              <ma14:wrappingTextBoxFlag xmlns="" xmlns:m="http://schemas.openxmlformats.org/officeDocument/2006/math" xmlns:a14="http://schemas.microsoft.com/office/drawing/2010/main" xmlns:ma14="http://schemas.microsoft.com/office/mac/drawingml/2011/main" val="1"/>
+              <ma14:wrappingTextBoxFlag xmlns:ma14="http://schemas.microsoft.com/office/mac/drawingml/2011/main" xmlns:a14="http://schemas.microsoft.com/office/drawing/2010/main" xmlns:m="http://schemas.openxmlformats.org/officeDocument/2006/math" xmlns="" val="1"/>
             </a:ext>
           </a:extLst>
         </p:spPr>
@@ -27642,7 +27701,7 @@
           </a:ln>
           <a:extLst>
             <a:ext uri="{C572A759-6A51-4108-AA02-DFA0A04FC94B}">
-              <ma14:wrappingTextBoxFlag xmlns="" xmlns:m="http://schemas.openxmlformats.org/officeDocument/2006/math" xmlns:a14="http://schemas.microsoft.com/office/drawing/2010/main" xmlns:ma14="http://schemas.microsoft.com/office/mac/drawingml/2011/main" val="1"/>
+              <ma14:wrappingTextBoxFlag xmlns:ma14="http://schemas.microsoft.com/office/mac/drawingml/2011/main" xmlns:a14="http://schemas.microsoft.com/office/drawing/2010/main" xmlns:m="http://schemas.openxmlformats.org/officeDocument/2006/math" xmlns="" val="1"/>
             </a:ext>
           </a:extLst>
         </p:spPr>
@@ -27810,7 +27869,7 @@
           </a:ln>
           <a:extLst>
             <a:ext uri="{C572A759-6A51-4108-AA02-DFA0A04FC94B}">
-              <ma14:wrappingTextBoxFlag xmlns="" xmlns:m="http://schemas.openxmlformats.org/officeDocument/2006/math" xmlns:a14="http://schemas.microsoft.com/office/drawing/2010/main" xmlns:ma14="http://schemas.microsoft.com/office/mac/drawingml/2011/main" val="1"/>
+              <ma14:wrappingTextBoxFlag xmlns:ma14="http://schemas.microsoft.com/office/mac/drawingml/2011/main" xmlns:a14="http://schemas.microsoft.com/office/drawing/2010/main" xmlns:m="http://schemas.openxmlformats.org/officeDocument/2006/math" xmlns="" val="1"/>
             </a:ext>
           </a:extLst>
         </p:spPr>
@@ -27847,7 +27906,7 @@
           </a:ln>
           <a:extLst>
             <a:ext uri="{C572A759-6A51-4108-AA02-DFA0A04FC94B}">
-              <ma14:wrappingTextBoxFlag xmlns="" xmlns:m="http://schemas.openxmlformats.org/officeDocument/2006/math" xmlns:a14="http://schemas.microsoft.com/office/drawing/2010/main" xmlns:ma14="http://schemas.microsoft.com/office/mac/drawingml/2011/main" val="1"/>
+              <ma14:wrappingTextBoxFlag xmlns:ma14="http://schemas.microsoft.com/office/mac/drawingml/2011/main" xmlns:a14="http://schemas.microsoft.com/office/drawing/2010/main" xmlns:m="http://schemas.openxmlformats.org/officeDocument/2006/math" xmlns="" val="1"/>
             </a:ext>
           </a:extLst>
         </p:spPr>
@@ -28146,7 +28205,7 @@
           </a:ln>
           <a:extLst>
             <a:ext uri="{C572A759-6A51-4108-AA02-DFA0A04FC94B}">
-              <ma14:wrappingTextBoxFlag xmlns="" xmlns:m="http://schemas.openxmlformats.org/officeDocument/2006/math" xmlns:a14="http://schemas.microsoft.com/office/drawing/2010/main" xmlns:ma14="http://schemas.microsoft.com/office/mac/drawingml/2011/main" val="1"/>
+              <ma14:wrappingTextBoxFlag xmlns:ma14="http://schemas.microsoft.com/office/mac/drawingml/2011/main" xmlns:a14="http://schemas.microsoft.com/office/drawing/2010/main" xmlns:m="http://schemas.openxmlformats.org/officeDocument/2006/math" xmlns="" val="1"/>
             </a:ext>
           </a:extLst>
         </p:spPr>
@@ -28329,7 +28388,7 @@
           </a:ln>
           <a:extLst>
             <a:ext uri="{C572A759-6A51-4108-AA02-DFA0A04FC94B}">
-              <ma14:wrappingTextBoxFlag xmlns="" xmlns:m="http://schemas.openxmlformats.org/officeDocument/2006/math" xmlns:a14="http://schemas.microsoft.com/office/drawing/2010/main" xmlns:ma14="http://schemas.microsoft.com/office/mac/drawingml/2011/main" val="1"/>
+              <ma14:wrappingTextBoxFlag xmlns:ma14="http://schemas.microsoft.com/office/mac/drawingml/2011/main" xmlns:a14="http://schemas.microsoft.com/office/drawing/2010/main" xmlns:m="http://schemas.openxmlformats.org/officeDocument/2006/math" xmlns="" val="1"/>
             </a:ext>
           </a:extLst>
         </p:spPr>
@@ -28366,7 +28425,7 @@
           </a:ln>
           <a:extLst>
             <a:ext uri="{C572A759-6A51-4108-AA02-DFA0A04FC94B}">
-              <ma14:wrappingTextBoxFlag xmlns="" xmlns:m="http://schemas.openxmlformats.org/officeDocument/2006/math" xmlns:a14="http://schemas.microsoft.com/office/drawing/2010/main" xmlns:ma14="http://schemas.microsoft.com/office/mac/drawingml/2011/main" val="1"/>
+              <ma14:wrappingTextBoxFlag xmlns:ma14="http://schemas.microsoft.com/office/mac/drawingml/2011/main" xmlns:a14="http://schemas.microsoft.com/office/drawing/2010/main" xmlns:m="http://schemas.openxmlformats.org/officeDocument/2006/math" xmlns="" val="1"/>
             </a:ext>
           </a:extLst>
         </p:spPr>
@@ -28702,7 +28761,7 @@
           </a:ln>
           <a:extLst>
             <a:ext uri="{C572A759-6A51-4108-AA02-DFA0A04FC94B}">
-              <ma14:wrappingTextBoxFlag xmlns="" xmlns:m="http://schemas.openxmlformats.org/officeDocument/2006/math" xmlns:a14="http://schemas.microsoft.com/office/drawing/2010/main" xmlns:ma14="http://schemas.microsoft.com/office/mac/drawingml/2011/main" val="1"/>
+              <ma14:wrappingTextBoxFlag xmlns:ma14="http://schemas.microsoft.com/office/mac/drawingml/2011/main" xmlns:a14="http://schemas.microsoft.com/office/drawing/2010/main" xmlns:m="http://schemas.openxmlformats.org/officeDocument/2006/math" xmlns="" val="1"/>
             </a:ext>
           </a:extLst>
         </p:spPr>
@@ -28737,7 +28796,7 @@
           </a:ln>
           <a:extLst>
             <a:ext uri="{C572A759-6A51-4108-AA02-DFA0A04FC94B}">
-              <ma14:wrappingTextBoxFlag xmlns="" xmlns:m="http://schemas.openxmlformats.org/officeDocument/2006/math" xmlns:a14="http://schemas.microsoft.com/office/drawing/2010/main" xmlns:ma14="http://schemas.microsoft.com/office/mac/drawingml/2011/main" val="1"/>
+              <ma14:wrappingTextBoxFlag xmlns:ma14="http://schemas.microsoft.com/office/mac/drawingml/2011/main" xmlns:a14="http://schemas.microsoft.com/office/drawing/2010/main" xmlns:m="http://schemas.openxmlformats.org/officeDocument/2006/math" xmlns="" val="1"/>
             </a:ext>
           </a:extLst>
         </p:spPr>
@@ -28855,7 +28914,7 @@
           </a:ln>
           <a:extLst>
             <a:ext uri="{C572A759-6A51-4108-AA02-DFA0A04FC94B}">
-              <ma14:wrappingTextBoxFlag xmlns="" xmlns:m="http://schemas.openxmlformats.org/officeDocument/2006/math" xmlns:a14="http://schemas.microsoft.com/office/drawing/2010/main" xmlns:ma14="http://schemas.microsoft.com/office/mac/drawingml/2011/main" val="1"/>
+              <ma14:wrappingTextBoxFlag xmlns:ma14="http://schemas.microsoft.com/office/mac/drawingml/2011/main" xmlns:a14="http://schemas.microsoft.com/office/drawing/2010/main" xmlns:m="http://schemas.openxmlformats.org/officeDocument/2006/math" xmlns="" val="1"/>
             </a:ext>
           </a:extLst>
         </p:spPr>
@@ -28901,7 +28960,7 @@
           </a:ln>
           <a:extLst>
             <a:ext uri="{C572A759-6A51-4108-AA02-DFA0A04FC94B}">
-              <ma14:wrappingTextBoxFlag xmlns="" xmlns:m="http://schemas.openxmlformats.org/officeDocument/2006/math" xmlns:a14="http://schemas.microsoft.com/office/drawing/2010/main" xmlns:ma14="http://schemas.microsoft.com/office/mac/drawingml/2011/main" val="1"/>
+              <ma14:wrappingTextBoxFlag xmlns:ma14="http://schemas.microsoft.com/office/mac/drawingml/2011/main" xmlns:a14="http://schemas.microsoft.com/office/drawing/2010/main" xmlns:m="http://schemas.openxmlformats.org/officeDocument/2006/math" xmlns="" val="1"/>
             </a:ext>
           </a:extLst>
         </p:spPr>
@@ -28948,7 +29007,7 @@
           </a:ln>
           <a:extLst>
             <a:ext uri="{C572A759-6A51-4108-AA02-DFA0A04FC94B}">
-              <ma14:wrappingTextBoxFlag xmlns="" xmlns:m="http://schemas.openxmlformats.org/officeDocument/2006/math" xmlns:a14="http://schemas.microsoft.com/office/drawing/2010/main" xmlns:ma14="http://schemas.microsoft.com/office/mac/drawingml/2011/main" val="1"/>
+              <ma14:wrappingTextBoxFlag xmlns:ma14="http://schemas.microsoft.com/office/mac/drawingml/2011/main" xmlns:a14="http://schemas.microsoft.com/office/drawing/2010/main" xmlns:m="http://schemas.openxmlformats.org/officeDocument/2006/math" xmlns="" val="1"/>
             </a:ext>
           </a:extLst>
         </p:spPr>
@@ -29197,7 +29256,7 @@
           </a:ln>
           <a:extLst>
             <a:ext uri="{C572A759-6A51-4108-AA02-DFA0A04FC94B}">
-              <ma14:wrappingTextBoxFlag xmlns="" xmlns:m="http://schemas.openxmlformats.org/officeDocument/2006/math" xmlns:a14="http://schemas.microsoft.com/office/drawing/2010/main" xmlns:ma14="http://schemas.microsoft.com/office/mac/drawingml/2011/main" val="1"/>
+              <ma14:wrappingTextBoxFlag xmlns:ma14="http://schemas.microsoft.com/office/mac/drawingml/2011/main" xmlns:a14="http://schemas.microsoft.com/office/drawing/2010/main" xmlns:m="http://schemas.openxmlformats.org/officeDocument/2006/math" xmlns="" val="1"/>
             </a:ext>
           </a:extLst>
         </p:spPr>
@@ -29426,7 +29485,7 @@
           </a:ln>
           <a:extLst>
             <a:ext uri="{C572A759-6A51-4108-AA02-DFA0A04FC94B}">
-              <ma14:wrappingTextBoxFlag xmlns="" xmlns:m="http://schemas.openxmlformats.org/officeDocument/2006/math" xmlns:a14="http://schemas.microsoft.com/office/drawing/2010/main" xmlns:ma14="http://schemas.microsoft.com/office/mac/drawingml/2011/main" val="1"/>
+              <ma14:wrappingTextBoxFlag xmlns:ma14="http://schemas.microsoft.com/office/mac/drawingml/2011/main" xmlns:a14="http://schemas.microsoft.com/office/drawing/2010/main" xmlns:m="http://schemas.openxmlformats.org/officeDocument/2006/math" xmlns="" val="1"/>
             </a:ext>
           </a:extLst>
         </p:spPr>
@@ -29463,7 +29522,7 @@
           </a:ln>
           <a:extLst>
             <a:ext uri="{C572A759-6A51-4108-AA02-DFA0A04FC94B}">
-              <ma14:wrappingTextBoxFlag xmlns="" xmlns:m="http://schemas.openxmlformats.org/officeDocument/2006/math" xmlns:a14="http://schemas.microsoft.com/office/drawing/2010/main" xmlns:ma14="http://schemas.microsoft.com/office/mac/drawingml/2011/main" val="1"/>
+              <ma14:wrappingTextBoxFlag xmlns:ma14="http://schemas.microsoft.com/office/mac/drawingml/2011/main" xmlns:a14="http://schemas.microsoft.com/office/drawing/2010/main" xmlns:m="http://schemas.openxmlformats.org/officeDocument/2006/math" xmlns="" val="1"/>
             </a:ext>
           </a:extLst>
         </p:spPr>
@@ -29762,7 +29821,7 @@
           </a:ln>
           <a:extLst>
             <a:ext uri="{C572A759-6A51-4108-AA02-DFA0A04FC94B}">
-              <ma14:wrappingTextBoxFlag xmlns="" xmlns:m="http://schemas.openxmlformats.org/officeDocument/2006/math" xmlns:a14="http://schemas.microsoft.com/office/drawing/2010/main" xmlns:ma14="http://schemas.microsoft.com/office/mac/drawingml/2011/main" val="1"/>
+              <ma14:wrappingTextBoxFlag xmlns:ma14="http://schemas.microsoft.com/office/mac/drawingml/2011/main" xmlns:a14="http://schemas.microsoft.com/office/drawing/2010/main" xmlns:m="http://schemas.openxmlformats.org/officeDocument/2006/math" xmlns="" val="1"/>
             </a:ext>
           </a:extLst>
         </p:spPr>
@@ -30011,7 +30070,7 @@
           </a:ln>
           <a:extLst>
             <a:ext uri="{C572A759-6A51-4108-AA02-DFA0A04FC94B}">
-              <ma14:wrappingTextBoxFlag xmlns="" xmlns:m="http://schemas.openxmlformats.org/officeDocument/2006/math" xmlns:a14="http://schemas.microsoft.com/office/drawing/2010/main" xmlns:ma14="http://schemas.microsoft.com/office/mac/drawingml/2011/main" val="1"/>
+              <ma14:wrappingTextBoxFlag xmlns:ma14="http://schemas.microsoft.com/office/mac/drawingml/2011/main" xmlns:a14="http://schemas.microsoft.com/office/drawing/2010/main" xmlns:m="http://schemas.openxmlformats.org/officeDocument/2006/math" xmlns="" val="1"/>
             </a:ext>
           </a:extLst>
         </p:spPr>
@@ -30048,7 +30107,7 @@
           </a:ln>
           <a:extLst>
             <a:ext uri="{C572A759-6A51-4108-AA02-DFA0A04FC94B}">
-              <ma14:wrappingTextBoxFlag xmlns="" xmlns:m="http://schemas.openxmlformats.org/officeDocument/2006/math" xmlns:a14="http://schemas.microsoft.com/office/drawing/2010/main" xmlns:ma14="http://schemas.microsoft.com/office/mac/drawingml/2011/main" val="1"/>
+              <ma14:wrappingTextBoxFlag xmlns:ma14="http://schemas.microsoft.com/office/mac/drawingml/2011/main" xmlns:a14="http://schemas.microsoft.com/office/drawing/2010/main" xmlns:m="http://schemas.openxmlformats.org/officeDocument/2006/math" xmlns="" val="1"/>
             </a:ext>
           </a:extLst>
         </p:spPr>
@@ -31095,7 +31154,7 @@
           </a:ln>
           <a:extLst>
             <a:ext uri="{C572A759-6A51-4108-AA02-DFA0A04FC94B}">
-              <ma14:wrappingTextBoxFlag xmlns="" xmlns:m="http://schemas.openxmlformats.org/officeDocument/2006/math" xmlns:a14="http://schemas.microsoft.com/office/drawing/2010/main" xmlns:ma14="http://schemas.microsoft.com/office/mac/drawingml/2011/main" val="1"/>
+              <ma14:wrappingTextBoxFlag xmlns:ma14="http://schemas.microsoft.com/office/mac/drawingml/2011/main" xmlns:a14="http://schemas.microsoft.com/office/drawing/2010/main" xmlns:m="http://schemas.openxmlformats.org/officeDocument/2006/math" xmlns="" val="1"/>
             </a:ext>
           </a:extLst>
         </p:spPr>
@@ -31130,7 +31189,7 @@
           </a:ln>
           <a:extLst>
             <a:ext uri="{C572A759-6A51-4108-AA02-DFA0A04FC94B}">
-              <ma14:wrappingTextBoxFlag xmlns="" xmlns:m="http://schemas.openxmlformats.org/officeDocument/2006/math" xmlns:a14="http://schemas.microsoft.com/office/drawing/2010/main" xmlns:ma14="http://schemas.microsoft.com/office/mac/drawingml/2011/main" val="1"/>
+              <ma14:wrappingTextBoxFlag xmlns:ma14="http://schemas.microsoft.com/office/mac/drawingml/2011/main" xmlns:a14="http://schemas.microsoft.com/office/drawing/2010/main" xmlns:m="http://schemas.openxmlformats.org/officeDocument/2006/math" xmlns="" val="1"/>
             </a:ext>
           </a:extLst>
         </p:spPr>
@@ -31248,7 +31307,7 @@
           </a:ln>
           <a:extLst>
             <a:ext uri="{C572A759-6A51-4108-AA02-DFA0A04FC94B}">
-              <ma14:wrappingTextBoxFlag xmlns="" xmlns:m="http://schemas.openxmlformats.org/officeDocument/2006/math" xmlns:a14="http://schemas.microsoft.com/office/drawing/2010/main" xmlns:ma14="http://schemas.microsoft.com/office/mac/drawingml/2011/main" val="1"/>
+              <ma14:wrappingTextBoxFlag xmlns:ma14="http://schemas.microsoft.com/office/mac/drawingml/2011/main" xmlns:a14="http://schemas.microsoft.com/office/drawing/2010/main" xmlns:m="http://schemas.openxmlformats.org/officeDocument/2006/math" xmlns="" val="1"/>
             </a:ext>
           </a:extLst>
         </p:spPr>
@@ -31294,7 +31353,7 @@
           </a:ln>
           <a:extLst>
             <a:ext uri="{C572A759-6A51-4108-AA02-DFA0A04FC94B}">
-              <ma14:wrappingTextBoxFlag xmlns="" xmlns:m="http://schemas.openxmlformats.org/officeDocument/2006/math" xmlns:a14="http://schemas.microsoft.com/office/drawing/2010/main" xmlns:ma14="http://schemas.microsoft.com/office/mac/drawingml/2011/main" val="1"/>
+              <ma14:wrappingTextBoxFlag xmlns:ma14="http://schemas.microsoft.com/office/mac/drawingml/2011/main" xmlns:a14="http://schemas.microsoft.com/office/drawing/2010/main" xmlns:m="http://schemas.openxmlformats.org/officeDocument/2006/math" xmlns="" val="1"/>
             </a:ext>
           </a:extLst>
         </p:spPr>
@@ -31340,7 +31399,7 @@
           </a:ln>
           <a:extLst>
             <a:ext uri="{C572A759-6A51-4108-AA02-DFA0A04FC94B}">
-              <ma14:wrappingTextBoxFlag xmlns="" xmlns:m="http://schemas.openxmlformats.org/officeDocument/2006/math" xmlns:a14="http://schemas.microsoft.com/office/drawing/2010/main" xmlns:ma14="http://schemas.microsoft.com/office/mac/drawingml/2011/main" val="1"/>
+              <ma14:wrappingTextBoxFlag xmlns:ma14="http://schemas.microsoft.com/office/mac/drawingml/2011/main" xmlns:a14="http://schemas.microsoft.com/office/drawing/2010/main" xmlns:m="http://schemas.openxmlformats.org/officeDocument/2006/math" xmlns="" val="1"/>
             </a:ext>
           </a:extLst>
         </p:spPr>
@@ -31493,7 +31552,7 @@
           </a:ln>
           <a:extLst>
             <a:ext uri="{C572A759-6A51-4108-AA02-DFA0A04FC94B}">
-              <ma14:wrappingTextBoxFlag xmlns="" xmlns:m="http://schemas.openxmlformats.org/officeDocument/2006/math" xmlns:a14="http://schemas.microsoft.com/office/drawing/2010/main" xmlns:ma14="http://schemas.microsoft.com/office/mac/drawingml/2011/main" val="1"/>
+              <ma14:wrappingTextBoxFlag xmlns:ma14="http://schemas.microsoft.com/office/mac/drawingml/2011/main" xmlns:a14="http://schemas.microsoft.com/office/drawing/2010/main" xmlns:m="http://schemas.openxmlformats.org/officeDocument/2006/math" xmlns="" val="1"/>
             </a:ext>
           </a:extLst>
         </p:spPr>
@@ -31528,7 +31587,7 @@
           </a:ln>
           <a:extLst>
             <a:ext uri="{C572A759-6A51-4108-AA02-DFA0A04FC94B}">
-              <ma14:wrappingTextBoxFlag xmlns="" xmlns:m="http://schemas.openxmlformats.org/officeDocument/2006/math" xmlns:a14="http://schemas.microsoft.com/office/drawing/2010/main" xmlns:ma14="http://schemas.microsoft.com/office/mac/drawingml/2011/main" val="1"/>
+              <ma14:wrappingTextBoxFlag xmlns:ma14="http://schemas.microsoft.com/office/mac/drawingml/2011/main" xmlns:a14="http://schemas.microsoft.com/office/drawing/2010/main" xmlns:m="http://schemas.openxmlformats.org/officeDocument/2006/math" xmlns="" val="1"/>
             </a:ext>
           </a:extLst>
         </p:spPr>
@@ -31608,7 +31667,7 @@
           </a:ln>
           <a:extLst>
             <a:ext uri="{C572A759-6A51-4108-AA02-DFA0A04FC94B}">
-              <ma14:wrappingTextBoxFlag xmlns="" xmlns:m="http://schemas.openxmlformats.org/officeDocument/2006/math" xmlns:a14="http://schemas.microsoft.com/office/drawing/2010/main" xmlns:ma14="http://schemas.microsoft.com/office/mac/drawingml/2011/main" val="1"/>
+              <ma14:wrappingTextBoxFlag xmlns:ma14="http://schemas.microsoft.com/office/mac/drawingml/2011/main" xmlns:a14="http://schemas.microsoft.com/office/drawing/2010/main" xmlns:m="http://schemas.openxmlformats.org/officeDocument/2006/math" xmlns="" val="1"/>
             </a:ext>
           </a:extLst>
         </p:spPr>
@@ -31907,7 +31966,7 @@
           </a:ln>
           <a:extLst>
             <a:ext uri="{C572A759-6A51-4108-AA02-DFA0A04FC94B}">
-              <ma14:wrappingTextBoxFlag xmlns="" xmlns:m="http://schemas.openxmlformats.org/officeDocument/2006/math" xmlns:a14="http://schemas.microsoft.com/office/drawing/2010/main" xmlns:ma14="http://schemas.microsoft.com/office/mac/drawingml/2011/main" val="1"/>
+              <ma14:wrappingTextBoxFlag xmlns:ma14="http://schemas.microsoft.com/office/mac/drawingml/2011/main" xmlns:a14="http://schemas.microsoft.com/office/drawing/2010/main" xmlns:m="http://schemas.openxmlformats.org/officeDocument/2006/math" xmlns="" val="1"/>
             </a:ext>
           </a:extLst>
         </p:spPr>
@@ -31942,7 +32001,7 @@
           </a:ln>
           <a:extLst>
             <a:ext uri="{C572A759-6A51-4108-AA02-DFA0A04FC94B}">
-              <ma14:wrappingTextBoxFlag xmlns="" xmlns:m="http://schemas.openxmlformats.org/officeDocument/2006/math" xmlns:a14="http://schemas.microsoft.com/office/drawing/2010/main" xmlns:ma14="http://schemas.microsoft.com/office/mac/drawingml/2011/main" val="1"/>
+              <ma14:wrappingTextBoxFlag xmlns:ma14="http://schemas.microsoft.com/office/mac/drawingml/2011/main" xmlns:a14="http://schemas.microsoft.com/office/drawing/2010/main" xmlns:m="http://schemas.openxmlformats.org/officeDocument/2006/math" xmlns="" val="1"/>
             </a:ext>
           </a:extLst>
         </p:spPr>
@@ -32060,7 +32119,7 @@
           </a:ln>
           <a:extLst>
             <a:ext uri="{C572A759-6A51-4108-AA02-DFA0A04FC94B}">
-              <ma14:wrappingTextBoxFlag xmlns="" xmlns:m="http://schemas.openxmlformats.org/officeDocument/2006/math" xmlns:a14="http://schemas.microsoft.com/office/drawing/2010/main" xmlns:ma14="http://schemas.microsoft.com/office/mac/drawingml/2011/main" val="1"/>
+              <ma14:wrappingTextBoxFlag xmlns:ma14="http://schemas.microsoft.com/office/mac/drawingml/2011/main" xmlns:a14="http://schemas.microsoft.com/office/drawing/2010/main" xmlns:m="http://schemas.openxmlformats.org/officeDocument/2006/math" xmlns="" val="1"/>
             </a:ext>
           </a:extLst>
         </p:spPr>
@@ -32106,7 +32165,7 @@
           </a:ln>
           <a:extLst>
             <a:ext uri="{C572A759-6A51-4108-AA02-DFA0A04FC94B}">
-              <ma14:wrappingTextBoxFlag xmlns="" xmlns:m="http://schemas.openxmlformats.org/officeDocument/2006/math" xmlns:a14="http://schemas.microsoft.com/office/drawing/2010/main" xmlns:ma14="http://schemas.microsoft.com/office/mac/drawingml/2011/main" val="1"/>
+              <ma14:wrappingTextBoxFlag xmlns:ma14="http://schemas.microsoft.com/office/mac/drawingml/2011/main" xmlns:a14="http://schemas.microsoft.com/office/drawing/2010/main" xmlns:m="http://schemas.openxmlformats.org/officeDocument/2006/math" xmlns="" val="1"/>
             </a:ext>
           </a:extLst>
         </p:spPr>
@@ -32149,7 +32208,7 @@
           </a:ln>
           <a:extLst>
             <a:ext uri="{C572A759-6A51-4108-AA02-DFA0A04FC94B}">
-              <ma14:wrappingTextBoxFlag xmlns="" xmlns:m="http://schemas.openxmlformats.org/officeDocument/2006/math" xmlns:a14="http://schemas.microsoft.com/office/drawing/2010/main" xmlns:ma14="http://schemas.microsoft.com/office/mac/drawingml/2011/main" val="1"/>
+              <ma14:wrappingTextBoxFlag xmlns:ma14="http://schemas.microsoft.com/office/mac/drawingml/2011/main" xmlns:a14="http://schemas.microsoft.com/office/drawing/2010/main" xmlns:m="http://schemas.openxmlformats.org/officeDocument/2006/math" xmlns="" val="1"/>
             </a:ext>
           </a:extLst>
         </p:spPr>
@@ -32184,7 +32243,7 @@
           </a:ln>
           <a:extLst>
             <a:ext uri="{C572A759-6A51-4108-AA02-DFA0A04FC94B}">
-              <ma14:wrappingTextBoxFlag xmlns="" xmlns:m="http://schemas.openxmlformats.org/officeDocument/2006/math" xmlns:a14="http://schemas.microsoft.com/office/drawing/2010/main" xmlns:ma14="http://schemas.microsoft.com/office/mac/drawingml/2011/main" val="1"/>
+              <ma14:wrappingTextBoxFlag xmlns:ma14="http://schemas.microsoft.com/office/mac/drawingml/2011/main" xmlns:a14="http://schemas.microsoft.com/office/drawing/2010/main" xmlns:m="http://schemas.openxmlformats.org/officeDocument/2006/math" xmlns="" val="1"/>
             </a:ext>
           </a:extLst>
         </p:spPr>
@@ -32267,7 +32326,7 @@
           </a:ln>
           <a:extLst>
             <a:ext uri="{C572A759-6A51-4108-AA02-DFA0A04FC94B}">
-              <ma14:wrappingTextBoxFlag xmlns="" xmlns:m="http://schemas.openxmlformats.org/officeDocument/2006/math" xmlns:a14="http://schemas.microsoft.com/office/drawing/2010/main" xmlns:ma14="http://schemas.microsoft.com/office/mac/drawingml/2011/main" val="1"/>
+              <ma14:wrappingTextBoxFlag xmlns:ma14="http://schemas.microsoft.com/office/mac/drawingml/2011/main" xmlns:a14="http://schemas.microsoft.com/office/drawing/2010/main" xmlns:m="http://schemas.openxmlformats.org/officeDocument/2006/math" xmlns="" val="1"/>
             </a:ext>
           </a:extLst>
         </p:spPr>
@@ -32457,7 +32516,7 @@
           </a:ln>
           <a:extLst>
             <a:ext uri="{C572A759-6A51-4108-AA02-DFA0A04FC94B}">
-              <ma14:wrappingTextBoxFlag xmlns="" xmlns:m="http://schemas.openxmlformats.org/officeDocument/2006/math" xmlns:a14="http://schemas.microsoft.com/office/drawing/2010/main" xmlns:ma14="http://schemas.microsoft.com/office/mac/drawingml/2011/main" val="1"/>
+              <ma14:wrappingTextBoxFlag xmlns:ma14="http://schemas.microsoft.com/office/mac/drawingml/2011/main" xmlns:a14="http://schemas.microsoft.com/office/drawing/2010/main" xmlns:m="http://schemas.openxmlformats.org/officeDocument/2006/math" xmlns="" val="1"/>
             </a:ext>
           </a:extLst>
         </p:spPr>
@@ -32756,7 +32815,7 @@
           </a:ln>
           <a:extLst>
             <a:ext uri="{C572A759-6A51-4108-AA02-DFA0A04FC94B}">
-              <ma14:wrappingTextBoxFlag xmlns="" xmlns:m="http://schemas.openxmlformats.org/officeDocument/2006/math" xmlns:a14="http://schemas.microsoft.com/office/drawing/2010/main" xmlns:ma14="http://schemas.microsoft.com/office/mac/drawingml/2011/main" val="1"/>
+              <ma14:wrappingTextBoxFlag xmlns:ma14="http://schemas.microsoft.com/office/mac/drawingml/2011/main" xmlns:a14="http://schemas.microsoft.com/office/drawing/2010/main" xmlns:m="http://schemas.openxmlformats.org/officeDocument/2006/math" xmlns="" val="1"/>
             </a:ext>
           </a:extLst>
         </p:spPr>
@@ -32791,7 +32850,7 @@
           </a:ln>
           <a:extLst>
             <a:ext uri="{C572A759-6A51-4108-AA02-DFA0A04FC94B}">
-              <ma14:wrappingTextBoxFlag xmlns="" xmlns:m="http://schemas.openxmlformats.org/officeDocument/2006/math" xmlns:a14="http://schemas.microsoft.com/office/drawing/2010/main" xmlns:ma14="http://schemas.microsoft.com/office/mac/drawingml/2011/main" val="1"/>
+              <ma14:wrappingTextBoxFlag xmlns:ma14="http://schemas.microsoft.com/office/mac/drawingml/2011/main" xmlns:a14="http://schemas.microsoft.com/office/drawing/2010/main" xmlns:m="http://schemas.openxmlformats.org/officeDocument/2006/math" xmlns="" val="1"/>
             </a:ext>
           </a:extLst>
         </p:spPr>
@@ -32909,7 +32968,7 @@
           </a:ln>
           <a:extLst>
             <a:ext uri="{C572A759-6A51-4108-AA02-DFA0A04FC94B}">
-              <ma14:wrappingTextBoxFlag xmlns="" xmlns:m="http://schemas.openxmlformats.org/officeDocument/2006/math" xmlns:a14="http://schemas.microsoft.com/office/drawing/2010/main" xmlns:ma14="http://schemas.microsoft.com/office/mac/drawingml/2011/main" val="1"/>
+              <ma14:wrappingTextBoxFlag xmlns:ma14="http://schemas.microsoft.com/office/mac/drawingml/2011/main" xmlns:a14="http://schemas.microsoft.com/office/drawing/2010/main" xmlns:m="http://schemas.openxmlformats.org/officeDocument/2006/math" xmlns="" val="1"/>
             </a:ext>
           </a:extLst>
         </p:spPr>
@@ -32955,7 +33014,7 @@
           </a:ln>
           <a:extLst>
             <a:ext uri="{C572A759-6A51-4108-AA02-DFA0A04FC94B}">
-              <ma14:wrappingTextBoxFlag xmlns="" xmlns:m="http://schemas.openxmlformats.org/officeDocument/2006/math" xmlns:a14="http://schemas.microsoft.com/office/drawing/2010/main" xmlns:ma14="http://schemas.microsoft.com/office/mac/drawingml/2011/main" val="1"/>
+              <ma14:wrappingTextBoxFlag xmlns:ma14="http://schemas.microsoft.com/office/mac/drawingml/2011/main" xmlns:a14="http://schemas.microsoft.com/office/drawing/2010/main" xmlns:m="http://schemas.openxmlformats.org/officeDocument/2006/math" xmlns="" val="1"/>
             </a:ext>
           </a:extLst>
         </p:spPr>
@@ -32990,7 +33049,7 @@
           </a:ln>
           <a:extLst>
             <a:ext uri="{C572A759-6A51-4108-AA02-DFA0A04FC94B}">
-              <ma14:wrappingTextBoxFlag xmlns="" xmlns:m="http://schemas.openxmlformats.org/officeDocument/2006/math" xmlns:a14="http://schemas.microsoft.com/office/drawing/2010/main" xmlns:ma14="http://schemas.microsoft.com/office/mac/drawingml/2011/main" val="1"/>
+              <ma14:wrappingTextBoxFlag xmlns:ma14="http://schemas.microsoft.com/office/mac/drawingml/2011/main" xmlns:a14="http://schemas.microsoft.com/office/drawing/2010/main" xmlns:m="http://schemas.openxmlformats.org/officeDocument/2006/math" xmlns="" val="1"/>
             </a:ext>
           </a:extLst>
         </p:spPr>
@@ -33073,7 +33132,7 @@
           </a:ln>
           <a:extLst>
             <a:ext uri="{C572A759-6A51-4108-AA02-DFA0A04FC94B}">
-              <ma14:wrappingTextBoxFlag xmlns="" xmlns:m="http://schemas.openxmlformats.org/officeDocument/2006/math" xmlns:a14="http://schemas.microsoft.com/office/drawing/2010/main" xmlns:ma14="http://schemas.microsoft.com/office/mac/drawingml/2011/main" val="1"/>
+              <ma14:wrappingTextBoxFlag xmlns:ma14="http://schemas.microsoft.com/office/mac/drawingml/2011/main" xmlns:a14="http://schemas.microsoft.com/office/drawing/2010/main" xmlns:m="http://schemas.openxmlformats.org/officeDocument/2006/math" xmlns="" val="1"/>
             </a:ext>
           </a:extLst>
         </p:spPr>
@@ -33243,7 +33302,7 @@
           </a:ln>
           <a:extLst>
             <a:ext uri="{C572A759-6A51-4108-AA02-DFA0A04FC94B}">
-              <ma14:wrappingTextBoxFlag xmlns="" xmlns:m="http://schemas.openxmlformats.org/officeDocument/2006/math" xmlns:a14="http://schemas.microsoft.com/office/drawing/2010/main" xmlns:ma14="http://schemas.microsoft.com/office/mac/drawingml/2011/main" val="1"/>
+              <ma14:wrappingTextBoxFlag xmlns:ma14="http://schemas.microsoft.com/office/mac/drawingml/2011/main" xmlns:a14="http://schemas.microsoft.com/office/drawing/2010/main" xmlns:m="http://schemas.openxmlformats.org/officeDocument/2006/math" xmlns="" val="1"/>
             </a:ext>
           </a:extLst>
         </p:spPr>
@@ -33325,7 +33384,7 @@
           </a:ln>
           <a:extLst>
             <a:ext uri="{C572A759-6A51-4108-AA02-DFA0A04FC94B}">
-              <ma14:wrappingTextBoxFlag xmlns="" xmlns:m="http://schemas.openxmlformats.org/officeDocument/2006/math" xmlns:a14="http://schemas.microsoft.com/office/drawing/2010/main" xmlns:ma14="http://schemas.microsoft.com/office/mac/drawingml/2011/main" val="1"/>
+              <ma14:wrappingTextBoxFlag xmlns:ma14="http://schemas.microsoft.com/office/mac/drawingml/2011/main" xmlns:a14="http://schemas.microsoft.com/office/drawing/2010/main" xmlns:m="http://schemas.openxmlformats.org/officeDocument/2006/math" xmlns="" val="1"/>
             </a:ext>
           </a:extLst>
         </p:spPr>
